--- a/www/static/nittio_res_v39/_icon_sources/icons.pptx
+++ b/www/static/nittio_res_v39/_icon_sources/icons.pptx
@@ -3214,17 +3214,8 @@
               <a:rPr lang="en-US" dirty="0">
                 <a:sym typeface="Wingdings"/>
               </a:rPr>
-              <a:t></a:t>
-            </a:r>
-            <a:r>
-              <a:rPr lang="en-US" dirty="0">
-                <a:sym typeface="Wingdings"/>
-              </a:rPr>
-              <a:t></a:t>
-            </a:r>
-            <a:endParaRPr lang="en-US" dirty="0">
-              <a:sym typeface="Wingdings"/>
-            </a:endParaRPr>
+              <a:t></a:t>
+            </a:r>
           </a:p>
         </p:txBody>
       </p:sp>
@@ -3236,7 +3227,7 @@
         </p:nvSpPr>
         <p:spPr>
           <a:xfrm>
-            <a:off x="4687559" y="152696"/>
+            <a:off x="4628963" y="152696"/>
             <a:ext cx="540000" cy="540000"/>
           </a:xfrm>
           <a:prstGeom prst="ellipse">
@@ -3284,7 +3275,7 @@
         </p:nvSpPr>
         <p:spPr>
           <a:xfrm>
-            <a:off x="7734579" y="152696"/>
+            <a:off x="7851773" y="152696"/>
             <a:ext cx="540000" cy="540000"/>
           </a:xfrm>
           <a:prstGeom prst="ellipse">
@@ -3332,7 +3323,7 @@
         </p:nvSpPr>
         <p:spPr>
           <a:xfrm>
-            <a:off x="5449314" y="152696"/>
+            <a:off x="5273525" y="152696"/>
             <a:ext cx="540000" cy="540000"/>
           </a:xfrm>
           <a:prstGeom prst="ellipse">
@@ -3380,7 +3371,7 @@
         </p:nvSpPr>
         <p:spPr>
           <a:xfrm>
-            <a:off x="6211069" y="152696"/>
+            <a:off x="6562649" y="152696"/>
             <a:ext cx="540000" cy="540000"/>
           </a:xfrm>
           <a:prstGeom prst="ellipse">
@@ -3428,7 +3419,7 @@
         </p:nvSpPr>
         <p:spPr>
           <a:xfrm>
-            <a:off x="6972824" y="152696"/>
+            <a:off x="7207211" y="152696"/>
             <a:ext cx="540000" cy="540000"/>
           </a:xfrm>
           <a:prstGeom prst="ellipse">
@@ -4114,27 +4105,8 @@
                 </a:solidFill>
                 <a:sym typeface="Wingdings"/>
               </a:rPr>
-              <a:t></a:t>
-            </a:r>
-            <a:r>
-              <a:rPr lang="en-US" dirty="0">
-                <a:solidFill>
-                  <a:schemeClr val="accent6">
-                    <a:lumMod val="50000"/>
-                  </a:schemeClr>
-                </a:solidFill>
-                <a:sym typeface="Wingdings"/>
-              </a:rPr>
-              <a:t></a:t>
-            </a:r>
-            <a:endParaRPr lang="en-US" dirty="0">
-              <a:solidFill>
-                <a:schemeClr val="accent6">
-                  <a:lumMod val="50000"/>
-                </a:schemeClr>
-              </a:solidFill>
-              <a:sym typeface="Wingdings"/>
-            </a:endParaRPr>
+              <a:t></a:t>
+            </a:r>
           </a:p>
         </p:txBody>
       </p:sp>
@@ -4192,7 +4164,7 @@
         </p:nvSpPr>
         <p:spPr>
           <a:xfrm>
-            <a:off x="878784" y="152696"/>
+            <a:off x="761591" y="152696"/>
             <a:ext cx="540000" cy="540000"/>
           </a:xfrm>
           <a:prstGeom prst="roundRect">
@@ -4238,7 +4210,7 @@
         </p:nvSpPr>
         <p:spPr>
           <a:xfrm>
-            <a:off x="1640539" y="152696"/>
+            <a:off x="2050715" y="152696"/>
             <a:ext cx="540000" cy="540000"/>
           </a:xfrm>
           <a:prstGeom prst="roundRect">
@@ -4286,7 +4258,7 @@
         </p:nvSpPr>
         <p:spPr>
           <a:xfrm>
-            <a:off x="2402294" y="152696"/>
+            <a:off x="2695277" y="152696"/>
             <a:ext cx="540000" cy="540000"/>
           </a:xfrm>
           <a:prstGeom prst="roundRect">
@@ -4332,7 +4304,7 @@
         </p:nvSpPr>
         <p:spPr>
           <a:xfrm>
-            <a:off x="3164049" y="152696"/>
+            <a:off x="3339839" y="152696"/>
             <a:ext cx="540000" cy="540000"/>
           </a:xfrm>
           <a:prstGeom prst="roundRect">
@@ -4380,7 +4352,7 @@
         </p:nvSpPr>
         <p:spPr>
           <a:xfrm>
-            <a:off x="3925804" y="152696"/>
+            <a:off x="3984401" y="152696"/>
             <a:ext cx="540000" cy="540000"/>
           </a:xfrm>
           <a:prstGeom prst="roundRect">
@@ -6425,6 +6397,221 @@
             <a:p>
               <a:pPr algn="ctr"/>
               <a:endParaRPr lang="en-IN"/>
+            </a:p>
+          </p:txBody>
+        </p:sp>
+      </p:grpSp>
+      <p:sp>
+        <p:nvSpPr>
+          <p:cNvPr id="69" name="Rounded Rectangle 68"/>
+          <p:cNvSpPr/>
+          <p:nvPr/>
+        </p:nvSpPr>
+        <p:spPr>
+          <a:xfrm>
+            <a:off x="1406153" y="152696"/>
+            <a:ext cx="540000" cy="540000"/>
+          </a:xfrm>
+          <a:prstGeom prst="roundRect">
+            <a:avLst/>
+          </a:prstGeom>
+          <a:solidFill>
+            <a:srgbClr val="FFD13F"/>
+          </a:solidFill>
+          <a:ln>
+            <a:noFill/>
+          </a:ln>
+        </p:spPr>
+        <p:style>
+          <a:lnRef idx="0">
+            <a:schemeClr val="accent6"/>
+          </a:lnRef>
+          <a:fillRef idx="3">
+            <a:schemeClr val="accent6"/>
+          </a:fillRef>
+          <a:effectRef idx="3">
+            <a:schemeClr val="accent6"/>
+          </a:effectRef>
+          <a:fontRef idx="minor">
+            <a:schemeClr val="lt1"/>
+          </a:fontRef>
+        </p:style>
+        <p:txBody>
+          <a:bodyPr rtlCol="0" anchor="ctr"/>
+          <a:lstStyle/>
+          <a:p>
+            <a:pPr algn="ctr"/>
+            <a:endParaRPr lang="en-IN"/>
+          </a:p>
+        </p:txBody>
+      </p:sp>
+      <p:sp>
+        <p:nvSpPr>
+          <p:cNvPr id="70" name="Oval 69"/>
+          <p:cNvSpPr/>
+          <p:nvPr/>
+        </p:nvSpPr>
+        <p:spPr>
+          <a:xfrm>
+            <a:off x="5918087" y="152696"/>
+            <a:ext cx="540000" cy="540000"/>
+          </a:xfrm>
+          <a:prstGeom prst="ellipse">
+            <a:avLst/>
+          </a:prstGeom>
+          <a:solidFill>
+            <a:srgbClr val="FFD13F"/>
+          </a:solidFill>
+          <a:ln/>
+        </p:spPr>
+        <p:style>
+          <a:lnRef idx="0">
+            <a:schemeClr val="accent6"/>
+          </a:lnRef>
+          <a:fillRef idx="3">
+            <a:schemeClr val="accent6"/>
+          </a:fillRef>
+          <a:effectRef idx="3">
+            <a:schemeClr val="accent6"/>
+          </a:effectRef>
+          <a:fontRef idx="minor">
+            <a:schemeClr val="lt1"/>
+          </a:fontRef>
+        </p:style>
+        <p:txBody>
+          <a:bodyPr rtlCol="0" anchor="ctr"/>
+          <a:lstStyle/>
+          <a:p>
+            <a:pPr algn="ctr"/>
+            <a:endParaRPr lang="en-IN" sz="2000" b="1" dirty="0">
+              <a:solidFill>
+                <a:srgbClr val="FFD13F"/>
+              </a:solidFill>
+            </a:endParaRPr>
+          </a:p>
+        </p:txBody>
+      </p:sp>
+      <p:grpSp>
+        <p:nvGrpSpPr>
+          <p:cNvPr id="5" name="Group 4"/>
+          <p:cNvGrpSpPr/>
+          <p:nvPr/>
+        </p:nvGrpSpPr>
+        <p:grpSpPr>
+          <a:xfrm>
+            <a:off x="5976216" y="1093115"/>
+            <a:ext cx="542036" cy="569593"/>
+            <a:chOff x="5976216" y="1093115"/>
+            <a:chExt cx="542036" cy="569593"/>
+          </a:xfrm>
+        </p:grpSpPr>
+        <p:sp>
+          <p:nvSpPr>
+            <p:cNvPr id="71" name="Oval 70"/>
+            <p:cNvSpPr/>
+            <p:nvPr/>
+          </p:nvSpPr>
+          <p:spPr>
+            <a:xfrm>
+              <a:off x="5976216" y="1122708"/>
+              <a:ext cx="540000" cy="540000"/>
+            </a:xfrm>
+            <a:prstGeom prst="ellipse">
+              <a:avLst/>
+            </a:prstGeom>
+            <a:noFill/>
+            <a:ln/>
+          </p:spPr>
+          <p:style>
+            <a:lnRef idx="0">
+              <a:schemeClr val="accent6"/>
+            </a:lnRef>
+            <a:fillRef idx="3">
+              <a:schemeClr val="accent6"/>
+            </a:fillRef>
+            <a:effectRef idx="3">
+              <a:schemeClr val="accent6"/>
+            </a:effectRef>
+            <a:fontRef idx="minor">
+              <a:schemeClr val="lt1"/>
+            </a:fontRef>
+          </p:style>
+          <p:txBody>
+            <a:bodyPr rtlCol="0" anchor="ctr"/>
+            <a:lstStyle/>
+            <a:p>
+              <a:pPr algn="ctr"/>
+              <a:r>
+                <a:rPr lang="en-US" sz="5400" dirty="0" smtClean="0">
+                  <a:solidFill>
+                    <a:srgbClr val="FFD13F"/>
+                  </a:solidFill>
+                  <a:sym typeface="Wingdings"/>
+                </a:rPr>
+                <a:t></a:t>
+              </a:r>
+              <a:endParaRPr lang="en-IN" sz="5400" b="1" dirty="0">
+                <a:solidFill>
+                  <a:srgbClr val="FFD13F"/>
+                </a:solidFill>
+              </a:endParaRPr>
+            </a:p>
+          </p:txBody>
+        </p:sp>
+        <p:sp>
+          <p:nvSpPr>
+            <p:cNvPr id="72" name="Oval 71"/>
+            <p:cNvSpPr/>
+            <p:nvPr/>
+          </p:nvSpPr>
+          <p:spPr>
+            <a:xfrm>
+              <a:off x="5978252" y="1093115"/>
+              <a:ext cx="540000" cy="540000"/>
+            </a:xfrm>
+            <a:prstGeom prst="ellipse">
+              <a:avLst/>
+            </a:prstGeom>
+            <a:noFill/>
+            <a:ln/>
+          </p:spPr>
+          <p:style>
+            <a:lnRef idx="0">
+              <a:schemeClr val="accent6"/>
+            </a:lnRef>
+            <a:fillRef idx="3">
+              <a:schemeClr val="accent6"/>
+            </a:fillRef>
+            <a:effectRef idx="3">
+              <a:schemeClr val="accent6"/>
+            </a:effectRef>
+            <a:fontRef idx="minor">
+              <a:schemeClr val="lt1"/>
+            </a:fontRef>
+          </p:style>
+          <p:txBody>
+            <a:bodyPr rtlCol="0" anchor="ctr"/>
+            <a:lstStyle/>
+            <a:p>
+              <a:pPr algn="ctr"/>
+              <a:r>
+                <a:rPr lang="en-US" sz="5400" b="1" dirty="0" smtClean="0">
+                  <a:solidFill>
+                    <a:schemeClr val="accent6">
+                      <a:lumMod val="50000"/>
+                    </a:schemeClr>
+                  </a:solidFill>
+                  <a:sym typeface="Wingdings"/>
+                </a:rPr>
+                <a:t>/</a:t>
+              </a:r>
+              <a:endParaRPr lang="en-IN" sz="5400" b="1" dirty="0">
+                <a:solidFill>
+                  <a:schemeClr val="accent6">
+                    <a:lumMod val="50000"/>
+                  </a:schemeClr>
+                </a:solidFill>
+              </a:endParaRPr>
             </a:p>
           </p:txBody>
         </p:sp>

--- a/www/static/nittio_res_v39/_icon_sources/icons.pptx
+++ b/www/static/nittio_res_v39/_icon_sources/icons.pptx
@@ -6,6 +6,7 @@
   </p:sldMasterIdLst>
   <p:sldIdLst>
     <p:sldId id="256" r:id="rId2"/>
+    <p:sldId id="257" r:id="rId3"/>
   </p:sldIdLst>
   <p:sldSz cx="9144000" cy="6858000" type="screen4x3"/>
   <p:notesSz cx="6858000" cy="9144000"/>
@@ -288,7 +289,7 @@
           <a:p>
             <a:fld id="{745A7134-949B-428F-9A82-7D09DE304FD2}" type="datetimeFigureOut">
               <a:rPr lang="en-IN" smtClean="0"/>
-              <a:t>13-10-2015</a:t>
+              <a:t>16-10-2015</a:t>
             </a:fld>
             <a:endParaRPr lang="en-IN"/>
           </a:p>
@@ -458,7 +459,7 @@
           <a:p>
             <a:fld id="{745A7134-949B-428F-9A82-7D09DE304FD2}" type="datetimeFigureOut">
               <a:rPr lang="en-IN" smtClean="0"/>
-              <a:t>13-10-2015</a:t>
+              <a:t>16-10-2015</a:t>
             </a:fld>
             <a:endParaRPr lang="en-IN"/>
           </a:p>
@@ -638,7 +639,7 @@
           <a:p>
             <a:fld id="{745A7134-949B-428F-9A82-7D09DE304FD2}" type="datetimeFigureOut">
               <a:rPr lang="en-IN" smtClean="0"/>
-              <a:t>13-10-2015</a:t>
+              <a:t>16-10-2015</a:t>
             </a:fld>
             <a:endParaRPr lang="en-IN"/>
           </a:p>
@@ -808,7 +809,7 @@
           <a:p>
             <a:fld id="{745A7134-949B-428F-9A82-7D09DE304FD2}" type="datetimeFigureOut">
               <a:rPr lang="en-IN" smtClean="0"/>
-              <a:t>13-10-2015</a:t>
+              <a:t>16-10-2015</a:t>
             </a:fld>
             <a:endParaRPr lang="en-IN"/>
           </a:p>
@@ -1054,7 +1055,7 @@
           <a:p>
             <a:fld id="{745A7134-949B-428F-9A82-7D09DE304FD2}" type="datetimeFigureOut">
               <a:rPr lang="en-IN" smtClean="0"/>
-              <a:t>13-10-2015</a:t>
+              <a:t>16-10-2015</a:t>
             </a:fld>
             <a:endParaRPr lang="en-IN"/>
           </a:p>
@@ -1342,7 +1343,7 @@
           <a:p>
             <a:fld id="{745A7134-949B-428F-9A82-7D09DE304FD2}" type="datetimeFigureOut">
               <a:rPr lang="en-IN" smtClean="0"/>
-              <a:t>13-10-2015</a:t>
+              <a:t>16-10-2015</a:t>
             </a:fld>
             <a:endParaRPr lang="en-IN"/>
           </a:p>
@@ -1764,7 +1765,7 @@
           <a:p>
             <a:fld id="{745A7134-949B-428F-9A82-7D09DE304FD2}" type="datetimeFigureOut">
               <a:rPr lang="en-IN" smtClean="0"/>
-              <a:t>13-10-2015</a:t>
+              <a:t>16-10-2015</a:t>
             </a:fld>
             <a:endParaRPr lang="en-IN"/>
           </a:p>
@@ -1882,7 +1883,7 @@
           <a:p>
             <a:fld id="{745A7134-949B-428F-9A82-7D09DE304FD2}" type="datetimeFigureOut">
               <a:rPr lang="en-IN" smtClean="0"/>
-              <a:t>13-10-2015</a:t>
+              <a:t>16-10-2015</a:t>
             </a:fld>
             <a:endParaRPr lang="en-IN"/>
           </a:p>
@@ -1977,7 +1978,7 @@
           <a:p>
             <a:fld id="{745A7134-949B-428F-9A82-7D09DE304FD2}" type="datetimeFigureOut">
               <a:rPr lang="en-IN" smtClean="0"/>
-              <a:t>13-10-2015</a:t>
+              <a:t>16-10-2015</a:t>
             </a:fld>
             <a:endParaRPr lang="en-IN"/>
           </a:p>
@@ -2254,7 +2255,7 @@
           <a:p>
             <a:fld id="{745A7134-949B-428F-9A82-7D09DE304FD2}" type="datetimeFigureOut">
               <a:rPr lang="en-IN" smtClean="0"/>
-              <a:t>13-10-2015</a:t>
+              <a:t>16-10-2015</a:t>
             </a:fld>
             <a:endParaRPr lang="en-IN"/>
           </a:p>
@@ -2507,7 +2508,7 @@
           <a:p>
             <a:fld id="{745A7134-949B-428F-9A82-7D09DE304FD2}" type="datetimeFigureOut">
               <a:rPr lang="en-IN" smtClean="0"/>
-              <a:t>13-10-2015</a:t>
+              <a:t>16-10-2015</a:t>
             </a:fld>
             <a:endParaRPr lang="en-IN"/>
           </a:p>
@@ -2720,7 +2721,7 @@
           <a:p>
             <a:fld id="{745A7134-949B-428F-9A82-7D09DE304FD2}" type="datetimeFigureOut">
               <a:rPr lang="en-IN" smtClean="0"/>
-              <a:t>13-10-2015</a:t>
+              <a:t>16-10-2015</a:t>
             </a:fld>
             <a:endParaRPr lang="en-IN"/>
           </a:p>
@@ -3567,7 +3568,7 @@
         <p:spPr>
           <a:xfrm>
             <a:off x="71583" y="3717032"/>
-            <a:ext cx="8928827" cy="769441"/>
+            <a:ext cx="8928827" cy="2160240"/>
           </a:xfrm>
           <a:prstGeom prst="rect">
             <a:avLst/>
@@ -3677,7 +3678,61 @@
                 </a:solidFill>
                 <a:sym typeface="Wingdings"/>
               </a:rPr>
-              <a:t> Q ? ! &gt; &amp; $ # </a:t>
+              <a:t> Q ? ! &gt; &amp; $ # </a:t>
+            </a:r>
+            <a:r>
+              <a:rPr lang="en-US" dirty="0" smtClean="0">
+                <a:solidFill>
+                  <a:schemeClr val="tx1"/>
+                </a:solidFill>
+                <a:sym typeface="Wingdings"/>
+              </a:rPr>
+              <a:t></a:t>
+            </a:r>
+            <a:r>
+              <a:rPr lang="en-US" dirty="0" smtClean="0">
+                <a:solidFill>
+                  <a:schemeClr val="tx1"/>
+                </a:solidFill>
+                <a:sym typeface="MS Outlook"/>
+              </a:rPr>
+              <a:t></a:t>
+            </a:r>
+            <a:r>
+              <a:rPr lang="en-US" dirty="0" smtClean="0">
+                <a:solidFill>
+                  <a:schemeClr val="tx1"/>
+                </a:solidFill>
+                <a:sym typeface="Webdings"/>
+              </a:rPr>
+              <a:t></a:t>
+            </a:r>
+            <a:r>
+              <a:rPr lang="en-US" dirty="0" smtClean="0">
+                <a:solidFill>
+                  <a:schemeClr val="tx1"/>
+                </a:solidFill>
+                <a:sym typeface="Wingdings"/>
+              </a:rPr>
+              <a:t></a:t>
+            </a:r>
+            <a:r>
+              <a:rPr lang="en-US" dirty="0" smtClean="0">
+                <a:solidFill>
+                  <a:schemeClr val="tx1"/>
+                </a:solidFill>
+                <a:sym typeface="Webdings"/>
+              </a:rPr>
+              <a:t></a:t>
+            </a:r>
+            <a:r>
+              <a:rPr lang="en-US" dirty="0" smtClean="0">
+                <a:solidFill>
+                  <a:schemeClr val="tx1"/>
+                </a:solidFill>
+                <a:sym typeface="Wingdings"/>
+              </a:rPr>
+              <a:t></a:t>
             </a:r>
             <a:endParaRPr lang="en-US" dirty="0">
               <a:solidFill>
@@ -3685,130 +3740,6 @@
               </a:solidFill>
               <a:sym typeface="Wingdings"/>
             </a:endParaRPr>
-          </a:p>
-        </p:txBody>
-      </p:sp>
-      <p:sp>
-        <p:nvSpPr>
-          <p:cNvPr id="22" name="TextBox 21"/>
-          <p:cNvSpPr txBox="1"/>
-          <p:nvPr/>
-        </p:nvSpPr>
-        <p:spPr>
-          <a:xfrm>
-            <a:off x="71583" y="4437112"/>
-            <a:ext cx="8928827" cy="769441"/>
-          </a:xfrm>
-          <a:prstGeom prst="rect">
-            <a:avLst/>
-          </a:prstGeom>
-          <a:noFill/>
-          <a:ln/>
-        </p:spPr>
-        <p:style>
-          <a:lnRef idx="0">
-            <a:schemeClr val="accent6"/>
-          </a:lnRef>
-          <a:fillRef idx="3">
-            <a:schemeClr val="accent6"/>
-          </a:fillRef>
-          <a:effectRef idx="3">
-            <a:schemeClr val="accent6"/>
-          </a:effectRef>
-          <a:fontRef idx="minor">
-            <a:schemeClr val="lt1"/>
-          </a:fontRef>
-        </p:style>
-        <p:txBody>
-          <a:bodyPr rtlCol="0" anchor="ctr"/>
-          <a:lstStyle>
-            <a:defPPr>
-              <a:defRPr lang="en-US"/>
-            </a:defPPr>
-            <a:lvl1pPr algn="ctr">
-              <a:defRPr sz="4400" b="1">
-                <a:solidFill>
-                  <a:srgbClr val="FFD13F"/>
-                </a:solidFill>
-                <a:latin typeface="Cooper Black" panose="0208090404030B020404" pitchFamily="18" charset="0"/>
-              </a:defRPr>
-            </a:lvl1pPr>
-            <a:lvl2pPr>
-              <a:defRPr>
-                <a:solidFill>
-                  <a:schemeClr val="lt1"/>
-                </a:solidFill>
-              </a:defRPr>
-            </a:lvl2pPr>
-            <a:lvl3pPr>
-              <a:defRPr>
-                <a:solidFill>
-                  <a:schemeClr val="lt1"/>
-                </a:solidFill>
-              </a:defRPr>
-            </a:lvl3pPr>
-            <a:lvl4pPr>
-              <a:defRPr>
-                <a:solidFill>
-                  <a:schemeClr val="lt1"/>
-                </a:solidFill>
-              </a:defRPr>
-            </a:lvl4pPr>
-            <a:lvl5pPr>
-              <a:defRPr>
-                <a:solidFill>
-                  <a:schemeClr val="lt1"/>
-                </a:solidFill>
-              </a:defRPr>
-            </a:lvl5pPr>
-            <a:lvl6pPr>
-              <a:defRPr>
-                <a:solidFill>
-                  <a:schemeClr val="lt1"/>
-                </a:solidFill>
-              </a:defRPr>
-            </a:lvl6pPr>
-            <a:lvl7pPr>
-              <a:defRPr>
-                <a:solidFill>
-                  <a:schemeClr val="lt1"/>
-                </a:solidFill>
-              </a:defRPr>
-            </a:lvl7pPr>
-            <a:lvl8pPr>
-              <a:defRPr>
-                <a:solidFill>
-                  <a:schemeClr val="lt1"/>
-                </a:solidFill>
-              </a:defRPr>
-            </a:lvl8pPr>
-            <a:lvl9pPr>
-              <a:defRPr>
-                <a:solidFill>
-                  <a:schemeClr val="lt1"/>
-                </a:solidFill>
-              </a:defRPr>
-            </a:lvl9pPr>
-          </a:lstStyle>
-          <a:p>
-            <a:r>
-              <a:rPr lang="en-US" dirty="0" err="1" smtClean="0">
-                <a:solidFill>
-                  <a:schemeClr val="bg1"/>
-                </a:solidFill>
-                <a:sym typeface="Wingdings"/>
-              </a:rPr>
-              <a:t>i</a:t>
-            </a:r>
-            <a:r>
-              <a:rPr lang="en-US" dirty="0" smtClean="0">
-                <a:solidFill>
-                  <a:schemeClr val="bg1"/>
-                </a:solidFill>
-                <a:sym typeface="Wingdings"/>
-              </a:rPr>
-              <a:t> Q ? ! &gt; &amp; $ # </a:t>
-            </a:r>
           </a:p>
         </p:txBody>
       </p:sp>
@@ -3968,145 +3899,6 @@
                 <a:schemeClr val="tx1"/>
               </a:solidFill>
             </a:endParaRPr>
-          </a:p>
-        </p:txBody>
-      </p:sp>
-      <p:sp>
-        <p:nvSpPr>
-          <p:cNvPr id="26" name="TextBox 25"/>
-          <p:cNvSpPr txBox="1"/>
-          <p:nvPr/>
-        </p:nvSpPr>
-        <p:spPr>
-          <a:xfrm>
-            <a:off x="71583" y="5157192"/>
-            <a:ext cx="8928827" cy="769441"/>
-          </a:xfrm>
-          <a:prstGeom prst="rect">
-            <a:avLst/>
-          </a:prstGeom>
-          <a:noFill/>
-          <a:ln/>
-        </p:spPr>
-        <p:style>
-          <a:lnRef idx="0">
-            <a:schemeClr val="accent6"/>
-          </a:lnRef>
-          <a:fillRef idx="3">
-            <a:schemeClr val="accent6"/>
-          </a:fillRef>
-          <a:effectRef idx="3">
-            <a:schemeClr val="accent6"/>
-          </a:effectRef>
-          <a:fontRef idx="minor">
-            <a:schemeClr val="lt1"/>
-          </a:fontRef>
-        </p:style>
-        <p:txBody>
-          <a:bodyPr rtlCol="0" anchor="ctr"/>
-          <a:lstStyle>
-            <a:defPPr>
-              <a:defRPr lang="en-US"/>
-            </a:defPPr>
-            <a:lvl1pPr algn="ctr">
-              <a:defRPr sz="4400" b="1">
-                <a:solidFill>
-                  <a:srgbClr val="FFD13F"/>
-                </a:solidFill>
-                <a:latin typeface="Cooper Black" panose="0208090404030B020404" pitchFamily="18" charset="0"/>
-              </a:defRPr>
-            </a:lvl1pPr>
-            <a:lvl2pPr>
-              <a:defRPr>
-                <a:solidFill>
-                  <a:schemeClr val="lt1"/>
-                </a:solidFill>
-              </a:defRPr>
-            </a:lvl2pPr>
-            <a:lvl3pPr>
-              <a:defRPr>
-                <a:solidFill>
-                  <a:schemeClr val="lt1"/>
-                </a:solidFill>
-              </a:defRPr>
-            </a:lvl3pPr>
-            <a:lvl4pPr>
-              <a:defRPr>
-                <a:solidFill>
-                  <a:schemeClr val="lt1"/>
-                </a:solidFill>
-              </a:defRPr>
-            </a:lvl4pPr>
-            <a:lvl5pPr>
-              <a:defRPr>
-                <a:solidFill>
-                  <a:schemeClr val="lt1"/>
-                </a:solidFill>
-              </a:defRPr>
-            </a:lvl5pPr>
-            <a:lvl6pPr>
-              <a:defRPr>
-                <a:solidFill>
-                  <a:schemeClr val="lt1"/>
-                </a:solidFill>
-              </a:defRPr>
-            </a:lvl6pPr>
-            <a:lvl7pPr>
-              <a:defRPr>
-                <a:solidFill>
-                  <a:schemeClr val="lt1"/>
-                </a:solidFill>
-              </a:defRPr>
-            </a:lvl7pPr>
-            <a:lvl8pPr>
-              <a:defRPr>
-                <a:solidFill>
-                  <a:schemeClr val="lt1"/>
-                </a:solidFill>
-              </a:defRPr>
-            </a:lvl8pPr>
-            <a:lvl9pPr>
-              <a:defRPr>
-                <a:solidFill>
-                  <a:schemeClr val="lt1"/>
-                </a:solidFill>
-              </a:defRPr>
-            </a:lvl9pPr>
-          </a:lstStyle>
-          <a:p>
-            <a:r>
-              <a:rPr lang="en-US" dirty="0" err="1" smtClean="0">
-                <a:solidFill>
-                  <a:schemeClr val="accent6">
-                    <a:lumMod val="50000"/>
-                  </a:schemeClr>
-                </a:solidFill>
-                <a:sym typeface="Wingdings"/>
-              </a:rPr>
-              <a:t>i</a:t>
-            </a:r>
-            <a:r>
-              <a:rPr lang="en-US" dirty="0" smtClean="0">
-                <a:solidFill>
-                  <a:schemeClr val="accent6">
-                    <a:lumMod val="50000"/>
-                  </a:schemeClr>
-                </a:solidFill>
-                <a:sym typeface="Wingdings"/>
-              </a:rPr>
-              <a:t> Q ? ! &gt; &amp; $ # </a:t>
-            </a:r>
-            <a:r>
-              <a:rPr lang="en-US" dirty="0">
-                <a:solidFill>
-                  <a:schemeClr val="accent6">
-                    <a:lumMod val="50000"/>
-                  </a:schemeClr>
-                </a:solidFill>
-                <a:sym typeface="Wingdings"/>
-              </a:rPr>
-              <a:t></a:t>
-            </a:r>
           </a:p>
         </p:txBody>
       </p:sp>
@@ -4392,29 +4184,2889 @@
           </a:p>
         </p:txBody>
       </p:sp>
+      <p:pic>
+        <p:nvPicPr>
+          <p:cNvPr id="164" name="Picture 7"/>
+          <p:cNvPicPr>
+            <a:picLocks noChangeAspect="1" noChangeArrowheads="1"/>
+          </p:cNvPicPr>
+          <p:nvPr/>
+        </p:nvPicPr>
+        <p:blipFill>
+          <a:blip r:embed="rId2">
+            <a:extLst>
+              <a:ext uri="{28A0092B-C50C-407E-A947-70E740481C1C}">
+                <a14:useLocalDpi xmlns:a14="http://schemas.microsoft.com/office/drawing/2010/main" val="0"/>
+              </a:ext>
+            </a:extLst>
+          </a:blip>
+          <a:srcRect/>
+          <a:stretch>
+            <a:fillRect/>
+          </a:stretch>
+        </p:blipFill>
+        <p:spPr bwMode="auto">
+          <a:xfrm>
+            <a:off x="129992" y="1678664"/>
+            <a:ext cx="487363" cy="92075"/>
+          </a:xfrm>
+          <a:prstGeom prst="rect">
+            <a:avLst/>
+          </a:prstGeom>
+          <a:noFill/>
+          <a:ln>
+            <a:noFill/>
+          </a:ln>
+          <a:effectLst/>
+          <a:extLst>
+            <a:ext uri="{909E8E84-426E-40DD-AFC4-6F175D3DCCD1}">
+              <a14:hiddenFill xmlns:a14="http://schemas.microsoft.com/office/drawing/2010/main">
+                <a:solidFill>
+                  <a:schemeClr val="accent1"/>
+                </a:solidFill>
+              </a14:hiddenFill>
+            </a:ext>
+            <a:ext uri="{91240B29-F687-4F45-9708-019B960494DF}">
+              <a14:hiddenLine xmlns:a14="http://schemas.microsoft.com/office/drawing/2010/main" w="9525">
+                <a:solidFill>
+                  <a:schemeClr val="tx1"/>
+                </a:solidFill>
+                <a:miter lim="800000"/>
+                <a:headEnd/>
+                <a:tailEnd/>
+              </a14:hiddenLine>
+            </a:ext>
+            <a:ext uri="{AF507438-7753-43E0-B8FC-AC1667EBCBE1}">
+              <a14:hiddenEffects xmlns:a14="http://schemas.microsoft.com/office/drawing/2010/main">
+                <a:effectLst>
+                  <a:outerShdw dist="35921" dir="2700000" algn="ctr" rotWithShape="0">
+                    <a:schemeClr val="bg2"/>
+                  </a:outerShdw>
+                </a:effectLst>
+              </a14:hiddenEffects>
+            </a:ext>
+          </a:extLst>
+        </p:spPr>
+      </p:pic>
+      <p:sp>
+        <p:nvSpPr>
+          <p:cNvPr id="69" name="Rounded Rectangle 68"/>
+          <p:cNvSpPr/>
+          <p:nvPr/>
+        </p:nvSpPr>
+        <p:spPr>
+          <a:xfrm>
+            <a:off x="1406153" y="152696"/>
+            <a:ext cx="540000" cy="540000"/>
+          </a:xfrm>
+          <a:prstGeom prst="roundRect">
+            <a:avLst/>
+          </a:prstGeom>
+          <a:solidFill>
+            <a:srgbClr val="FFD13F"/>
+          </a:solidFill>
+          <a:ln>
+            <a:noFill/>
+          </a:ln>
+        </p:spPr>
+        <p:style>
+          <a:lnRef idx="0">
+            <a:schemeClr val="accent6"/>
+          </a:lnRef>
+          <a:fillRef idx="3">
+            <a:schemeClr val="accent6"/>
+          </a:fillRef>
+          <a:effectRef idx="3">
+            <a:schemeClr val="accent6"/>
+          </a:effectRef>
+          <a:fontRef idx="minor">
+            <a:schemeClr val="lt1"/>
+          </a:fontRef>
+        </p:style>
+        <p:txBody>
+          <a:bodyPr rtlCol="0" anchor="ctr"/>
+          <a:lstStyle/>
+          <a:p>
+            <a:pPr algn="ctr"/>
+            <a:endParaRPr lang="en-IN"/>
+          </a:p>
+        </p:txBody>
+      </p:sp>
+      <p:sp>
+        <p:nvSpPr>
+          <p:cNvPr id="70" name="Oval 69"/>
+          <p:cNvSpPr/>
+          <p:nvPr/>
+        </p:nvSpPr>
+        <p:spPr>
+          <a:xfrm>
+            <a:off x="5918087" y="152696"/>
+            <a:ext cx="540000" cy="540000"/>
+          </a:xfrm>
+          <a:prstGeom prst="ellipse">
+            <a:avLst/>
+          </a:prstGeom>
+          <a:solidFill>
+            <a:srgbClr val="FFD13F"/>
+          </a:solidFill>
+          <a:ln/>
+        </p:spPr>
+        <p:style>
+          <a:lnRef idx="0">
+            <a:schemeClr val="accent6"/>
+          </a:lnRef>
+          <a:fillRef idx="3">
+            <a:schemeClr val="accent6"/>
+          </a:fillRef>
+          <a:effectRef idx="3">
+            <a:schemeClr val="accent6"/>
+          </a:effectRef>
+          <a:fontRef idx="minor">
+            <a:schemeClr val="lt1"/>
+          </a:fontRef>
+        </p:style>
+        <p:txBody>
+          <a:bodyPr rtlCol="0" anchor="ctr"/>
+          <a:lstStyle/>
+          <a:p>
+            <a:pPr algn="ctr"/>
+            <a:endParaRPr lang="en-IN" sz="2000" b="1" dirty="0">
+              <a:solidFill>
+                <a:srgbClr val="FFD13F"/>
+              </a:solidFill>
+            </a:endParaRPr>
+          </a:p>
+        </p:txBody>
+      </p:sp>
+      <p:sp>
+        <p:nvSpPr>
+          <p:cNvPr id="105" name="Oval 104"/>
+          <p:cNvSpPr/>
+          <p:nvPr/>
+        </p:nvSpPr>
+        <p:spPr>
+          <a:xfrm>
+            <a:off x="3131840" y="1952896"/>
+            <a:ext cx="540000" cy="540000"/>
+          </a:xfrm>
+          <a:prstGeom prst="ellipse">
+            <a:avLst/>
+          </a:prstGeom>
+          <a:noFill/>
+          <a:ln/>
+          <a:scene3d>
+            <a:camera prst="isometricOffAxis1Right"/>
+            <a:lightRig rig="threePt" dir="t">
+              <a:rot lat="0" lon="0" rev="1200000"/>
+            </a:lightRig>
+          </a:scene3d>
+          <a:sp3d>
+            <a:bevelT w="63500" h="25400"/>
+          </a:sp3d>
+        </p:spPr>
+        <p:style>
+          <a:lnRef idx="0">
+            <a:schemeClr val="accent6"/>
+          </a:lnRef>
+          <a:fillRef idx="3">
+            <a:schemeClr val="accent6"/>
+          </a:fillRef>
+          <a:effectRef idx="3">
+            <a:schemeClr val="accent6"/>
+          </a:effectRef>
+          <a:fontRef idx="minor">
+            <a:schemeClr val="lt1"/>
+          </a:fontRef>
+        </p:style>
+        <p:txBody>
+          <a:bodyPr rtlCol="0" anchor="ctr">
+            <a:sp3d extrusionH="57150">
+              <a:bevelT w="38100" h="38100"/>
+            </a:sp3d>
+          </a:bodyPr>
+          <a:lstStyle/>
+          <a:p>
+            <a:pPr algn="ctr"/>
+            <a:r>
+              <a:rPr lang="en-US" sz="4400" b="1" dirty="0">
+                <a:ln>
+                  <a:solidFill>
+                    <a:schemeClr val="accent6">
+                      <a:lumMod val="50000"/>
+                    </a:schemeClr>
+                  </a:solidFill>
+                </a:ln>
+                <a:solidFill>
+                  <a:srgbClr val="FFD13F"/>
+                </a:solidFill>
+                <a:latin typeface="Cooper Black" panose="0208090404030B020404" pitchFamily="18" charset="0"/>
+                <a:sym typeface="MS Outlook"/>
+              </a:rPr>
+              <a:t></a:t>
+            </a:r>
+            <a:endParaRPr lang="en-IN" sz="4400" b="1" dirty="0">
+              <a:ln>
+                <a:solidFill>
+                  <a:schemeClr val="accent6">
+                    <a:lumMod val="50000"/>
+                  </a:schemeClr>
+                </a:solidFill>
+              </a:ln>
+              <a:solidFill>
+                <a:srgbClr val="FFD13F"/>
+              </a:solidFill>
+              <a:latin typeface="Cooper Black" panose="0208090404030B020404" pitchFamily="18" charset="0"/>
+            </a:endParaRPr>
+          </a:p>
+        </p:txBody>
+      </p:sp>
+      <p:sp>
+        <p:nvSpPr>
+          <p:cNvPr id="106" name="Oval 105"/>
+          <p:cNvSpPr/>
+          <p:nvPr/>
+        </p:nvSpPr>
+        <p:spPr>
+          <a:xfrm>
+            <a:off x="2483768" y="1952836"/>
+            <a:ext cx="540000" cy="540000"/>
+          </a:xfrm>
+          <a:prstGeom prst="ellipse">
+            <a:avLst/>
+          </a:prstGeom>
+          <a:noFill/>
+          <a:ln/>
+          <a:scene3d>
+            <a:camera prst="orthographicFront"/>
+            <a:lightRig rig="threePt" dir="t">
+              <a:rot lat="0" lon="0" rev="1200000"/>
+            </a:lightRig>
+          </a:scene3d>
+          <a:sp3d>
+            <a:bevelT w="63500" h="25400"/>
+          </a:sp3d>
+        </p:spPr>
+        <p:style>
+          <a:lnRef idx="0">
+            <a:schemeClr val="accent6"/>
+          </a:lnRef>
+          <a:fillRef idx="3">
+            <a:schemeClr val="accent6"/>
+          </a:fillRef>
+          <a:effectRef idx="3">
+            <a:schemeClr val="accent6"/>
+          </a:effectRef>
+          <a:fontRef idx="minor">
+            <a:schemeClr val="lt1"/>
+          </a:fontRef>
+        </p:style>
+        <p:txBody>
+          <a:bodyPr rtlCol="0" anchor="ctr">
+            <a:sp3d extrusionH="57150">
+              <a:bevelT w="38100" h="38100"/>
+            </a:sp3d>
+          </a:bodyPr>
+          <a:lstStyle/>
+          <a:p>
+            <a:pPr algn="ctr"/>
+            <a:r>
+              <a:rPr lang="en-US" sz="3600" b="1" dirty="0">
+                <a:ln>
+                  <a:solidFill>
+                    <a:schemeClr val="accent6">
+                      <a:lumMod val="50000"/>
+                    </a:schemeClr>
+                  </a:solidFill>
+                </a:ln>
+                <a:solidFill>
+                  <a:srgbClr val="FFD13F"/>
+                </a:solidFill>
+                <a:latin typeface="Cooper Black" panose="0208090404030B020404" pitchFamily="18" charset="0"/>
+                <a:sym typeface="MS Outlook"/>
+              </a:rPr>
+              <a:t></a:t>
+            </a:r>
+            <a:endParaRPr lang="en-IN" sz="3600" b="1" dirty="0">
+              <a:ln>
+                <a:solidFill>
+                  <a:schemeClr val="accent6">
+                    <a:lumMod val="50000"/>
+                  </a:schemeClr>
+                </a:solidFill>
+              </a:ln>
+              <a:solidFill>
+                <a:srgbClr val="FFD13F"/>
+              </a:solidFill>
+              <a:latin typeface="Cooper Black" panose="0208090404030B020404" pitchFamily="18" charset="0"/>
+            </a:endParaRPr>
+          </a:p>
+        </p:txBody>
+      </p:sp>
+      <p:sp>
+        <p:nvSpPr>
+          <p:cNvPr id="107" name="Oval 106"/>
+          <p:cNvSpPr/>
+          <p:nvPr/>
+        </p:nvSpPr>
+        <p:spPr>
+          <a:xfrm>
+            <a:off x="1871640" y="1895627"/>
+            <a:ext cx="540000" cy="540000"/>
+          </a:xfrm>
+          <a:prstGeom prst="ellipse">
+            <a:avLst/>
+          </a:prstGeom>
+          <a:noFill/>
+          <a:ln/>
+          <a:scene3d>
+            <a:camera prst="isometricOffAxis1Right"/>
+            <a:lightRig rig="threePt" dir="t">
+              <a:rot lat="0" lon="0" rev="1200000"/>
+            </a:lightRig>
+          </a:scene3d>
+          <a:sp3d>
+            <a:bevelT w="63500" h="25400"/>
+          </a:sp3d>
+        </p:spPr>
+        <p:style>
+          <a:lnRef idx="0">
+            <a:schemeClr val="accent6"/>
+          </a:lnRef>
+          <a:fillRef idx="3">
+            <a:schemeClr val="accent6"/>
+          </a:fillRef>
+          <a:effectRef idx="3">
+            <a:schemeClr val="accent6"/>
+          </a:effectRef>
+          <a:fontRef idx="minor">
+            <a:schemeClr val="lt1"/>
+          </a:fontRef>
+        </p:style>
+        <p:txBody>
+          <a:bodyPr rtlCol="0" anchor="ctr">
+            <a:sp3d extrusionH="57150">
+              <a:bevelT w="38100" h="38100"/>
+            </a:sp3d>
+          </a:bodyPr>
+          <a:lstStyle/>
+          <a:p>
+            <a:pPr algn="ctr"/>
+            <a:r>
+              <a:rPr lang="en-US" sz="4800" b="1" dirty="0">
+                <a:ln>
+                  <a:solidFill>
+                    <a:schemeClr val="accent6">
+                      <a:lumMod val="50000"/>
+                    </a:schemeClr>
+                  </a:solidFill>
+                </a:ln>
+                <a:solidFill>
+                  <a:srgbClr val="FFD13F"/>
+                </a:solidFill>
+                <a:latin typeface="Cooper Black" panose="0208090404030B020404" pitchFamily="18" charset="0"/>
+              </a:rPr>
+              <a:t>Q</a:t>
+            </a:r>
+            <a:endParaRPr lang="en-IN" sz="4800" b="1" dirty="0">
+              <a:ln>
+                <a:solidFill>
+                  <a:schemeClr val="accent6">
+                    <a:lumMod val="50000"/>
+                  </a:schemeClr>
+                </a:solidFill>
+              </a:ln>
+              <a:solidFill>
+                <a:srgbClr val="FFD13F"/>
+              </a:solidFill>
+              <a:latin typeface="Cooper Black" panose="0208090404030B020404" pitchFamily="18" charset="0"/>
+            </a:endParaRPr>
+          </a:p>
+        </p:txBody>
+      </p:sp>
       <p:grpSp>
         <p:nvGrpSpPr>
-          <p:cNvPr id="150" name="Group 149"/>
+          <p:cNvPr id="55" name="Group 54"/>
           <p:cNvGrpSpPr/>
           <p:nvPr/>
         </p:nvGrpSpPr>
         <p:grpSpPr>
           <a:xfrm>
-            <a:off x="117029" y="1016792"/>
+            <a:off x="157673" y="1895627"/>
+            <a:ext cx="432000" cy="540000"/>
+            <a:chOff x="1721662" y="1776334"/>
+            <a:chExt cx="1309990" cy="1613847"/>
+          </a:xfrm>
+        </p:grpSpPr>
+        <p:sp>
+          <p:nvSpPr>
+            <p:cNvPr id="54" name="Freeform 53"/>
+            <p:cNvSpPr/>
+            <p:nvPr/>
+          </p:nvSpPr>
+          <p:spPr>
+            <a:xfrm>
+              <a:off x="1721662" y="2372264"/>
+              <a:ext cx="1309990" cy="1017917"/>
+            </a:xfrm>
+            <a:custGeom>
+              <a:avLst/>
+              <a:gdLst>
+                <a:gd name="connsiteX0" fmla="*/ 641976 w 1309990"/>
+                <a:gd name="connsiteY0" fmla="*/ 0 h 1017917"/>
+                <a:gd name="connsiteX1" fmla="*/ 288293 w 1309990"/>
+                <a:gd name="connsiteY1" fmla="*/ 120770 h 1017917"/>
+                <a:gd name="connsiteX2" fmla="*/ 81259 w 1309990"/>
+                <a:gd name="connsiteY2" fmla="*/ 336430 h 1017917"/>
+                <a:gd name="connsiteX3" fmla="*/ 3621 w 1309990"/>
+                <a:gd name="connsiteY3" fmla="*/ 621102 h 1017917"/>
+                <a:gd name="connsiteX4" fmla="*/ 184776 w 1309990"/>
+                <a:gd name="connsiteY4" fmla="*/ 879894 h 1017917"/>
+                <a:gd name="connsiteX5" fmla="*/ 650602 w 1309990"/>
+                <a:gd name="connsiteY5" fmla="*/ 1017917 h 1017917"/>
+                <a:gd name="connsiteX6" fmla="*/ 1125055 w 1309990"/>
+                <a:gd name="connsiteY6" fmla="*/ 879894 h 1017917"/>
+                <a:gd name="connsiteX7" fmla="*/ 1306210 w 1309990"/>
+                <a:gd name="connsiteY7" fmla="*/ 621102 h 1017917"/>
+                <a:gd name="connsiteX8" fmla="*/ 1228572 w 1309990"/>
+                <a:gd name="connsiteY8" fmla="*/ 336430 h 1017917"/>
+                <a:gd name="connsiteX9" fmla="*/ 1004285 w 1309990"/>
+                <a:gd name="connsiteY9" fmla="*/ 120770 h 1017917"/>
+                <a:gd name="connsiteX10" fmla="*/ 641976 w 1309990"/>
+                <a:gd name="connsiteY10" fmla="*/ 0 h 1017917"/>
+              </a:gdLst>
+              <a:ahLst/>
+              <a:cxnLst>
+                <a:cxn ang="0">
+                  <a:pos x="connsiteX0" y="connsiteY0"/>
+                </a:cxn>
+                <a:cxn ang="0">
+                  <a:pos x="connsiteX1" y="connsiteY1"/>
+                </a:cxn>
+                <a:cxn ang="0">
+                  <a:pos x="connsiteX2" y="connsiteY2"/>
+                </a:cxn>
+                <a:cxn ang="0">
+                  <a:pos x="connsiteX3" y="connsiteY3"/>
+                </a:cxn>
+                <a:cxn ang="0">
+                  <a:pos x="connsiteX4" y="connsiteY4"/>
+                </a:cxn>
+                <a:cxn ang="0">
+                  <a:pos x="connsiteX5" y="connsiteY5"/>
+                </a:cxn>
+                <a:cxn ang="0">
+                  <a:pos x="connsiteX6" y="connsiteY6"/>
+                </a:cxn>
+                <a:cxn ang="0">
+                  <a:pos x="connsiteX7" y="connsiteY7"/>
+                </a:cxn>
+                <a:cxn ang="0">
+                  <a:pos x="connsiteX8" y="connsiteY8"/>
+                </a:cxn>
+                <a:cxn ang="0">
+                  <a:pos x="connsiteX9" y="connsiteY9"/>
+                </a:cxn>
+                <a:cxn ang="0">
+                  <a:pos x="connsiteX10" y="connsiteY10"/>
+                </a:cxn>
+              </a:cxnLst>
+              <a:rect l="l" t="t" r="r" b="b"/>
+              <a:pathLst>
+                <a:path w="1309990" h="1017917">
+                  <a:moveTo>
+                    <a:pt x="641976" y="0"/>
+                  </a:moveTo>
+                  <a:cubicBezTo>
+                    <a:pt x="522644" y="0"/>
+                    <a:pt x="381746" y="64698"/>
+                    <a:pt x="288293" y="120770"/>
+                  </a:cubicBezTo>
+                  <a:cubicBezTo>
+                    <a:pt x="194840" y="176842"/>
+                    <a:pt x="128704" y="253041"/>
+                    <a:pt x="81259" y="336430"/>
+                  </a:cubicBezTo>
+                  <a:cubicBezTo>
+                    <a:pt x="33814" y="419819"/>
+                    <a:pt x="-13632" y="530525"/>
+                    <a:pt x="3621" y="621102"/>
+                  </a:cubicBezTo>
+                  <a:cubicBezTo>
+                    <a:pt x="20874" y="711679"/>
+                    <a:pt x="76946" y="813758"/>
+                    <a:pt x="184776" y="879894"/>
+                  </a:cubicBezTo>
+                  <a:cubicBezTo>
+                    <a:pt x="292606" y="946030"/>
+                    <a:pt x="493889" y="1017917"/>
+                    <a:pt x="650602" y="1017917"/>
+                  </a:cubicBezTo>
+                  <a:cubicBezTo>
+                    <a:pt x="807315" y="1017917"/>
+                    <a:pt x="1015787" y="946030"/>
+                    <a:pt x="1125055" y="879894"/>
+                  </a:cubicBezTo>
+                  <a:cubicBezTo>
+                    <a:pt x="1234323" y="813758"/>
+                    <a:pt x="1288957" y="711679"/>
+                    <a:pt x="1306210" y="621102"/>
+                  </a:cubicBezTo>
+                  <a:cubicBezTo>
+                    <a:pt x="1323463" y="530525"/>
+                    <a:pt x="1278893" y="419819"/>
+                    <a:pt x="1228572" y="336430"/>
+                  </a:cubicBezTo>
+                  <a:cubicBezTo>
+                    <a:pt x="1178251" y="253041"/>
+                    <a:pt x="1100613" y="175404"/>
+                    <a:pt x="1004285" y="120770"/>
+                  </a:cubicBezTo>
+                  <a:cubicBezTo>
+                    <a:pt x="907957" y="66136"/>
+                    <a:pt x="761308" y="0"/>
+                    <a:pt x="641976" y="0"/>
+                  </a:cubicBezTo>
+                  <a:close/>
+                </a:path>
+              </a:pathLst>
+            </a:custGeom>
+            <a:solidFill>
+              <a:srgbClr val="FFD13F"/>
+            </a:solidFill>
+            <a:ln/>
+          </p:spPr>
+          <p:style>
+            <a:lnRef idx="0">
+              <a:schemeClr val="accent6"/>
+            </a:lnRef>
+            <a:fillRef idx="3">
+              <a:schemeClr val="accent6"/>
+            </a:fillRef>
+            <a:effectRef idx="3">
+              <a:schemeClr val="accent6"/>
+            </a:effectRef>
+            <a:fontRef idx="minor">
+              <a:schemeClr val="lt1"/>
+            </a:fontRef>
+          </p:style>
+          <p:txBody>
+            <a:bodyPr rtlCol="0" anchor="ctr"/>
+            <a:lstStyle/>
+            <a:p>
+              <a:pPr algn="ctr"/>
+              <a:endParaRPr lang="en-IN" sz="2000" b="1">
+                <a:solidFill>
+                  <a:srgbClr val="FFD13F"/>
+                </a:solidFill>
+              </a:endParaRPr>
+            </a:p>
+          </p:txBody>
+        </p:sp>
+        <p:sp>
+          <p:nvSpPr>
+            <p:cNvPr id="158" name="Oval 157"/>
+            <p:cNvSpPr/>
+            <p:nvPr/>
+          </p:nvSpPr>
+          <p:spPr>
+            <a:xfrm>
+              <a:off x="1908605" y="1776334"/>
+              <a:ext cx="936104" cy="788570"/>
+            </a:xfrm>
+            <a:prstGeom prst="ellipse">
+              <a:avLst/>
+            </a:prstGeom>
+            <a:solidFill>
+              <a:srgbClr val="FFD13F"/>
+            </a:solidFill>
+            <a:ln/>
+          </p:spPr>
+          <p:style>
+            <a:lnRef idx="0">
+              <a:schemeClr val="accent6"/>
+            </a:lnRef>
+            <a:fillRef idx="3">
+              <a:schemeClr val="accent6"/>
+            </a:fillRef>
+            <a:effectRef idx="3">
+              <a:schemeClr val="accent6"/>
+            </a:effectRef>
+            <a:fontRef idx="minor">
+              <a:schemeClr val="lt1"/>
+            </a:fontRef>
+          </p:style>
+          <p:txBody>
+            <a:bodyPr rtlCol="0" anchor="ctr"/>
+            <a:lstStyle/>
+            <a:p>
+              <a:pPr algn="ctr"/>
+              <a:endParaRPr lang="en-IN" sz="2000" b="1" dirty="0">
+                <a:solidFill>
+                  <a:srgbClr val="FFD13F"/>
+                </a:solidFill>
+              </a:endParaRPr>
+            </a:p>
+          </p:txBody>
+        </p:sp>
+      </p:grpSp>
+      <p:grpSp>
+        <p:nvGrpSpPr>
+          <p:cNvPr id="56" name="Group 55"/>
+          <p:cNvGrpSpPr/>
+          <p:nvPr/>
+        </p:nvGrpSpPr>
+        <p:grpSpPr>
+          <a:xfrm>
+            <a:off x="656709" y="1931621"/>
+            <a:ext cx="539980" cy="468012"/>
+            <a:chOff x="3275904" y="1880828"/>
+            <a:chExt cx="539980" cy="468012"/>
+          </a:xfrm>
+        </p:grpSpPr>
+        <p:grpSp>
+          <p:nvGrpSpPr>
+            <p:cNvPr id="162" name="Group 161"/>
+            <p:cNvGrpSpPr/>
+            <p:nvPr/>
+          </p:nvGrpSpPr>
+          <p:grpSpPr>
+            <a:xfrm>
+              <a:off x="3275904" y="1880828"/>
+              <a:ext cx="288000" cy="360000"/>
+              <a:chOff x="1721662" y="1776334"/>
+              <a:chExt cx="1309990" cy="1613847"/>
+            </a:xfrm>
+          </p:grpSpPr>
+          <p:sp>
+            <p:nvSpPr>
+              <p:cNvPr id="163" name="Freeform 162"/>
+              <p:cNvSpPr/>
+              <p:nvPr/>
+            </p:nvSpPr>
+            <p:spPr>
+              <a:xfrm>
+                <a:off x="1721662" y="2372264"/>
+                <a:ext cx="1309990" cy="1017917"/>
+              </a:xfrm>
+              <a:custGeom>
+                <a:avLst/>
+                <a:gdLst>
+                  <a:gd name="connsiteX0" fmla="*/ 641976 w 1309990"/>
+                  <a:gd name="connsiteY0" fmla="*/ 0 h 1017917"/>
+                  <a:gd name="connsiteX1" fmla="*/ 288293 w 1309990"/>
+                  <a:gd name="connsiteY1" fmla="*/ 120770 h 1017917"/>
+                  <a:gd name="connsiteX2" fmla="*/ 81259 w 1309990"/>
+                  <a:gd name="connsiteY2" fmla="*/ 336430 h 1017917"/>
+                  <a:gd name="connsiteX3" fmla="*/ 3621 w 1309990"/>
+                  <a:gd name="connsiteY3" fmla="*/ 621102 h 1017917"/>
+                  <a:gd name="connsiteX4" fmla="*/ 184776 w 1309990"/>
+                  <a:gd name="connsiteY4" fmla="*/ 879894 h 1017917"/>
+                  <a:gd name="connsiteX5" fmla="*/ 650602 w 1309990"/>
+                  <a:gd name="connsiteY5" fmla="*/ 1017917 h 1017917"/>
+                  <a:gd name="connsiteX6" fmla="*/ 1125055 w 1309990"/>
+                  <a:gd name="connsiteY6" fmla="*/ 879894 h 1017917"/>
+                  <a:gd name="connsiteX7" fmla="*/ 1306210 w 1309990"/>
+                  <a:gd name="connsiteY7" fmla="*/ 621102 h 1017917"/>
+                  <a:gd name="connsiteX8" fmla="*/ 1228572 w 1309990"/>
+                  <a:gd name="connsiteY8" fmla="*/ 336430 h 1017917"/>
+                  <a:gd name="connsiteX9" fmla="*/ 1004285 w 1309990"/>
+                  <a:gd name="connsiteY9" fmla="*/ 120770 h 1017917"/>
+                  <a:gd name="connsiteX10" fmla="*/ 641976 w 1309990"/>
+                  <a:gd name="connsiteY10" fmla="*/ 0 h 1017917"/>
+                </a:gdLst>
+                <a:ahLst/>
+                <a:cxnLst>
+                  <a:cxn ang="0">
+                    <a:pos x="connsiteX0" y="connsiteY0"/>
+                  </a:cxn>
+                  <a:cxn ang="0">
+                    <a:pos x="connsiteX1" y="connsiteY1"/>
+                  </a:cxn>
+                  <a:cxn ang="0">
+                    <a:pos x="connsiteX2" y="connsiteY2"/>
+                  </a:cxn>
+                  <a:cxn ang="0">
+                    <a:pos x="connsiteX3" y="connsiteY3"/>
+                  </a:cxn>
+                  <a:cxn ang="0">
+                    <a:pos x="connsiteX4" y="connsiteY4"/>
+                  </a:cxn>
+                  <a:cxn ang="0">
+                    <a:pos x="connsiteX5" y="connsiteY5"/>
+                  </a:cxn>
+                  <a:cxn ang="0">
+                    <a:pos x="connsiteX6" y="connsiteY6"/>
+                  </a:cxn>
+                  <a:cxn ang="0">
+                    <a:pos x="connsiteX7" y="connsiteY7"/>
+                  </a:cxn>
+                  <a:cxn ang="0">
+                    <a:pos x="connsiteX8" y="connsiteY8"/>
+                  </a:cxn>
+                  <a:cxn ang="0">
+                    <a:pos x="connsiteX9" y="connsiteY9"/>
+                  </a:cxn>
+                  <a:cxn ang="0">
+                    <a:pos x="connsiteX10" y="connsiteY10"/>
+                  </a:cxn>
+                </a:cxnLst>
+                <a:rect l="l" t="t" r="r" b="b"/>
+                <a:pathLst>
+                  <a:path w="1309990" h="1017917">
+                    <a:moveTo>
+                      <a:pt x="641976" y="0"/>
+                    </a:moveTo>
+                    <a:cubicBezTo>
+                      <a:pt x="522644" y="0"/>
+                      <a:pt x="381746" y="64698"/>
+                      <a:pt x="288293" y="120770"/>
+                    </a:cubicBezTo>
+                    <a:cubicBezTo>
+                      <a:pt x="194840" y="176842"/>
+                      <a:pt x="128704" y="253041"/>
+                      <a:pt x="81259" y="336430"/>
+                    </a:cubicBezTo>
+                    <a:cubicBezTo>
+                      <a:pt x="33814" y="419819"/>
+                      <a:pt x="-13632" y="530525"/>
+                      <a:pt x="3621" y="621102"/>
+                    </a:cubicBezTo>
+                    <a:cubicBezTo>
+                      <a:pt x="20874" y="711679"/>
+                      <a:pt x="76946" y="813758"/>
+                      <a:pt x="184776" y="879894"/>
+                    </a:cubicBezTo>
+                    <a:cubicBezTo>
+                      <a:pt x="292606" y="946030"/>
+                      <a:pt x="493889" y="1017917"/>
+                      <a:pt x="650602" y="1017917"/>
+                    </a:cubicBezTo>
+                    <a:cubicBezTo>
+                      <a:pt x="807315" y="1017917"/>
+                      <a:pt x="1015787" y="946030"/>
+                      <a:pt x="1125055" y="879894"/>
+                    </a:cubicBezTo>
+                    <a:cubicBezTo>
+                      <a:pt x="1234323" y="813758"/>
+                      <a:pt x="1288957" y="711679"/>
+                      <a:pt x="1306210" y="621102"/>
+                    </a:cubicBezTo>
+                    <a:cubicBezTo>
+                      <a:pt x="1323463" y="530525"/>
+                      <a:pt x="1278893" y="419819"/>
+                      <a:pt x="1228572" y="336430"/>
+                    </a:cubicBezTo>
+                    <a:cubicBezTo>
+                      <a:pt x="1178251" y="253041"/>
+                      <a:pt x="1100613" y="175404"/>
+                      <a:pt x="1004285" y="120770"/>
+                    </a:cubicBezTo>
+                    <a:cubicBezTo>
+                      <a:pt x="907957" y="66136"/>
+                      <a:pt x="761308" y="0"/>
+                      <a:pt x="641976" y="0"/>
+                    </a:cubicBezTo>
+                    <a:close/>
+                  </a:path>
+                </a:pathLst>
+              </a:custGeom>
+              <a:solidFill>
+                <a:srgbClr val="FFD13F"/>
+              </a:solidFill>
+              <a:ln/>
+            </p:spPr>
+            <p:style>
+              <a:lnRef idx="0">
+                <a:schemeClr val="accent6"/>
+              </a:lnRef>
+              <a:fillRef idx="3">
+                <a:schemeClr val="accent6"/>
+              </a:fillRef>
+              <a:effectRef idx="3">
+                <a:schemeClr val="accent6"/>
+              </a:effectRef>
+              <a:fontRef idx="minor">
+                <a:schemeClr val="lt1"/>
+              </a:fontRef>
+            </p:style>
+            <p:txBody>
+              <a:bodyPr rtlCol="0" anchor="ctr"/>
+              <a:lstStyle/>
+              <a:p>
+                <a:pPr algn="ctr"/>
+                <a:endParaRPr lang="en-IN" sz="2000" b="1">
+                  <a:solidFill>
+                    <a:srgbClr val="FFD13F"/>
+                  </a:solidFill>
+                </a:endParaRPr>
+              </a:p>
+            </p:txBody>
+          </p:sp>
+          <p:sp>
+            <p:nvSpPr>
+              <p:cNvPr id="167" name="Oval 166"/>
+              <p:cNvSpPr/>
+              <p:nvPr/>
+            </p:nvSpPr>
+            <p:spPr>
+              <a:xfrm>
+                <a:off x="1908605" y="1776334"/>
+                <a:ext cx="936104" cy="788570"/>
+              </a:xfrm>
+              <a:prstGeom prst="ellipse">
+                <a:avLst/>
+              </a:prstGeom>
+              <a:solidFill>
+                <a:srgbClr val="FFD13F"/>
+              </a:solidFill>
+              <a:ln/>
+            </p:spPr>
+            <p:style>
+              <a:lnRef idx="0">
+                <a:schemeClr val="accent6"/>
+              </a:lnRef>
+              <a:fillRef idx="3">
+                <a:schemeClr val="accent6"/>
+              </a:fillRef>
+              <a:effectRef idx="3">
+                <a:schemeClr val="accent6"/>
+              </a:effectRef>
+              <a:fontRef idx="minor">
+                <a:schemeClr val="lt1"/>
+              </a:fontRef>
+            </p:style>
+            <p:txBody>
+              <a:bodyPr rtlCol="0" anchor="ctr"/>
+              <a:lstStyle/>
+              <a:p>
+                <a:pPr algn="ctr"/>
+                <a:endParaRPr lang="en-IN" sz="2000" b="1" dirty="0">
+                  <a:solidFill>
+                    <a:srgbClr val="FFD13F"/>
+                  </a:solidFill>
+                </a:endParaRPr>
+              </a:p>
+            </p:txBody>
+          </p:sp>
+        </p:grpSp>
+        <p:grpSp>
+          <p:nvGrpSpPr>
+            <p:cNvPr id="172" name="Group 171"/>
+            <p:cNvGrpSpPr/>
+            <p:nvPr/>
+          </p:nvGrpSpPr>
+          <p:grpSpPr>
+            <a:xfrm>
+              <a:off x="3527884" y="1880868"/>
+              <a:ext cx="288000" cy="360000"/>
+              <a:chOff x="1721662" y="1776334"/>
+              <a:chExt cx="1309990" cy="1613847"/>
+            </a:xfrm>
+          </p:grpSpPr>
+          <p:sp>
+            <p:nvSpPr>
+              <p:cNvPr id="176" name="Freeform 175"/>
+              <p:cNvSpPr/>
+              <p:nvPr/>
+            </p:nvSpPr>
+            <p:spPr>
+              <a:xfrm>
+                <a:off x="1721662" y="2372264"/>
+                <a:ext cx="1309990" cy="1017917"/>
+              </a:xfrm>
+              <a:custGeom>
+                <a:avLst/>
+                <a:gdLst>
+                  <a:gd name="connsiteX0" fmla="*/ 641976 w 1309990"/>
+                  <a:gd name="connsiteY0" fmla="*/ 0 h 1017917"/>
+                  <a:gd name="connsiteX1" fmla="*/ 288293 w 1309990"/>
+                  <a:gd name="connsiteY1" fmla="*/ 120770 h 1017917"/>
+                  <a:gd name="connsiteX2" fmla="*/ 81259 w 1309990"/>
+                  <a:gd name="connsiteY2" fmla="*/ 336430 h 1017917"/>
+                  <a:gd name="connsiteX3" fmla="*/ 3621 w 1309990"/>
+                  <a:gd name="connsiteY3" fmla="*/ 621102 h 1017917"/>
+                  <a:gd name="connsiteX4" fmla="*/ 184776 w 1309990"/>
+                  <a:gd name="connsiteY4" fmla="*/ 879894 h 1017917"/>
+                  <a:gd name="connsiteX5" fmla="*/ 650602 w 1309990"/>
+                  <a:gd name="connsiteY5" fmla="*/ 1017917 h 1017917"/>
+                  <a:gd name="connsiteX6" fmla="*/ 1125055 w 1309990"/>
+                  <a:gd name="connsiteY6" fmla="*/ 879894 h 1017917"/>
+                  <a:gd name="connsiteX7" fmla="*/ 1306210 w 1309990"/>
+                  <a:gd name="connsiteY7" fmla="*/ 621102 h 1017917"/>
+                  <a:gd name="connsiteX8" fmla="*/ 1228572 w 1309990"/>
+                  <a:gd name="connsiteY8" fmla="*/ 336430 h 1017917"/>
+                  <a:gd name="connsiteX9" fmla="*/ 1004285 w 1309990"/>
+                  <a:gd name="connsiteY9" fmla="*/ 120770 h 1017917"/>
+                  <a:gd name="connsiteX10" fmla="*/ 641976 w 1309990"/>
+                  <a:gd name="connsiteY10" fmla="*/ 0 h 1017917"/>
+                </a:gdLst>
+                <a:ahLst/>
+                <a:cxnLst>
+                  <a:cxn ang="0">
+                    <a:pos x="connsiteX0" y="connsiteY0"/>
+                  </a:cxn>
+                  <a:cxn ang="0">
+                    <a:pos x="connsiteX1" y="connsiteY1"/>
+                  </a:cxn>
+                  <a:cxn ang="0">
+                    <a:pos x="connsiteX2" y="connsiteY2"/>
+                  </a:cxn>
+                  <a:cxn ang="0">
+                    <a:pos x="connsiteX3" y="connsiteY3"/>
+                  </a:cxn>
+                  <a:cxn ang="0">
+                    <a:pos x="connsiteX4" y="connsiteY4"/>
+                  </a:cxn>
+                  <a:cxn ang="0">
+                    <a:pos x="connsiteX5" y="connsiteY5"/>
+                  </a:cxn>
+                  <a:cxn ang="0">
+                    <a:pos x="connsiteX6" y="connsiteY6"/>
+                  </a:cxn>
+                  <a:cxn ang="0">
+                    <a:pos x="connsiteX7" y="connsiteY7"/>
+                  </a:cxn>
+                  <a:cxn ang="0">
+                    <a:pos x="connsiteX8" y="connsiteY8"/>
+                  </a:cxn>
+                  <a:cxn ang="0">
+                    <a:pos x="connsiteX9" y="connsiteY9"/>
+                  </a:cxn>
+                  <a:cxn ang="0">
+                    <a:pos x="connsiteX10" y="connsiteY10"/>
+                  </a:cxn>
+                </a:cxnLst>
+                <a:rect l="l" t="t" r="r" b="b"/>
+                <a:pathLst>
+                  <a:path w="1309990" h="1017917">
+                    <a:moveTo>
+                      <a:pt x="641976" y="0"/>
+                    </a:moveTo>
+                    <a:cubicBezTo>
+                      <a:pt x="522644" y="0"/>
+                      <a:pt x="381746" y="64698"/>
+                      <a:pt x="288293" y="120770"/>
+                    </a:cubicBezTo>
+                    <a:cubicBezTo>
+                      <a:pt x="194840" y="176842"/>
+                      <a:pt x="128704" y="253041"/>
+                      <a:pt x="81259" y="336430"/>
+                    </a:cubicBezTo>
+                    <a:cubicBezTo>
+                      <a:pt x="33814" y="419819"/>
+                      <a:pt x="-13632" y="530525"/>
+                      <a:pt x="3621" y="621102"/>
+                    </a:cubicBezTo>
+                    <a:cubicBezTo>
+                      <a:pt x="20874" y="711679"/>
+                      <a:pt x="76946" y="813758"/>
+                      <a:pt x="184776" y="879894"/>
+                    </a:cubicBezTo>
+                    <a:cubicBezTo>
+                      <a:pt x="292606" y="946030"/>
+                      <a:pt x="493889" y="1017917"/>
+                      <a:pt x="650602" y="1017917"/>
+                    </a:cubicBezTo>
+                    <a:cubicBezTo>
+                      <a:pt x="807315" y="1017917"/>
+                      <a:pt x="1015787" y="946030"/>
+                      <a:pt x="1125055" y="879894"/>
+                    </a:cubicBezTo>
+                    <a:cubicBezTo>
+                      <a:pt x="1234323" y="813758"/>
+                      <a:pt x="1288957" y="711679"/>
+                      <a:pt x="1306210" y="621102"/>
+                    </a:cubicBezTo>
+                    <a:cubicBezTo>
+                      <a:pt x="1323463" y="530525"/>
+                      <a:pt x="1278893" y="419819"/>
+                      <a:pt x="1228572" y="336430"/>
+                    </a:cubicBezTo>
+                    <a:cubicBezTo>
+                      <a:pt x="1178251" y="253041"/>
+                      <a:pt x="1100613" y="175404"/>
+                      <a:pt x="1004285" y="120770"/>
+                    </a:cubicBezTo>
+                    <a:cubicBezTo>
+                      <a:pt x="907957" y="66136"/>
+                      <a:pt x="761308" y="0"/>
+                      <a:pt x="641976" y="0"/>
+                    </a:cubicBezTo>
+                    <a:close/>
+                  </a:path>
+                </a:pathLst>
+              </a:custGeom>
+              <a:solidFill>
+                <a:srgbClr val="FFD13F"/>
+              </a:solidFill>
+              <a:ln/>
+            </p:spPr>
+            <p:style>
+              <a:lnRef idx="0">
+                <a:schemeClr val="accent6"/>
+              </a:lnRef>
+              <a:fillRef idx="3">
+                <a:schemeClr val="accent6"/>
+              </a:fillRef>
+              <a:effectRef idx="3">
+                <a:schemeClr val="accent6"/>
+              </a:effectRef>
+              <a:fontRef idx="minor">
+                <a:schemeClr val="lt1"/>
+              </a:fontRef>
+            </p:style>
+            <p:txBody>
+              <a:bodyPr rtlCol="0" anchor="ctr"/>
+              <a:lstStyle/>
+              <a:p>
+                <a:pPr algn="ctr"/>
+                <a:endParaRPr lang="en-IN" sz="2000" b="1">
+                  <a:solidFill>
+                    <a:srgbClr val="FFD13F"/>
+                  </a:solidFill>
+                </a:endParaRPr>
+              </a:p>
+            </p:txBody>
+          </p:sp>
+          <p:sp>
+            <p:nvSpPr>
+              <p:cNvPr id="177" name="Oval 176"/>
+              <p:cNvSpPr/>
+              <p:nvPr/>
+            </p:nvSpPr>
+            <p:spPr>
+              <a:xfrm>
+                <a:off x="1908605" y="1776334"/>
+                <a:ext cx="936104" cy="788570"/>
+              </a:xfrm>
+              <a:prstGeom prst="ellipse">
+                <a:avLst/>
+              </a:prstGeom>
+              <a:solidFill>
+                <a:srgbClr val="FFD13F"/>
+              </a:solidFill>
+              <a:ln/>
+            </p:spPr>
+            <p:style>
+              <a:lnRef idx="0">
+                <a:schemeClr val="accent6"/>
+              </a:lnRef>
+              <a:fillRef idx="3">
+                <a:schemeClr val="accent6"/>
+              </a:fillRef>
+              <a:effectRef idx="3">
+                <a:schemeClr val="accent6"/>
+              </a:effectRef>
+              <a:fontRef idx="minor">
+                <a:schemeClr val="lt1"/>
+              </a:fontRef>
+            </p:style>
+            <p:txBody>
+              <a:bodyPr rtlCol="0" anchor="ctr"/>
+              <a:lstStyle/>
+              <a:p>
+                <a:pPr algn="ctr"/>
+                <a:endParaRPr lang="en-IN" sz="2000" b="1" dirty="0">
+                  <a:solidFill>
+                    <a:srgbClr val="FFD13F"/>
+                  </a:solidFill>
+                </a:endParaRPr>
+              </a:p>
+            </p:txBody>
+          </p:sp>
+        </p:grpSp>
+        <p:grpSp>
+          <p:nvGrpSpPr>
+            <p:cNvPr id="168" name="Group 167"/>
+            <p:cNvGrpSpPr/>
+            <p:nvPr/>
+          </p:nvGrpSpPr>
+          <p:grpSpPr>
+            <a:xfrm>
+              <a:off x="3428304" y="1988840"/>
+              <a:ext cx="288000" cy="360000"/>
+              <a:chOff x="1721662" y="1776334"/>
+              <a:chExt cx="1309990" cy="1613847"/>
+            </a:xfrm>
+          </p:grpSpPr>
+          <p:sp>
+            <p:nvSpPr>
+              <p:cNvPr id="170" name="Freeform 169"/>
+              <p:cNvSpPr/>
+              <p:nvPr/>
+            </p:nvSpPr>
+            <p:spPr>
+              <a:xfrm>
+                <a:off x="1721662" y="2372264"/>
+                <a:ext cx="1309990" cy="1017917"/>
+              </a:xfrm>
+              <a:custGeom>
+                <a:avLst/>
+                <a:gdLst>
+                  <a:gd name="connsiteX0" fmla="*/ 641976 w 1309990"/>
+                  <a:gd name="connsiteY0" fmla="*/ 0 h 1017917"/>
+                  <a:gd name="connsiteX1" fmla="*/ 288293 w 1309990"/>
+                  <a:gd name="connsiteY1" fmla="*/ 120770 h 1017917"/>
+                  <a:gd name="connsiteX2" fmla="*/ 81259 w 1309990"/>
+                  <a:gd name="connsiteY2" fmla="*/ 336430 h 1017917"/>
+                  <a:gd name="connsiteX3" fmla="*/ 3621 w 1309990"/>
+                  <a:gd name="connsiteY3" fmla="*/ 621102 h 1017917"/>
+                  <a:gd name="connsiteX4" fmla="*/ 184776 w 1309990"/>
+                  <a:gd name="connsiteY4" fmla="*/ 879894 h 1017917"/>
+                  <a:gd name="connsiteX5" fmla="*/ 650602 w 1309990"/>
+                  <a:gd name="connsiteY5" fmla="*/ 1017917 h 1017917"/>
+                  <a:gd name="connsiteX6" fmla="*/ 1125055 w 1309990"/>
+                  <a:gd name="connsiteY6" fmla="*/ 879894 h 1017917"/>
+                  <a:gd name="connsiteX7" fmla="*/ 1306210 w 1309990"/>
+                  <a:gd name="connsiteY7" fmla="*/ 621102 h 1017917"/>
+                  <a:gd name="connsiteX8" fmla="*/ 1228572 w 1309990"/>
+                  <a:gd name="connsiteY8" fmla="*/ 336430 h 1017917"/>
+                  <a:gd name="connsiteX9" fmla="*/ 1004285 w 1309990"/>
+                  <a:gd name="connsiteY9" fmla="*/ 120770 h 1017917"/>
+                  <a:gd name="connsiteX10" fmla="*/ 641976 w 1309990"/>
+                  <a:gd name="connsiteY10" fmla="*/ 0 h 1017917"/>
+                </a:gdLst>
+                <a:ahLst/>
+                <a:cxnLst>
+                  <a:cxn ang="0">
+                    <a:pos x="connsiteX0" y="connsiteY0"/>
+                  </a:cxn>
+                  <a:cxn ang="0">
+                    <a:pos x="connsiteX1" y="connsiteY1"/>
+                  </a:cxn>
+                  <a:cxn ang="0">
+                    <a:pos x="connsiteX2" y="connsiteY2"/>
+                  </a:cxn>
+                  <a:cxn ang="0">
+                    <a:pos x="connsiteX3" y="connsiteY3"/>
+                  </a:cxn>
+                  <a:cxn ang="0">
+                    <a:pos x="connsiteX4" y="connsiteY4"/>
+                  </a:cxn>
+                  <a:cxn ang="0">
+                    <a:pos x="connsiteX5" y="connsiteY5"/>
+                  </a:cxn>
+                  <a:cxn ang="0">
+                    <a:pos x="connsiteX6" y="connsiteY6"/>
+                  </a:cxn>
+                  <a:cxn ang="0">
+                    <a:pos x="connsiteX7" y="connsiteY7"/>
+                  </a:cxn>
+                  <a:cxn ang="0">
+                    <a:pos x="connsiteX8" y="connsiteY8"/>
+                  </a:cxn>
+                  <a:cxn ang="0">
+                    <a:pos x="connsiteX9" y="connsiteY9"/>
+                  </a:cxn>
+                  <a:cxn ang="0">
+                    <a:pos x="connsiteX10" y="connsiteY10"/>
+                  </a:cxn>
+                </a:cxnLst>
+                <a:rect l="l" t="t" r="r" b="b"/>
+                <a:pathLst>
+                  <a:path w="1309990" h="1017917">
+                    <a:moveTo>
+                      <a:pt x="641976" y="0"/>
+                    </a:moveTo>
+                    <a:cubicBezTo>
+                      <a:pt x="522644" y="0"/>
+                      <a:pt x="381746" y="64698"/>
+                      <a:pt x="288293" y="120770"/>
+                    </a:cubicBezTo>
+                    <a:cubicBezTo>
+                      <a:pt x="194840" y="176842"/>
+                      <a:pt x="128704" y="253041"/>
+                      <a:pt x="81259" y="336430"/>
+                    </a:cubicBezTo>
+                    <a:cubicBezTo>
+                      <a:pt x="33814" y="419819"/>
+                      <a:pt x="-13632" y="530525"/>
+                      <a:pt x="3621" y="621102"/>
+                    </a:cubicBezTo>
+                    <a:cubicBezTo>
+                      <a:pt x="20874" y="711679"/>
+                      <a:pt x="76946" y="813758"/>
+                      <a:pt x="184776" y="879894"/>
+                    </a:cubicBezTo>
+                    <a:cubicBezTo>
+                      <a:pt x="292606" y="946030"/>
+                      <a:pt x="493889" y="1017917"/>
+                      <a:pt x="650602" y="1017917"/>
+                    </a:cubicBezTo>
+                    <a:cubicBezTo>
+                      <a:pt x="807315" y="1017917"/>
+                      <a:pt x="1015787" y="946030"/>
+                      <a:pt x="1125055" y="879894"/>
+                    </a:cubicBezTo>
+                    <a:cubicBezTo>
+                      <a:pt x="1234323" y="813758"/>
+                      <a:pt x="1288957" y="711679"/>
+                      <a:pt x="1306210" y="621102"/>
+                    </a:cubicBezTo>
+                    <a:cubicBezTo>
+                      <a:pt x="1323463" y="530525"/>
+                      <a:pt x="1278893" y="419819"/>
+                      <a:pt x="1228572" y="336430"/>
+                    </a:cubicBezTo>
+                    <a:cubicBezTo>
+                      <a:pt x="1178251" y="253041"/>
+                      <a:pt x="1100613" y="175404"/>
+                      <a:pt x="1004285" y="120770"/>
+                    </a:cubicBezTo>
+                    <a:cubicBezTo>
+                      <a:pt x="907957" y="66136"/>
+                      <a:pt x="761308" y="0"/>
+                      <a:pt x="641976" y="0"/>
+                    </a:cubicBezTo>
+                    <a:close/>
+                  </a:path>
+                </a:pathLst>
+              </a:custGeom>
+              <a:solidFill>
+                <a:srgbClr val="FFD13F"/>
+              </a:solidFill>
+              <a:ln/>
+            </p:spPr>
+            <p:style>
+              <a:lnRef idx="0">
+                <a:schemeClr val="accent6"/>
+              </a:lnRef>
+              <a:fillRef idx="3">
+                <a:schemeClr val="accent6"/>
+              </a:fillRef>
+              <a:effectRef idx="3">
+                <a:schemeClr val="accent6"/>
+              </a:effectRef>
+              <a:fontRef idx="minor">
+                <a:schemeClr val="lt1"/>
+              </a:fontRef>
+            </p:style>
+            <p:txBody>
+              <a:bodyPr rtlCol="0" anchor="ctr"/>
+              <a:lstStyle/>
+              <a:p>
+                <a:pPr algn="ctr"/>
+                <a:endParaRPr lang="en-IN" sz="2000" b="1">
+                  <a:solidFill>
+                    <a:srgbClr val="FFD13F"/>
+                  </a:solidFill>
+                </a:endParaRPr>
+              </a:p>
+            </p:txBody>
+          </p:sp>
+          <p:sp>
+            <p:nvSpPr>
+              <p:cNvPr id="171" name="Oval 170"/>
+              <p:cNvSpPr/>
+              <p:nvPr/>
+            </p:nvSpPr>
+            <p:spPr>
+              <a:xfrm>
+                <a:off x="1908605" y="1776334"/>
+                <a:ext cx="936104" cy="788570"/>
+              </a:xfrm>
+              <a:prstGeom prst="ellipse">
+                <a:avLst/>
+              </a:prstGeom>
+              <a:solidFill>
+                <a:srgbClr val="FFD13F"/>
+              </a:solidFill>
+              <a:ln/>
+            </p:spPr>
+            <p:style>
+              <a:lnRef idx="0">
+                <a:schemeClr val="accent6"/>
+              </a:lnRef>
+              <a:fillRef idx="3">
+                <a:schemeClr val="accent6"/>
+              </a:fillRef>
+              <a:effectRef idx="3">
+                <a:schemeClr val="accent6"/>
+              </a:effectRef>
+              <a:fontRef idx="minor">
+                <a:schemeClr val="lt1"/>
+              </a:fontRef>
+            </p:style>
+            <p:txBody>
+              <a:bodyPr rtlCol="0" anchor="ctr"/>
+              <a:lstStyle/>
+              <a:p>
+                <a:pPr algn="ctr"/>
+                <a:endParaRPr lang="en-IN" sz="2000" b="1" dirty="0">
+                  <a:solidFill>
+                    <a:srgbClr val="FFD13F"/>
+                  </a:solidFill>
+                </a:endParaRPr>
+              </a:p>
+            </p:txBody>
+          </p:sp>
+        </p:grpSp>
+      </p:grpSp>
+      <p:sp>
+        <p:nvSpPr>
+          <p:cNvPr id="186" name="Oval 185"/>
+          <p:cNvSpPr/>
+          <p:nvPr/>
+        </p:nvSpPr>
+        <p:spPr>
+          <a:xfrm>
+            <a:off x="1295636" y="1895627"/>
             <a:ext cx="540000" cy="540000"/>
-            <a:chOff x="3203848" y="989112"/>
+          </a:xfrm>
+          <a:prstGeom prst="ellipse">
+            <a:avLst/>
+          </a:prstGeom>
+          <a:noFill/>
+          <a:ln/>
+          <a:scene3d>
+            <a:camera prst="isometricOffAxis1Right"/>
+            <a:lightRig rig="threePt" dir="t">
+              <a:rot lat="0" lon="0" rev="1200000"/>
+            </a:lightRig>
+          </a:scene3d>
+          <a:sp3d>
+            <a:bevelT w="63500" h="25400"/>
+          </a:sp3d>
+        </p:spPr>
+        <p:style>
+          <a:lnRef idx="0">
+            <a:schemeClr val="accent6"/>
+          </a:lnRef>
+          <a:fillRef idx="3">
+            <a:schemeClr val="accent6"/>
+          </a:fillRef>
+          <a:effectRef idx="3">
+            <a:schemeClr val="accent6"/>
+          </a:effectRef>
+          <a:fontRef idx="minor">
+            <a:schemeClr val="lt1"/>
+          </a:fontRef>
+        </p:style>
+        <p:txBody>
+          <a:bodyPr rtlCol="0" anchor="ctr">
+            <a:sp3d extrusionH="57150">
+              <a:bevelT w="38100" h="38100"/>
+            </a:sp3d>
+          </a:bodyPr>
+          <a:lstStyle/>
+          <a:p>
+            <a:pPr algn="ctr"/>
+            <a:r>
+              <a:rPr lang="en-US" sz="5400" b="1" dirty="0">
+                <a:ln>
+                  <a:solidFill>
+                    <a:schemeClr val="accent6">
+                      <a:lumMod val="50000"/>
+                    </a:schemeClr>
+                  </a:solidFill>
+                </a:ln>
+                <a:solidFill>
+                  <a:srgbClr val="FFD13F"/>
+                </a:solidFill>
+                <a:latin typeface="Cooper Black" panose="0208090404030B020404" pitchFamily="18" charset="0"/>
+              </a:rPr>
+              <a:t>?</a:t>
+            </a:r>
+            <a:endParaRPr lang="en-IN" sz="5400" b="1" dirty="0">
+              <a:ln>
+                <a:solidFill>
+                  <a:schemeClr val="accent6">
+                    <a:lumMod val="50000"/>
+                  </a:schemeClr>
+                </a:solidFill>
+              </a:ln>
+              <a:solidFill>
+                <a:srgbClr val="FFD13F"/>
+              </a:solidFill>
+              <a:latin typeface="Cooper Black" panose="0208090404030B020404" pitchFamily="18" charset="0"/>
+            </a:endParaRPr>
+          </a:p>
+        </p:txBody>
+      </p:sp>
+      <p:grpSp>
+        <p:nvGrpSpPr>
+          <p:cNvPr id="58" name="Group 57"/>
+          <p:cNvGrpSpPr/>
+          <p:nvPr/>
+        </p:nvGrpSpPr>
+        <p:grpSpPr>
+          <a:xfrm>
+            <a:off x="3707904" y="1052736"/>
+            <a:ext cx="648445" cy="540000"/>
+            <a:chOff x="3905787" y="2600968"/>
+            <a:chExt cx="648445" cy="540000"/>
+          </a:xfrm>
+        </p:grpSpPr>
+        <p:sp>
+          <p:nvSpPr>
+            <p:cNvPr id="211" name="Oval 210"/>
+            <p:cNvSpPr/>
+            <p:nvPr/>
+          </p:nvSpPr>
+          <p:spPr>
+            <a:xfrm>
+              <a:off x="3905787" y="2600968"/>
+              <a:ext cx="540000" cy="540000"/>
+            </a:xfrm>
+            <a:prstGeom prst="ellipse">
+              <a:avLst/>
+            </a:prstGeom>
+            <a:noFill/>
+            <a:ln/>
+            <a:scene3d>
+              <a:camera prst="isometricOffAxis1Right"/>
+              <a:lightRig rig="threePt" dir="t">
+                <a:rot lat="0" lon="0" rev="1200000"/>
+              </a:lightRig>
+            </a:scene3d>
+            <a:sp3d>
+              <a:bevelT w="63500" h="25400"/>
+            </a:sp3d>
+          </p:spPr>
+          <p:style>
+            <a:lnRef idx="0">
+              <a:schemeClr val="accent6"/>
+            </a:lnRef>
+            <a:fillRef idx="3">
+              <a:schemeClr val="accent6"/>
+            </a:fillRef>
+            <a:effectRef idx="3">
+              <a:schemeClr val="accent6"/>
+            </a:effectRef>
+            <a:fontRef idx="minor">
+              <a:schemeClr val="lt1"/>
+            </a:fontRef>
+          </p:style>
+          <p:txBody>
+            <a:bodyPr rtlCol="0" anchor="ctr">
+              <a:sp3d extrusionH="57150">
+                <a:bevelT w="38100" h="38100"/>
+              </a:sp3d>
+            </a:bodyPr>
+            <a:lstStyle/>
+            <a:p>
+              <a:pPr algn="ctr"/>
+              <a:r>
+                <a:rPr lang="en-US" sz="3600" b="1" dirty="0" smtClean="0">
+                  <a:ln>
+                    <a:solidFill>
+                      <a:schemeClr val="accent6">
+                        <a:lumMod val="50000"/>
+                      </a:schemeClr>
+                    </a:solidFill>
+                  </a:ln>
+                  <a:solidFill>
+                    <a:srgbClr val="FFD13F"/>
+                  </a:solidFill>
+                  <a:latin typeface="Cooper Black" panose="0208090404030B020404" pitchFamily="18" charset="0"/>
+                  <a:sym typeface="Webdings"/>
+                </a:rPr>
+                <a:t></a:t>
+              </a:r>
+              <a:endParaRPr lang="en-IN" sz="3600" b="1" dirty="0">
+                <a:ln>
+                  <a:solidFill>
+                    <a:schemeClr val="accent6">
+                      <a:lumMod val="50000"/>
+                    </a:schemeClr>
+                  </a:solidFill>
+                </a:ln>
+                <a:solidFill>
+                  <a:srgbClr val="FFD13F"/>
+                </a:solidFill>
+                <a:latin typeface="Cooper Black" panose="0208090404030B020404" pitchFamily="18" charset="0"/>
+              </a:endParaRPr>
+            </a:p>
+          </p:txBody>
+        </p:sp>
+        <p:sp>
+          <p:nvSpPr>
+            <p:cNvPr id="210" name="Down Arrow 209"/>
+            <p:cNvSpPr/>
+            <p:nvPr/>
+          </p:nvSpPr>
+          <p:spPr>
+            <a:xfrm rot="13500000">
+              <a:off x="4236336" y="2529143"/>
+              <a:ext cx="221755" cy="414036"/>
+            </a:xfrm>
+            <a:prstGeom prst="downArrow">
+              <a:avLst/>
+            </a:prstGeom>
+            <a:solidFill>
+              <a:srgbClr val="FFD13F"/>
+            </a:solidFill>
+            <a:ln>
+              <a:solidFill>
+                <a:schemeClr val="accent6">
+                  <a:lumMod val="50000"/>
+                </a:schemeClr>
+              </a:solidFill>
+            </a:ln>
+          </p:spPr>
+          <p:style>
+            <a:lnRef idx="0">
+              <a:schemeClr val="accent6"/>
+            </a:lnRef>
+            <a:fillRef idx="3">
+              <a:schemeClr val="accent6"/>
+            </a:fillRef>
+            <a:effectRef idx="3">
+              <a:schemeClr val="accent6"/>
+            </a:effectRef>
+            <a:fontRef idx="minor">
+              <a:schemeClr val="lt1"/>
+            </a:fontRef>
+          </p:style>
+          <p:txBody>
+            <a:bodyPr rtlCol="0" anchor="ctr"/>
+            <a:lstStyle/>
+            <a:p>
+              <a:pPr algn="ctr"/>
+              <a:endParaRPr lang="en-IN" sz="2000" b="1">
+                <a:solidFill>
+                  <a:srgbClr val="FFD13F"/>
+                </a:solidFill>
+              </a:endParaRPr>
+            </a:p>
+          </p:txBody>
+        </p:sp>
+      </p:grpSp>
+      <p:grpSp>
+        <p:nvGrpSpPr>
+          <p:cNvPr id="60" name="Group 59"/>
+          <p:cNvGrpSpPr/>
+          <p:nvPr/>
+        </p:nvGrpSpPr>
+        <p:grpSpPr>
+          <a:xfrm>
+            <a:off x="3177220" y="980728"/>
+            <a:ext cx="602692" cy="600382"/>
+            <a:chOff x="4454612" y="1931723"/>
+            <a:chExt cx="602692" cy="600382"/>
+          </a:xfrm>
+        </p:grpSpPr>
+        <p:sp>
+          <p:nvSpPr>
+            <p:cNvPr id="213" name="Oval 212"/>
+            <p:cNvSpPr/>
+            <p:nvPr/>
+          </p:nvSpPr>
+          <p:spPr>
+            <a:xfrm>
+              <a:off x="4454612" y="1992105"/>
+              <a:ext cx="578040" cy="540000"/>
+            </a:xfrm>
+            <a:prstGeom prst="ellipse">
+              <a:avLst/>
+            </a:prstGeom>
+            <a:noFill/>
+            <a:ln/>
+            <a:scene3d>
+              <a:camera prst="isometricOffAxis1Right"/>
+              <a:lightRig rig="threePt" dir="t">
+                <a:rot lat="0" lon="0" rev="1200000"/>
+              </a:lightRig>
+            </a:scene3d>
+            <a:sp3d>
+              <a:bevelT w="63500" h="25400"/>
+            </a:sp3d>
+          </p:spPr>
+          <p:style>
+            <a:lnRef idx="0">
+              <a:schemeClr val="accent6"/>
+            </a:lnRef>
+            <a:fillRef idx="3">
+              <a:schemeClr val="accent6"/>
+            </a:fillRef>
+            <a:effectRef idx="3">
+              <a:schemeClr val="accent6"/>
+            </a:effectRef>
+            <a:fontRef idx="minor">
+              <a:schemeClr val="lt1"/>
+            </a:fontRef>
+          </p:style>
+          <p:txBody>
+            <a:bodyPr rtlCol="0" anchor="ctr">
+              <a:sp3d extrusionH="57150">
+                <a:bevelT w="38100" h="38100"/>
+              </a:sp3d>
+            </a:bodyPr>
+            <a:lstStyle/>
+            <a:p>
+              <a:pPr algn="ctr"/>
+              <a:r>
+                <a:rPr lang="en-US" sz="4400" b="1" dirty="0">
+                  <a:ln>
+                    <a:solidFill>
+                      <a:schemeClr val="accent6">
+                        <a:lumMod val="50000"/>
+                      </a:schemeClr>
+                    </a:solidFill>
+                  </a:ln>
+                  <a:solidFill>
+                    <a:srgbClr val="FFD13F"/>
+                  </a:solidFill>
+                  <a:latin typeface="Cooper Black" panose="0208090404030B020404" pitchFamily="18" charset="0"/>
+                  <a:sym typeface="Wingdings"/>
+                </a:rPr>
+                <a:t></a:t>
+              </a:r>
+              <a:endParaRPr lang="en-IN" sz="4400" b="1" dirty="0">
+                <a:ln>
+                  <a:solidFill>
+                    <a:schemeClr val="accent6">
+                      <a:lumMod val="50000"/>
+                    </a:schemeClr>
+                  </a:solidFill>
+                </a:ln>
+                <a:solidFill>
+                  <a:srgbClr val="FFD13F"/>
+                </a:solidFill>
+                <a:latin typeface="Cooper Black" panose="0208090404030B020404" pitchFamily="18" charset="0"/>
+              </a:endParaRPr>
+            </a:p>
+          </p:txBody>
+        </p:sp>
+        <p:sp>
+          <p:nvSpPr>
+            <p:cNvPr id="215" name="Oval 214"/>
+            <p:cNvSpPr/>
+            <p:nvPr/>
+          </p:nvSpPr>
+          <p:spPr>
+            <a:xfrm>
+              <a:off x="4517304" y="1931723"/>
+              <a:ext cx="540000" cy="540000"/>
+            </a:xfrm>
+            <a:prstGeom prst="ellipse">
+              <a:avLst/>
+            </a:prstGeom>
+            <a:noFill/>
+            <a:ln/>
+            <a:scene3d>
+              <a:camera prst="isometricOffAxis1Right"/>
+              <a:lightRig rig="threePt" dir="t">
+                <a:rot lat="0" lon="0" rev="1200000"/>
+              </a:lightRig>
+            </a:scene3d>
+            <a:sp3d>
+              <a:bevelT w="63500" h="25400"/>
+            </a:sp3d>
+          </p:spPr>
+          <p:style>
+            <a:lnRef idx="0">
+              <a:schemeClr val="accent6"/>
+            </a:lnRef>
+            <a:fillRef idx="3">
+              <a:schemeClr val="accent6"/>
+            </a:fillRef>
+            <a:effectRef idx="3">
+              <a:schemeClr val="accent6"/>
+            </a:effectRef>
+            <a:fontRef idx="minor">
+              <a:schemeClr val="lt1"/>
+            </a:fontRef>
+          </p:style>
+          <p:txBody>
+            <a:bodyPr rtlCol="0" anchor="ctr">
+              <a:sp3d extrusionH="57150">
+                <a:bevelT w="38100" h="38100"/>
+              </a:sp3d>
+            </a:bodyPr>
+            <a:lstStyle/>
+            <a:p>
+              <a:pPr algn="ctr"/>
+              <a:r>
+                <a:rPr lang="en-US" sz="4400" b="1" dirty="0">
+                  <a:ln>
+                    <a:solidFill>
+                      <a:schemeClr val="accent6">
+                        <a:lumMod val="50000"/>
+                      </a:schemeClr>
+                    </a:solidFill>
+                  </a:ln>
+                  <a:solidFill>
+                    <a:srgbClr val="FFD13F"/>
+                  </a:solidFill>
+                  <a:latin typeface="Cooper Black" panose="0208090404030B020404" pitchFamily="18" charset="0"/>
+                  <a:sym typeface="Wingdings"/>
+                </a:rPr>
+                <a:t>/</a:t>
+              </a:r>
+              <a:endParaRPr lang="en-IN" sz="4400" b="1" dirty="0">
+                <a:ln>
+                  <a:solidFill>
+                    <a:schemeClr val="accent6">
+                      <a:lumMod val="50000"/>
+                    </a:schemeClr>
+                  </a:solidFill>
+                </a:ln>
+                <a:solidFill>
+                  <a:srgbClr val="FFD13F"/>
+                </a:solidFill>
+                <a:latin typeface="Cooper Black" panose="0208090404030B020404" pitchFamily="18" charset="0"/>
+              </a:endParaRPr>
+            </a:p>
+          </p:txBody>
+        </p:sp>
+      </p:grpSp>
+      <p:sp>
+        <p:nvSpPr>
+          <p:cNvPr id="216" name="Oval 215"/>
+          <p:cNvSpPr/>
+          <p:nvPr/>
+        </p:nvSpPr>
+        <p:spPr>
+          <a:xfrm>
+            <a:off x="4898963" y="2044679"/>
+            <a:ext cx="540000" cy="540000"/>
+          </a:xfrm>
+          <a:prstGeom prst="ellipse">
+            <a:avLst/>
+          </a:prstGeom>
+          <a:noFill/>
+          <a:ln/>
+          <a:scene3d>
+            <a:camera prst="isometricOffAxis1Right"/>
+            <a:lightRig rig="threePt" dir="t">
+              <a:rot lat="0" lon="0" rev="1200000"/>
+            </a:lightRig>
+          </a:scene3d>
+          <a:sp3d>
+            <a:bevelT w="63500" h="25400"/>
+          </a:sp3d>
+        </p:spPr>
+        <p:style>
+          <a:lnRef idx="0">
+            <a:schemeClr val="accent6"/>
+          </a:lnRef>
+          <a:fillRef idx="3">
+            <a:schemeClr val="accent6"/>
+          </a:fillRef>
+          <a:effectRef idx="3">
+            <a:schemeClr val="accent6"/>
+          </a:effectRef>
+          <a:fontRef idx="minor">
+            <a:schemeClr val="lt1"/>
+          </a:fontRef>
+        </p:style>
+        <p:txBody>
+          <a:bodyPr rtlCol="0" anchor="ctr">
+            <a:sp3d extrusionH="57150">
+              <a:bevelT w="38100" h="38100"/>
+            </a:sp3d>
+          </a:bodyPr>
+          <a:lstStyle/>
+          <a:p>
+            <a:pPr algn="ctr"/>
+            <a:r>
+              <a:rPr lang="en-US" sz="5400" b="1" dirty="0">
+                <a:ln>
+                  <a:solidFill>
+                    <a:schemeClr val="accent6">
+                      <a:lumMod val="50000"/>
+                    </a:schemeClr>
+                  </a:solidFill>
+                </a:ln>
+                <a:solidFill>
+                  <a:schemeClr val="accent6">
+                    <a:lumMod val="50000"/>
+                  </a:schemeClr>
+                </a:solidFill>
+                <a:latin typeface="Cooper Black" panose="0208090404030B020404" pitchFamily="18" charset="0"/>
+                <a:sym typeface="Webdings"/>
+              </a:rPr>
+              <a:t></a:t>
+            </a:r>
+            <a:endParaRPr lang="en-IN" sz="5400" b="1" dirty="0">
+              <a:ln>
+                <a:solidFill>
+                  <a:schemeClr val="accent6">
+                    <a:lumMod val="50000"/>
+                  </a:schemeClr>
+                </a:solidFill>
+              </a:ln>
+              <a:solidFill>
+                <a:schemeClr val="accent6">
+                  <a:lumMod val="50000"/>
+                </a:schemeClr>
+              </a:solidFill>
+              <a:latin typeface="Cooper Black" panose="0208090404030B020404" pitchFamily="18" charset="0"/>
+            </a:endParaRPr>
+          </a:p>
+        </p:txBody>
+      </p:sp>
+      <p:sp>
+        <p:nvSpPr>
+          <p:cNvPr id="217" name="Oval 216"/>
+          <p:cNvSpPr/>
+          <p:nvPr/>
+        </p:nvSpPr>
+        <p:spPr>
+          <a:xfrm>
+            <a:off x="2519832" y="2600908"/>
+            <a:ext cx="540000" cy="540000"/>
+          </a:xfrm>
+          <a:prstGeom prst="ellipse">
+            <a:avLst/>
+          </a:prstGeom>
+          <a:noFill/>
+          <a:ln/>
+          <a:scene3d>
+            <a:camera prst="isometricOffAxis1Right"/>
+            <a:lightRig rig="threePt" dir="t">
+              <a:rot lat="0" lon="0" rev="1200000"/>
+            </a:lightRig>
+          </a:scene3d>
+          <a:sp3d>
+            <a:bevelT w="63500" h="25400"/>
+          </a:sp3d>
+        </p:spPr>
+        <p:style>
+          <a:lnRef idx="0">
+            <a:schemeClr val="accent6"/>
+          </a:lnRef>
+          <a:fillRef idx="3">
+            <a:schemeClr val="accent6"/>
+          </a:fillRef>
+          <a:effectRef idx="3">
+            <a:schemeClr val="accent6"/>
+          </a:effectRef>
+          <a:fontRef idx="minor">
+            <a:schemeClr val="lt1"/>
+          </a:fontRef>
+        </p:style>
+        <p:txBody>
+          <a:bodyPr rtlCol="0" anchor="ctr">
+            <a:sp3d extrusionH="57150">
+              <a:bevelT w="38100" h="38100"/>
+            </a:sp3d>
+          </a:bodyPr>
+          <a:lstStyle/>
+          <a:p>
+            <a:pPr algn="ctr"/>
+            <a:r>
+              <a:rPr lang="en-US" sz="4400" b="1" dirty="0">
+                <a:ln>
+                  <a:solidFill>
+                    <a:schemeClr val="accent6">
+                      <a:lumMod val="50000"/>
+                    </a:schemeClr>
+                  </a:solidFill>
+                </a:ln>
+                <a:solidFill>
+                  <a:srgbClr val="FFD13F"/>
+                </a:solidFill>
+                <a:latin typeface="Cooper Black" panose="0208090404030B020404" pitchFamily="18" charset="0"/>
+                <a:sym typeface="Webdings"/>
+              </a:rPr>
+              <a:t></a:t>
+            </a:r>
+            <a:endParaRPr lang="en-IN" sz="4400" b="1" dirty="0">
+              <a:ln>
+                <a:solidFill>
+                  <a:schemeClr val="accent6">
+                    <a:lumMod val="50000"/>
+                  </a:schemeClr>
+                </a:solidFill>
+              </a:ln>
+              <a:solidFill>
+                <a:srgbClr val="FFD13F"/>
+              </a:solidFill>
+              <a:latin typeface="Cooper Black" panose="0208090404030B020404" pitchFamily="18" charset="0"/>
+            </a:endParaRPr>
+          </a:p>
+        </p:txBody>
+      </p:sp>
+      <p:sp>
+        <p:nvSpPr>
+          <p:cNvPr id="219" name="Oval 218"/>
+          <p:cNvSpPr/>
+          <p:nvPr/>
+        </p:nvSpPr>
+        <p:spPr>
+          <a:xfrm>
+            <a:off x="3095836" y="2600908"/>
+            <a:ext cx="540000" cy="540000"/>
+          </a:xfrm>
+          <a:prstGeom prst="ellipse">
+            <a:avLst/>
+          </a:prstGeom>
+          <a:noFill/>
+          <a:ln/>
+          <a:scene3d>
+            <a:camera prst="isometricOffAxis1Right"/>
+            <a:lightRig rig="threePt" dir="t">
+              <a:rot lat="0" lon="0" rev="1200000"/>
+            </a:lightRig>
+          </a:scene3d>
+          <a:sp3d>
+            <a:bevelT w="63500" h="25400"/>
+          </a:sp3d>
+        </p:spPr>
+        <p:style>
+          <a:lnRef idx="0">
+            <a:schemeClr val="accent6"/>
+          </a:lnRef>
+          <a:fillRef idx="3">
+            <a:schemeClr val="accent6"/>
+          </a:fillRef>
+          <a:effectRef idx="3">
+            <a:schemeClr val="accent6"/>
+          </a:effectRef>
+          <a:fontRef idx="minor">
+            <a:schemeClr val="lt1"/>
+          </a:fontRef>
+        </p:style>
+        <p:txBody>
+          <a:bodyPr rtlCol="0" anchor="ctr">
+            <a:sp3d extrusionH="57150">
+              <a:bevelT w="38100" h="38100"/>
+            </a:sp3d>
+          </a:bodyPr>
+          <a:lstStyle/>
+          <a:p>
+            <a:pPr algn="ctr"/>
+            <a:r>
+              <a:rPr lang="en-US" sz="4400" b="1" dirty="0">
+                <a:ln>
+                  <a:solidFill>
+                    <a:schemeClr val="accent6">
+                      <a:lumMod val="50000"/>
+                    </a:schemeClr>
+                  </a:solidFill>
+                </a:ln>
+                <a:solidFill>
+                  <a:srgbClr val="F2750F"/>
+                </a:solidFill>
+                <a:latin typeface="Cooper Black" panose="0208090404030B020404" pitchFamily="18" charset="0"/>
+                <a:sym typeface="Webdings"/>
+              </a:rPr>
+              <a:t></a:t>
+            </a:r>
+            <a:endParaRPr lang="en-IN" sz="4400" b="1" dirty="0">
+              <a:ln>
+                <a:solidFill>
+                  <a:schemeClr val="accent6">
+                    <a:lumMod val="50000"/>
+                  </a:schemeClr>
+                </a:solidFill>
+              </a:ln>
+              <a:solidFill>
+                <a:srgbClr val="F2750F"/>
+              </a:solidFill>
+              <a:latin typeface="Cooper Black" panose="0208090404030B020404" pitchFamily="18" charset="0"/>
+            </a:endParaRPr>
+          </a:p>
+        </p:txBody>
+      </p:sp>
+      <p:sp>
+        <p:nvSpPr>
+          <p:cNvPr id="223" name="Oval 222"/>
+          <p:cNvSpPr/>
+          <p:nvPr/>
+        </p:nvSpPr>
+        <p:spPr>
+          <a:xfrm rot="16200000">
+            <a:off x="3671960" y="2672976"/>
+            <a:ext cx="540000" cy="540000"/>
+          </a:xfrm>
+          <a:prstGeom prst="ellipse">
+            <a:avLst/>
+          </a:prstGeom>
+          <a:noFill/>
+          <a:ln/>
+          <a:scene3d>
+            <a:camera prst="isometricOffAxis1Right"/>
+            <a:lightRig rig="threePt" dir="t">
+              <a:rot lat="0" lon="0" rev="1200000"/>
+            </a:lightRig>
+          </a:scene3d>
+          <a:sp3d>
+            <a:bevelT w="63500" h="25400"/>
+          </a:sp3d>
+        </p:spPr>
+        <p:style>
+          <a:lnRef idx="0">
+            <a:schemeClr val="accent6"/>
+          </a:lnRef>
+          <a:fillRef idx="3">
+            <a:schemeClr val="accent6"/>
+          </a:fillRef>
+          <a:effectRef idx="3">
+            <a:schemeClr val="accent6"/>
+          </a:effectRef>
+          <a:fontRef idx="minor">
+            <a:schemeClr val="lt1"/>
+          </a:fontRef>
+        </p:style>
+        <p:txBody>
+          <a:bodyPr rtlCol="0" anchor="ctr">
+            <a:sp3d extrusionH="57150">
+              <a:bevelT w="38100" h="38100"/>
+            </a:sp3d>
+          </a:bodyPr>
+          <a:lstStyle/>
+          <a:p>
+            <a:pPr algn="ctr"/>
+            <a:r>
+              <a:rPr lang="en-US" sz="4400" b="1" dirty="0" smtClean="0">
+                <a:ln>
+                  <a:solidFill>
+                    <a:schemeClr val="bg1">
+                      <a:lumMod val="65000"/>
+                    </a:schemeClr>
+                  </a:solidFill>
+                </a:ln>
+                <a:solidFill>
+                  <a:schemeClr val="accent5">
+                    <a:lumMod val="20000"/>
+                    <a:lumOff val="80000"/>
+                  </a:schemeClr>
+                </a:solidFill>
+                <a:latin typeface="Cooper Black" panose="0208090404030B020404" pitchFamily="18" charset="0"/>
+                <a:sym typeface="Webdings"/>
+              </a:rPr>
+              <a:t></a:t>
+            </a:r>
+            <a:endParaRPr lang="en-IN" sz="4400" b="1" dirty="0">
+              <a:ln>
+                <a:solidFill>
+                  <a:schemeClr val="bg1">
+                    <a:lumMod val="65000"/>
+                  </a:schemeClr>
+                </a:solidFill>
+              </a:ln>
+              <a:solidFill>
+                <a:schemeClr val="accent5">
+                  <a:lumMod val="20000"/>
+                  <a:lumOff val="80000"/>
+                </a:schemeClr>
+              </a:solidFill>
+              <a:latin typeface="Cooper Black" panose="0208090404030B020404" pitchFamily="18" charset="0"/>
+            </a:endParaRPr>
+          </a:p>
+        </p:txBody>
+      </p:sp>
+      <p:sp>
+        <p:nvSpPr>
+          <p:cNvPr id="225" name="Oval 224"/>
+          <p:cNvSpPr/>
+          <p:nvPr/>
+        </p:nvSpPr>
+        <p:spPr>
+          <a:xfrm>
+            <a:off x="1988096" y="3069020"/>
+            <a:ext cx="540000" cy="540000"/>
+          </a:xfrm>
+          <a:prstGeom prst="ellipse">
+            <a:avLst/>
+          </a:prstGeom>
+          <a:noFill/>
+          <a:ln/>
+          <a:scene3d>
+            <a:camera prst="perspectiveAbove"/>
+            <a:lightRig rig="threePt" dir="t">
+              <a:rot lat="0" lon="0" rev="1200000"/>
+            </a:lightRig>
+          </a:scene3d>
+          <a:sp3d>
+            <a:bevelT w="63500" h="25400"/>
+          </a:sp3d>
+        </p:spPr>
+        <p:style>
+          <a:lnRef idx="0">
+            <a:schemeClr val="accent6"/>
+          </a:lnRef>
+          <a:fillRef idx="3">
+            <a:schemeClr val="accent6"/>
+          </a:fillRef>
+          <a:effectRef idx="3">
+            <a:schemeClr val="accent6"/>
+          </a:effectRef>
+          <a:fontRef idx="minor">
+            <a:schemeClr val="lt1"/>
+          </a:fontRef>
+        </p:style>
+        <p:txBody>
+          <a:bodyPr rtlCol="0" anchor="ctr">
+            <a:sp3d extrusionH="57150">
+              <a:bevelT w="38100" h="38100"/>
+            </a:sp3d>
+          </a:bodyPr>
+          <a:lstStyle/>
+          <a:p>
+            <a:pPr algn="ctr"/>
+            <a:r>
+              <a:rPr lang="en-US" sz="4400" b="1" dirty="0">
+                <a:ln>
+                  <a:solidFill>
+                    <a:schemeClr val="accent6">
+                      <a:lumMod val="50000"/>
+                    </a:schemeClr>
+                  </a:solidFill>
+                </a:ln>
+                <a:solidFill>
+                  <a:srgbClr val="FFD13F"/>
+                </a:solidFill>
+                <a:latin typeface="Cooper Black" panose="0208090404030B020404" pitchFamily="18" charset="0"/>
+                <a:sym typeface="Webdings"/>
+              </a:rPr>
+              <a:t></a:t>
+            </a:r>
+            <a:endParaRPr lang="en-IN" sz="4400" b="1" dirty="0">
+              <a:ln>
+                <a:solidFill>
+                  <a:schemeClr val="accent6">
+                    <a:lumMod val="50000"/>
+                  </a:schemeClr>
+                </a:solidFill>
+              </a:ln>
+              <a:solidFill>
+                <a:srgbClr val="FFD13F"/>
+              </a:solidFill>
+              <a:latin typeface="Cooper Black" panose="0208090404030B020404" pitchFamily="18" charset="0"/>
+            </a:endParaRPr>
+          </a:p>
+        </p:txBody>
+      </p:sp>
+      <p:sp>
+        <p:nvSpPr>
+          <p:cNvPr id="226" name="Oval 225"/>
+          <p:cNvSpPr/>
+          <p:nvPr/>
+        </p:nvSpPr>
+        <p:spPr>
+          <a:xfrm>
+            <a:off x="1223628" y="2636972"/>
+            <a:ext cx="540000" cy="540000"/>
+          </a:xfrm>
+          <a:prstGeom prst="ellipse">
+            <a:avLst/>
+          </a:prstGeom>
+          <a:noFill/>
+          <a:ln/>
+          <a:scene3d>
+            <a:camera prst="isometricOffAxis1Right"/>
+            <a:lightRig rig="threePt" dir="t">
+              <a:rot lat="0" lon="0" rev="1200000"/>
+            </a:lightRig>
+          </a:scene3d>
+          <a:sp3d>
+            <a:bevelT w="63500" h="25400"/>
+          </a:sp3d>
+        </p:spPr>
+        <p:style>
+          <a:lnRef idx="0">
+            <a:schemeClr val="accent6"/>
+          </a:lnRef>
+          <a:fillRef idx="3">
+            <a:schemeClr val="accent6"/>
+          </a:fillRef>
+          <a:effectRef idx="3">
+            <a:schemeClr val="accent6"/>
+          </a:effectRef>
+          <a:fontRef idx="minor">
+            <a:schemeClr val="lt1"/>
+          </a:fontRef>
+        </p:style>
+        <p:txBody>
+          <a:bodyPr rtlCol="0" anchor="ctr">
+            <a:sp3d extrusionH="57150">
+              <a:bevelT w="38100" h="38100"/>
+            </a:sp3d>
+          </a:bodyPr>
+          <a:lstStyle/>
+          <a:p>
+            <a:pPr algn="ctr"/>
+            <a:r>
+              <a:rPr lang="en-US" sz="5400" b="1" dirty="0" smtClean="0">
+                <a:ln>
+                  <a:solidFill>
+                    <a:schemeClr val="accent6">
+                      <a:lumMod val="50000"/>
+                    </a:schemeClr>
+                  </a:solidFill>
+                </a:ln>
+                <a:solidFill>
+                  <a:srgbClr val="FFD13F"/>
+                </a:solidFill>
+                <a:latin typeface="Cooper Black" panose="0208090404030B020404" pitchFamily="18" charset="0"/>
+              </a:rPr>
+              <a:t>!</a:t>
+            </a:r>
+            <a:endParaRPr lang="en-IN" sz="5400" b="1" dirty="0">
+              <a:ln>
+                <a:solidFill>
+                  <a:schemeClr val="accent6">
+                    <a:lumMod val="50000"/>
+                  </a:schemeClr>
+                </a:solidFill>
+              </a:ln>
+              <a:solidFill>
+                <a:srgbClr val="FFD13F"/>
+              </a:solidFill>
+              <a:latin typeface="Cooper Black" panose="0208090404030B020404" pitchFamily="18" charset="0"/>
+            </a:endParaRPr>
+          </a:p>
+        </p:txBody>
+      </p:sp>
+      <p:sp>
+        <p:nvSpPr>
+          <p:cNvPr id="227" name="Oval 226"/>
+          <p:cNvSpPr/>
+          <p:nvPr/>
+        </p:nvSpPr>
+        <p:spPr>
+          <a:xfrm>
+            <a:off x="2627844" y="3140968"/>
+            <a:ext cx="540000" cy="540000"/>
+          </a:xfrm>
+          <a:prstGeom prst="ellipse">
+            <a:avLst/>
+          </a:prstGeom>
+          <a:noFill/>
+          <a:ln/>
+          <a:scene3d>
+            <a:camera prst="perspectiveAbove"/>
+            <a:lightRig rig="threePt" dir="t">
+              <a:rot lat="0" lon="0" rev="1200000"/>
+            </a:lightRig>
+          </a:scene3d>
+          <a:sp3d>
+            <a:bevelT w="63500" h="25400"/>
+          </a:sp3d>
+        </p:spPr>
+        <p:style>
+          <a:lnRef idx="0">
+            <a:schemeClr val="accent6"/>
+          </a:lnRef>
+          <a:fillRef idx="3">
+            <a:schemeClr val="accent6"/>
+          </a:fillRef>
+          <a:effectRef idx="3">
+            <a:schemeClr val="accent6"/>
+          </a:effectRef>
+          <a:fontRef idx="minor">
+            <a:schemeClr val="lt1"/>
+          </a:fontRef>
+        </p:style>
+        <p:txBody>
+          <a:bodyPr rtlCol="0" anchor="ctr">
+            <a:sp3d extrusionH="57150">
+              <a:bevelT w="38100" h="38100"/>
+            </a:sp3d>
+          </a:bodyPr>
+          <a:lstStyle/>
+          <a:p>
+            <a:pPr algn="ctr"/>
+            <a:r>
+              <a:rPr lang="en-US" sz="4400" b="1" dirty="0">
+                <a:ln>
+                  <a:solidFill>
+                    <a:schemeClr val="accent6">
+                      <a:lumMod val="50000"/>
+                    </a:schemeClr>
+                  </a:solidFill>
+                </a:ln>
+                <a:solidFill>
+                  <a:srgbClr val="FFD13F"/>
+                </a:solidFill>
+                <a:latin typeface="Cooper Black" panose="0208090404030B020404" pitchFamily="18" charset="0"/>
+                <a:sym typeface="Webdings"/>
+              </a:rPr>
+              <a:t></a:t>
+            </a:r>
+            <a:endParaRPr lang="en-IN" sz="4400" b="1" dirty="0">
+              <a:ln>
+                <a:solidFill>
+                  <a:schemeClr val="accent6">
+                    <a:lumMod val="50000"/>
+                  </a:schemeClr>
+                </a:solidFill>
+              </a:ln>
+              <a:solidFill>
+                <a:srgbClr val="FFD13F"/>
+              </a:solidFill>
+              <a:latin typeface="Cooper Black" panose="0208090404030B020404" pitchFamily="18" charset="0"/>
+            </a:endParaRPr>
+          </a:p>
+        </p:txBody>
+      </p:sp>
+      <p:sp>
+        <p:nvSpPr>
+          <p:cNvPr id="295" name="Rounded Rectangle 294"/>
+          <p:cNvSpPr/>
+          <p:nvPr/>
+        </p:nvSpPr>
+        <p:spPr>
+          <a:xfrm>
+            <a:off x="689477" y="1022898"/>
+            <a:ext cx="540000" cy="540000"/>
+          </a:xfrm>
+          <a:prstGeom prst="roundRect">
+            <a:avLst/>
+          </a:prstGeom>
+          <a:solidFill>
+            <a:schemeClr val="accent6">
+              <a:lumMod val="50000"/>
+            </a:schemeClr>
+          </a:solidFill>
+          <a:ln>
+            <a:noFill/>
+          </a:ln>
+          <a:scene3d>
+            <a:camera prst="orthographicFront">
+              <a:rot lat="0" lon="0" rev="0"/>
+            </a:camera>
+            <a:lightRig rig="threePt" dir="t">
+              <a:rot lat="0" lon="0" rev="1200000"/>
+            </a:lightRig>
+          </a:scene3d>
+          <a:sp3d>
+            <a:bevelT w="63500" h="25400" prst="relaxedInset"/>
+          </a:sp3d>
+        </p:spPr>
+        <p:style>
+          <a:lnRef idx="0">
+            <a:schemeClr val="accent6"/>
+          </a:lnRef>
+          <a:fillRef idx="3">
+            <a:schemeClr val="accent6"/>
+          </a:fillRef>
+          <a:effectRef idx="3">
+            <a:schemeClr val="accent6"/>
+          </a:effectRef>
+          <a:fontRef idx="minor">
+            <a:schemeClr val="lt1"/>
+          </a:fontRef>
+        </p:style>
+        <p:txBody>
+          <a:bodyPr rtlCol="0" anchor="ctr"/>
+          <a:lstStyle/>
+          <a:p>
+            <a:pPr algn="ctr"/>
+            <a:endParaRPr lang="en-IN"/>
+          </a:p>
+        </p:txBody>
+      </p:sp>
+      <p:sp>
+        <p:nvSpPr>
+          <p:cNvPr id="296" name="Rounded Rectangle 295"/>
+          <p:cNvSpPr/>
+          <p:nvPr/>
+        </p:nvSpPr>
+        <p:spPr>
+          <a:xfrm>
+            <a:off x="743477" y="1076898"/>
+            <a:ext cx="432000" cy="432000"/>
+          </a:xfrm>
+          <a:prstGeom prst="roundRect">
+            <a:avLst/>
+          </a:prstGeom>
+          <a:gradFill flip="none" rotWithShape="1">
+            <a:gsLst>
+              <a:gs pos="0">
+                <a:schemeClr val="bg1">
+                  <a:lumMod val="65000"/>
+                </a:schemeClr>
+              </a:gs>
+              <a:gs pos="84000">
+                <a:srgbClr val="FFD13F">
+                  <a:shade val="100000"/>
+                  <a:satMod val="115000"/>
+                </a:srgbClr>
+              </a:gs>
+            </a:gsLst>
+            <a:lin ang="13500000" scaled="1"/>
+            <a:tileRect/>
+          </a:gradFill>
+          <a:ln>
+            <a:noFill/>
+          </a:ln>
+          <a:scene3d>
+            <a:camera prst="orthographicFront">
+              <a:rot lat="0" lon="0" rev="0"/>
+            </a:camera>
+            <a:lightRig rig="threePt" dir="t">
+              <a:rot lat="0" lon="0" rev="1200000"/>
+            </a:lightRig>
+          </a:scene3d>
+          <a:sp3d/>
+        </p:spPr>
+        <p:style>
+          <a:lnRef idx="0">
+            <a:schemeClr val="accent6"/>
+          </a:lnRef>
+          <a:fillRef idx="3">
+            <a:schemeClr val="accent6"/>
+          </a:fillRef>
+          <a:effectRef idx="3">
+            <a:schemeClr val="accent6"/>
+          </a:effectRef>
+          <a:fontRef idx="minor">
+            <a:schemeClr val="lt1"/>
+          </a:fontRef>
+        </p:style>
+        <p:txBody>
+          <a:bodyPr rtlCol="0" anchor="ctr"/>
+          <a:lstStyle/>
+          <a:p>
+            <a:pPr algn="ctr"/>
+            <a:endParaRPr lang="en-IN"/>
+          </a:p>
+        </p:txBody>
+      </p:sp>
+      <p:pic>
+        <p:nvPicPr>
+          <p:cNvPr id="297" name="Picture 5"/>
+          <p:cNvPicPr>
+            <a:picLocks noChangeAspect="1" noChangeArrowheads="1"/>
+          </p:cNvPicPr>
+          <p:nvPr/>
+        </p:nvPicPr>
+        <p:blipFill rotWithShape="1">
+          <a:blip r:embed="rId3">
+            <a:extLst>
+              <a:ext uri="{28A0092B-C50C-407E-A947-70E740481C1C}">
+                <a14:useLocalDpi xmlns:a14="http://schemas.microsoft.com/office/drawing/2010/main" val="0"/>
+              </a:ext>
+            </a:extLst>
+          </a:blip>
+          <a:srcRect l="28921" t="40978" r="16209" b="38208"/>
+          <a:stretch/>
+        </p:blipFill>
+        <p:spPr bwMode="auto">
+          <a:xfrm>
+            <a:off x="752202" y="1077594"/>
+            <a:ext cx="467993" cy="158351"/>
+          </a:xfrm>
+          <a:prstGeom prst="rect">
+            <a:avLst/>
+          </a:prstGeom>
+          <a:noFill/>
+          <a:ln>
+            <a:noFill/>
+          </a:ln>
+          <a:effectLst/>
+          <a:extLst>
+            <a:ext uri="{909E8E84-426E-40DD-AFC4-6F175D3DCCD1}">
+              <a14:hiddenFill xmlns:a14="http://schemas.microsoft.com/office/drawing/2010/main">
+                <a:solidFill>
+                  <a:schemeClr val="accent1"/>
+                </a:solidFill>
+              </a14:hiddenFill>
+            </a:ext>
+            <a:ext uri="{91240B29-F687-4F45-9708-019B960494DF}">
+              <a14:hiddenLine xmlns:a14="http://schemas.microsoft.com/office/drawing/2010/main" w="9525">
+                <a:solidFill>
+                  <a:schemeClr val="tx1"/>
+                </a:solidFill>
+                <a:miter lim="800000"/>
+                <a:headEnd/>
+                <a:tailEnd/>
+              </a14:hiddenLine>
+            </a:ext>
+            <a:ext uri="{AF507438-7753-43E0-B8FC-AC1667EBCBE1}">
+              <a14:hiddenEffects xmlns:a14="http://schemas.microsoft.com/office/drawing/2010/main">
+                <a:effectLst>
+                  <a:outerShdw dist="35921" dir="2700000" algn="ctr" rotWithShape="0">
+                    <a:schemeClr val="bg2"/>
+                  </a:outerShdw>
+                </a:effectLst>
+              </a14:hiddenEffects>
+            </a:ext>
+          </a:extLst>
+        </p:spPr>
+      </p:pic>
+      <p:pic>
+        <p:nvPicPr>
+          <p:cNvPr id="298" name="Picture 5"/>
+          <p:cNvPicPr>
+            <a:picLocks noChangeAspect="1" noChangeArrowheads="1"/>
+          </p:cNvPicPr>
+          <p:nvPr/>
+        </p:nvPicPr>
+        <p:blipFill rotWithShape="1">
+          <a:blip r:embed="rId3">
+            <a:extLst>
+              <a:ext uri="{28A0092B-C50C-407E-A947-70E740481C1C}">
+                <a14:useLocalDpi xmlns:a14="http://schemas.microsoft.com/office/drawing/2010/main" val="0"/>
+              </a:ext>
+            </a:extLst>
+          </a:blip>
+          <a:srcRect l="28921" t="40978" r="16209" b="38208"/>
+          <a:stretch/>
+        </p:blipFill>
+        <p:spPr bwMode="auto">
+          <a:xfrm>
+            <a:off x="752202" y="1205695"/>
+            <a:ext cx="467993" cy="158351"/>
+          </a:xfrm>
+          <a:prstGeom prst="rect">
+            <a:avLst/>
+          </a:prstGeom>
+          <a:noFill/>
+          <a:ln>
+            <a:noFill/>
+          </a:ln>
+          <a:effectLst/>
+          <a:extLst>
+            <a:ext uri="{909E8E84-426E-40DD-AFC4-6F175D3DCCD1}">
+              <a14:hiddenFill xmlns:a14="http://schemas.microsoft.com/office/drawing/2010/main">
+                <a:solidFill>
+                  <a:schemeClr val="accent1"/>
+                </a:solidFill>
+              </a14:hiddenFill>
+            </a:ext>
+            <a:ext uri="{91240B29-F687-4F45-9708-019B960494DF}">
+              <a14:hiddenLine xmlns:a14="http://schemas.microsoft.com/office/drawing/2010/main" w="9525">
+                <a:solidFill>
+                  <a:schemeClr val="tx1"/>
+                </a:solidFill>
+                <a:miter lim="800000"/>
+                <a:headEnd/>
+                <a:tailEnd/>
+              </a14:hiddenLine>
+            </a:ext>
+            <a:ext uri="{AF507438-7753-43E0-B8FC-AC1667EBCBE1}">
+              <a14:hiddenEffects xmlns:a14="http://schemas.microsoft.com/office/drawing/2010/main">
+                <a:effectLst>
+                  <a:outerShdw dist="35921" dir="2700000" algn="ctr" rotWithShape="0">
+                    <a:schemeClr val="bg2"/>
+                  </a:outerShdw>
+                </a:effectLst>
+              </a14:hiddenEffects>
+            </a:ext>
+          </a:extLst>
+        </p:spPr>
+      </p:pic>
+      <p:pic>
+        <p:nvPicPr>
+          <p:cNvPr id="299" name="Picture 5"/>
+          <p:cNvPicPr>
+            <a:picLocks noChangeAspect="1" noChangeArrowheads="1"/>
+          </p:cNvPicPr>
+          <p:nvPr/>
+        </p:nvPicPr>
+        <p:blipFill rotWithShape="1">
+          <a:blip r:embed="rId3">
+            <a:extLst>
+              <a:ext uri="{28A0092B-C50C-407E-A947-70E740481C1C}">
+                <a14:useLocalDpi xmlns:a14="http://schemas.microsoft.com/office/drawing/2010/main" val="0"/>
+              </a:ext>
+            </a:extLst>
+          </a:blip>
+          <a:srcRect l="28921" t="40978" r="16209" b="38208"/>
+          <a:stretch/>
+        </p:blipFill>
+        <p:spPr bwMode="auto">
+          <a:xfrm>
+            <a:off x="752202" y="1333797"/>
+            <a:ext cx="467993" cy="158351"/>
+          </a:xfrm>
+          <a:prstGeom prst="rect">
+            <a:avLst/>
+          </a:prstGeom>
+          <a:noFill/>
+          <a:ln>
+            <a:noFill/>
+          </a:ln>
+          <a:effectLst/>
+          <a:extLst>
+            <a:ext uri="{909E8E84-426E-40DD-AFC4-6F175D3DCCD1}">
+              <a14:hiddenFill xmlns:a14="http://schemas.microsoft.com/office/drawing/2010/main">
+                <a:solidFill>
+                  <a:schemeClr val="accent1"/>
+                </a:solidFill>
+              </a14:hiddenFill>
+            </a:ext>
+            <a:ext uri="{91240B29-F687-4F45-9708-019B960494DF}">
+              <a14:hiddenLine xmlns:a14="http://schemas.microsoft.com/office/drawing/2010/main" w="9525">
+                <a:solidFill>
+                  <a:schemeClr val="tx1"/>
+                </a:solidFill>
+                <a:miter lim="800000"/>
+                <a:headEnd/>
+                <a:tailEnd/>
+              </a14:hiddenLine>
+            </a:ext>
+            <a:ext uri="{AF507438-7753-43E0-B8FC-AC1667EBCBE1}">
+              <a14:hiddenEffects xmlns:a14="http://schemas.microsoft.com/office/drawing/2010/main">
+                <a:effectLst>
+                  <a:outerShdw dist="35921" dir="2700000" algn="ctr" rotWithShape="0">
+                    <a:schemeClr val="bg2"/>
+                  </a:outerShdw>
+                </a:effectLst>
+              </a14:hiddenEffects>
+            </a:ext>
+          </a:extLst>
+        </p:spPr>
+      </p:pic>
+      <p:grpSp>
+        <p:nvGrpSpPr>
+          <p:cNvPr id="86" name="Group 85"/>
+          <p:cNvGrpSpPr/>
+          <p:nvPr/>
+        </p:nvGrpSpPr>
+        <p:grpSpPr>
+          <a:xfrm>
+            <a:off x="1926576" y="1019116"/>
+            <a:ext cx="540000" cy="540000"/>
+            <a:chOff x="791640" y="3123836"/>
+            <a:chExt cx="557192" cy="557132"/>
+          </a:xfrm>
+        </p:grpSpPr>
+        <p:grpSp>
+          <p:nvGrpSpPr>
+            <p:cNvPr id="82" name="Group 81"/>
+            <p:cNvGrpSpPr/>
+            <p:nvPr/>
+          </p:nvGrpSpPr>
+          <p:grpSpPr>
+            <a:xfrm>
+              <a:off x="791640" y="3140968"/>
+              <a:ext cx="540000" cy="540000"/>
+              <a:chOff x="863648" y="2961008"/>
+              <a:chExt cx="540000" cy="540000"/>
+            </a:xfrm>
+          </p:grpSpPr>
+          <p:sp>
+            <p:nvSpPr>
+              <p:cNvPr id="304" name="Rounded Rectangle 303"/>
+              <p:cNvSpPr/>
+              <p:nvPr/>
+            </p:nvSpPr>
+            <p:spPr>
+              <a:xfrm>
+                <a:off x="863648" y="2961008"/>
+                <a:ext cx="540000" cy="540000"/>
+              </a:xfrm>
+              <a:prstGeom prst="roundRect">
+                <a:avLst/>
+              </a:prstGeom>
+              <a:solidFill>
+                <a:schemeClr val="accent6">
+                  <a:lumMod val="50000"/>
+                </a:schemeClr>
+              </a:solidFill>
+              <a:ln>
+                <a:noFill/>
+              </a:ln>
+              <a:scene3d>
+                <a:camera prst="orthographicFront">
+                  <a:rot lat="0" lon="0" rev="0"/>
+                </a:camera>
+                <a:lightRig rig="threePt" dir="t">
+                  <a:rot lat="0" lon="0" rev="1200000"/>
+                </a:lightRig>
+              </a:scene3d>
+              <a:sp3d>
+                <a:bevelT w="63500" h="25400" prst="relaxedInset"/>
+              </a:sp3d>
+            </p:spPr>
+            <p:style>
+              <a:lnRef idx="0">
+                <a:schemeClr val="accent6"/>
+              </a:lnRef>
+              <a:fillRef idx="3">
+                <a:schemeClr val="accent6"/>
+              </a:fillRef>
+              <a:effectRef idx="3">
+                <a:schemeClr val="accent6"/>
+              </a:effectRef>
+              <a:fontRef idx="minor">
+                <a:schemeClr val="lt1"/>
+              </a:fontRef>
+            </p:style>
+            <p:txBody>
+              <a:bodyPr rtlCol="0" anchor="ctr"/>
+              <a:lstStyle/>
+              <a:p>
+                <a:pPr algn="ctr"/>
+                <a:endParaRPr lang="en-IN"/>
+              </a:p>
+            </p:txBody>
+          </p:sp>
+          <p:sp>
+            <p:nvSpPr>
+              <p:cNvPr id="305" name="Rounded Rectangle 304"/>
+              <p:cNvSpPr/>
+              <p:nvPr/>
+            </p:nvSpPr>
+            <p:spPr>
+              <a:xfrm>
+                <a:off x="917648" y="3015008"/>
+                <a:ext cx="432000" cy="432000"/>
+              </a:xfrm>
+              <a:prstGeom prst="roundRect">
+                <a:avLst/>
+              </a:prstGeom>
+              <a:gradFill flip="none" rotWithShape="1">
+                <a:gsLst>
+                  <a:gs pos="0">
+                    <a:schemeClr val="bg1">
+                      <a:lumMod val="65000"/>
+                    </a:schemeClr>
+                  </a:gs>
+                  <a:gs pos="84000">
+                    <a:srgbClr val="FFD13F">
+                      <a:shade val="100000"/>
+                      <a:satMod val="115000"/>
+                    </a:srgbClr>
+                  </a:gs>
+                </a:gsLst>
+                <a:lin ang="13500000" scaled="1"/>
+                <a:tileRect/>
+              </a:gradFill>
+              <a:ln>
+                <a:noFill/>
+              </a:ln>
+              <a:scene3d>
+                <a:camera prst="orthographicFront">
+                  <a:rot lat="0" lon="0" rev="0"/>
+                </a:camera>
+                <a:lightRig rig="threePt" dir="t">
+                  <a:rot lat="0" lon="0" rev="1200000"/>
+                </a:lightRig>
+              </a:scene3d>
+              <a:sp3d/>
+            </p:spPr>
+            <p:style>
+              <a:lnRef idx="0">
+                <a:schemeClr val="accent6"/>
+              </a:lnRef>
+              <a:fillRef idx="3">
+                <a:schemeClr val="accent6"/>
+              </a:fillRef>
+              <a:effectRef idx="3">
+                <a:schemeClr val="accent6"/>
+              </a:effectRef>
+              <a:fontRef idx="minor">
+                <a:schemeClr val="lt1"/>
+              </a:fontRef>
+            </p:style>
+            <p:txBody>
+              <a:bodyPr rtlCol="0" anchor="ctr"/>
+              <a:lstStyle/>
+              <a:p>
+                <a:pPr algn="ctr"/>
+                <a:endParaRPr lang="en-IN"/>
+              </a:p>
+            </p:txBody>
+          </p:sp>
+        </p:grpSp>
+        <p:sp>
+          <p:nvSpPr>
+            <p:cNvPr id="306" name="Oval 305"/>
+            <p:cNvSpPr/>
+            <p:nvPr/>
+          </p:nvSpPr>
+          <p:spPr>
+            <a:xfrm>
+              <a:off x="808832" y="3123836"/>
+              <a:ext cx="540000" cy="539940"/>
+            </a:xfrm>
+            <a:prstGeom prst="ellipse">
+              <a:avLst/>
+            </a:prstGeom>
+            <a:noFill/>
+            <a:ln/>
+            <a:scene3d>
+              <a:camera prst="perspectiveAbove"/>
+              <a:lightRig rig="threePt" dir="t">
+                <a:rot lat="0" lon="0" rev="1200000"/>
+              </a:lightRig>
+            </a:scene3d>
+            <a:sp3d>
+              <a:bevelT w="63500" h="25400"/>
+            </a:sp3d>
+          </p:spPr>
+          <p:style>
+            <a:lnRef idx="0">
+              <a:schemeClr val="accent6"/>
+            </a:lnRef>
+            <a:fillRef idx="3">
+              <a:schemeClr val="accent6"/>
+            </a:fillRef>
+            <a:effectRef idx="3">
+              <a:schemeClr val="accent6"/>
+            </a:effectRef>
+            <a:fontRef idx="minor">
+              <a:schemeClr val="lt1"/>
+            </a:fontRef>
+          </p:style>
+          <p:txBody>
+            <a:bodyPr rtlCol="0" anchor="ctr">
+              <a:sp3d extrusionH="57150">
+                <a:bevelT w="38100" h="38100"/>
+              </a:sp3d>
+            </a:bodyPr>
+            <a:lstStyle/>
+            <a:p>
+              <a:pPr algn="ctr"/>
+              <a:r>
+                <a:rPr lang="en-US" sz="4400" b="1" dirty="0" smtClean="0">
+                  <a:ln>
+                    <a:solidFill>
+                      <a:schemeClr val="accent6">
+                        <a:lumMod val="50000"/>
+                      </a:schemeClr>
+                    </a:solidFill>
+                  </a:ln>
+                  <a:solidFill>
+                    <a:schemeClr val="accent6">
+                      <a:lumMod val="50000"/>
+                    </a:schemeClr>
+                  </a:solidFill>
+                  <a:latin typeface="Cooper Black" panose="0208090404030B020404" pitchFamily="18" charset="0"/>
+                  <a:sym typeface="Webdings"/>
+                </a:rPr>
+                <a:t></a:t>
+              </a:r>
+              <a:endParaRPr lang="en-IN" sz="4400" b="1" dirty="0">
+                <a:ln>
+                  <a:solidFill>
+                    <a:schemeClr val="accent6">
+                      <a:lumMod val="50000"/>
+                    </a:schemeClr>
+                  </a:solidFill>
+                </a:ln>
+                <a:solidFill>
+                  <a:schemeClr val="accent6">
+                    <a:lumMod val="50000"/>
+                  </a:schemeClr>
+                </a:solidFill>
+                <a:latin typeface="Cooper Black" panose="0208090404030B020404" pitchFamily="18" charset="0"/>
+              </a:endParaRPr>
+            </a:p>
+          </p:txBody>
+        </p:sp>
+      </p:grpSp>
+      <p:grpSp>
+        <p:nvGrpSpPr>
+          <p:cNvPr id="310" name="Group 309"/>
+          <p:cNvGrpSpPr/>
+          <p:nvPr/>
+        </p:nvGrpSpPr>
+        <p:grpSpPr>
+          <a:xfrm>
+            <a:off x="107504" y="1019116"/>
+            <a:ext cx="540000" cy="540000"/>
+            <a:chOff x="863648" y="2961008"/>
             <a:chExt cx="540000" cy="540000"/>
           </a:xfrm>
         </p:grpSpPr>
         <p:sp>
           <p:nvSpPr>
-            <p:cNvPr id="151" name="Rounded Rectangle 150"/>
+            <p:cNvPr id="311" name="Rounded Rectangle 310"/>
             <p:cNvSpPr/>
             <p:nvPr/>
           </p:nvSpPr>
           <p:spPr>
             <a:xfrm>
-              <a:off x="3203848" y="989112"/>
+              <a:off x="863648" y="2961008"/>
               <a:ext cx="540000" cy="540000"/>
             </a:xfrm>
             <a:prstGeom prst="roundRect">
@@ -4465,21 +7117,35 @@
         </p:sp>
         <p:sp>
           <p:nvSpPr>
-            <p:cNvPr id="152" name="Rounded Rectangle 151"/>
+            <p:cNvPr id="312" name="Rounded Rectangle 311"/>
             <p:cNvSpPr/>
             <p:nvPr/>
           </p:nvSpPr>
           <p:spPr>
             <a:xfrm>
-              <a:off x="3257848" y="1043112"/>
+              <a:off x="917648" y="3015008"/>
               <a:ext cx="432000" cy="432000"/>
             </a:xfrm>
             <a:prstGeom prst="roundRect">
               <a:avLst/>
             </a:prstGeom>
-            <a:solidFill>
-              <a:srgbClr val="FFD13F"/>
-            </a:solidFill>
+            <a:gradFill flip="none" rotWithShape="1">
+              <a:gsLst>
+                <a:gs pos="0">
+                  <a:schemeClr val="bg1">
+                    <a:lumMod val="65000"/>
+                  </a:schemeClr>
+                </a:gs>
+                <a:gs pos="84000">
+                  <a:srgbClr val="FFD13F">
+                    <a:shade val="100000"/>
+                    <a:satMod val="115000"/>
+                  </a:srgbClr>
+                </a:gs>
+              </a:gsLst>
+              <a:lin ang="13500000" scaled="1"/>
+              <a:tileRect/>
+            </a:gradFill>
             <a:ln>
               <a:noFill/>
             </a:ln>
@@ -4517,424 +7183,43 @@
           </p:txBody>
         </p:sp>
       </p:grpSp>
-      <p:pic>
-        <p:nvPicPr>
-          <p:cNvPr id="164" name="Picture 7"/>
-          <p:cNvPicPr>
-            <a:picLocks noChangeAspect="1" noChangeArrowheads="1"/>
-          </p:cNvPicPr>
-          <p:nvPr/>
-        </p:nvPicPr>
-        <p:blipFill>
-          <a:blip r:embed="rId2">
-            <a:extLst>
-              <a:ext uri="{28A0092B-C50C-407E-A947-70E740481C1C}">
-                <a14:useLocalDpi xmlns:a14="http://schemas.microsoft.com/office/drawing/2010/main" val="0"/>
-              </a:ext>
-            </a:extLst>
-          </a:blip>
-          <a:srcRect/>
-          <a:stretch>
-            <a:fillRect/>
-          </a:stretch>
-        </p:blipFill>
-        <p:spPr bwMode="auto">
-          <a:xfrm>
-            <a:off x="129992" y="1678664"/>
-            <a:ext cx="487363" cy="92075"/>
-          </a:xfrm>
-          <a:prstGeom prst="rect">
-            <a:avLst/>
-          </a:prstGeom>
-          <a:noFill/>
-          <a:ln>
-            <a:noFill/>
-          </a:ln>
-          <a:effectLst/>
-          <a:extLst>
-            <a:ext uri="{909E8E84-426E-40DD-AFC4-6F175D3DCCD1}">
-              <a14:hiddenFill xmlns:a14="http://schemas.microsoft.com/office/drawing/2010/main">
-                <a:solidFill>
-                  <a:schemeClr val="accent1"/>
-                </a:solidFill>
-              </a14:hiddenFill>
-            </a:ext>
-            <a:ext uri="{91240B29-F687-4F45-9708-019B960494DF}">
-              <a14:hiddenLine xmlns:a14="http://schemas.microsoft.com/office/drawing/2010/main" w="9525">
-                <a:solidFill>
-                  <a:schemeClr val="tx1"/>
-                </a:solidFill>
-                <a:miter lim="800000"/>
-                <a:headEnd/>
-                <a:tailEnd/>
-              </a14:hiddenLine>
-            </a:ext>
-            <a:ext uri="{AF507438-7753-43E0-B8FC-AC1667EBCBE1}">
-              <a14:hiddenEffects xmlns:a14="http://schemas.microsoft.com/office/drawing/2010/main">
-                <a:effectLst>
-                  <a:outerShdw dist="35921" dir="2700000" algn="ctr" rotWithShape="0">
-                    <a:schemeClr val="bg2"/>
-                  </a:outerShdw>
-                </a:effectLst>
-              </a14:hiddenEffects>
-            </a:ext>
-          </a:extLst>
-        </p:spPr>
-      </p:pic>
       <p:grpSp>
         <p:nvGrpSpPr>
-          <p:cNvPr id="1024" name="Group 1023"/>
+          <p:cNvPr id="87" name="Group 86"/>
           <p:cNvGrpSpPr/>
           <p:nvPr/>
         </p:nvGrpSpPr>
         <p:grpSpPr>
           <a:xfrm>
-            <a:off x="827584" y="1016792"/>
+            <a:off x="1295636" y="1016732"/>
             <a:ext cx="540000" cy="540000"/>
-            <a:chOff x="3203848" y="989112"/>
-            <a:chExt cx="540000" cy="540000"/>
-          </a:xfrm>
-        </p:grpSpPr>
-        <p:sp>
-          <p:nvSpPr>
-            <p:cNvPr id="147" name="Rounded Rectangle 146"/>
-            <p:cNvSpPr/>
-            <p:nvPr/>
-          </p:nvSpPr>
-          <p:spPr>
-            <a:xfrm>
-              <a:off x="3203848" y="989112"/>
-              <a:ext cx="540000" cy="540000"/>
-            </a:xfrm>
-            <a:prstGeom prst="roundRect">
-              <a:avLst/>
-            </a:prstGeom>
-            <a:solidFill>
-              <a:schemeClr val="accent6">
-                <a:lumMod val="50000"/>
-              </a:schemeClr>
-            </a:solidFill>
-            <a:ln>
-              <a:noFill/>
-            </a:ln>
-            <a:scene3d>
-              <a:camera prst="orthographicFront">
-                <a:rot lat="0" lon="0" rev="0"/>
-              </a:camera>
-              <a:lightRig rig="threePt" dir="t">
-                <a:rot lat="0" lon="0" rev="1200000"/>
-              </a:lightRig>
-            </a:scene3d>
-            <a:sp3d>
-              <a:bevelT w="63500" h="25400" prst="relaxedInset"/>
-            </a:sp3d>
-          </p:spPr>
-          <p:style>
-            <a:lnRef idx="0">
-              <a:schemeClr val="accent6"/>
-            </a:lnRef>
-            <a:fillRef idx="3">
-              <a:schemeClr val="accent6"/>
-            </a:fillRef>
-            <a:effectRef idx="3">
-              <a:schemeClr val="accent6"/>
-            </a:effectRef>
-            <a:fontRef idx="minor">
-              <a:schemeClr val="lt1"/>
-            </a:fontRef>
-          </p:style>
-          <p:txBody>
-            <a:bodyPr rtlCol="0" anchor="ctr"/>
-            <a:lstStyle/>
-            <a:p>
-              <a:pPr algn="ctr"/>
-              <a:endParaRPr lang="en-IN"/>
-            </a:p>
-          </p:txBody>
-        </p:sp>
-        <p:sp>
-          <p:nvSpPr>
-            <p:cNvPr id="148" name="Rounded Rectangle 147"/>
-            <p:cNvSpPr/>
-            <p:nvPr/>
-          </p:nvSpPr>
-          <p:spPr>
-            <a:xfrm>
-              <a:off x="3257848" y="1043112"/>
-              <a:ext cx="432000" cy="432000"/>
-            </a:xfrm>
-            <a:prstGeom prst="roundRect">
-              <a:avLst/>
-            </a:prstGeom>
-            <a:solidFill>
-              <a:srgbClr val="FFD13F"/>
-            </a:solidFill>
-            <a:ln>
-              <a:noFill/>
-            </a:ln>
-            <a:scene3d>
-              <a:camera prst="orthographicFront">
-                <a:rot lat="0" lon="0" rev="0"/>
-              </a:camera>
-              <a:lightRig rig="threePt" dir="t">
-                <a:rot lat="0" lon="0" rev="1200000"/>
-              </a:lightRig>
-            </a:scene3d>
-            <a:sp3d/>
-          </p:spPr>
-          <p:style>
-            <a:lnRef idx="0">
-              <a:schemeClr val="accent6"/>
-            </a:lnRef>
-            <a:fillRef idx="3">
-              <a:schemeClr val="accent6"/>
-            </a:fillRef>
-            <a:effectRef idx="3">
-              <a:schemeClr val="accent6"/>
-            </a:effectRef>
-            <a:fontRef idx="minor">
-              <a:schemeClr val="lt1"/>
-            </a:fontRef>
-          </p:style>
-          <p:txBody>
-            <a:bodyPr rtlCol="0" anchor="ctr"/>
-            <a:lstStyle/>
-            <a:p>
-              <a:pPr algn="ctr"/>
-              <a:endParaRPr lang="en-IN"/>
-            </a:p>
-          </p:txBody>
-        </p:sp>
-      </p:grpSp>
-      <p:pic>
-        <p:nvPicPr>
-          <p:cNvPr id="1032" name="Picture 7"/>
-          <p:cNvPicPr>
-            <a:picLocks noChangeAspect="1" noChangeArrowheads="1"/>
-          </p:cNvPicPr>
-          <p:nvPr/>
-        </p:nvPicPr>
-        <p:blipFill>
-          <a:blip r:embed="rId2">
-            <a:extLst>
-              <a:ext uri="{28A0092B-C50C-407E-A947-70E740481C1C}">
-                <a14:useLocalDpi xmlns:a14="http://schemas.microsoft.com/office/drawing/2010/main" val="0"/>
-              </a:ext>
-            </a:extLst>
-          </a:blip>
-          <a:srcRect/>
-          <a:stretch>
-            <a:fillRect/>
-          </a:stretch>
-        </p:blipFill>
-        <p:spPr bwMode="auto">
-          <a:xfrm>
-            <a:off x="880542" y="1137567"/>
-            <a:ext cx="487363" cy="92075"/>
-          </a:xfrm>
-          <a:prstGeom prst="rect">
-            <a:avLst/>
-          </a:prstGeom>
-          <a:noFill/>
-          <a:ln>
-            <a:noFill/>
-          </a:ln>
-          <a:effectLst/>
-          <a:extLst>
-            <a:ext uri="{909E8E84-426E-40DD-AFC4-6F175D3DCCD1}">
-              <a14:hiddenFill xmlns:a14="http://schemas.microsoft.com/office/drawing/2010/main">
-                <a:solidFill>
-                  <a:schemeClr val="accent1"/>
-                </a:solidFill>
-              </a14:hiddenFill>
-            </a:ext>
-            <a:ext uri="{91240B29-F687-4F45-9708-019B960494DF}">
-              <a14:hiddenLine xmlns:a14="http://schemas.microsoft.com/office/drawing/2010/main" w="9525">
-                <a:solidFill>
-                  <a:schemeClr val="tx1"/>
-                </a:solidFill>
-                <a:miter lim="800000"/>
-                <a:headEnd/>
-                <a:tailEnd/>
-              </a14:hiddenLine>
-            </a:ext>
-            <a:ext uri="{AF507438-7753-43E0-B8FC-AC1667EBCBE1}">
-              <a14:hiddenEffects xmlns:a14="http://schemas.microsoft.com/office/drawing/2010/main">
-                <a:effectLst>
-                  <a:outerShdw dist="35921" dir="2700000" algn="ctr" rotWithShape="0">
-                    <a:schemeClr val="bg2"/>
-                  </a:outerShdw>
-                </a:effectLst>
-              </a14:hiddenEffects>
-            </a:ext>
-          </a:extLst>
-        </p:spPr>
-      </p:pic>
-      <p:pic>
-        <p:nvPicPr>
-          <p:cNvPr id="165" name="Picture 7"/>
-          <p:cNvPicPr>
-            <a:picLocks noChangeAspect="1" noChangeArrowheads="1"/>
-          </p:cNvPicPr>
-          <p:nvPr/>
-        </p:nvPicPr>
-        <p:blipFill>
-          <a:blip r:embed="rId2">
-            <a:extLst>
-              <a:ext uri="{28A0092B-C50C-407E-A947-70E740481C1C}">
-                <a14:useLocalDpi xmlns:a14="http://schemas.microsoft.com/office/drawing/2010/main" val="0"/>
-              </a:ext>
-            </a:extLst>
-          </a:blip>
-          <a:srcRect/>
-          <a:stretch>
-            <a:fillRect/>
-          </a:stretch>
-        </p:blipFill>
-        <p:spPr bwMode="auto">
-          <a:xfrm>
-            <a:off x="880542" y="1260314"/>
-            <a:ext cx="487363" cy="92075"/>
-          </a:xfrm>
-          <a:prstGeom prst="rect">
-            <a:avLst/>
-          </a:prstGeom>
-          <a:noFill/>
-          <a:ln>
-            <a:noFill/>
-          </a:ln>
-          <a:effectLst/>
-          <a:extLst>
-            <a:ext uri="{909E8E84-426E-40DD-AFC4-6F175D3DCCD1}">
-              <a14:hiddenFill xmlns:a14="http://schemas.microsoft.com/office/drawing/2010/main">
-                <a:solidFill>
-                  <a:schemeClr val="accent1"/>
-                </a:solidFill>
-              </a14:hiddenFill>
-            </a:ext>
-            <a:ext uri="{91240B29-F687-4F45-9708-019B960494DF}">
-              <a14:hiddenLine xmlns:a14="http://schemas.microsoft.com/office/drawing/2010/main" w="9525">
-                <a:solidFill>
-                  <a:schemeClr val="tx1"/>
-                </a:solidFill>
-                <a:miter lim="800000"/>
-                <a:headEnd/>
-                <a:tailEnd/>
-              </a14:hiddenLine>
-            </a:ext>
-            <a:ext uri="{AF507438-7753-43E0-B8FC-AC1667EBCBE1}">
-              <a14:hiddenEffects xmlns:a14="http://schemas.microsoft.com/office/drawing/2010/main">
-                <a:effectLst>
-                  <a:outerShdw dist="35921" dir="2700000" algn="ctr" rotWithShape="0">
-                    <a:schemeClr val="bg2"/>
-                  </a:outerShdw>
-                </a:effectLst>
-              </a14:hiddenEffects>
-            </a:ext>
-          </a:extLst>
-        </p:spPr>
-      </p:pic>
-      <p:pic>
-        <p:nvPicPr>
-          <p:cNvPr id="166" name="Picture 7"/>
-          <p:cNvPicPr>
-            <a:picLocks noChangeAspect="1" noChangeArrowheads="1"/>
-          </p:cNvPicPr>
-          <p:nvPr/>
-        </p:nvPicPr>
-        <p:blipFill>
-          <a:blip r:embed="rId2">
-            <a:extLst>
-              <a:ext uri="{28A0092B-C50C-407E-A947-70E740481C1C}">
-                <a14:useLocalDpi xmlns:a14="http://schemas.microsoft.com/office/drawing/2010/main" val="0"/>
-              </a:ext>
-            </a:extLst>
-          </a:blip>
-          <a:srcRect/>
-          <a:stretch>
-            <a:fillRect/>
-          </a:stretch>
-        </p:blipFill>
-        <p:spPr bwMode="auto">
-          <a:xfrm>
-            <a:off x="880542" y="1383060"/>
-            <a:ext cx="487363" cy="92075"/>
-          </a:xfrm>
-          <a:prstGeom prst="rect">
-            <a:avLst/>
-          </a:prstGeom>
-          <a:noFill/>
-          <a:ln>
-            <a:noFill/>
-          </a:ln>
-          <a:effectLst/>
-          <a:extLst>
-            <a:ext uri="{909E8E84-426E-40DD-AFC4-6F175D3DCCD1}">
-              <a14:hiddenFill xmlns:a14="http://schemas.microsoft.com/office/drawing/2010/main">
-                <a:solidFill>
-                  <a:schemeClr val="accent1"/>
-                </a:solidFill>
-              </a14:hiddenFill>
-            </a:ext>
-            <a:ext uri="{91240B29-F687-4F45-9708-019B960494DF}">
-              <a14:hiddenLine xmlns:a14="http://schemas.microsoft.com/office/drawing/2010/main" w="9525">
-                <a:solidFill>
-                  <a:schemeClr val="tx1"/>
-                </a:solidFill>
-                <a:miter lim="800000"/>
-                <a:headEnd/>
-                <a:tailEnd/>
-              </a14:hiddenLine>
-            </a:ext>
-            <a:ext uri="{AF507438-7753-43E0-B8FC-AC1667EBCBE1}">
-              <a14:hiddenEffects xmlns:a14="http://schemas.microsoft.com/office/drawing/2010/main">
-                <a:effectLst>
-                  <a:outerShdw dist="35921" dir="2700000" algn="ctr" rotWithShape="0">
-                    <a:schemeClr val="bg2"/>
-                  </a:outerShdw>
-                </a:effectLst>
-              </a14:hiddenEffects>
-            </a:ext>
-          </a:extLst>
-        </p:spPr>
-      </p:pic>
-      <p:grpSp>
-        <p:nvGrpSpPr>
-          <p:cNvPr id="1036" name="Group 1035"/>
-          <p:cNvGrpSpPr/>
-          <p:nvPr/>
-        </p:nvGrpSpPr>
-        <p:grpSpPr>
-          <a:xfrm>
-            <a:off x="1538139" y="1016792"/>
-            <a:ext cx="540000" cy="540000"/>
-            <a:chOff x="1538139" y="1016792"/>
-            <a:chExt cx="540000" cy="540000"/>
+            <a:chOff x="186920" y="2630436"/>
+            <a:chExt cx="556557" cy="552074"/>
           </a:xfrm>
         </p:grpSpPr>
         <p:grpSp>
           <p:nvGrpSpPr>
-            <p:cNvPr id="169" name="Group 168"/>
+            <p:cNvPr id="307" name="Group 306"/>
             <p:cNvGrpSpPr/>
             <p:nvPr/>
           </p:nvGrpSpPr>
           <p:grpSpPr>
             <a:xfrm>
-              <a:off x="1538139" y="1016792"/>
+              <a:off x="203477" y="2642510"/>
               <a:ext cx="540000" cy="540000"/>
-              <a:chOff x="3203848" y="989112"/>
+              <a:chOff x="863648" y="2961008"/>
               <a:chExt cx="540000" cy="540000"/>
             </a:xfrm>
           </p:grpSpPr>
           <p:sp>
             <p:nvSpPr>
-              <p:cNvPr id="173" name="Rounded Rectangle 172"/>
+              <p:cNvPr id="308" name="Rounded Rectangle 307"/>
               <p:cNvSpPr/>
               <p:nvPr/>
             </p:nvSpPr>
             <p:spPr>
               <a:xfrm>
-                <a:off x="3203848" y="989112"/>
+                <a:off x="863648" y="2961008"/>
                 <a:ext cx="540000" cy="540000"/>
               </a:xfrm>
               <a:prstGeom prst="roundRect">
@@ -4985,21 +7270,35 @@
           </p:sp>
           <p:sp>
             <p:nvSpPr>
-              <p:cNvPr id="174" name="Rounded Rectangle 173"/>
+              <p:cNvPr id="309" name="Rounded Rectangle 308"/>
               <p:cNvSpPr/>
               <p:nvPr/>
             </p:nvSpPr>
             <p:spPr>
               <a:xfrm>
-                <a:off x="3257848" y="1043112"/>
+                <a:off x="917648" y="3015008"/>
                 <a:ext cx="432000" cy="432000"/>
               </a:xfrm>
               <a:prstGeom prst="roundRect">
                 <a:avLst/>
               </a:prstGeom>
-              <a:solidFill>
-                <a:srgbClr val="FFD13F"/>
-              </a:solidFill>
+              <a:gradFill flip="none" rotWithShape="1">
+                <a:gsLst>
+                  <a:gs pos="0">
+                    <a:schemeClr val="bg1">
+                      <a:lumMod val="65000"/>
+                    </a:schemeClr>
+                  </a:gs>
+                  <a:gs pos="84000">
+                    <a:srgbClr val="FFD13F">
+                      <a:shade val="100000"/>
+                      <a:satMod val="115000"/>
+                    </a:srgbClr>
+                  </a:gs>
+                </a:gsLst>
+                <a:lin ang="13500000" scaled="1"/>
+                <a:tileRect/>
+              </a:gradFill>
               <a:ln>
                 <a:noFill/>
               </a:ln>
@@ -5039,20 +7338,29 @@
         </p:grpSp>
         <p:sp>
           <p:nvSpPr>
-            <p:cNvPr id="175" name="Oval 174"/>
+            <p:cNvPr id="319" name="Oval 318"/>
             <p:cNvSpPr/>
             <p:nvPr/>
           </p:nvSpPr>
           <p:spPr>
             <a:xfrm>
-              <a:off x="1628139" y="1106792"/>
-              <a:ext cx="360000" cy="360000"/>
+              <a:off x="186920" y="2630436"/>
+              <a:ext cx="539404" cy="522551"/>
             </a:xfrm>
             <a:prstGeom prst="ellipse">
               <a:avLst/>
             </a:prstGeom>
             <a:noFill/>
             <a:ln/>
+            <a:scene3d>
+              <a:camera prst="isometricOffAxis1Right"/>
+              <a:lightRig rig="threePt" dir="t">
+                <a:rot lat="0" lon="0" rev="1200000"/>
+              </a:lightRig>
+            </a:scene3d>
+            <a:sp3d>
+              <a:bevelT w="63500" h="25400"/>
+            </a:sp3d>
           </p:spPr>
           <p:style>
             <a:lnRef idx="0">
@@ -5069,27 +7377,42 @@
             </a:fontRef>
           </p:style>
           <p:txBody>
-            <a:bodyPr rtlCol="0" anchor="ctr"/>
+            <a:bodyPr rtlCol="0" anchor="ctr">
+              <a:sp3d extrusionH="57150">
+                <a:bevelT w="38100" h="38100"/>
+              </a:sp3d>
+            </a:bodyPr>
             <a:lstStyle/>
             <a:p>
               <a:pPr algn="ctr"/>
               <a:r>
-                <a:rPr lang="en-US" sz="3600" b="1" dirty="0" smtClean="0">
+                <a:rPr lang="en-US" sz="4400" b="1" dirty="0">
+                  <a:ln>
+                    <a:solidFill>
+                      <a:schemeClr val="accent6">
+                        <a:lumMod val="50000"/>
+                      </a:schemeClr>
+                    </a:solidFill>
+                  </a:ln>
+                  <a:solidFill>
+                    <a:srgbClr val="FFD13F"/>
+                  </a:solidFill>
+                  <a:latin typeface="Cooper Black" panose="0208090404030B020404" pitchFamily="18" charset="0"/>
+                </a:rPr>
+                <a:t>?</a:t>
+              </a:r>
+              <a:endParaRPr lang="en-IN" sz="4400" b="1" dirty="0">
+                <a:ln>
                   <a:solidFill>
                     <a:schemeClr val="accent6">
                       <a:lumMod val="50000"/>
                     </a:schemeClr>
                   </a:solidFill>
-                  <a:latin typeface="Cooper Black" panose="0208090404030B020404" pitchFamily="18" charset="0"/>
-                </a:rPr>
-                <a:t>?</a:t>
-              </a:r>
-              <a:endParaRPr lang="en-IN" sz="1600" b="1" dirty="0">
-                <a:solidFill>
-                  <a:schemeClr val="accent6">
-                    <a:lumMod val="50000"/>
-                  </a:schemeClr>
-                </a:solidFill>
+                </a:ln>
+                <a:solidFill>
+                  <a:srgbClr val="FFD13F"/>
+                </a:solidFill>
+                <a:latin typeface="Cooper Black" panose="0208090404030B020404" pitchFamily="18" charset="0"/>
               </a:endParaRPr>
             </a:p>
           </p:txBody>
@@ -5097,41 +7420,41 @@
       </p:grpSp>
       <p:grpSp>
         <p:nvGrpSpPr>
-          <p:cNvPr id="1037" name="Group 1036"/>
+          <p:cNvPr id="92" name="Group 91"/>
           <p:cNvGrpSpPr/>
           <p:nvPr/>
         </p:nvGrpSpPr>
         <p:grpSpPr>
           <a:xfrm>
-            <a:off x="2267744" y="1016792"/>
+            <a:off x="2579584" y="1043578"/>
             <a:ext cx="540000" cy="540000"/>
-            <a:chOff x="2267744" y="1016792"/>
-            <a:chExt cx="540000" cy="540000"/>
+            <a:chOff x="5816350" y="1086619"/>
+            <a:chExt cx="648698" cy="651693"/>
           </a:xfrm>
         </p:grpSpPr>
         <p:grpSp>
           <p:nvGrpSpPr>
-            <p:cNvPr id="178" name="Group 177"/>
+            <p:cNvPr id="320" name="Group 319"/>
             <p:cNvGrpSpPr/>
             <p:nvPr/>
           </p:nvGrpSpPr>
           <p:grpSpPr>
             <a:xfrm>
-              <a:off x="2267744" y="1016792"/>
-              <a:ext cx="540000" cy="540000"/>
-              <a:chOff x="3203848" y="989112"/>
+              <a:off x="5816350" y="1086619"/>
+              <a:ext cx="360000" cy="360000"/>
+              <a:chOff x="269429" y="2600968"/>
               <a:chExt cx="540000" cy="540000"/>
             </a:xfrm>
           </p:grpSpPr>
           <p:sp>
             <p:nvSpPr>
-              <p:cNvPr id="180" name="Rounded Rectangle 179"/>
+              <p:cNvPr id="321" name="Rounded Rectangle 320"/>
               <p:cNvSpPr/>
               <p:nvPr/>
             </p:nvSpPr>
             <p:spPr>
               <a:xfrm>
-                <a:off x="3203848" y="989112"/>
+                <a:off x="269429" y="2600968"/>
                 <a:ext cx="540000" cy="540000"/>
               </a:xfrm>
               <a:prstGeom prst="roundRect">
@@ -5176,27 +7499,41 @@
               <a:lstStyle/>
               <a:p>
                 <a:pPr algn="ctr"/>
-                <a:endParaRPr lang="en-IN"/>
+                <a:endParaRPr lang="en-IN" sz="1050"/>
               </a:p>
             </p:txBody>
           </p:sp>
           <p:sp>
             <p:nvSpPr>
-              <p:cNvPr id="181" name="Rounded Rectangle 180"/>
+              <p:cNvPr id="322" name="Rounded Rectangle 321"/>
               <p:cNvSpPr/>
               <p:nvPr/>
             </p:nvSpPr>
             <p:spPr>
               <a:xfrm>
-                <a:off x="3257848" y="1043112"/>
+                <a:off x="323429" y="2654968"/>
                 <a:ext cx="432000" cy="432000"/>
               </a:xfrm>
               <a:prstGeom prst="roundRect">
                 <a:avLst/>
               </a:prstGeom>
-              <a:solidFill>
-                <a:srgbClr val="FFD13F"/>
-              </a:solidFill>
+              <a:gradFill flip="none" rotWithShape="1">
+                <a:gsLst>
+                  <a:gs pos="0">
+                    <a:schemeClr val="bg1">
+                      <a:lumMod val="65000"/>
+                    </a:schemeClr>
+                  </a:gs>
+                  <a:gs pos="84000">
+                    <a:srgbClr val="FFD13F">
+                      <a:shade val="100000"/>
+                      <a:satMod val="115000"/>
+                    </a:srgbClr>
+                  </a:gs>
+                </a:gsLst>
+                <a:lin ang="13500000" scaled="1"/>
+                <a:tileRect/>
+              </a:gradFill>
               <a:ln>
                 <a:noFill/>
               </a:ln>
@@ -5229,435 +7566,33 @@
               <a:lstStyle/>
               <a:p>
                 <a:pPr algn="ctr"/>
-                <a:endParaRPr lang="en-IN"/>
+                <a:endParaRPr lang="en-IN" sz="1050"/>
               </a:p>
             </p:txBody>
           </p:sp>
-        </p:grpSp>
-        <p:sp>
-          <p:nvSpPr>
-            <p:cNvPr id="179" name="Oval 178"/>
-            <p:cNvSpPr/>
-            <p:nvPr/>
-          </p:nvSpPr>
-          <p:spPr>
-            <a:xfrm>
-              <a:off x="2357744" y="1078217"/>
-              <a:ext cx="360000" cy="360000"/>
-            </a:xfrm>
-            <a:prstGeom prst="ellipse">
-              <a:avLst/>
-            </a:prstGeom>
-            <a:noFill/>
-            <a:ln/>
-          </p:spPr>
-          <p:style>
-            <a:lnRef idx="0">
-              <a:schemeClr val="accent6"/>
-            </a:lnRef>
-            <a:fillRef idx="3">
-              <a:schemeClr val="accent6"/>
-            </a:fillRef>
-            <a:effectRef idx="3">
-              <a:schemeClr val="accent6"/>
-            </a:effectRef>
-            <a:fontRef idx="minor">
-              <a:schemeClr val="lt1"/>
-            </a:fontRef>
-          </p:style>
-          <p:txBody>
-            <a:bodyPr rtlCol="0" anchor="ctr"/>
-            <a:lstStyle/>
-            <a:p>
-              <a:pPr algn="ctr"/>
-              <a:r>
-                <a:rPr lang="en-US" sz="2800" b="1" dirty="0" smtClean="0">
-                  <a:solidFill>
-                    <a:schemeClr val="accent6">
-                      <a:lumMod val="50000"/>
-                    </a:schemeClr>
-                  </a:solidFill>
-                  <a:latin typeface="Cooper Black" panose="0208090404030B020404" pitchFamily="18" charset="0"/>
-                </a:rPr>
-                <a:t>Q</a:t>
-              </a:r>
-              <a:endParaRPr lang="en-IN" sz="1600" b="1" dirty="0">
-                <a:solidFill>
-                  <a:schemeClr val="accent6">
-                    <a:lumMod val="50000"/>
-                  </a:schemeClr>
-                </a:solidFill>
-              </a:endParaRPr>
-            </a:p>
-          </p:txBody>
-        </p:sp>
-      </p:grpSp>
-      <p:grpSp>
-        <p:nvGrpSpPr>
-          <p:cNvPr id="1035" name="Group 1034"/>
-          <p:cNvGrpSpPr/>
-          <p:nvPr/>
-        </p:nvGrpSpPr>
-        <p:grpSpPr>
-          <a:xfrm>
-            <a:off x="2951880" y="1016792"/>
-            <a:ext cx="540000" cy="540000"/>
-            <a:chOff x="2951880" y="1016792"/>
-            <a:chExt cx="540000" cy="540000"/>
-          </a:xfrm>
-        </p:grpSpPr>
-        <p:grpSp>
-          <p:nvGrpSpPr>
-            <p:cNvPr id="182" name="Group 181"/>
-            <p:cNvGrpSpPr/>
-            <p:nvPr/>
-          </p:nvGrpSpPr>
-          <p:grpSpPr>
-            <a:xfrm>
-              <a:off x="2951880" y="1016792"/>
-              <a:ext cx="540000" cy="540000"/>
-              <a:chOff x="3203848" y="989112"/>
-              <a:chExt cx="540000" cy="540000"/>
-            </a:xfrm>
-          </p:grpSpPr>
-          <p:sp>
-            <p:nvSpPr>
-              <p:cNvPr id="183" name="Rounded Rectangle 182"/>
-              <p:cNvSpPr/>
-              <p:nvPr/>
-            </p:nvSpPr>
-            <p:spPr>
-              <a:xfrm>
-                <a:off x="3203848" y="989112"/>
-                <a:ext cx="540000" cy="540000"/>
-              </a:xfrm>
-              <a:prstGeom prst="roundRect">
-                <a:avLst/>
-              </a:prstGeom>
-              <a:solidFill>
-                <a:schemeClr val="accent6">
-                  <a:lumMod val="50000"/>
-                </a:schemeClr>
-              </a:solidFill>
-              <a:ln>
-                <a:noFill/>
-              </a:ln>
-              <a:scene3d>
-                <a:camera prst="orthographicFront">
-                  <a:rot lat="0" lon="0" rev="0"/>
-                </a:camera>
-                <a:lightRig rig="threePt" dir="t">
-                  <a:rot lat="0" lon="0" rev="1200000"/>
-                </a:lightRig>
-              </a:scene3d>
-              <a:sp3d>
-                <a:bevelT w="63500" h="25400" prst="relaxedInset"/>
-              </a:sp3d>
-            </p:spPr>
-            <p:style>
-              <a:lnRef idx="0">
-                <a:schemeClr val="accent6"/>
-              </a:lnRef>
-              <a:fillRef idx="3">
-                <a:schemeClr val="accent6"/>
-              </a:fillRef>
-              <a:effectRef idx="3">
-                <a:schemeClr val="accent6"/>
-              </a:effectRef>
-              <a:fontRef idx="minor">
-                <a:schemeClr val="lt1"/>
-              </a:fontRef>
-            </p:style>
-            <p:txBody>
-              <a:bodyPr rtlCol="0" anchor="ctr"/>
-              <a:lstStyle/>
-              <a:p>
-                <a:pPr algn="ctr"/>
-                <a:endParaRPr lang="en-IN"/>
-              </a:p>
-            </p:txBody>
-          </p:sp>
-          <p:sp>
-            <p:nvSpPr>
-              <p:cNvPr id="184" name="Rounded Rectangle 183"/>
-              <p:cNvSpPr/>
-              <p:nvPr/>
-            </p:nvSpPr>
-            <p:spPr>
-              <a:xfrm>
-                <a:off x="3257848" y="1043112"/>
-                <a:ext cx="432000" cy="432000"/>
-              </a:xfrm>
-              <a:prstGeom prst="roundRect">
-                <a:avLst/>
-              </a:prstGeom>
-              <a:solidFill>
-                <a:srgbClr val="FFD13F"/>
-              </a:solidFill>
-              <a:ln>
-                <a:noFill/>
-              </a:ln>
-              <a:scene3d>
-                <a:camera prst="orthographicFront">
-                  <a:rot lat="0" lon="0" rev="0"/>
-                </a:camera>
-                <a:lightRig rig="threePt" dir="t">
-                  <a:rot lat="0" lon="0" rev="1200000"/>
-                </a:lightRig>
-              </a:scene3d>
-              <a:sp3d/>
-            </p:spPr>
-            <p:style>
-              <a:lnRef idx="0">
-                <a:schemeClr val="accent6"/>
-              </a:lnRef>
-              <a:fillRef idx="3">
-                <a:schemeClr val="accent6"/>
-              </a:fillRef>
-              <a:effectRef idx="3">
-                <a:schemeClr val="accent6"/>
-              </a:effectRef>
-              <a:fontRef idx="minor">
-                <a:schemeClr val="lt1"/>
-              </a:fontRef>
-            </p:style>
-            <p:txBody>
-              <a:bodyPr rtlCol="0" anchor="ctr"/>
-              <a:lstStyle/>
-              <a:p>
-                <a:pPr algn="ctr"/>
-                <a:endParaRPr lang="en-IN"/>
-              </a:p>
-            </p:txBody>
-          </p:sp>
-        </p:grpSp>
-        <p:sp>
-          <p:nvSpPr>
-            <p:cNvPr id="185" name="Isosceles Triangle 184"/>
-            <p:cNvSpPr/>
-            <p:nvPr/>
-          </p:nvSpPr>
-          <p:spPr>
-            <a:xfrm rot="5400000">
-              <a:off x="3096930" y="1142792"/>
-              <a:ext cx="288000" cy="288000"/>
-            </a:xfrm>
-            <a:prstGeom prst="triangle">
-              <a:avLst/>
-            </a:prstGeom>
-            <a:solidFill>
-              <a:schemeClr val="accent6">
-                <a:lumMod val="50000"/>
-              </a:schemeClr>
-            </a:solidFill>
-            <a:ln/>
-          </p:spPr>
-          <p:style>
-            <a:lnRef idx="0">
-              <a:schemeClr val="accent6"/>
-            </a:lnRef>
-            <a:fillRef idx="3">
-              <a:schemeClr val="accent6"/>
-            </a:fillRef>
-            <a:effectRef idx="3">
-              <a:schemeClr val="accent6"/>
-            </a:effectRef>
-            <a:fontRef idx="minor">
-              <a:schemeClr val="lt1"/>
-            </a:fontRef>
-          </p:style>
-          <p:txBody>
-            <a:bodyPr rtlCol="0" anchor="ctr"/>
-            <a:lstStyle/>
-            <a:p>
-              <a:pPr algn="ctr"/>
-              <a:endParaRPr lang="en-IN" sz="2000" b="1">
-                <a:solidFill>
-                  <a:srgbClr val="FFD13F"/>
-                </a:solidFill>
-              </a:endParaRPr>
-            </a:p>
-          </p:txBody>
-        </p:sp>
-      </p:grpSp>
-      <p:grpSp>
-        <p:nvGrpSpPr>
-          <p:cNvPr id="1039" name="Group 1038"/>
-          <p:cNvGrpSpPr/>
-          <p:nvPr/>
-        </p:nvGrpSpPr>
-        <p:grpSpPr>
-          <a:xfrm>
-            <a:off x="3707905" y="992131"/>
-            <a:ext cx="658843" cy="661052"/>
-            <a:chOff x="3707905" y="992131"/>
-            <a:chExt cx="658843" cy="661052"/>
-          </a:xfrm>
-        </p:grpSpPr>
-        <p:grpSp>
-          <p:nvGrpSpPr>
-            <p:cNvPr id="189" name="Group 188"/>
-            <p:cNvGrpSpPr/>
-            <p:nvPr/>
-          </p:nvGrpSpPr>
-          <p:grpSpPr>
-            <a:xfrm>
-              <a:off x="3707905" y="992131"/>
-              <a:ext cx="396001" cy="396000"/>
-              <a:chOff x="1187624" y="1232809"/>
-              <a:chExt cx="540322" cy="539997"/>
-            </a:xfrm>
-          </p:grpSpPr>
-          <p:grpSp>
-            <p:nvGrpSpPr>
-              <p:cNvPr id="190" name="Group 189"/>
-              <p:cNvGrpSpPr/>
-              <p:nvPr/>
-            </p:nvGrpSpPr>
-            <p:grpSpPr>
-              <a:xfrm>
-                <a:off x="1187624" y="1232809"/>
-                <a:ext cx="540000" cy="539997"/>
-                <a:chOff x="3203848" y="989112"/>
-                <a:chExt cx="540000" cy="540000"/>
-              </a:xfrm>
-            </p:grpSpPr>
-            <p:sp>
-              <p:nvSpPr>
-                <p:cNvPr id="194" name="Rounded Rectangle 193"/>
-                <p:cNvSpPr/>
-                <p:nvPr/>
-              </p:nvSpPr>
-              <p:spPr>
-                <a:xfrm>
-                  <a:off x="3203848" y="989112"/>
-                  <a:ext cx="540000" cy="540000"/>
-                </a:xfrm>
-                <a:prstGeom prst="roundRect">
-                  <a:avLst/>
-                </a:prstGeom>
-                <a:solidFill>
-                  <a:schemeClr val="accent6">
-                    <a:lumMod val="50000"/>
-                  </a:schemeClr>
-                </a:solidFill>
-                <a:ln>
-                  <a:noFill/>
-                </a:ln>
-                <a:scene3d>
-                  <a:camera prst="orthographicFront">
-                    <a:rot lat="0" lon="0" rev="0"/>
-                  </a:camera>
-                  <a:lightRig rig="threePt" dir="t">
-                    <a:rot lat="0" lon="0" rev="1200000"/>
-                  </a:lightRig>
-                </a:scene3d>
-                <a:sp3d>
-                  <a:bevelT w="63500" h="25400" prst="relaxedInset"/>
-                </a:sp3d>
-              </p:spPr>
-              <p:style>
-                <a:lnRef idx="0">
-                  <a:schemeClr val="accent6"/>
-                </a:lnRef>
-                <a:fillRef idx="3">
-                  <a:schemeClr val="accent6"/>
-                </a:fillRef>
-                <a:effectRef idx="3">
-                  <a:schemeClr val="accent6"/>
-                </a:effectRef>
-                <a:fontRef idx="minor">
-                  <a:schemeClr val="lt1"/>
-                </a:fontRef>
-              </p:style>
-              <p:txBody>
-                <a:bodyPr rtlCol="0" anchor="ctr"/>
-                <a:lstStyle/>
-                <a:p>
-                  <a:pPr algn="ctr"/>
-                  <a:endParaRPr lang="en-IN"/>
-                </a:p>
-              </p:txBody>
-            </p:sp>
-            <p:sp>
-              <p:nvSpPr>
-                <p:cNvPr id="195" name="Rounded Rectangle 194"/>
-                <p:cNvSpPr/>
-                <p:nvPr/>
-              </p:nvSpPr>
-              <p:spPr>
-                <a:xfrm>
-                  <a:off x="3257848" y="1043112"/>
-                  <a:ext cx="432000" cy="432000"/>
-                </a:xfrm>
-                <a:prstGeom prst="roundRect">
-                  <a:avLst/>
-                </a:prstGeom>
-                <a:solidFill>
-                  <a:srgbClr val="FFD13F"/>
-                </a:solidFill>
-                <a:ln>
-                  <a:noFill/>
-                </a:ln>
-                <a:scene3d>
-                  <a:camera prst="orthographicFront">
-                    <a:rot lat="0" lon="0" rev="0"/>
-                  </a:camera>
-                  <a:lightRig rig="threePt" dir="t">
-                    <a:rot lat="0" lon="0" rev="1200000"/>
-                  </a:lightRig>
-                </a:scene3d>
-                <a:sp3d/>
-              </p:spPr>
-              <p:style>
-                <a:lnRef idx="0">
-                  <a:schemeClr val="accent6"/>
-                </a:lnRef>
-                <a:fillRef idx="3">
-                  <a:schemeClr val="accent6"/>
-                </a:fillRef>
-                <a:effectRef idx="3">
-                  <a:schemeClr val="accent6"/>
-                </a:effectRef>
-                <a:fontRef idx="minor">
-                  <a:schemeClr val="lt1"/>
-                </a:fontRef>
-              </p:style>
-              <p:txBody>
-                <a:bodyPr rtlCol="0" anchor="ctr"/>
-                <a:lstStyle/>
-                <a:p>
-                  <a:pPr algn="ctr"/>
-                  <a:endParaRPr lang="en-IN"/>
-                </a:p>
-              </p:txBody>
-            </p:sp>
-          </p:grpSp>
           <p:pic>
             <p:nvPicPr>
-              <p:cNvPr id="191" name="Picture 7"/>
+              <p:cNvPr id="323" name="Picture 5"/>
               <p:cNvPicPr>
                 <a:picLocks noChangeAspect="1" noChangeArrowheads="1"/>
               </p:cNvPicPr>
               <p:nvPr/>
             </p:nvPicPr>
-            <p:blipFill>
-              <a:blip r:embed="rId2">
+            <p:blipFill rotWithShape="1">
+              <a:blip r:embed="rId4" cstate="print">
                 <a:extLst>
                   <a:ext uri="{28A0092B-C50C-407E-A947-70E740481C1C}">
                     <a14:useLocalDpi xmlns:a14="http://schemas.microsoft.com/office/drawing/2010/main" val="0"/>
                   </a:ext>
                 </a:extLst>
               </a:blip>
-              <a:srcRect/>
-              <a:stretch>
-                <a:fillRect/>
-              </a:stretch>
+              <a:srcRect l="28921" t="40978" r="16209" b="38208"/>
+              <a:stretch/>
             </p:blipFill>
             <p:spPr bwMode="auto">
               <a:xfrm>
-                <a:off x="1240582" y="1353584"/>
-                <a:ext cx="487363" cy="92075"/>
+                <a:off x="332154" y="2655664"/>
+                <a:ext cx="467993" cy="158351"/>
               </a:xfrm>
               <a:prstGeom prst="rect">
                 <a:avLst/>
@@ -5699,29 +7634,27 @@
           </p:pic>
           <p:pic>
             <p:nvPicPr>
-              <p:cNvPr id="192" name="Picture 7"/>
+              <p:cNvPr id="324" name="Picture 5"/>
               <p:cNvPicPr>
                 <a:picLocks noChangeAspect="1" noChangeArrowheads="1"/>
               </p:cNvPicPr>
               <p:nvPr/>
             </p:nvPicPr>
-            <p:blipFill>
-              <a:blip r:embed="rId2">
+            <p:blipFill rotWithShape="1">
+              <a:blip r:embed="rId4" cstate="print">
                 <a:extLst>
                   <a:ext uri="{28A0092B-C50C-407E-A947-70E740481C1C}">
                     <a14:useLocalDpi xmlns:a14="http://schemas.microsoft.com/office/drawing/2010/main" val="0"/>
                   </a:ext>
                 </a:extLst>
               </a:blip>
-              <a:srcRect/>
-              <a:stretch>
-                <a:fillRect/>
-              </a:stretch>
+              <a:srcRect l="28921" t="40978" r="16209" b="38208"/>
+              <a:stretch/>
             </p:blipFill>
             <p:spPr bwMode="auto">
               <a:xfrm>
-                <a:off x="1240583" y="1476331"/>
-                <a:ext cx="487363" cy="92075"/>
+                <a:off x="332154" y="2783765"/>
+                <a:ext cx="467993" cy="158351"/>
               </a:xfrm>
               <a:prstGeom prst="rect">
                 <a:avLst/>
@@ -5763,29 +7696,27 @@
           </p:pic>
           <p:pic>
             <p:nvPicPr>
-              <p:cNvPr id="193" name="Picture 7"/>
+              <p:cNvPr id="325" name="Picture 5"/>
               <p:cNvPicPr>
                 <a:picLocks noChangeAspect="1" noChangeArrowheads="1"/>
               </p:cNvPicPr>
               <p:nvPr/>
             </p:nvPicPr>
-            <p:blipFill>
-              <a:blip r:embed="rId2">
+            <p:blipFill rotWithShape="1">
+              <a:blip r:embed="rId4" cstate="print">
                 <a:extLst>
                   <a:ext uri="{28A0092B-C50C-407E-A947-70E740481C1C}">
                     <a14:useLocalDpi xmlns:a14="http://schemas.microsoft.com/office/drawing/2010/main" val="0"/>
                   </a:ext>
                 </a:extLst>
               </a:blip>
-              <a:srcRect/>
-              <a:stretch>
-                <a:fillRect/>
-              </a:stretch>
+              <a:srcRect l="28921" t="40978" r="16209" b="38208"/>
+              <a:stretch/>
             </p:blipFill>
             <p:spPr bwMode="auto">
               <a:xfrm>
-                <a:off x="1240582" y="1599085"/>
-                <a:ext cx="487363" cy="92075"/>
+                <a:off x="332154" y="2911867"/>
+                <a:ext cx="467993" cy="158351"/>
               </a:xfrm>
               <a:prstGeom prst="rect">
                 <a:avLst/>
@@ -5828,41 +7759,41 @@
         </p:grpSp>
         <p:grpSp>
           <p:nvGrpSpPr>
-            <p:cNvPr id="196" name="Group 195"/>
+            <p:cNvPr id="331" name="Group 330"/>
             <p:cNvGrpSpPr/>
             <p:nvPr/>
           </p:nvGrpSpPr>
           <p:grpSpPr>
             <a:xfrm>
-              <a:off x="3970748" y="1038259"/>
-              <a:ext cx="396000" cy="396000"/>
-              <a:chOff x="1538139" y="1016792"/>
-              <a:chExt cx="540000" cy="540000"/>
+              <a:off x="6105048" y="1184492"/>
+              <a:ext cx="360000" cy="360000"/>
+              <a:chOff x="186920" y="2630436"/>
+              <a:chExt cx="556557" cy="552074"/>
             </a:xfrm>
           </p:grpSpPr>
           <p:grpSp>
             <p:nvGrpSpPr>
-              <p:cNvPr id="197" name="Group 196"/>
+              <p:cNvPr id="332" name="Group 331"/>
               <p:cNvGrpSpPr/>
               <p:nvPr/>
             </p:nvGrpSpPr>
             <p:grpSpPr>
               <a:xfrm>
-                <a:off x="1538139" y="1016792"/>
+                <a:off x="203477" y="2642510"/>
                 <a:ext cx="540000" cy="540000"/>
-                <a:chOff x="3203848" y="989112"/>
+                <a:chOff x="863648" y="2961008"/>
                 <a:chExt cx="540000" cy="540000"/>
               </a:xfrm>
             </p:grpSpPr>
             <p:sp>
               <p:nvSpPr>
-                <p:cNvPr id="199" name="Rounded Rectangle 198"/>
+                <p:cNvPr id="334" name="Rounded Rectangle 333"/>
                 <p:cNvSpPr/>
                 <p:nvPr/>
               </p:nvSpPr>
               <p:spPr>
                 <a:xfrm>
-                  <a:off x="3203848" y="989112"/>
+                  <a:off x="863648" y="2961008"/>
                   <a:ext cx="540000" cy="540000"/>
                 </a:xfrm>
                 <a:prstGeom prst="roundRect">
@@ -5907,27 +7838,41 @@
                 <a:lstStyle/>
                 <a:p>
                   <a:pPr algn="ctr"/>
-                  <a:endParaRPr lang="en-IN"/>
+                  <a:endParaRPr lang="en-IN" sz="1050"/>
                 </a:p>
               </p:txBody>
             </p:sp>
             <p:sp>
               <p:nvSpPr>
-                <p:cNvPr id="200" name="Rounded Rectangle 199"/>
+                <p:cNvPr id="335" name="Rounded Rectangle 334"/>
                 <p:cNvSpPr/>
                 <p:nvPr/>
               </p:nvSpPr>
               <p:spPr>
                 <a:xfrm>
-                  <a:off x="3257848" y="1043112"/>
+                  <a:off x="917648" y="3015008"/>
                   <a:ext cx="432000" cy="432000"/>
                 </a:xfrm>
                 <a:prstGeom prst="roundRect">
                   <a:avLst/>
                 </a:prstGeom>
-                <a:solidFill>
-                  <a:srgbClr val="FFD13F"/>
-                </a:solidFill>
+                <a:gradFill flip="none" rotWithShape="1">
+                  <a:gsLst>
+                    <a:gs pos="0">
+                      <a:schemeClr val="bg1">
+                        <a:lumMod val="65000"/>
+                      </a:schemeClr>
+                    </a:gs>
+                    <a:gs pos="84000">
+                      <a:srgbClr val="FFD13F">
+                        <a:shade val="100000"/>
+                        <a:satMod val="115000"/>
+                      </a:srgbClr>
+                    </a:gs>
+                  </a:gsLst>
+                  <a:lin ang="13500000" scaled="1"/>
+                  <a:tileRect/>
+                </a:gradFill>
                 <a:ln>
                   <a:noFill/>
                 </a:ln>
@@ -5960,27 +7905,36 @@
                 <a:lstStyle/>
                 <a:p>
                   <a:pPr algn="ctr"/>
-                  <a:endParaRPr lang="en-IN"/>
+                  <a:endParaRPr lang="en-IN" sz="1050"/>
                 </a:p>
               </p:txBody>
             </p:sp>
           </p:grpSp>
           <p:sp>
             <p:nvSpPr>
-              <p:cNvPr id="198" name="Oval 197"/>
+              <p:cNvPr id="333" name="Oval 332"/>
               <p:cNvSpPr/>
               <p:nvPr/>
             </p:nvSpPr>
             <p:spPr>
               <a:xfrm>
-                <a:off x="1628139" y="1106792"/>
-                <a:ext cx="360000" cy="360000"/>
+                <a:off x="186920" y="2630436"/>
+                <a:ext cx="539404" cy="522551"/>
               </a:xfrm>
               <a:prstGeom prst="ellipse">
                 <a:avLst/>
               </a:prstGeom>
               <a:noFill/>
               <a:ln/>
+              <a:scene3d>
+                <a:camera prst="isometricOffAxis1Right"/>
+                <a:lightRig rig="threePt" dir="t">
+                  <a:rot lat="0" lon="0" rev="1200000"/>
+                </a:lightRig>
+              </a:scene3d>
+              <a:sp3d>
+                <a:bevelT w="63500" h="25400"/>
+              </a:sp3d>
             </p:spPr>
             <p:style>
               <a:lnRef idx="0">
@@ -5997,27 +7951,42 @@
               </a:fontRef>
             </p:style>
             <p:txBody>
-              <a:bodyPr rtlCol="0" anchor="ctr"/>
+              <a:bodyPr rtlCol="0" anchor="ctr">
+                <a:sp3d extrusionH="57150">
+                  <a:bevelT w="38100" h="38100"/>
+                </a:sp3d>
+              </a:bodyPr>
               <a:lstStyle/>
               <a:p>
                 <a:pPr algn="ctr"/>
                 <a:r>
-                  <a:rPr lang="en-US" sz="3600" b="1" dirty="0" smtClean="0">
+                  <a:rPr lang="en-US" sz="2400" b="1" dirty="0">
+                    <a:ln>
+                      <a:solidFill>
+                        <a:schemeClr val="accent6">
+                          <a:lumMod val="50000"/>
+                        </a:schemeClr>
+                      </a:solidFill>
+                    </a:ln>
+                    <a:solidFill>
+                      <a:srgbClr val="FFD13F"/>
+                    </a:solidFill>
+                    <a:latin typeface="Cooper Black" panose="0208090404030B020404" pitchFamily="18" charset="0"/>
+                  </a:rPr>
+                  <a:t>?</a:t>
+                </a:r>
+                <a:endParaRPr lang="en-IN" sz="2400" b="1" dirty="0">
+                  <a:ln>
                     <a:solidFill>
                       <a:schemeClr val="accent6">
                         <a:lumMod val="50000"/>
                       </a:schemeClr>
                     </a:solidFill>
-                    <a:latin typeface="Cooper Black" panose="0208090404030B020404" pitchFamily="18" charset="0"/>
-                  </a:rPr>
-                  <a:t>?</a:t>
-                </a:r>
-                <a:endParaRPr lang="en-IN" sz="1600" b="1" dirty="0">
+                  </a:ln>
                   <a:solidFill>
-                    <a:schemeClr val="accent6">
-                      <a:lumMod val="50000"/>
-                    </a:schemeClr>
+                    <a:srgbClr val="FFD13F"/>
                   </a:solidFill>
+                  <a:latin typeface="Cooper Black" panose="0208090404030B020404" pitchFamily="18" charset="0"/>
                 </a:endParaRPr>
               </a:p>
             </p:txBody>
@@ -6025,41 +7994,41 @@
         </p:grpSp>
         <p:grpSp>
           <p:nvGrpSpPr>
-            <p:cNvPr id="201" name="Group 200"/>
+            <p:cNvPr id="326" name="Group 325"/>
             <p:cNvGrpSpPr/>
             <p:nvPr/>
           </p:nvGrpSpPr>
           <p:grpSpPr>
             <a:xfrm>
-              <a:off x="3762548" y="1257183"/>
-              <a:ext cx="396000" cy="396000"/>
-              <a:chOff x="2951880" y="1016792"/>
-              <a:chExt cx="540000" cy="540000"/>
+              <a:off x="5911274" y="1378312"/>
+              <a:ext cx="360001" cy="360000"/>
+              <a:chOff x="791640" y="3123836"/>
+              <a:chExt cx="557193" cy="557132"/>
             </a:xfrm>
           </p:grpSpPr>
           <p:grpSp>
             <p:nvGrpSpPr>
-              <p:cNvPr id="202" name="Group 201"/>
+              <p:cNvPr id="327" name="Group 326"/>
               <p:cNvGrpSpPr/>
               <p:nvPr/>
             </p:nvGrpSpPr>
             <p:grpSpPr>
               <a:xfrm>
-                <a:off x="2951880" y="1016792"/>
+                <a:off x="791640" y="3140968"/>
                 <a:ext cx="540000" cy="540000"/>
-                <a:chOff x="3203848" y="989112"/>
+                <a:chOff x="863648" y="2961008"/>
                 <a:chExt cx="540000" cy="540000"/>
               </a:xfrm>
             </p:grpSpPr>
             <p:sp>
               <p:nvSpPr>
-                <p:cNvPr id="204" name="Rounded Rectangle 203"/>
+                <p:cNvPr id="329" name="Rounded Rectangle 328"/>
                 <p:cNvSpPr/>
                 <p:nvPr/>
               </p:nvSpPr>
               <p:spPr>
                 <a:xfrm>
-                  <a:off x="3203848" y="989112"/>
+                  <a:off x="863648" y="2961008"/>
                   <a:ext cx="540000" cy="540000"/>
                 </a:xfrm>
                 <a:prstGeom prst="roundRect">
@@ -6104,27 +8073,41 @@
                 <a:lstStyle/>
                 <a:p>
                   <a:pPr algn="ctr"/>
-                  <a:endParaRPr lang="en-IN"/>
+                  <a:endParaRPr lang="en-IN" sz="1050"/>
                 </a:p>
               </p:txBody>
             </p:sp>
             <p:sp>
               <p:nvSpPr>
-                <p:cNvPr id="205" name="Rounded Rectangle 204"/>
+                <p:cNvPr id="330" name="Rounded Rectangle 329"/>
                 <p:cNvSpPr/>
                 <p:nvPr/>
               </p:nvSpPr>
               <p:spPr>
                 <a:xfrm>
-                  <a:off x="3257848" y="1043112"/>
+                  <a:off x="917648" y="3015008"/>
                   <a:ext cx="432000" cy="432000"/>
                 </a:xfrm>
                 <a:prstGeom prst="roundRect">
                   <a:avLst/>
                 </a:prstGeom>
-                <a:solidFill>
-                  <a:srgbClr val="FFD13F"/>
-                </a:solidFill>
+                <a:gradFill flip="none" rotWithShape="1">
+                  <a:gsLst>
+                    <a:gs pos="0">
+                      <a:schemeClr val="bg1">
+                        <a:lumMod val="65000"/>
+                      </a:schemeClr>
+                    </a:gs>
+                    <a:gs pos="84000">
+                      <a:srgbClr val="FFD13F">
+                        <a:shade val="100000"/>
+                        <a:satMod val="115000"/>
+                      </a:srgbClr>
+                    </a:gs>
+                  </a:gsLst>
+                  <a:lin ang="13500000" scaled="1"/>
+                  <a:tileRect/>
+                </a:gradFill>
                 <a:ln>
                   <a:noFill/>
                 </a:ln>
@@ -6157,31 +8140,36 @@
                 <a:lstStyle/>
                 <a:p>
                   <a:pPr algn="ctr"/>
-                  <a:endParaRPr lang="en-IN"/>
+                  <a:endParaRPr lang="en-IN" sz="1050"/>
                 </a:p>
               </p:txBody>
             </p:sp>
           </p:grpSp>
           <p:sp>
             <p:nvSpPr>
-              <p:cNvPr id="203" name="Isosceles Triangle 202"/>
+              <p:cNvPr id="328" name="Oval 327"/>
               <p:cNvSpPr/>
               <p:nvPr/>
             </p:nvSpPr>
             <p:spPr>
-              <a:xfrm rot="5400000">
-                <a:off x="3096930" y="1142792"/>
-                <a:ext cx="288000" cy="288000"/>
+              <a:xfrm>
+                <a:off x="808833" y="3123836"/>
+                <a:ext cx="540000" cy="539940"/>
               </a:xfrm>
-              <a:prstGeom prst="triangle">
+              <a:prstGeom prst="ellipse">
                 <a:avLst/>
               </a:prstGeom>
-              <a:solidFill>
-                <a:schemeClr val="accent6">
-                  <a:lumMod val="50000"/>
-                </a:schemeClr>
-              </a:solidFill>
+              <a:noFill/>
               <a:ln/>
+              <a:scene3d>
+                <a:camera prst="perspectiveAbove"/>
+                <a:lightRig rig="threePt" dir="t">
+                  <a:rot lat="0" lon="0" rev="1200000"/>
+                </a:lightRig>
+              </a:scene3d>
+              <a:sp3d>
+                <a:bevelT w="63500" h="25400"/>
+              </a:sp3d>
             </p:spPr>
             <p:style>
               <a:lnRef idx="0">
@@ -6198,14 +8186,47 @@
               </a:fontRef>
             </p:style>
             <p:txBody>
-              <a:bodyPr rtlCol="0" anchor="ctr"/>
+              <a:bodyPr rtlCol="0" anchor="ctr">
+                <a:sp3d extrusionH="57150">
+                  <a:bevelT w="38100" h="38100"/>
+                </a:sp3d>
+              </a:bodyPr>
               <a:lstStyle/>
               <a:p>
                 <a:pPr algn="ctr"/>
-                <a:endParaRPr lang="en-IN" sz="2000" b="1">
+                <a:r>
+                  <a:rPr lang="en-US" sz="2400" b="1" dirty="0" smtClean="0">
+                    <a:ln>
+                      <a:solidFill>
+                        <a:schemeClr val="accent6">
+                          <a:lumMod val="50000"/>
+                        </a:schemeClr>
+                      </a:solidFill>
+                    </a:ln>
+                    <a:solidFill>
+                      <a:schemeClr val="accent6">
+                        <a:lumMod val="50000"/>
+                      </a:schemeClr>
+                    </a:solidFill>
+                    <a:latin typeface="Cooper Black" panose="0208090404030B020404" pitchFamily="18" charset="0"/>
+                    <a:sym typeface="Webdings"/>
+                  </a:rPr>
+                  <a:t></a:t>
+                </a:r>
+                <a:endParaRPr lang="en-IN" sz="2400" b="1" dirty="0">
+                  <a:ln>
+                    <a:solidFill>
+                      <a:schemeClr val="accent6">
+                        <a:lumMod val="50000"/>
+                      </a:schemeClr>
+                    </a:solidFill>
+                  </a:ln>
                   <a:solidFill>
-                    <a:srgbClr val="FFD13F"/>
+                    <a:schemeClr val="accent6">
+                      <a:lumMod val="50000"/>
+                    </a:schemeClr>
                   </a:solidFill>
+                  <a:latin typeface="Cooper Black" panose="0208090404030B020404" pitchFamily="18" charset="0"/>
                 </a:endParaRPr>
               </a:p>
             </p:txBody>
@@ -6214,111 +8235,806 @@
       </p:grpSp>
       <p:sp>
         <p:nvSpPr>
-          <p:cNvPr id="1040" name="Curved Down Arrow 1039"/>
+          <p:cNvPr id="339" name="Oval 338"/>
           <p:cNvSpPr/>
           <p:nvPr/>
         </p:nvSpPr>
         <p:spPr>
-          <a:xfrm rot="19386675">
-            <a:off x="4594464" y="1128768"/>
-            <a:ext cx="600854" cy="275239"/>
+          <a:xfrm rot="19525482">
+            <a:off x="3849443" y="1986363"/>
+            <a:ext cx="540000" cy="540000"/>
           </a:xfrm>
-          <a:prstGeom prst="curvedDownArrow">
-            <a:avLst>
-              <a:gd name="adj1" fmla="val 39673"/>
-              <a:gd name="adj2" fmla="val 88979"/>
-              <a:gd name="adj3" fmla="val 42303"/>
-            </a:avLst>
+          <a:prstGeom prst="ellipse">
+            <a:avLst/>
           </a:prstGeom>
-          <a:solidFill>
-            <a:srgbClr val="FFD13F"/>
-          </a:solidFill>
-          <a:ln>
-            <a:solidFill>
-              <a:schemeClr val="accent6">
-                <a:lumMod val="50000"/>
-              </a:schemeClr>
-            </a:solidFill>
-          </a:ln>
-          <a:effectLst>
-            <a:outerShdw blurRad="50800" dist="38100" dir="16200000" rotWithShape="0">
-              <a:prstClr val="black">
-                <a:alpha val="40000"/>
-              </a:prstClr>
-            </a:outerShdw>
-          </a:effectLst>
+          <a:noFill/>
+          <a:ln/>
           <a:scene3d>
-            <a:camera prst="orthographicFront">
-              <a:rot lat="0" lon="0" rev="0"/>
-            </a:camera>
-            <a:lightRig rig="threePt" dir="t"/>
+            <a:camera prst="perspectiveAbove"/>
+            <a:lightRig rig="threePt" dir="t">
+              <a:rot lat="0" lon="0" rev="1200000"/>
+            </a:lightRig>
           </a:scene3d>
+          <a:sp3d>
+            <a:bevelT w="63500" h="25400"/>
+          </a:sp3d>
         </p:spPr>
         <p:style>
-          <a:lnRef idx="2">
-            <a:schemeClr val="accent1">
-              <a:shade val="50000"/>
-            </a:schemeClr>
+          <a:lnRef idx="0">
+            <a:schemeClr val="accent6"/>
           </a:lnRef>
-          <a:fillRef idx="1">
-            <a:schemeClr val="accent1"/>
+          <a:fillRef idx="3">
+            <a:schemeClr val="accent6"/>
           </a:fillRef>
-          <a:effectRef idx="0">
-            <a:schemeClr val="accent1"/>
+          <a:effectRef idx="3">
+            <a:schemeClr val="accent6"/>
           </a:effectRef>
           <a:fontRef idx="minor">
             <a:schemeClr val="lt1"/>
           </a:fontRef>
         </p:style>
         <p:txBody>
-          <a:bodyPr rtlCol="0" anchor="ctr"/>
+          <a:bodyPr rtlCol="0" anchor="ctr">
+            <a:sp3d extrusionH="57150">
+              <a:bevelT w="38100" h="38100"/>
+            </a:sp3d>
+          </a:bodyPr>
           <a:lstStyle/>
           <a:p>
             <a:pPr algn="ctr"/>
-            <a:endParaRPr lang="en-IN">
+            <a:r>
+              <a:rPr lang="en-US" sz="6000" b="1" dirty="0" smtClean="0">
+                <a:ln>
+                  <a:solidFill>
+                    <a:schemeClr val="bg1">
+                      <a:lumMod val="65000"/>
+                    </a:schemeClr>
+                  </a:solidFill>
+                </a:ln>
+                <a:solidFill>
+                  <a:schemeClr val="accent5">
+                    <a:lumMod val="20000"/>
+                    <a:lumOff val="80000"/>
+                  </a:schemeClr>
+                </a:solidFill>
+                <a:latin typeface="Cooper Black" panose="0208090404030B020404" pitchFamily="18" charset="0"/>
+                <a:sym typeface="Webdings"/>
+              </a:rPr>
+              <a:t></a:t>
+            </a:r>
+            <a:endParaRPr lang="en-IN" sz="6000" b="1" dirty="0">
+              <a:ln>
+                <a:solidFill>
+                  <a:schemeClr val="bg1">
+                    <a:lumMod val="65000"/>
+                  </a:schemeClr>
+                </a:solidFill>
+              </a:ln>
               <a:solidFill>
-                <a:schemeClr val="tx1"/>
+                <a:schemeClr val="accent5">
+                  <a:lumMod val="20000"/>
+                  <a:lumOff val="80000"/>
+                </a:schemeClr>
               </a:solidFill>
+              <a:latin typeface="Cooper Black" panose="0208090404030B020404" pitchFamily="18" charset="0"/>
             </a:endParaRPr>
           </a:p>
         </p:txBody>
       </p:sp>
+      <p:sp>
+        <p:nvSpPr>
+          <p:cNvPr id="341" name="Oval 340"/>
+          <p:cNvSpPr/>
+          <p:nvPr/>
+        </p:nvSpPr>
+        <p:spPr>
+          <a:xfrm>
+            <a:off x="6667211" y="1073792"/>
+            <a:ext cx="540000" cy="540000"/>
+          </a:xfrm>
+          <a:prstGeom prst="ellipse">
+            <a:avLst/>
+          </a:prstGeom>
+          <a:noFill/>
+          <a:ln/>
+          <a:scene3d>
+            <a:camera prst="obliqueTopRight"/>
+            <a:lightRig rig="threePt" dir="t">
+              <a:rot lat="0" lon="0" rev="1200000"/>
+            </a:lightRig>
+          </a:scene3d>
+          <a:sp3d>
+            <a:bevelT w="63500" h="25400"/>
+          </a:sp3d>
+        </p:spPr>
+        <p:style>
+          <a:lnRef idx="0">
+            <a:schemeClr val="accent6"/>
+          </a:lnRef>
+          <a:fillRef idx="3">
+            <a:schemeClr val="accent6"/>
+          </a:fillRef>
+          <a:effectRef idx="3">
+            <a:schemeClr val="accent6"/>
+          </a:effectRef>
+          <a:fontRef idx="minor">
+            <a:schemeClr val="lt1"/>
+          </a:fontRef>
+        </p:style>
+        <p:txBody>
+          <a:bodyPr rtlCol="0" anchor="ctr">
+            <a:sp3d extrusionH="57150">
+              <a:bevelT w="38100" h="38100"/>
+            </a:sp3d>
+          </a:bodyPr>
+          <a:lstStyle/>
+          <a:p>
+            <a:pPr algn="ctr"/>
+            <a:r>
+              <a:rPr lang="en-US" sz="3600" b="1" dirty="0">
+                <a:ln>
+                  <a:solidFill>
+                    <a:schemeClr val="bg1">
+                      <a:lumMod val="65000"/>
+                    </a:schemeClr>
+                  </a:solidFill>
+                </a:ln>
+                <a:solidFill>
+                  <a:schemeClr val="accent5">
+                    <a:lumMod val="20000"/>
+                    <a:lumOff val="80000"/>
+                  </a:schemeClr>
+                </a:solidFill>
+                <a:latin typeface="Cooper Black" panose="0208090404030B020404" pitchFamily="18" charset="0"/>
+                <a:sym typeface="Wingdings"/>
+              </a:rPr>
+              <a:t></a:t>
+            </a:r>
+            <a:endParaRPr lang="en-IN" sz="3600" b="1" dirty="0">
+              <a:ln>
+                <a:solidFill>
+                  <a:schemeClr val="bg1">
+                    <a:lumMod val="65000"/>
+                  </a:schemeClr>
+                </a:solidFill>
+              </a:ln>
+              <a:solidFill>
+                <a:schemeClr val="accent5">
+                  <a:lumMod val="20000"/>
+                  <a:lumOff val="80000"/>
+                </a:schemeClr>
+              </a:solidFill>
+              <a:latin typeface="Cooper Black" panose="0208090404030B020404" pitchFamily="18" charset="0"/>
+            </a:endParaRPr>
+          </a:p>
+        </p:txBody>
+      </p:sp>
+      <p:sp>
+        <p:nvSpPr>
+          <p:cNvPr id="342" name="Oval 341"/>
+          <p:cNvSpPr/>
+          <p:nvPr/>
+        </p:nvSpPr>
+        <p:spPr>
+          <a:xfrm>
+            <a:off x="719572" y="2816992"/>
+            <a:ext cx="540000" cy="540000"/>
+          </a:xfrm>
+          <a:prstGeom prst="ellipse">
+            <a:avLst/>
+          </a:prstGeom>
+          <a:noFill/>
+          <a:ln/>
+          <a:scene3d>
+            <a:camera prst="isometricOffAxis1Right"/>
+            <a:lightRig rig="threePt" dir="t">
+              <a:rot lat="0" lon="0" rev="1200000"/>
+            </a:lightRig>
+          </a:scene3d>
+          <a:sp3d>
+            <a:bevelT w="63500" h="25400"/>
+          </a:sp3d>
+        </p:spPr>
+        <p:style>
+          <a:lnRef idx="0">
+            <a:schemeClr val="accent6"/>
+          </a:lnRef>
+          <a:fillRef idx="3">
+            <a:schemeClr val="accent6"/>
+          </a:fillRef>
+          <a:effectRef idx="3">
+            <a:schemeClr val="accent6"/>
+          </a:effectRef>
+          <a:fontRef idx="minor">
+            <a:schemeClr val="lt1"/>
+          </a:fontRef>
+        </p:style>
+        <p:txBody>
+          <a:bodyPr rtlCol="0" anchor="ctr">
+            <a:sp3d extrusionH="57150">
+              <a:bevelT w="38100" h="38100"/>
+            </a:sp3d>
+          </a:bodyPr>
+          <a:lstStyle/>
+          <a:p>
+            <a:pPr algn="ctr"/>
+            <a:r>
+              <a:rPr lang="en-US" sz="4800" b="1" dirty="0" err="1" smtClean="0">
+                <a:ln>
+                  <a:solidFill>
+                    <a:schemeClr val="accent6">
+                      <a:lumMod val="50000"/>
+                    </a:schemeClr>
+                  </a:solidFill>
+                </a:ln>
+                <a:solidFill>
+                  <a:srgbClr val="FFD13F"/>
+                </a:solidFill>
+                <a:latin typeface="Cooper Black" panose="0208090404030B020404" pitchFamily="18" charset="0"/>
+              </a:rPr>
+              <a:t>i</a:t>
+            </a:r>
+            <a:endParaRPr lang="en-IN" sz="4800" b="1" dirty="0">
+              <a:ln>
+                <a:solidFill>
+                  <a:schemeClr val="accent6">
+                    <a:lumMod val="50000"/>
+                  </a:schemeClr>
+                </a:solidFill>
+              </a:ln>
+              <a:solidFill>
+                <a:srgbClr val="FFD13F"/>
+              </a:solidFill>
+              <a:latin typeface="Cooper Black" panose="0208090404030B020404" pitchFamily="18" charset="0"/>
+            </a:endParaRPr>
+          </a:p>
+        </p:txBody>
+      </p:sp>
+      <p:sp>
+        <p:nvSpPr>
+          <p:cNvPr id="96" name="Oval 95"/>
+          <p:cNvSpPr/>
+          <p:nvPr/>
+        </p:nvSpPr>
+        <p:spPr>
+          <a:xfrm>
+            <a:off x="4535996" y="1031668"/>
+            <a:ext cx="540000" cy="540000"/>
+          </a:xfrm>
+          <a:prstGeom prst="ellipse">
+            <a:avLst/>
+          </a:prstGeom>
+          <a:noFill/>
+          <a:ln/>
+          <a:scene3d>
+            <a:camera prst="isometricOffAxis1Right"/>
+            <a:lightRig rig="threePt" dir="t">
+              <a:rot lat="0" lon="0" rev="1200000"/>
+            </a:lightRig>
+          </a:scene3d>
+          <a:sp3d>
+            <a:bevelT w="63500" h="25400"/>
+          </a:sp3d>
+        </p:spPr>
+        <p:style>
+          <a:lnRef idx="0">
+            <a:schemeClr val="accent6"/>
+          </a:lnRef>
+          <a:fillRef idx="3">
+            <a:schemeClr val="accent6"/>
+          </a:fillRef>
+          <a:effectRef idx="3">
+            <a:schemeClr val="accent6"/>
+          </a:effectRef>
+          <a:fontRef idx="minor">
+            <a:schemeClr val="lt1"/>
+          </a:fontRef>
+        </p:style>
+        <p:txBody>
+          <a:bodyPr rtlCol="0" anchor="ctr">
+            <a:sp3d extrusionH="57150">
+              <a:bevelT w="38100" h="38100"/>
+            </a:sp3d>
+          </a:bodyPr>
+          <a:lstStyle/>
+          <a:p>
+            <a:pPr algn="ctr"/>
+            <a:r>
+              <a:rPr lang="en-US" sz="4400" b="1" dirty="0">
+                <a:ln>
+                  <a:solidFill>
+                    <a:schemeClr val="accent6">
+                      <a:lumMod val="50000"/>
+                    </a:schemeClr>
+                  </a:solidFill>
+                </a:ln>
+                <a:solidFill>
+                  <a:schemeClr val="accent6">
+                    <a:lumMod val="50000"/>
+                  </a:schemeClr>
+                </a:solidFill>
+                <a:latin typeface="Cooper Black" panose="0208090404030B020404" pitchFamily="18" charset="0"/>
+                <a:sym typeface="Wingdings"/>
+              </a:rPr>
+              <a:t>+</a:t>
+            </a:r>
+            <a:endParaRPr lang="en-IN" sz="4400" b="1" dirty="0">
+              <a:ln>
+                <a:solidFill>
+                  <a:schemeClr val="accent6">
+                    <a:lumMod val="50000"/>
+                  </a:schemeClr>
+                </a:solidFill>
+              </a:ln>
+              <a:solidFill>
+                <a:schemeClr val="accent6">
+                  <a:lumMod val="50000"/>
+                </a:schemeClr>
+              </a:solidFill>
+              <a:latin typeface="Cooper Black" panose="0208090404030B020404" pitchFamily="18" charset="0"/>
+            </a:endParaRPr>
+          </a:p>
+        </p:txBody>
+      </p:sp>
+      <p:sp>
+        <p:nvSpPr>
+          <p:cNvPr id="97" name="Oval 96"/>
+          <p:cNvSpPr/>
+          <p:nvPr/>
+        </p:nvSpPr>
+        <p:spPr>
+          <a:xfrm>
+            <a:off x="5079743" y="1049163"/>
+            <a:ext cx="540000" cy="540000"/>
+          </a:xfrm>
+          <a:prstGeom prst="ellipse">
+            <a:avLst/>
+          </a:prstGeom>
+          <a:noFill/>
+          <a:ln/>
+          <a:scene3d>
+            <a:camera prst="isometricOffAxis1Right"/>
+            <a:lightRig rig="threePt" dir="t">
+              <a:rot lat="0" lon="0" rev="1200000"/>
+            </a:lightRig>
+          </a:scene3d>
+          <a:sp3d>
+            <a:bevelT w="63500" h="25400"/>
+          </a:sp3d>
+        </p:spPr>
+        <p:style>
+          <a:lnRef idx="0">
+            <a:schemeClr val="accent6"/>
+          </a:lnRef>
+          <a:fillRef idx="3">
+            <a:schemeClr val="accent6"/>
+          </a:fillRef>
+          <a:effectRef idx="3">
+            <a:schemeClr val="accent6"/>
+          </a:effectRef>
+          <a:fontRef idx="minor">
+            <a:schemeClr val="lt1"/>
+          </a:fontRef>
+        </p:style>
+        <p:txBody>
+          <a:bodyPr rtlCol="0" anchor="ctr">
+            <a:sp3d extrusionH="57150">
+              <a:bevelT w="38100" h="38100"/>
+            </a:sp3d>
+          </a:bodyPr>
+          <a:lstStyle/>
+          <a:p>
+            <a:pPr algn="ctr"/>
+            <a:r>
+              <a:rPr lang="en-US" sz="4000" b="1" dirty="0">
+                <a:ln>
+                  <a:solidFill>
+                    <a:srgbClr val="009600"/>
+                  </a:solidFill>
+                </a:ln>
+                <a:solidFill>
+                  <a:srgbClr val="009600"/>
+                </a:solidFill>
+                <a:latin typeface="Cooper Black" panose="0208090404030B020404" pitchFamily="18" charset="0"/>
+                <a:sym typeface="Wingdings"/>
+              </a:rPr>
+              <a:t></a:t>
+            </a:r>
+            <a:endParaRPr lang="en-IN" sz="4000" b="1" dirty="0">
+              <a:ln>
+                <a:solidFill>
+                  <a:srgbClr val="009600"/>
+                </a:solidFill>
+              </a:ln>
+              <a:solidFill>
+                <a:srgbClr val="009600"/>
+              </a:solidFill>
+              <a:latin typeface="Cooper Black" panose="0208090404030B020404" pitchFamily="18" charset="0"/>
+            </a:endParaRPr>
+          </a:p>
+        </p:txBody>
+      </p:sp>
+      <p:sp>
+        <p:nvSpPr>
+          <p:cNvPr id="98" name="Oval 97"/>
+          <p:cNvSpPr/>
+          <p:nvPr/>
+        </p:nvSpPr>
+        <p:spPr>
+          <a:xfrm>
+            <a:off x="5547795" y="1085107"/>
+            <a:ext cx="540000" cy="540000"/>
+          </a:xfrm>
+          <a:prstGeom prst="ellipse">
+            <a:avLst/>
+          </a:prstGeom>
+          <a:noFill/>
+          <a:ln/>
+          <a:scene3d>
+            <a:camera prst="isometricOffAxis1Right"/>
+            <a:lightRig rig="threePt" dir="t">
+              <a:rot lat="0" lon="0" rev="1200000"/>
+            </a:lightRig>
+          </a:scene3d>
+          <a:sp3d>
+            <a:bevelT w="63500" h="25400"/>
+          </a:sp3d>
+        </p:spPr>
+        <p:style>
+          <a:lnRef idx="0">
+            <a:schemeClr val="accent6"/>
+          </a:lnRef>
+          <a:fillRef idx="3">
+            <a:schemeClr val="accent6"/>
+          </a:fillRef>
+          <a:effectRef idx="3">
+            <a:schemeClr val="accent6"/>
+          </a:effectRef>
+          <a:fontRef idx="minor">
+            <a:schemeClr val="lt1"/>
+          </a:fontRef>
+        </p:style>
+        <p:txBody>
+          <a:bodyPr rtlCol="0" anchor="ctr">
+            <a:sp3d extrusionH="57150">
+              <a:bevelT w="38100" h="38100"/>
+            </a:sp3d>
+          </a:bodyPr>
+          <a:lstStyle/>
+          <a:p>
+            <a:pPr algn="ctr"/>
+            <a:r>
+              <a:rPr lang="en-US" sz="4400" b="1" dirty="0" smtClean="0">
+                <a:ln>
+                  <a:solidFill>
+                    <a:srgbClr val="FFD13F"/>
+                  </a:solidFill>
+                </a:ln>
+                <a:solidFill>
+                  <a:schemeClr val="accent6">
+                    <a:lumMod val="50000"/>
+                  </a:schemeClr>
+                </a:solidFill>
+                <a:latin typeface="Cooper Black" panose="0208090404030B020404" pitchFamily="18" charset="0"/>
+                <a:sym typeface="Wingdings"/>
+              </a:rPr>
+              <a:t></a:t>
+            </a:r>
+            <a:endParaRPr lang="en-IN" sz="4400" b="1" dirty="0">
+              <a:ln>
+                <a:solidFill>
+                  <a:srgbClr val="FFD13F"/>
+                </a:solidFill>
+              </a:ln>
+              <a:solidFill>
+                <a:schemeClr val="accent6">
+                  <a:lumMod val="50000"/>
+                </a:schemeClr>
+              </a:solidFill>
+              <a:latin typeface="Cooper Black" panose="0208090404030B020404" pitchFamily="18" charset="0"/>
+            </a:endParaRPr>
+          </a:p>
+        </p:txBody>
+      </p:sp>
+      <p:sp>
+        <p:nvSpPr>
+          <p:cNvPr id="99" name="Oval 98"/>
+          <p:cNvSpPr/>
+          <p:nvPr/>
+        </p:nvSpPr>
+        <p:spPr>
+          <a:xfrm>
+            <a:off x="6096788" y="1088800"/>
+            <a:ext cx="540000" cy="540000"/>
+          </a:xfrm>
+          <a:prstGeom prst="ellipse">
+            <a:avLst/>
+          </a:prstGeom>
+          <a:noFill/>
+          <a:ln/>
+          <a:scene3d>
+            <a:camera prst="isometricOffAxis1Right"/>
+            <a:lightRig rig="threePt" dir="t">
+              <a:rot lat="0" lon="0" rev="1200000"/>
+            </a:lightRig>
+          </a:scene3d>
+          <a:sp3d>
+            <a:bevelT w="63500" h="25400"/>
+          </a:sp3d>
+        </p:spPr>
+        <p:style>
+          <a:lnRef idx="0">
+            <a:schemeClr val="accent6"/>
+          </a:lnRef>
+          <a:fillRef idx="3">
+            <a:schemeClr val="accent6"/>
+          </a:fillRef>
+          <a:effectRef idx="3">
+            <a:schemeClr val="accent6"/>
+          </a:effectRef>
+          <a:fontRef idx="minor">
+            <a:schemeClr val="lt1"/>
+          </a:fontRef>
+        </p:style>
+        <p:txBody>
+          <a:bodyPr rtlCol="0" anchor="ctr">
+            <a:sp3d extrusionH="57150">
+              <a:bevelT w="38100" h="38100"/>
+            </a:sp3d>
+          </a:bodyPr>
+          <a:lstStyle/>
+          <a:p>
+            <a:pPr algn="ctr"/>
+            <a:r>
+              <a:rPr lang="en-US" sz="4400" b="1" dirty="0">
+                <a:ln>
+                  <a:solidFill>
+                    <a:srgbClr val="A40000"/>
+                  </a:solidFill>
+                </a:ln>
+                <a:solidFill>
+                  <a:srgbClr val="A40000"/>
+                </a:solidFill>
+                <a:latin typeface="Cooper Black" panose="0208090404030B020404" pitchFamily="18" charset="0"/>
+                <a:sym typeface="Wingdings"/>
+              </a:rPr>
+              <a:t></a:t>
+            </a:r>
+            <a:endParaRPr lang="en-IN" sz="4400" b="1" dirty="0">
+              <a:ln>
+                <a:solidFill>
+                  <a:srgbClr val="A40000"/>
+                </a:solidFill>
+              </a:ln>
+              <a:solidFill>
+                <a:srgbClr val="A40000"/>
+              </a:solidFill>
+              <a:latin typeface="Cooper Black" panose="0208090404030B020404" pitchFamily="18" charset="0"/>
+            </a:endParaRPr>
+          </a:p>
+        </p:txBody>
+      </p:sp>
+      <p:sp>
+        <p:nvSpPr>
+          <p:cNvPr id="100" name="Oval 99"/>
+          <p:cNvSpPr/>
+          <p:nvPr/>
+        </p:nvSpPr>
+        <p:spPr>
+          <a:xfrm>
+            <a:off x="5544168" y="1988840"/>
+            <a:ext cx="540000" cy="540000"/>
+          </a:xfrm>
+          <a:prstGeom prst="ellipse">
+            <a:avLst/>
+          </a:prstGeom>
+          <a:noFill/>
+          <a:ln/>
+          <a:scene3d>
+            <a:camera prst="isometricOffAxis1Right"/>
+            <a:lightRig rig="threePt" dir="t">
+              <a:rot lat="0" lon="0" rev="1200000"/>
+            </a:lightRig>
+          </a:scene3d>
+          <a:sp3d>
+            <a:bevelT w="63500" h="25400"/>
+          </a:sp3d>
+        </p:spPr>
+        <p:style>
+          <a:lnRef idx="0">
+            <a:schemeClr val="accent6"/>
+          </a:lnRef>
+          <a:fillRef idx="3">
+            <a:schemeClr val="accent6"/>
+          </a:fillRef>
+          <a:effectRef idx="3">
+            <a:schemeClr val="accent6"/>
+          </a:effectRef>
+          <a:fontRef idx="minor">
+            <a:schemeClr val="lt1"/>
+          </a:fontRef>
+        </p:style>
+        <p:txBody>
+          <a:bodyPr rtlCol="0" anchor="ctr">
+            <a:sp3d extrusionH="57150">
+              <a:bevelT w="38100" h="38100"/>
+            </a:sp3d>
+          </a:bodyPr>
+          <a:lstStyle/>
+          <a:p>
+            <a:pPr algn="ctr"/>
+            <a:r>
+              <a:rPr lang="en-US" sz="5400" b="1" dirty="0">
+                <a:ln>
+                  <a:solidFill>
+                    <a:schemeClr val="bg1">
+                      <a:lumMod val="65000"/>
+                    </a:schemeClr>
+                  </a:solidFill>
+                </a:ln>
+                <a:solidFill>
+                  <a:schemeClr val="accent5">
+                    <a:lumMod val="20000"/>
+                    <a:lumOff val="80000"/>
+                  </a:schemeClr>
+                </a:solidFill>
+                <a:latin typeface="Cooper Black" panose="0208090404030B020404" pitchFamily="18" charset="0"/>
+                <a:sym typeface="Webdings"/>
+              </a:rPr>
+              <a:t></a:t>
+            </a:r>
+            <a:endParaRPr lang="en-IN" sz="5400" b="1" dirty="0">
+              <a:ln>
+                <a:solidFill>
+                  <a:schemeClr val="bg1">
+                    <a:lumMod val="65000"/>
+                  </a:schemeClr>
+                </a:solidFill>
+              </a:ln>
+              <a:solidFill>
+                <a:schemeClr val="accent5">
+                  <a:lumMod val="20000"/>
+                  <a:lumOff val="80000"/>
+                </a:schemeClr>
+              </a:solidFill>
+              <a:latin typeface="Cooper Black" panose="0208090404030B020404" pitchFamily="18" charset="0"/>
+            </a:endParaRPr>
+          </a:p>
+        </p:txBody>
+      </p:sp>
+    </p:spTree>
+    <p:extLst>
+      <p:ext uri="{BB962C8B-B14F-4D97-AF65-F5344CB8AC3E}">
+        <p14:creationId xmlns:p14="http://schemas.microsoft.com/office/powerpoint/2010/main" val="775166989"/>
+      </p:ext>
+    </p:extLst>
+  </p:cSld>
+  <p:clrMapOvr>
+    <a:masterClrMapping/>
+  </p:clrMapOvr>
+</p:sld>
+</file>
+
+<file path=ppt/slides/slide2.xml><?xml version="1.0" encoding="utf-8"?>
+<p:sld xmlns:a="http://schemas.openxmlformats.org/drawingml/2006/main" xmlns:r="http://schemas.openxmlformats.org/officeDocument/2006/relationships" xmlns:p="http://schemas.openxmlformats.org/presentationml/2006/main">
+  <p:cSld>
+    <p:spTree>
+      <p:nvGrpSpPr>
+        <p:cNvPr id="1" name=""/>
+        <p:cNvGrpSpPr/>
+        <p:nvPr/>
+      </p:nvGrpSpPr>
+      <p:grpSpPr>
+        <a:xfrm>
+          <a:off x="0" y="0"/>
+          <a:ext cx="0" cy="0"/>
+          <a:chOff x="0" y="0"/>
+          <a:chExt cx="0" cy="0"/>
+        </a:xfrm>
+      </p:grpSpPr>
+      <p:pic>
+        <p:nvPicPr>
+          <p:cNvPr id="2" name="Picture 7"/>
+          <p:cNvPicPr>
+            <a:picLocks noChangeAspect="1" noChangeArrowheads="1"/>
+          </p:cNvPicPr>
+          <p:nvPr/>
+        </p:nvPicPr>
+        <p:blipFill>
+          <a:blip r:embed="rId2">
+            <a:extLst>
+              <a:ext uri="{28A0092B-C50C-407E-A947-70E740481C1C}">
+                <a14:useLocalDpi xmlns:a14="http://schemas.microsoft.com/office/drawing/2010/main" val="0"/>
+              </a:ext>
+            </a:extLst>
+          </a:blip>
+          <a:srcRect/>
+          <a:stretch>
+            <a:fillRect/>
+          </a:stretch>
+        </p:blipFill>
+        <p:spPr bwMode="auto">
+          <a:xfrm>
+            <a:off x="512174" y="1088740"/>
+            <a:ext cx="487363" cy="92075"/>
+          </a:xfrm>
+          <a:prstGeom prst="rect">
+            <a:avLst/>
+          </a:prstGeom>
+          <a:noFill/>
+          <a:ln>
+            <a:noFill/>
+          </a:ln>
+          <a:effectLst/>
+          <a:extLst>
+            <a:ext uri="{909E8E84-426E-40DD-AFC4-6F175D3DCCD1}">
+              <a14:hiddenFill xmlns:a14="http://schemas.microsoft.com/office/drawing/2010/main">
+                <a:solidFill>
+                  <a:schemeClr val="accent1"/>
+                </a:solidFill>
+              </a14:hiddenFill>
+            </a:ext>
+            <a:ext uri="{91240B29-F687-4F45-9708-019B960494DF}">
+              <a14:hiddenLine xmlns:a14="http://schemas.microsoft.com/office/drawing/2010/main" w="9525">
+                <a:solidFill>
+                  <a:schemeClr val="tx1"/>
+                </a:solidFill>
+                <a:miter lim="800000"/>
+                <a:headEnd/>
+                <a:tailEnd/>
+              </a14:hiddenLine>
+            </a:ext>
+            <a:ext uri="{AF507438-7753-43E0-B8FC-AC1667EBCBE1}">
+              <a14:hiddenEffects xmlns:a14="http://schemas.microsoft.com/office/drawing/2010/main">
+                <a:effectLst>
+                  <a:outerShdw dist="35921" dir="2700000" algn="ctr" rotWithShape="0">
+                    <a:schemeClr val="bg2"/>
+                  </a:outerShdw>
+                </a:effectLst>
+              </a14:hiddenEffects>
+            </a:ext>
+          </a:extLst>
+        </p:spPr>
+      </p:pic>
       <p:grpSp>
         <p:nvGrpSpPr>
-          <p:cNvPr id="1053" name="Group 1052"/>
+          <p:cNvPr id="3" name="Group 2"/>
           <p:cNvGrpSpPr/>
           <p:nvPr/>
         </p:nvGrpSpPr>
         <p:grpSpPr>
           <a:xfrm>
-            <a:off x="5292080" y="1166645"/>
-            <a:ext cx="611544" cy="407633"/>
-            <a:chOff x="5292080" y="1166645"/>
-            <a:chExt cx="611544" cy="407633"/>
+            <a:off x="1115616" y="468835"/>
+            <a:ext cx="756064" cy="792160"/>
+            <a:chOff x="5259900" y="2430942"/>
+            <a:chExt cx="756064" cy="792160"/>
           </a:xfrm>
         </p:grpSpPr>
         <p:sp>
           <p:nvSpPr>
-            <p:cNvPr id="214" name="Rounded Rectangle 213"/>
-            <p:cNvSpPr/>
+            <p:cNvPr id="4" name="TextBox 3"/>
+            <p:cNvSpPr txBox="1"/>
             <p:nvPr/>
           </p:nvSpPr>
           <p:spPr>
             <a:xfrm>
-              <a:off x="5292080" y="1214278"/>
-              <a:ext cx="468000" cy="360000"/>
+              <a:off x="5259900" y="2430942"/>
+              <a:ext cx="354584" cy="769441"/>
             </a:xfrm>
-            <a:prstGeom prst="roundRect">
+            <a:prstGeom prst="rect">
               <a:avLst/>
             </a:prstGeom>
             <a:noFill/>
-            <a:ln w="15875">
-              <a:solidFill>
-                <a:schemeClr val="accent6">
-                  <a:lumMod val="50000"/>
-                </a:schemeClr>
-              </a:solidFill>
-            </a:ln>
+            <a:ln/>
+            <a:scene3d>
+              <a:camera prst="perspectiveAbove"/>
+              <a:lightRig rig="threePt" dir="t">
+                <a:rot lat="0" lon="0" rev="1200000"/>
+              </a:lightRig>
+            </a:scene3d>
+            <a:sp3d>
+              <a:bevelT w="63500" h="25400"/>
+            </a:sp3d>
           </p:spPr>
           <p:style>
             <a:lnRef idx="0">
@@ -6335,192 +9051,121 @@
             </a:fontRef>
           </p:style>
           <p:txBody>
-            <a:bodyPr rtlCol="0" anchor="ctr"/>
-            <a:lstStyle/>
+            <a:bodyPr rtlCol="0" anchor="ctr">
+              <a:sp3d extrusionH="57150">
+                <a:bevelT w="38100" h="38100"/>
+              </a:sp3d>
+            </a:bodyPr>
+            <a:lstStyle>
+              <a:defPPr>
+                <a:defRPr lang="en-US"/>
+              </a:defPPr>
+              <a:lvl1pPr algn="ctr">
+                <a:defRPr sz="4400" b="1">
+                  <a:ln>
+                    <a:solidFill>
+                      <a:schemeClr val="accent6">
+                        <a:lumMod val="50000"/>
+                      </a:schemeClr>
+                    </a:solidFill>
+                  </a:ln>
+                  <a:solidFill>
+                    <a:srgbClr val="FFD13F"/>
+                  </a:solidFill>
+                  <a:latin typeface="Cooper Black" panose="0208090404030B020404" pitchFamily="18" charset="0"/>
+                </a:defRPr>
+              </a:lvl1pPr>
+              <a:lvl2pPr>
+                <a:defRPr>
+                  <a:solidFill>
+                    <a:schemeClr val="lt1"/>
+                  </a:solidFill>
+                </a:defRPr>
+              </a:lvl2pPr>
+              <a:lvl3pPr>
+                <a:defRPr>
+                  <a:solidFill>
+                    <a:schemeClr val="lt1"/>
+                  </a:solidFill>
+                </a:defRPr>
+              </a:lvl3pPr>
+              <a:lvl4pPr>
+                <a:defRPr>
+                  <a:solidFill>
+                    <a:schemeClr val="lt1"/>
+                  </a:solidFill>
+                </a:defRPr>
+              </a:lvl4pPr>
+              <a:lvl5pPr>
+                <a:defRPr>
+                  <a:solidFill>
+                    <a:schemeClr val="lt1"/>
+                  </a:solidFill>
+                </a:defRPr>
+              </a:lvl5pPr>
+              <a:lvl6pPr>
+                <a:defRPr>
+                  <a:solidFill>
+                    <a:schemeClr val="lt1"/>
+                  </a:solidFill>
+                </a:defRPr>
+              </a:lvl6pPr>
+              <a:lvl7pPr>
+                <a:defRPr>
+                  <a:solidFill>
+                    <a:schemeClr val="lt1"/>
+                  </a:solidFill>
+                </a:defRPr>
+              </a:lvl7pPr>
+              <a:lvl8pPr>
+                <a:defRPr>
+                  <a:solidFill>
+                    <a:schemeClr val="lt1"/>
+                  </a:solidFill>
+                </a:defRPr>
+              </a:lvl8pPr>
+              <a:lvl9pPr>
+                <a:defRPr>
+                  <a:solidFill>
+                    <a:schemeClr val="lt1"/>
+                  </a:solidFill>
+                </a:defRPr>
+              </a:lvl9pPr>
+            </a:lstStyle>
             <a:p>
-              <a:pPr algn="ctr"/>
-              <a:endParaRPr lang="en-IN"/>
+              <a:r>
+                <a:rPr lang="en-US" sz="2800" dirty="0"/>
+                <a:t>.</a:t>
+              </a:r>
+              <a:endParaRPr lang="en-IN" sz="2800" dirty="0"/>
             </a:p>
           </p:txBody>
         </p:sp>
         <p:sp>
           <p:nvSpPr>
-            <p:cNvPr id="1051" name="Down Arrow 1050"/>
-            <p:cNvSpPr/>
-            <p:nvPr/>
-          </p:nvSpPr>
-          <p:spPr>
-            <a:xfrm rot="13500000">
-              <a:off x="5585728" y="1070505"/>
-              <a:ext cx="221755" cy="414036"/>
-            </a:xfrm>
-            <a:prstGeom prst="downArrow">
-              <a:avLst/>
-            </a:prstGeom>
-            <a:solidFill>
-              <a:srgbClr val="FFD13F"/>
-            </a:solidFill>
-            <a:ln>
-              <a:solidFill>
-                <a:schemeClr val="accent6">
-                  <a:lumMod val="50000"/>
-                </a:schemeClr>
-              </a:solidFill>
-            </a:ln>
-            <a:effectLst>
-              <a:outerShdw blurRad="50800" dist="38100" dir="10800000" algn="r" rotWithShape="0">
-                <a:prstClr val="black">
-                  <a:alpha val="40000"/>
-                </a:prstClr>
-              </a:outerShdw>
-            </a:effectLst>
-          </p:spPr>
-          <p:style>
-            <a:lnRef idx="2">
-              <a:schemeClr val="accent1">
-                <a:shade val="50000"/>
-              </a:schemeClr>
-            </a:lnRef>
-            <a:fillRef idx="1">
-              <a:schemeClr val="accent1"/>
-            </a:fillRef>
-            <a:effectRef idx="0">
-              <a:schemeClr val="accent1"/>
-            </a:effectRef>
-            <a:fontRef idx="minor">
-              <a:schemeClr val="lt1"/>
-            </a:fontRef>
-          </p:style>
-          <p:txBody>
-            <a:bodyPr rtlCol="0" anchor="ctr"/>
-            <a:lstStyle/>
-            <a:p>
-              <a:pPr algn="ctr"/>
-              <a:endParaRPr lang="en-IN"/>
-            </a:p>
-          </p:txBody>
-        </p:sp>
-      </p:grpSp>
-      <p:sp>
-        <p:nvSpPr>
-          <p:cNvPr id="69" name="Rounded Rectangle 68"/>
-          <p:cNvSpPr/>
-          <p:nvPr/>
-        </p:nvSpPr>
-        <p:spPr>
-          <a:xfrm>
-            <a:off x="1406153" y="152696"/>
-            <a:ext cx="540000" cy="540000"/>
-          </a:xfrm>
-          <a:prstGeom prst="roundRect">
-            <a:avLst/>
-          </a:prstGeom>
-          <a:solidFill>
-            <a:srgbClr val="FFD13F"/>
-          </a:solidFill>
-          <a:ln>
-            <a:noFill/>
-          </a:ln>
-        </p:spPr>
-        <p:style>
-          <a:lnRef idx="0">
-            <a:schemeClr val="accent6"/>
-          </a:lnRef>
-          <a:fillRef idx="3">
-            <a:schemeClr val="accent6"/>
-          </a:fillRef>
-          <a:effectRef idx="3">
-            <a:schemeClr val="accent6"/>
-          </a:effectRef>
-          <a:fontRef idx="minor">
-            <a:schemeClr val="lt1"/>
-          </a:fontRef>
-        </p:style>
-        <p:txBody>
-          <a:bodyPr rtlCol="0" anchor="ctr"/>
-          <a:lstStyle/>
-          <a:p>
-            <a:pPr algn="ctr"/>
-            <a:endParaRPr lang="en-IN"/>
-          </a:p>
-        </p:txBody>
-      </p:sp>
-      <p:sp>
-        <p:nvSpPr>
-          <p:cNvPr id="70" name="Oval 69"/>
-          <p:cNvSpPr/>
-          <p:nvPr/>
-        </p:nvSpPr>
-        <p:spPr>
-          <a:xfrm>
-            <a:off x="5918087" y="152696"/>
-            <a:ext cx="540000" cy="540000"/>
-          </a:xfrm>
-          <a:prstGeom prst="ellipse">
-            <a:avLst/>
-          </a:prstGeom>
-          <a:solidFill>
-            <a:srgbClr val="FFD13F"/>
-          </a:solidFill>
-          <a:ln/>
-        </p:spPr>
-        <p:style>
-          <a:lnRef idx="0">
-            <a:schemeClr val="accent6"/>
-          </a:lnRef>
-          <a:fillRef idx="3">
-            <a:schemeClr val="accent6"/>
-          </a:fillRef>
-          <a:effectRef idx="3">
-            <a:schemeClr val="accent6"/>
-          </a:effectRef>
-          <a:fontRef idx="minor">
-            <a:schemeClr val="lt1"/>
-          </a:fontRef>
-        </p:style>
-        <p:txBody>
-          <a:bodyPr rtlCol="0" anchor="ctr"/>
-          <a:lstStyle/>
-          <a:p>
-            <a:pPr algn="ctr"/>
-            <a:endParaRPr lang="en-IN" sz="2000" b="1" dirty="0">
-              <a:solidFill>
-                <a:srgbClr val="FFD13F"/>
-              </a:solidFill>
-            </a:endParaRPr>
-          </a:p>
-        </p:txBody>
-      </p:sp>
-      <p:grpSp>
-        <p:nvGrpSpPr>
-          <p:cNvPr id="5" name="Group 4"/>
-          <p:cNvGrpSpPr/>
-          <p:nvPr/>
-        </p:nvGrpSpPr>
-        <p:grpSpPr>
-          <a:xfrm>
-            <a:off x="5976216" y="1093115"/>
-            <a:ext cx="542036" cy="569593"/>
-            <a:chOff x="5976216" y="1093115"/>
-            <a:chExt cx="542036" cy="569593"/>
-          </a:xfrm>
-        </p:grpSpPr>
-        <p:sp>
-          <p:nvSpPr>
-            <p:cNvPr id="71" name="Oval 70"/>
-            <p:cNvSpPr/>
+            <p:cNvPr id="5" name="TextBox 4"/>
+            <p:cNvSpPr txBox="1"/>
             <p:nvPr/>
           </p:nvSpPr>
           <p:spPr>
             <a:xfrm>
-              <a:off x="5976216" y="1122708"/>
-              <a:ext cx="540000" cy="540000"/>
+              <a:off x="5355292" y="2453661"/>
+              <a:ext cx="660672" cy="769441"/>
             </a:xfrm>
-            <a:prstGeom prst="ellipse">
+            <a:prstGeom prst="rect">
               <a:avLst/>
             </a:prstGeom>
             <a:noFill/>
             <a:ln/>
+            <a:scene3d>
+              <a:camera prst="perspectiveAbove"/>
+              <a:lightRig rig="threePt" dir="t">
+                <a:rot lat="0" lon="0" rev="1200000"/>
+              </a:lightRig>
+            </a:scene3d>
+            <a:sp3d>
+              <a:bevelT w="63500" h="25400"/>
+            </a:sp3d>
           </p:spPr>
           <p:style>
             <a:lnRef idx="0">
@@ -6537,43 +9182,136 @@
             </a:fontRef>
           </p:style>
           <p:txBody>
-            <a:bodyPr rtlCol="0" anchor="ctr"/>
-            <a:lstStyle/>
-            <a:p>
-              <a:pPr algn="ctr"/>
-              <a:r>
-                <a:rPr lang="en-US" sz="5400" dirty="0" smtClean="0">
+            <a:bodyPr rtlCol="0" anchor="ctr">
+              <a:sp3d extrusionH="57150">
+                <a:bevelT w="38100" h="38100"/>
+              </a:sp3d>
+            </a:bodyPr>
+            <a:lstStyle>
+              <a:defPPr>
+                <a:defRPr lang="en-US"/>
+              </a:defPPr>
+              <a:lvl1pPr algn="ctr">
+                <a:defRPr sz="4400" b="1">
+                  <a:ln>
+                    <a:solidFill>
+                      <a:schemeClr val="accent6">
+                        <a:lumMod val="50000"/>
+                      </a:schemeClr>
+                    </a:solidFill>
+                  </a:ln>
                   <a:solidFill>
                     <a:srgbClr val="FFD13F"/>
                   </a:solidFill>
-                  <a:sym typeface="Wingdings"/>
-                </a:rPr>
-                <a:t></a:t>
+                  <a:latin typeface="Cooper Black" panose="0208090404030B020404" pitchFamily="18" charset="0"/>
+                </a:defRPr>
+              </a:lvl1pPr>
+              <a:lvl2pPr>
+                <a:defRPr>
+                  <a:solidFill>
+                    <a:schemeClr val="lt1"/>
+                  </a:solidFill>
+                </a:defRPr>
+              </a:lvl2pPr>
+              <a:lvl3pPr>
+                <a:defRPr>
+                  <a:solidFill>
+                    <a:schemeClr val="lt1"/>
+                  </a:solidFill>
+                </a:defRPr>
+              </a:lvl3pPr>
+              <a:lvl4pPr>
+                <a:defRPr>
+                  <a:solidFill>
+                    <a:schemeClr val="lt1"/>
+                  </a:solidFill>
+                </a:defRPr>
+              </a:lvl4pPr>
+              <a:lvl5pPr>
+                <a:defRPr>
+                  <a:solidFill>
+                    <a:schemeClr val="lt1"/>
+                  </a:solidFill>
+                </a:defRPr>
+              </a:lvl5pPr>
+              <a:lvl6pPr>
+                <a:defRPr>
+                  <a:solidFill>
+                    <a:schemeClr val="lt1"/>
+                  </a:solidFill>
+                </a:defRPr>
+              </a:lvl6pPr>
+              <a:lvl7pPr>
+                <a:defRPr>
+                  <a:solidFill>
+                    <a:schemeClr val="lt1"/>
+                  </a:solidFill>
+                </a:defRPr>
+              </a:lvl7pPr>
+              <a:lvl8pPr>
+                <a:defRPr>
+                  <a:solidFill>
+                    <a:schemeClr val="lt1"/>
+                  </a:solidFill>
+                </a:defRPr>
+              </a:lvl8pPr>
+              <a:lvl9pPr>
+                <a:defRPr>
+                  <a:solidFill>
+                    <a:schemeClr val="lt1"/>
+                  </a:solidFill>
+                </a:defRPr>
+              </a:lvl9pPr>
+            </a:lstStyle>
+            <a:p>
+              <a:r>
+                <a:rPr lang="en-US" sz="1200" dirty="0" smtClean="0"/>
+                <a:t>_ _ _</a:t>
               </a:r>
-              <a:endParaRPr lang="en-IN" sz="5400" b="1" dirty="0">
-                <a:solidFill>
-                  <a:srgbClr val="FFD13F"/>
-                </a:solidFill>
-              </a:endParaRPr>
+              <a:endParaRPr lang="en-IN" sz="1200" dirty="0"/>
             </a:p>
           </p:txBody>
         </p:sp>
+      </p:grpSp>
+      <p:grpSp>
+        <p:nvGrpSpPr>
+          <p:cNvPr id="6" name="Group 5"/>
+          <p:cNvGrpSpPr/>
+          <p:nvPr/>
+        </p:nvGrpSpPr>
+        <p:grpSpPr>
+          <a:xfrm>
+            <a:off x="243473" y="440668"/>
+            <a:ext cx="756064" cy="792160"/>
+            <a:chOff x="5259900" y="2430942"/>
+            <a:chExt cx="756064" cy="792160"/>
+          </a:xfrm>
+        </p:grpSpPr>
         <p:sp>
           <p:nvSpPr>
-            <p:cNvPr id="72" name="Oval 71"/>
-            <p:cNvSpPr/>
+            <p:cNvPr id="7" name="TextBox 6"/>
+            <p:cNvSpPr txBox="1"/>
             <p:nvPr/>
           </p:nvSpPr>
           <p:spPr>
             <a:xfrm>
-              <a:off x="5978252" y="1093115"/>
-              <a:ext cx="540000" cy="540000"/>
+              <a:off x="5259900" y="2430942"/>
+              <a:ext cx="354584" cy="769441"/>
             </a:xfrm>
-            <a:prstGeom prst="ellipse">
+            <a:prstGeom prst="rect">
               <a:avLst/>
             </a:prstGeom>
             <a:noFill/>
             <a:ln/>
+            <a:scene3d>
+              <a:camera prst="perspectiveAbove"/>
+              <a:lightRig rig="threePt" dir="t">
+                <a:rot lat="0" lon="0" rev="1200000"/>
+              </a:lightRig>
+            </a:scene3d>
+            <a:sp3d>
+              <a:bevelT w="63500" h="25400"/>
+            </a:sp3d>
           </p:spPr>
           <p:style>
             <a:lnRef idx="0">
@@ -6590,22 +9328,262 @@
             </a:fontRef>
           </p:style>
           <p:txBody>
-            <a:bodyPr rtlCol="0" anchor="ctr"/>
-            <a:lstStyle/>
+            <a:bodyPr rtlCol="0" anchor="ctr">
+              <a:sp3d extrusionH="57150">
+                <a:bevelT w="38100" h="38100"/>
+              </a:sp3d>
+            </a:bodyPr>
+            <a:lstStyle>
+              <a:defPPr>
+                <a:defRPr lang="en-US"/>
+              </a:defPPr>
+              <a:lvl1pPr algn="ctr">
+                <a:defRPr sz="4400" b="1">
+                  <a:ln>
+                    <a:solidFill>
+                      <a:schemeClr val="accent6">
+                        <a:lumMod val="50000"/>
+                      </a:schemeClr>
+                    </a:solidFill>
+                  </a:ln>
+                  <a:solidFill>
+                    <a:srgbClr val="FFD13F"/>
+                  </a:solidFill>
+                  <a:latin typeface="Cooper Black" panose="0208090404030B020404" pitchFamily="18" charset="0"/>
+                </a:defRPr>
+              </a:lvl1pPr>
+              <a:lvl2pPr>
+                <a:defRPr>
+                  <a:solidFill>
+                    <a:schemeClr val="lt1"/>
+                  </a:solidFill>
+                </a:defRPr>
+              </a:lvl2pPr>
+              <a:lvl3pPr>
+                <a:defRPr>
+                  <a:solidFill>
+                    <a:schemeClr val="lt1"/>
+                  </a:solidFill>
+                </a:defRPr>
+              </a:lvl3pPr>
+              <a:lvl4pPr>
+                <a:defRPr>
+                  <a:solidFill>
+                    <a:schemeClr val="lt1"/>
+                  </a:solidFill>
+                </a:defRPr>
+              </a:lvl4pPr>
+              <a:lvl5pPr>
+                <a:defRPr>
+                  <a:solidFill>
+                    <a:schemeClr val="lt1"/>
+                  </a:solidFill>
+                </a:defRPr>
+              </a:lvl5pPr>
+              <a:lvl6pPr>
+                <a:defRPr>
+                  <a:solidFill>
+                    <a:schemeClr val="lt1"/>
+                  </a:solidFill>
+                </a:defRPr>
+              </a:lvl6pPr>
+              <a:lvl7pPr>
+                <a:defRPr>
+                  <a:solidFill>
+                    <a:schemeClr val="lt1"/>
+                  </a:solidFill>
+                </a:defRPr>
+              </a:lvl7pPr>
+              <a:lvl8pPr>
+                <a:defRPr>
+                  <a:solidFill>
+                    <a:schemeClr val="lt1"/>
+                  </a:solidFill>
+                </a:defRPr>
+              </a:lvl8pPr>
+              <a:lvl9pPr>
+                <a:defRPr>
+                  <a:solidFill>
+                    <a:schemeClr val="lt1"/>
+                  </a:solidFill>
+                </a:defRPr>
+              </a:lvl9pPr>
+            </a:lstStyle>
             <a:p>
-              <a:pPr algn="ctr"/>
               <a:r>
-                <a:rPr lang="en-US" sz="5400" b="1" dirty="0" smtClean="0">
+                <a:rPr lang="en-US" sz="2800" dirty="0">
+                  <a:ln>
+                    <a:solidFill>
+                      <a:srgbClr val="FFD13F"/>
+                    </a:solidFill>
+                  </a:ln>
                   <a:solidFill>
                     <a:schemeClr val="accent6">
                       <a:lumMod val="50000"/>
                     </a:schemeClr>
                   </a:solidFill>
-                  <a:sym typeface="Wingdings"/>
                 </a:rPr>
-                <a:t>/</a:t>
+                <a:t>.</a:t>
               </a:r>
-              <a:endParaRPr lang="en-IN" sz="5400" b="1" dirty="0">
+              <a:endParaRPr lang="en-IN" sz="2800" dirty="0">
+                <a:ln>
+                  <a:solidFill>
+                    <a:srgbClr val="FFD13F"/>
+                  </a:solidFill>
+                </a:ln>
+                <a:solidFill>
+                  <a:schemeClr val="accent6">
+                    <a:lumMod val="50000"/>
+                  </a:schemeClr>
+                </a:solidFill>
+              </a:endParaRPr>
+            </a:p>
+          </p:txBody>
+        </p:sp>
+        <p:sp>
+          <p:nvSpPr>
+            <p:cNvPr id="8" name="TextBox 7"/>
+            <p:cNvSpPr txBox="1"/>
+            <p:nvPr/>
+          </p:nvSpPr>
+          <p:spPr>
+            <a:xfrm>
+              <a:off x="5355292" y="2453661"/>
+              <a:ext cx="660672" cy="769441"/>
+            </a:xfrm>
+            <a:prstGeom prst="rect">
+              <a:avLst/>
+            </a:prstGeom>
+            <a:noFill/>
+            <a:ln/>
+            <a:scene3d>
+              <a:camera prst="perspectiveAbove"/>
+              <a:lightRig rig="threePt" dir="t">
+                <a:rot lat="0" lon="0" rev="1200000"/>
+              </a:lightRig>
+            </a:scene3d>
+            <a:sp3d>
+              <a:bevelT w="63500" h="25400"/>
+            </a:sp3d>
+          </p:spPr>
+          <p:style>
+            <a:lnRef idx="0">
+              <a:schemeClr val="accent6"/>
+            </a:lnRef>
+            <a:fillRef idx="3">
+              <a:schemeClr val="accent6"/>
+            </a:fillRef>
+            <a:effectRef idx="3">
+              <a:schemeClr val="accent6"/>
+            </a:effectRef>
+            <a:fontRef idx="minor">
+              <a:schemeClr val="lt1"/>
+            </a:fontRef>
+          </p:style>
+          <p:txBody>
+            <a:bodyPr rtlCol="0" anchor="ctr">
+              <a:sp3d extrusionH="57150">
+                <a:bevelT w="38100" h="38100"/>
+              </a:sp3d>
+            </a:bodyPr>
+            <a:lstStyle>
+              <a:defPPr>
+                <a:defRPr lang="en-US"/>
+              </a:defPPr>
+              <a:lvl1pPr algn="ctr">
+                <a:defRPr sz="4400" b="1">
+                  <a:ln>
+                    <a:solidFill>
+                      <a:schemeClr val="accent6">
+                        <a:lumMod val="50000"/>
+                      </a:schemeClr>
+                    </a:solidFill>
+                  </a:ln>
+                  <a:solidFill>
+                    <a:srgbClr val="FFD13F"/>
+                  </a:solidFill>
+                  <a:latin typeface="Cooper Black" panose="0208090404030B020404" pitchFamily="18" charset="0"/>
+                </a:defRPr>
+              </a:lvl1pPr>
+              <a:lvl2pPr>
+                <a:defRPr>
+                  <a:solidFill>
+                    <a:schemeClr val="lt1"/>
+                  </a:solidFill>
+                </a:defRPr>
+              </a:lvl2pPr>
+              <a:lvl3pPr>
+                <a:defRPr>
+                  <a:solidFill>
+                    <a:schemeClr val="lt1"/>
+                  </a:solidFill>
+                </a:defRPr>
+              </a:lvl3pPr>
+              <a:lvl4pPr>
+                <a:defRPr>
+                  <a:solidFill>
+                    <a:schemeClr val="lt1"/>
+                  </a:solidFill>
+                </a:defRPr>
+              </a:lvl4pPr>
+              <a:lvl5pPr>
+                <a:defRPr>
+                  <a:solidFill>
+                    <a:schemeClr val="lt1"/>
+                  </a:solidFill>
+                </a:defRPr>
+              </a:lvl5pPr>
+              <a:lvl6pPr>
+                <a:defRPr>
+                  <a:solidFill>
+                    <a:schemeClr val="lt1"/>
+                  </a:solidFill>
+                </a:defRPr>
+              </a:lvl6pPr>
+              <a:lvl7pPr>
+                <a:defRPr>
+                  <a:solidFill>
+                    <a:schemeClr val="lt1"/>
+                  </a:solidFill>
+                </a:defRPr>
+              </a:lvl7pPr>
+              <a:lvl8pPr>
+                <a:defRPr>
+                  <a:solidFill>
+                    <a:schemeClr val="lt1"/>
+                  </a:solidFill>
+                </a:defRPr>
+              </a:lvl8pPr>
+              <a:lvl9pPr>
+                <a:defRPr>
+                  <a:solidFill>
+                    <a:schemeClr val="lt1"/>
+                  </a:solidFill>
+                </a:defRPr>
+              </a:lvl9pPr>
+            </a:lstStyle>
+            <a:p>
+              <a:r>
+                <a:rPr lang="en-US" sz="1200" dirty="0" smtClean="0">
+                  <a:ln>
+                    <a:solidFill>
+                      <a:srgbClr val="FFD13F"/>
+                    </a:solidFill>
+                  </a:ln>
+                  <a:solidFill>
+                    <a:schemeClr val="accent6">
+                      <a:lumMod val="50000"/>
+                    </a:schemeClr>
+                  </a:solidFill>
+                </a:rPr>
+                <a:t>_ _ _</a:t>
+              </a:r>
+              <a:endParaRPr lang="en-IN" sz="1200" dirty="0">
+                <a:ln>
+                  <a:solidFill>
+                    <a:srgbClr val="FFD13F"/>
+                  </a:solidFill>
+                </a:ln>
                 <a:solidFill>
                   <a:schemeClr val="accent6">
                     <a:lumMod val="50000"/>
@@ -6619,7 +9597,7 @@
     </p:spTree>
     <p:extLst>
       <p:ext uri="{BB962C8B-B14F-4D97-AF65-F5344CB8AC3E}">
-        <p14:creationId xmlns:p14="http://schemas.microsoft.com/office/powerpoint/2010/main" val="775166989"/>
+        <p14:creationId xmlns:p14="http://schemas.microsoft.com/office/powerpoint/2010/main" val="1102725091"/>
       </p:ext>
     </p:extLst>
   </p:cSld>

--- a/www/static/nittio_res_v39/_icon_sources/icons.pptx
+++ b/www/static/nittio_res_v39/_icon_sources/icons.pptx
@@ -289,7 +289,7 @@
           <a:p>
             <a:fld id="{745A7134-949B-428F-9A82-7D09DE304FD2}" type="datetimeFigureOut">
               <a:rPr lang="en-IN" smtClean="0"/>
-              <a:t>16-10-2015</a:t>
+              <a:t>26-10-2015</a:t>
             </a:fld>
             <a:endParaRPr lang="en-IN"/>
           </a:p>
@@ -459,7 +459,7 @@
           <a:p>
             <a:fld id="{745A7134-949B-428F-9A82-7D09DE304FD2}" type="datetimeFigureOut">
               <a:rPr lang="en-IN" smtClean="0"/>
-              <a:t>16-10-2015</a:t>
+              <a:t>26-10-2015</a:t>
             </a:fld>
             <a:endParaRPr lang="en-IN"/>
           </a:p>
@@ -639,7 +639,7 @@
           <a:p>
             <a:fld id="{745A7134-949B-428F-9A82-7D09DE304FD2}" type="datetimeFigureOut">
               <a:rPr lang="en-IN" smtClean="0"/>
-              <a:t>16-10-2015</a:t>
+              <a:t>26-10-2015</a:t>
             </a:fld>
             <a:endParaRPr lang="en-IN"/>
           </a:p>
@@ -809,7 +809,7 @@
           <a:p>
             <a:fld id="{745A7134-949B-428F-9A82-7D09DE304FD2}" type="datetimeFigureOut">
               <a:rPr lang="en-IN" smtClean="0"/>
-              <a:t>16-10-2015</a:t>
+              <a:t>26-10-2015</a:t>
             </a:fld>
             <a:endParaRPr lang="en-IN"/>
           </a:p>
@@ -1055,7 +1055,7 @@
           <a:p>
             <a:fld id="{745A7134-949B-428F-9A82-7D09DE304FD2}" type="datetimeFigureOut">
               <a:rPr lang="en-IN" smtClean="0"/>
-              <a:t>16-10-2015</a:t>
+              <a:t>26-10-2015</a:t>
             </a:fld>
             <a:endParaRPr lang="en-IN"/>
           </a:p>
@@ -1343,7 +1343,7 @@
           <a:p>
             <a:fld id="{745A7134-949B-428F-9A82-7D09DE304FD2}" type="datetimeFigureOut">
               <a:rPr lang="en-IN" smtClean="0"/>
-              <a:t>16-10-2015</a:t>
+              <a:t>26-10-2015</a:t>
             </a:fld>
             <a:endParaRPr lang="en-IN"/>
           </a:p>
@@ -1765,7 +1765,7 @@
           <a:p>
             <a:fld id="{745A7134-949B-428F-9A82-7D09DE304FD2}" type="datetimeFigureOut">
               <a:rPr lang="en-IN" smtClean="0"/>
-              <a:t>16-10-2015</a:t>
+              <a:t>26-10-2015</a:t>
             </a:fld>
             <a:endParaRPr lang="en-IN"/>
           </a:p>
@@ -1883,7 +1883,7 @@
           <a:p>
             <a:fld id="{745A7134-949B-428F-9A82-7D09DE304FD2}" type="datetimeFigureOut">
               <a:rPr lang="en-IN" smtClean="0"/>
-              <a:t>16-10-2015</a:t>
+              <a:t>26-10-2015</a:t>
             </a:fld>
             <a:endParaRPr lang="en-IN"/>
           </a:p>
@@ -1978,7 +1978,7 @@
           <a:p>
             <a:fld id="{745A7134-949B-428F-9A82-7D09DE304FD2}" type="datetimeFigureOut">
               <a:rPr lang="en-IN" smtClean="0"/>
-              <a:t>16-10-2015</a:t>
+              <a:t>26-10-2015</a:t>
             </a:fld>
             <a:endParaRPr lang="en-IN"/>
           </a:p>
@@ -2255,7 +2255,7 @@
           <a:p>
             <a:fld id="{745A7134-949B-428F-9A82-7D09DE304FD2}" type="datetimeFigureOut">
               <a:rPr lang="en-IN" smtClean="0"/>
-              <a:t>16-10-2015</a:t>
+              <a:t>26-10-2015</a:t>
             </a:fld>
             <a:endParaRPr lang="en-IN"/>
           </a:p>
@@ -2508,7 +2508,7 @@
           <a:p>
             <a:fld id="{745A7134-949B-428F-9A82-7D09DE304FD2}" type="datetimeFigureOut">
               <a:rPr lang="en-IN" smtClean="0"/>
-              <a:t>16-10-2015</a:t>
+              <a:t>26-10-2015</a:t>
             </a:fld>
             <a:endParaRPr lang="en-IN"/>
           </a:p>
@@ -2721,7 +2721,7 @@
           <a:p>
             <a:fld id="{745A7134-949B-428F-9A82-7D09DE304FD2}" type="datetimeFigureOut">
               <a:rPr lang="en-IN" smtClean="0"/>
-              <a:t>16-10-2015</a:t>
+              <a:t>26-10-2015</a:t>
             </a:fld>
             <a:endParaRPr lang="en-IN"/>
           </a:p>
@@ -3678,16 +3678,7 @@
                 </a:solidFill>
                 <a:sym typeface="Wingdings"/>
               </a:rPr>
-              <a:t> Q ? ! &gt; &amp; $ # </a:t>
-            </a:r>
-            <a:r>
-              <a:rPr lang="en-US" dirty="0" smtClean="0">
-                <a:solidFill>
-                  <a:schemeClr val="tx1"/>
-                </a:solidFill>
-                <a:sym typeface="Wingdings"/>
-              </a:rPr>
-              <a:t></a:t>
+              <a:t> Q ? ! &gt; &amp; $ # </a:t>
             </a:r>
             <a:r>
               <a:rPr lang="en-US" dirty="0" smtClean="0">
@@ -8902,6 +8893,197 @@
           </a:p>
         </p:txBody>
       </p:sp>
+      <p:grpSp>
+        <p:nvGrpSpPr>
+          <p:cNvPr id="3" name="Group 2"/>
+          <p:cNvGrpSpPr/>
+          <p:nvPr/>
+        </p:nvGrpSpPr>
+        <p:grpSpPr>
+          <a:xfrm>
+            <a:off x="6560114" y="1920611"/>
+            <a:ext cx="784194" cy="644293"/>
+            <a:chOff x="4898963" y="2672976"/>
+            <a:chExt cx="784194" cy="644293"/>
+          </a:xfrm>
+        </p:grpSpPr>
+        <p:sp>
+          <p:nvSpPr>
+            <p:cNvPr id="102" name="Oval 101"/>
+            <p:cNvSpPr/>
+            <p:nvPr/>
+          </p:nvSpPr>
+          <p:spPr>
+            <a:xfrm>
+              <a:off x="4898963" y="2672976"/>
+              <a:ext cx="540000" cy="540000"/>
+            </a:xfrm>
+            <a:prstGeom prst="ellipse">
+              <a:avLst/>
+            </a:prstGeom>
+            <a:noFill/>
+            <a:ln/>
+            <a:scene3d>
+              <a:camera prst="perspectiveAbove"/>
+              <a:lightRig rig="threePt" dir="t">
+                <a:rot lat="0" lon="0" rev="1200000"/>
+              </a:lightRig>
+            </a:scene3d>
+            <a:sp3d>
+              <a:bevelT w="63500" h="25400"/>
+            </a:sp3d>
+          </p:spPr>
+          <p:style>
+            <a:lnRef idx="0">
+              <a:schemeClr val="accent6"/>
+            </a:lnRef>
+            <a:fillRef idx="3">
+              <a:schemeClr val="accent6"/>
+            </a:fillRef>
+            <a:effectRef idx="3">
+              <a:schemeClr val="accent6"/>
+            </a:effectRef>
+            <a:fontRef idx="minor">
+              <a:schemeClr val="lt1"/>
+            </a:fontRef>
+          </p:style>
+          <p:txBody>
+            <a:bodyPr rtlCol="0" anchor="ctr">
+              <a:sp3d extrusionH="57150">
+                <a:bevelT w="38100" h="38100"/>
+              </a:sp3d>
+            </a:bodyPr>
+            <a:lstStyle/>
+            <a:p>
+              <a:pPr algn="ctr"/>
+              <a:r>
+                <a:rPr lang="en-US" sz="4000" b="1" dirty="0" smtClean="0">
+                  <a:ln>
+                    <a:solidFill>
+                      <a:schemeClr val="bg1">
+                        <a:lumMod val="65000"/>
+                      </a:schemeClr>
+                    </a:solidFill>
+                  </a:ln>
+                  <a:solidFill>
+                    <a:schemeClr val="accent5">
+                      <a:lumMod val="20000"/>
+                      <a:lumOff val="80000"/>
+                    </a:schemeClr>
+                  </a:solidFill>
+                  <a:latin typeface="Aharoni" panose="02010803020104030203" pitchFamily="2" charset="-79"/>
+                  <a:cs typeface="Aharoni" panose="02010803020104030203" pitchFamily="2" charset="-79"/>
+                </a:rPr>
+                <a:t>O</a:t>
+              </a:r>
+              <a:endParaRPr lang="en-IN" sz="4000" b="1" dirty="0">
+                <a:ln>
+                  <a:solidFill>
+                    <a:schemeClr val="bg1">
+                      <a:lumMod val="65000"/>
+                    </a:schemeClr>
+                  </a:solidFill>
+                </a:ln>
+                <a:solidFill>
+                  <a:schemeClr val="accent5">
+                    <a:lumMod val="20000"/>
+                    <a:lumOff val="80000"/>
+                  </a:schemeClr>
+                </a:solidFill>
+                <a:latin typeface="Aharoni" panose="02010803020104030203" pitchFamily="2" charset="-79"/>
+                <a:cs typeface="Aharoni" panose="02010803020104030203" pitchFamily="2" charset="-79"/>
+              </a:endParaRPr>
+            </a:p>
+          </p:txBody>
+        </p:sp>
+        <p:sp>
+          <p:nvSpPr>
+            <p:cNvPr id="103" name="Oval 102"/>
+            <p:cNvSpPr/>
+            <p:nvPr/>
+          </p:nvSpPr>
+          <p:spPr>
+            <a:xfrm rot="2618559">
+              <a:off x="5143157" y="2777269"/>
+              <a:ext cx="540000" cy="540000"/>
+            </a:xfrm>
+            <a:prstGeom prst="ellipse">
+              <a:avLst/>
+            </a:prstGeom>
+            <a:noFill/>
+            <a:ln/>
+            <a:scene3d>
+              <a:camera prst="perspectiveAbove"/>
+              <a:lightRig rig="threePt" dir="t">
+                <a:rot lat="0" lon="0" rev="1200000"/>
+              </a:lightRig>
+            </a:scene3d>
+            <a:sp3d>
+              <a:bevelT w="63500" h="25400"/>
+            </a:sp3d>
+          </p:spPr>
+          <p:style>
+            <a:lnRef idx="0">
+              <a:schemeClr val="accent6"/>
+            </a:lnRef>
+            <a:fillRef idx="3">
+              <a:schemeClr val="accent6"/>
+            </a:fillRef>
+            <a:effectRef idx="3">
+              <a:schemeClr val="accent6"/>
+            </a:effectRef>
+            <a:fontRef idx="minor">
+              <a:schemeClr val="lt1"/>
+            </a:fontRef>
+          </p:style>
+          <p:txBody>
+            <a:bodyPr rtlCol="0" anchor="ctr">
+              <a:sp3d extrusionH="57150">
+                <a:bevelT w="38100" h="38100"/>
+              </a:sp3d>
+            </a:bodyPr>
+            <a:lstStyle/>
+            <a:p>
+              <a:pPr algn="ctr"/>
+              <a:r>
+                <a:rPr lang="en-US" sz="6000" b="1" dirty="0" smtClean="0">
+                  <a:ln>
+                    <a:solidFill>
+                      <a:schemeClr val="bg1">
+                        <a:lumMod val="65000"/>
+                      </a:schemeClr>
+                    </a:solidFill>
+                  </a:ln>
+                  <a:solidFill>
+                    <a:schemeClr val="accent5">
+                      <a:lumMod val="20000"/>
+                      <a:lumOff val="80000"/>
+                    </a:schemeClr>
+                  </a:solidFill>
+                  <a:latin typeface="Calibri" panose="020F0502020204030204" pitchFamily="34" charset="0"/>
+                </a:rPr>
+                <a:t>-</a:t>
+              </a:r>
+              <a:endParaRPr lang="en-IN" sz="6000" b="1" dirty="0">
+                <a:ln>
+                  <a:solidFill>
+                    <a:schemeClr val="bg1">
+                      <a:lumMod val="65000"/>
+                    </a:schemeClr>
+                  </a:solidFill>
+                </a:ln>
+                <a:solidFill>
+                  <a:schemeClr val="accent5">
+                    <a:lumMod val="20000"/>
+                    <a:lumOff val="80000"/>
+                  </a:schemeClr>
+                </a:solidFill>
+                <a:latin typeface="Calibri" panose="020F0502020204030204" pitchFamily="34" charset="0"/>
+              </a:endParaRPr>
+            </a:p>
+          </p:txBody>
+        </p:sp>
+      </p:grpSp>
     </p:spTree>
     <p:extLst>
       <p:ext uri="{BB962C8B-B14F-4D97-AF65-F5344CB8AC3E}">

--- a/www/static/nittio_res_v39/_icon_sources/icons.pptx
+++ b/www/static/nittio_res_v39/_icon_sources/icons.pptx
@@ -289,7 +289,7 @@
           <a:p>
             <a:fld id="{745A7134-949B-428F-9A82-7D09DE304FD2}" type="datetimeFigureOut">
               <a:rPr lang="en-IN" smtClean="0"/>
-              <a:t>26-10-2015</a:t>
+              <a:t>29-10-2015</a:t>
             </a:fld>
             <a:endParaRPr lang="en-IN"/>
           </a:p>
@@ -459,7 +459,7 @@
           <a:p>
             <a:fld id="{745A7134-949B-428F-9A82-7D09DE304FD2}" type="datetimeFigureOut">
               <a:rPr lang="en-IN" smtClean="0"/>
-              <a:t>26-10-2015</a:t>
+              <a:t>29-10-2015</a:t>
             </a:fld>
             <a:endParaRPr lang="en-IN"/>
           </a:p>
@@ -639,7 +639,7 @@
           <a:p>
             <a:fld id="{745A7134-949B-428F-9A82-7D09DE304FD2}" type="datetimeFigureOut">
               <a:rPr lang="en-IN" smtClean="0"/>
-              <a:t>26-10-2015</a:t>
+              <a:t>29-10-2015</a:t>
             </a:fld>
             <a:endParaRPr lang="en-IN"/>
           </a:p>
@@ -809,7 +809,7 @@
           <a:p>
             <a:fld id="{745A7134-949B-428F-9A82-7D09DE304FD2}" type="datetimeFigureOut">
               <a:rPr lang="en-IN" smtClean="0"/>
-              <a:t>26-10-2015</a:t>
+              <a:t>29-10-2015</a:t>
             </a:fld>
             <a:endParaRPr lang="en-IN"/>
           </a:p>
@@ -1055,7 +1055,7 @@
           <a:p>
             <a:fld id="{745A7134-949B-428F-9A82-7D09DE304FD2}" type="datetimeFigureOut">
               <a:rPr lang="en-IN" smtClean="0"/>
-              <a:t>26-10-2015</a:t>
+              <a:t>29-10-2015</a:t>
             </a:fld>
             <a:endParaRPr lang="en-IN"/>
           </a:p>
@@ -1343,7 +1343,7 @@
           <a:p>
             <a:fld id="{745A7134-949B-428F-9A82-7D09DE304FD2}" type="datetimeFigureOut">
               <a:rPr lang="en-IN" smtClean="0"/>
-              <a:t>26-10-2015</a:t>
+              <a:t>29-10-2015</a:t>
             </a:fld>
             <a:endParaRPr lang="en-IN"/>
           </a:p>
@@ -1765,7 +1765,7 @@
           <a:p>
             <a:fld id="{745A7134-949B-428F-9A82-7D09DE304FD2}" type="datetimeFigureOut">
               <a:rPr lang="en-IN" smtClean="0"/>
-              <a:t>26-10-2015</a:t>
+              <a:t>29-10-2015</a:t>
             </a:fld>
             <a:endParaRPr lang="en-IN"/>
           </a:p>
@@ -1883,7 +1883,7 @@
           <a:p>
             <a:fld id="{745A7134-949B-428F-9A82-7D09DE304FD2}" type="datetimeFigureOut">
               <a:rPr lang="en-IN" smtClean="0"/>
-              <a:t>26-10-2015</a:t>
+              <a:t>29-10-2015</a:t>
             </a:fld>
             <a:endParaRPr lang="en-IN"/>
           </a:p>
@@ -1978,7 +1978,7 @@
           <a:p>
             <a:fld id="{745A7134-949B-428F-9A82-7D09DE304FD2}" type="datetimeFigureOut">
               <a:rPr lang="en-IN" smtClean="0"/>
-              <a:t>26-10-2015</a:t>
+              <a:t>29-10-2015</a:t>
             </a:fld>
             <a:endParaRPr lang="en-IN"/>
           </a:p>
@@ -2255,7 +2255,7 @@
           <a:p>
             <a:fld id="{745A7134-949B-428F-9A82-7D09DE304FD2}" type="datetimeFigureOut">
               <a:rPr lang="en-IN" smtClean="0"/>
-              <a:t>26-10-2015</a:t>
+              <a:t>29-10-2015</a:t>
             </a:fld>
             <a:endParaRPr lang="en-IN"/>
           </a:p>
@@ -2508,7 +2508,7 @@
           <a:p>
             <a:fld id="{745A7134-949B-428F-9A82-7D09DE304FD2}" type="datetimeFigureOut">
               <a:rPr lang="en-IN" smtClean="0"/>
-              <a:t>26-10-2015</a:t>
+              <a:t>29-10-2015</a:t>
             </a:fld>
             <a:endParaRPr lang="en-IN"/>
           </a:p>
@@ -2721,7 +2721,7 @@
           <a:p>
             <a:fld id="{745A7134-949B-428F-9A82-7D09DE304FD2}" type="datetimeFigureOut">
               <a:rPr lang="en-IN" smtClean="0"/>
-              <a:t>26-10-2015</a:t>
+              <a:t>29-10-2015</a:t>
             </a:fld>
             <a:endParaRPr lang="en-IN"/>
           </a:p>
@@ -3678,16 +3678,61 @@
                 </a:solidFill>
                 <a:sym typeface="Wingdings"/>
               </a:rPr>
-              <a:t> Q ? ! &gt; &amp; $ # </a:t>
+              <a:t> Q ? ! &gt; &amp; $ # </a:t>
             </a:r>
             <a:r>
               <a:rPr lang="en-US" dirty="0" smtClean="0">
                 <a:solidFill>
                   <a:schemeClr val="tx1"/>
                 </a:solidFill>
+                <a:sym typeface="Wingdings"/>
+              </a:rPr>
+              <a:t></a:t>
+            </a:r>
+            <a:r>
+              <a:rPr lang="en-US" dirty="0" smtClean="0">
+                <a:solidFill>
+                  <a:schemeClr val="tx1"/>
+                </a:solidFill>
+                <a:sym typeface="Webdings"/>
+              </a:rPr>
+              <a:t></a:t>
+            </a:r>
+            <a:r>
+              <a:rPr lang="en-US" dirty="0" smtClean="0">
+                <a:solidFill>
+                  <a:schemeClr val="tx1"/>
+                </a:solidFill>
                 <a:sym typeface="MS Outlook"/>
               </a:rPr>
-              <a:t></a:t>
+              <a:t></a:t>
+            </a:r>
+            <a:r>
+              <a:rPr lang="en-US" dirty="0" smtClean="0">
+                <a:solidFill>
+                  <a:schemeClr val="tx1"/>
+                </a:solidFill>
+                <a:sym typeface="Webdings"/>
+              </a:rPr>
+              <a:t></a:t>
+            </a:r>
+            <a:r>
+              <a:rPr lang="en-US" dirty="0" smtClean="0">
+                <a:solidFill>
+                  <a:schemeClr val="tx1"/>
+                </a:solidFill>
+                <a:sym typeface="MS Outlook"/>
+              </a:rPr>
+              <a:t></a:t>
+            </a:r>
+            <a:r>
+              <a:rPr lang="en-US" dirty="0" smtClean="0">
+                <a:solidFill>
+                  <a:schemeClr val="tx1"/>
+                </a:solidFill>
+                <a:sym typeface="Wingdings"/>
+              </a:rPr>
+              <a:t></a:t>
             </a:r>
             <a:r>
               <a:rPr lang="en-US" dirty="0" smtClean="0">
@@ -4175,70 +4220,6 @@
           </a:p>
         </p:txBody>
       </p:sp>
-      <p:pic>
-        <p:nvPicPr>
-          <p:cNvPr id="164" name="Picture 7"/>
-          <p:cNvPicPr>
-            <a:picLocks noChangeAspect="1" noChangeArrowheads="1"/>
-          </p:cNvPicPr>
-          <p:nvPr/>
-        </p:nvPicPr>
-        <p:blipFill>
-          <a:blip r:embed="rId2">
-            <a:extLst>
-              <a:ext uri="{28A0092B-C50C-407E-A947-70E740481C1C}">
-                <a14:useLocalDpi xmlns:a14="http://schemas.microsoft.com/office/drawing/2010/main" val="0"/>
-              </a:ext>
-            </a:extLst>
-          </a:blip>
-          <a:srcRect/>
-          <a:stretch>
-            <a:fillRect/>
-          </a:stretch>
-        </p:blipFill>
-        <p:spPr bwMode="auto">
-          <a:xfrm>
-            <a:off x="129992" y="1678664"/>
-            <a:ext cx="487363" cy="92075"/>
-          </a:xfrm>
-          <a:prstGeom prst="rect">
-            <a:avLst/>
-          </a:prstGeom>
-          <a:noFill/>
-          <a:ln>
-            <a:noFill/>
-          </a:ln>
-          <a:effectLst/>
-          <a:extLst>
-            <a:ext uri="{909E8E84-426E-40DD-AFC4-6F175D3DCCD1}">
-              <a14:hiddenFill xmlns:a14="http://schemas.microsoft.com/office/drawing/2010/main">
-                <a:solidFill>
-                  <a:schemeClr val="accent1"/>
-                </a:solidFill>
-              </a14:hiddenFill>
-            </a:ext>
-            <a:ext uri="{91240B29-F687-4F45-9708-019B960494DF}">
-              <a14:hiddenLine xmlns:a14="http://schemas.microsoft.com/office/drawing/2010/main" w="9525">
-                <a:solidFill>
-                  <a:schemeClr val="tx1"/>
-                </a:solidFill>
-                <a:miter lim="800000"/>
-                <a:headEnd/>
-                <a:tailEnd/>
-              </a14:hiddenLine>
-            </a:ext>
-            <a:ext uri="{AF507438-7753-43E0-B8FC-AC1667EBCBE1}">
-              <a14:hiddenEffects xmlns:a14="http://schemas.microsoft.com/office/drawing/2010/main">
-                <a:effectLst>
-                  <a:outerShdw dist="35921" dir="2700000" algn="ctr" rotWithShape="0">
-                    <a:schemeClr val="bg2"/>
-                  </a:outerShdw>
-                </a:effectLst>
-              </a14:hiddenEffects>
-            </a:ext>
-          </a:extLst>
-        </p:spPr>
-      </p:pic>
       <p:sp>
         <p:nvSpPr>
           <p:cNvPr id="69" name="Rounded Rectangle 68"/>
@@ -6618,7 +6599,7 @@
           <p:nvPr/>
         </p:nvPicPr>
         <p:blipFill rotWithShape="1">
-          <a:blip r:embed="rId3">
+          <a:blip r:embed="rId2">
             <a:extLst>
               <a:ext uri="{28A0092B-C50C-407E-A947-70E740481C1C}">
                 <a14:useLocalDpi xmlns:a14="http://schemas.microsoft.com/office/drawing/2010/main" val="0"/>
@@ -6680,7 +6661,7 @@
           <p:nvPr/>
         </p:nvPicPr>
         <p:blipFill rotWithShape="1">
-          <a:blip r:embed="rId3">
+          <a:blip r:embed="rId2">
             <a:extLst>
               <a:ext uri="{28A0092B-C50C-407E-A947-70E740481C1C}">
                 <a14:useLocalDpi xmlns:a14="http://schemas.microsoft.com/office/drawing/2010/main" val="0"/>
@@ -6742,7 +6723,7 @@
           <p:nvPr/>
         </p:nvPicPr>
         <p:blipFill rotWithShape="1">
-          <a:blip r:embed="rId3">
+          <a:blip r:embed="rId2">
             <a:extLst>
               <a:ext uri="{28A0092B-C50C-407E-A947-70E740481C1C}">
                 <a14:useLocalDpi xmlns:a14="http://schemas.microsoft.com/office/drawing/2010/main" val="0"/>
@@ -7037,145 +7018,6 @@
       </p:grpSp>
       <p:grpSp>
         <p:nvGrpSpPr>
-          <p:cNvPr id="310" name="Group 309"/>
-          <p:cNvGrpSpPr/>
-          <p:nvPr/>
-        </p:nvGrpSpPr>
-        <p:grpSpPr>
-          <a:xfrm>
-            <a:off x="107504" y="1019116"/>
-            <a:ext cx="540000" cy="540000"/>
-            <a:chOff x="863648" y="2961008"/>
-            <a:chExt cx="540000" cy="540000"/>
-          </a:xfrm>
-        </p:grpSpPr>
-        <p:sp>
-          <p:nvSpPr>
-            <p:cNvPr id="311" name="Rounded Rectangle 310"/>
-            <p:cNvSpPr/>
-            <p:nvPr/>
-          </p:nvSpPr>
-          <p:spPr>
-            <a:xfrm>
-              <a:off x="863648" y="2961008"/>
-              <a:ext cx="540000" cy="540000"/>
-            </a:xfrm>
-            <a:prstGeom prst="roundRect">
-              <a:avLst/>
-            </a:prstGeom>
-            <a:solidFill>
-              <a:schemeClr val="accent6">
-                <a:lumMod val="50000"/>
-              </a:schemeClr>
-            </a:solidFill>
-            <a:ln>
-              <a:noFill/>
-            </a:ln>
-            <a:scene3d>
-              <a:camera prst="orthographicFront">
-                <a:rot lat="0" lon="0" rev="0"/>
-              </a:camera>
-              <a:lightRig rig="threePt" dir="t">
-                <a:rot lat="0" lon="0" rev="1200000"/>
-              </a:lightRig>
-            </a:scene3d>
-            <a:sp3d>
-              <a:bevelT w="63500" h="25400" prst="relaxedInset"/>
-            </a:sp3d>
-          </p:spPr>
-          <p:style>
-            <a:lnRef idx="0">
-              <a:schemeClr val="accent6"/>
-            </a:lnRef>
-            <a:fillRef idx="3">
-              <a:schemeClr val="accent6"/>
-            </a:fillRef>
-            <a:effectRef idx="3">
-              <a:schemeClr val="accent6"/>
-            </a:effectRef>
-            <a:fontRef idx="minor">
-              <a:schemeClr val="lt1"/>
-            </a:fontRef>
-          </p:style>
-          <p:txBody>
-            <a:bodyPr rtlCol="0" anchor="ctr"/>
-            <a:lstStyle/>
-            <a:p>
-              <a:pPr algn="ctr"/>
-              <a:endParaRPr lang="en-IN"/>
-            </a:p>
-          </p:txBody>
-        </p:sp>
-        <p:sp>
-          <p:nvSpPr>
-            <p:cNvPr id="312" name="Rounded Rectangle 311"/>
-            <p:cNvSpPr/>
-            <p:nvPr/>
-          </p:nvSpPr>
-          <p:spPr>
-            <a:xfrm>
-              <a:off x="917648" y="3015008"/>
-              <a:ext cx="432000" cy="432000"/>
-            </a:xfrm>
-            <a:prstGeom prst="roundRect">
-              <a:avLst/>
-            </a:prstGeom>
-            <a:gradFill flip="none" rotWithShape="1">
-              <a:gsLst>
-                <a:gs pos="0">
-                  <a:schemeClr val="bg1">
-                    <a:lumMod val="65000"/>
-                  </a:schemeClr>
-                </a:gs>
-                <a:gs pos="84000">
-                  <a:srgbClr val="FFD13F">
-                    <a:shade val="100000"/>
-                    <a:satMod val="115000"/>
-                  </a:srgbClr>
-                </a:gs>
-              </a:gsLst>
-              <a:lin ang="13500000" scaled="1"/>
-              <a:tileRect/>
-            </a:gradFill>
-            <a:ln>
-              <a:noFill/>
-            </a:ln>
-            <a:scene3d>
-              <a:camera prst="orthographicFront">
-                <a:rot lat="0" lon="0" rev="0"/>
-              </a:camera>
-              <a:lightRig rig="threePt" dir="t">
-                <a:rot lat="0" lon="0" rev="1200000"/>
-              </a:lightRig>
-            </a:scene3d>
-            <a:sp3d/>
-          </p:spPr>
-          <p:style>
-            <a:lnRef idx="0">
-              <a:schemeClr val="accent6"/>
-            </a:lnRef>
-            <a:fillRef idx="3">
-              <a:schemeClr val="accent6"/>
-            </a:fillRef>
-            <a:effectRef idx="3">
-              <a:schemeClr val="accent6"/>
-            </a:effectRef>
-            <a:fontRef idx="minor">
-              <a:schemeClr val="lt1"/>
-            </a:fontRef>
-          </p:style>
-          <p:txBody>
-            <a:bodyPr rtlCol="0" anchor="ctr"/>
-            <a:lstStyle/>
-            <a:p>
-              <a:pPr algn="ctr"/>
-              <a:endParaRPr lang="en-IN"/>
-            </a:p>
-          </p:txBody>
-        </p:sp>
-      </p:grpSp>
-      <p:grpSp>
-        <p:nvGrpSpPr>
           <p:cNvPr id="87" name="Group 86"/>
           <p:cNvGrpSpPr/>
           <p:nvPr/>
@@ -7570,7 +7412,7 @@
               <p:nvPr/>
             </p:nvPicPr>
             <p:blipFill rotWithShape="1">
-              <a:blip r:embed="rId4" cstate="print">
+              <a:blip r:embed="rId3" cstate="print">
                 <a:extLst>
                   <a:ext uri="{28A0092B-C50C-407E-A947-70E740481C1C}">
                     <a14:useLocalDpi xmlns:a14="http://schemas.microsoft.com/office/drawing/2010/main" val="0"/>
@@ -7632,7 +7474,7 @@
               <p:nvPr/>
             </p:nvPicPr>
             <p:blipFill rotWithShape="1">
-              <a:blip r:embed="rId4" cstate="print">
+              <a:blip r:embed="rId3" cstate="print">
                 <a:extLst>
                   <a:ext uri="{28A0092B-C50C-407E-A947-70E740481C1C}">
                     <a14:useLocalDpi xmlns:a14="http://schemas.microsoft.com/office/drawing/2010/main" val="0"/>
@@ -7694,7 +7536,7 @@
               <p:nvPr/>
             </p:nvPicPr>
             <p:blipFill rotWithShape="1">
-              <a:blip r:embed="rId4" cstate="print">
+              <a:blip r:embed="rId3" cstate="print">
                 <a:extLst>
                   <a:ext uri="{28A0092B-C50C-407E-A947-70E740481C1C}">
                     <a14:useLocalDpi xmlns:a14="http://schemas.microsoft.com/office/drawing/2010/main" val="0"/>
@@ -9084,6 +8926,382 @@
           </p:txBody>
         </p:sp>
       </p:grpSp>
+      <p:sp>
+        <p:nvSpPr>
+          <p:cNvPr id="108" name="Oval 107"/>
+          <p:cNvSpPr/>
+          <p:nvPr/>
+        </p:nvSpPr>
+        <p:spPr>
+          <a:xfrm>
+            <a:off x="5176749" y="2924944"/>
+            <a:ext cx="540000" cy="540000"/>
+          </a:xfrm>
+          <a:prstGeom prst="ellipse">
+            <a:avLst/>
+          </a:prstGeom>
+          <a:noFill/>
+          <a:ln/>
+          <a:scene3d>
+            <a:camera prst="isometricOffAxis1Right"/>
+            <a:lightRig rig="threePt" dir="t">
+              <a:rot lat="0" lon="0" rev="1200000"/>
+            </a:lightRig>
+          </a:scene3d>
+          <a:sp3d>
+            <a:bevelT w="63500" h="25400"/>
+          </a:sp3d>
+        </p:spPr>
+        <p:style>
+          <a:lnRef idx="0">
+            <a:schemeClr val="accent6"/>
+          </a:lnRef>
+          <a:fillRef idx="3">
+            <a:schemeClr val="accent6"/>
+          </a:fillRef>
+          <a:effectRef idx="3">
+            <a:schemeClr val="accent6"/>
+          </a:effectRef>
+          <a:fontRef idx="minor">
+            <a:schemeClr val="lt1"/>
+          </a:fontRef>
+        </p:style>
+        <p:txBody>
+          <a:bodyPr rtlCol="0" anchor="ctr">
+            <a:sp3d extrusionH="57150">
+              <a:bevelT w="38100" h="38100"/>
+            </a:sp3d>
+          </a:bodyPr>
+          <a:lstStyle/>
+          <a:p>
+            <a:pPr algn="ctr"/>
+            <a:r>
+              <a:rPr lang="en-US" sz="4400" b="1" dirty="0">
+                <a:ln>
+                  <a:solidFill>
+                    <a:schemeClr val="tx1"/>
+                  </a:solidFill>
+                </a:ln>
+                <a:solidFill>
+                  <a:srgbClr val="F2750F"/>
+                </a:solidFill>
+                <a:latin typeface="Cooper Black" panose="0208090404030B020404" pitchFamily="18" charset="0"/>
+                <a:sym typeface="Webdings"/>
+              </a:rPr>
+              <a:t></a:t>
+            </a:r>
+            <a:endParaRPr lang="en-IN" sz="4400" b="1" dirty="0">
+              <a:ln>
+                <a:solidFill>
+                  <a:schemeClr val="tx1"/>
+                </a:solidFill>
+              </a:ln>
+              <a:solidFill>
+                <a:srgbClr val="F2750F"/>
+              </a:solidFill>
+              <a:latin typeface="Cooper Black" panose="0208090404030B020404" pitchFamily="18" charset="0"/>
+            </a:endParaRPr>
+          </a:p>
+        </p:txBody>
+      </p:sp>
+      <p:grpSp>
+        <p:nvGrpSpPr>
+          <p:cNvPr id="114" name="Group 113"/>
+          <p:cNvGrpSpPr/>
+          <p:nvPr/>
+        </p:nvGrpSpPr>
+        <p:grpSpPr>
+          <a:xfrm>
+            <a:off x="259904" y="1171516"/>
+            <a:ext cx="540000" cy="540000"/>
+            <a:chOff x="863648" y="2961008"/>
+            <a:chExt cx="540000" cy="540000"/>
+          </a:xfrm>
+        </p:grpSpPr>
+        <p:sp>
+          <p:nvSpPr>
+            <p:cNvPr id="115" name="Rounded Rectangle 114"/>
+            <p:cNvSpPr/>
+            <p:nvPr/>
+          </p:nvSpPr>
+          <p:spPr>
+            <a:xfrm>
+              <a:off x="863648" y="2961008"/>
+              <a:ext cx="540000" cy="540000"/>
+            </a:xfrm>
+            <a:prstGeom prst="roundRect">
+              <a:avLst/>
+            </a:prstGeom>
+            <a:solidFill>
+              <a:schemeClr val="accent6">
+                <a:lumMod val="50000"/>
+              </a:schemeClr>
+            </a:solidFill>
+            <a:ln>
+              <a:noFill/>
+            </a:ln>
+            <a:scene3d>
+              <a:camera prst="orthographicFront">
+                <a:rot lat="0" lon="0" rev="0"/>
+              </a:camera>
+              <a:lightRig rig="threePt" dir="t">
+                <a:rot lat="0" lon="0" rev="1200000"/>
+              </a:lightRig>
+            </a:scene3d>
+            <a:sp3d>
+              <a:bevelT w="63500" h="25400" prst="relaxedInset"/>
+            </a:sp3d>
+          </p:spPr>
+          <p:style>
+            <a:lnRef idx="0">
+              <a:schemeClr val="accent6"/>
+            </a:lnRef>
+            <a:fillRef idx="3">
+              <a:schemeClr val="accent6"/>
+            </a:fillRef>
+            <a:effectRef idx="3">
+              <a:schemeClr val="accent6"/>
+            </a:effectRef>
+            <a:fontRef idx="minor">
+              <a:schemeClr val="lt1"/>
+            </a:fontRef>
+          </p:style>
+          <p:txBody>
+            <a:bodyPr rtlCol="0" anchor="ctr"/>
+            <a:lstStyle/>
+            <a:p>
+              <a:pPr algn="ctr"/>
+              <a:endParaRPr lang="en-IN"/>
+            </a:p>
+          </p:txBody>
+        </p:sp>
+        <p:sp>
+          <p:nvSpPr>
+            <p:cNvPr id="116" name="Rounded Rectangle 115"/>
+            <p:cNvSpPr/>
+            <p:nvPr/>
+          </p:nvSpPr>
+          <p:spPr>
+            <a:xfrm>
+              <a:off x="917648" y="3015008"/>
+              <a:ext cx="432000" cy="432000"/>
+            </a:xfrm>
+            <a:prstGeom prst="roundRect">
+              <a:avLst/>
+            </a:prstGeom>
+            <a:gradFill flip="none" rotWithShape="1">
+              <a:gsLst>
+                <a:gs pos="0">
+                  <a:schemeClr val="bg1">
+                    <a:lumMod val="65000"/>
+                  </a:schemeClr>
+                </a:gs>
+                <a:gs pos="84000">
+                  <a:srgbClr val="FFD13F">
+                    <a:shade val="100000"/>
+                    <a:satMod val="115000"/>
+                  </a:srgbClr>
+                </a:gs>
+              </a:gsLst>
+              <a:lin ang="13500000" scaled="1"/>
+              <a:tileRect/>
+            </a:gradFill>
+            <a:ln>
+              <a:noFill/>
+            </a:ln>
+            <a:scene3d>
+              <a:camera prst="orthographicFront">
+                <a:rot lat="0" lon="0" rev="0"/>
+              </a:camera>
+              <a:lightRig rig="threePt" dir="t">
+                <a:rot lat="0" lon="0" rev="1200000"/>
+              </a:lightRig>
+            </a:scene3d>
+            <a:sp3d/>
+          </p:spPr>
+          <p:style>
+            <a:lnRef idx="0">
+              <a:schemeClr val="accent6"/>
+            </a:lnRef>
+            <a:fillRef idx="3">
+              <a:schemeClr val="accent6"/>
+            </a:fillRef>
+            <a:effectRef idx="3">
+              <a:schemeClr val="accent6"/>
+            </a:effectRef>
+            <a:fontRef idx="minor">
+              <a:schemeClr val="lt1"/>
+            </a:fontRef>
+          </p:style>
+          <p:txBody>
+            <a:bodyPr rtlCol="0" anchor="ctr"/>
+            <a:lstStyle/>
+            <a:p>
+              <a:pPr algn="ctr"/>
+              <a:endParaRPr lang="en-IN"/>
+            </a:p>
+          </p:txBody>
+        </p:sp>
+      </p:grpSp>
+      <p:sp>
+        <p:nvSpPr>
+          <p:cNvPr id="133" name="Oval 132"/>
+          <p:cNvSpPr/>
+          <p:nvPr/>
+        </p:nvSpPr>
+        <p:spPr>
+          <a:xfrm>
+            <a:off x="6188087" y="2898943"/>
+            <a:ext cx="540000" cy="540000"/>
+          </a:xfrm>
+          <a:prstGeom prst="ellipse">
+            <a:avLst/>
+          </a:prstGeom>
+          <a:noFill/>
+          <a:ln/>
+          <a:scene3d>
+            <a:camera prst="orthographicFront"/>
+            <a:lightRig rig="threePt" dir="t">
+              <a:rot lat="0" lon="0" rev="1200000"/>
+            </a:lightRig>
+          </a:scene3d>
+          <a:sp3d>
+            <a:bevelT w="63500" h="25400"/>
+          </a:sp3d>
+        </p:spPr>
+        <p:style>
+          <a:lnRef idx="0">
+            <a:schemeClr val="accent6"/>
+          </a:lnRef>
+          <a:fillRef idx="3">
+            <a:schemeClr val="accent6"/>
+          </a:fillRef>
+          <a:effectRef idx="3">
+            <a:schemeClr val="accent6"/>
+          </a:effectRef>
+          <a:fontRef idx="minor">
+            <a:schemeClr val="lt1"/>
+          </a:fontRef>
+        </p:style>
+        <p:txBody>
+          <a:bodyPr rtlCol="0" anchor="ctr">
+            <a:sp3d extrusionH="57150">
+              <a:bevelT w="38100" h="38100"/>
+            </a:sp3d>
+          </a:bodyPr>
+          <a:lstStyle/>
+          <a:p>
+            <a:pPr algn="ctr"/>
+            <a:r>
+              <a:rPr lang="en-US" sz="4400" b="1" dirty="0">
+                <a:ln>
+                  <a:solidFill>
+                    <a:schemeClr val="tx1"/>
+                  </a:solidFill>
+                </a:ln>
+                <a:solidFill>
+                  <a:srgbClr val="F2750F"/>
+                </a:solidFill>
+                <a:latin typeface="Cooper Black" panose="0208090404030B020404" pitchFamily="18" charset="0"/>
+                <a:sym typeface="Webdings"/>
+              </a:rPr>
+              <a:t></a:t>
+            </a:r>
+            <a:endParaRPr lang="en-IN" sz="4400" b="1" dirty="0">
+              <a:ln>
+                <a:solidFill>
+                  <a:schemeClr val="tx1"/>
+                </a:solidFill>
+              </a:ln>
+              <a:solidFill>
+                <a:srgbClr val="F2750F"/>
+              </a:solidFill>
+              <a:latin typeface="Cooper Black" panose="0208090404030B020404" pitchFamily="18" charset="0"/>
+            </a:endParaRPr>
+          </a:p>
+        </p:txBody>
+      </p:sp>
+      <p:sp>
+        <p:nvSpPr>
+          <p:cNvPr id="134" name="Oval 133"/>
+          <p:cNvSpPr/>
+          <p:nvPr/>
+        </p:nvSpPr>
+        <p:spPr>
+          <a:xfrm>
+            <a:off x="7619270" y="1825028"/>
+            <a:ext cx="540000" cy="540000"/>
+          </a:xfrm>
+          <a:prstGeom prst="ellipse">
+            <a:avLst/>
+          </a:prstGeom>
+          <a:noFill/>
+          <a:ln/>
+          <a:scene3d>
+            <a:camera prst="perspectiveAbove"/>
+            <a:lightRig rig="threePt" dir="t">
+              <a:rot lat="0" lon="0" rev="1200000"/>
+            </a:lightRig>
+          </a:scene3d>
+          <a:sp3d>
+            <a:bevelT w="63500" h="25400"/>
+          </a:sp3d>
+        </p:spPr>
+        <p:style>
+          <a:lnRef idx="0">
+            <a:schemeClr val="accent6"/>
+          </a:lnRef>
+          <a:fillRef idx="3">
+            <a:schemeClr val="accent6"/>
+          </a:fillRef>
+          <a:effectRef idx="3">
+            <a:schemeClr val="accent6"/>
+          </a:effectRef>
+          <a:fontRef idx="minor">
+            <a:schemeClr val="lt1"/>
+          </a:fontRef>
+        </p:style>
+        <p:txBody>
+          <a:bodyPr rtlCol="0" anchor="ctr">
+            <a:sp3d extrusionH="57150">
+              <a:bevelT w="38100" h="38100"/>
+            </a:sp3d>
+          </a:bodyPr>
+          <a:lstStyle/>
+          <a:p>
+            <a:pPr algn="ctr"/>
+            <a:r>
+              <a:rPr lang="en-US" sz="5400" dirty="0">
+                <a:ln>
+                  <a:solidFill>
+                    <a:schemeClr val="tx1"/>
+                  </a:solidFill>
+                </a:ln>
+                <a:solidFill>
+                  <a:schemeClr val="bg1">
+                    <a:lumMod val="50000"/>
+                  </a:schemeClr>
+                </a:solidFill>
+                <a:sym typeface="Webdings"/>
+              </a:rPr>
+              <a:t></a:t>
+            </a:r>
+            <a:endParaRPr lang="en-IN" sz="5400" b="1" dirty="0">
+              <a:ln>
+                <a:solidFill>
+                  <a:schemeClr val="tx1"/>
+                </a:solidFill>
+              </a:ln>
+              <a:solidFill>
+                <a:schemeClr val="bg1">
+                  <a:lumMod val="50000"/>
+                </a:schemeClr>
+              </a:solidFill>
+              <a:latin typeface="Cooper Black" panose="0208090404030B020404" pitchFamily="18" charset="0"/>
+            </a:endParaRPr>
+          </a:p>
+        </p:txBody>
+      </p:sp>
     </p:spTree>
     <p:extLst>
       <p:ext uri="{BB962C8B-B14F-4D97-AF65-F5344CB8AC3E}">
@@ -9776,6 +9994,2645 @@
           </p:txBody>
         </p:sp>
       </p:grpSp>
+      <p:grpSp>
+        <p:nvGrpSpPr>
+          <p:cNvPr id="9" name="Group 8"/>
+          <p:cNvGrpSpPr/>
+          <p:nvPr/>
+        </p:nvGrpSpPr>
+        <p:grpSpPr>
+          <a:xfrm>
+            <a:off x="2843808" y="872716"/>
+            <a:ext cx="1177913" cy="1180916"/>
+            <a:chOff x="7498543" y="1531708"/>
+            <a:chExt cx="1177913" cy="1180916"/>
+          </a:xfrm>
+        </p:grpSpPr>
+        <p:grpSp>
+          <p:nvGrpSpPr>
+            <p:cNvPr id="10" name="Group 9"/>
+            <p:cNvGrpSpPr/>
+            <p:nvPr/>
+          </p:nvGrpSpPr>
+          <p:grpSpPr>
+            <a:xfrm>
+              <a:off x="7498543" y="1531708"/>
+              <a:ext cx="747607" cy="975812"/>
+              <a:chOff x="7498543" y="1531708"/>
+              <a:chExt cx="747607" cy="975812"/>
+            </a:xfrm>
+            <a:scene3d>
+              <a:camera prst="isometricOffAxis1Right"/>
+              <a:lightRig rig="threePt" dir="t"/>
+            </a:scene3d>
+          </p:grpSpPr>
+          <p:sp>
+            <p:nvSpPr>
+              <p:cNvPr id="17" name="Rounded Rectangle 16"/>
+              <p:cNvSpPr/>
+              <p:nvPr/>
+            </p:nvSpPr>
+            <p:spPr>
+              <a:xfrm>
+                <a:off x="7498543" y="1531708"/>
+                <a:ext cx="747607" cy="975812"/>
+              </a:xfrm>
+              <a:prstGeom prst="roundRect">
+                <a:avLst/>
+              </a:prstGeom>
+              <a:solidFill>
+                <a:schemeClr val="accent6">
+                  <a:lumMod val="50000"/>
+                </a:schemeClr>
+              </a:solidFill>
+              <a:ln>
+                <a:noFill/>
+              </a:ln>
+              <a:sp3d>
+                <a:bevelT w="63500" h="25400" prst="relaxedInset"/>
+              </a:sp3d>
+            </p:spPr>
+            <p:style>
+              <a:lnRef idx="0">
+                <a:schemeClr val="accent6"/>
+              </a:lnRef>
+              <a:fillRef idx="3">
+                <a:schemeClr val="accent6"/>
+              </a:fillRef>
+              <a:effectRef idx="3">
+                <a:schemeClr val="accent6"/>
+              </a:effectRef>
+              <a:fontRef idx="minor">
+                <a:schemeClr val="lt1"/>
+              </a:fontRef>
+            </p:style>
+            <p:txBody>
+              <a:bodyPr rtlCol="0" anchor="ctr"/>
+              <a:lstStyle/>
+              <a:p>
+                <a:pPr algn="ctr"/>
+                <a:endParaRPr lang="en-IN" sz="1200" b="1"/>
+              </a:p>
+            </p:txBody>
+          </p:sp>
+          <p:sp>
+            <p:nvSpPr>
+              <p:cNvPr id="18" name="Rounded Rectangle 17"/>
+              <p:cNvSpPr/>
+              <p:nvPr/>
+            </p:nvSpPr>
+            <p:spPr>
+              <a:xfrm>
+                <a:off x="7567843" y="1594784"/>
+                <a:ext cx="606422" cy="851757"/>
+              </a:xfrm>
+              <a:prstGeom prst="roundRect">
+                <a:avLst/>
+              </a:prstGeom>
+              <a:solidFill>
+                <a:schemeClr val="bg1"/>
+              </a:solidFill>
+              <a:ln>
+                <a:noFill/>
+              </a:ln>
+              <a:sp3d/>
+            </p:spPr>
+            <p:style>
+              <a:lnRef idx="0">
+                <a:schemeClr val="accent6"/>
+              </a:lnRef>
+              <a:fillRef idx="3">
+                <a:schemeClr val="accent6"/>
+              </a:fillRef>
+              <a:effectRef idx="3">
+                <a:schemeClr val="accent6"/>
+              </a:effectRef>
+              <a:fontRef idx="minor">
+                <a:schemeClr val="lt1"/>
+              </a:fontRef>
+            </p:style>
+            <p:txBody>
+              <a:bodyPr rtlCol="0" anchor="ctr"/>
+              <a:lstStyle/>
+              <a:p>
+                <a:pPr marL="171450" indent="-171450">
+                  <a:buFontTx/>
+                  <a:buChar char="-"/>
+                </a:pPr>
+                <a:r>
+                  <a:rPr lang="en-US" sz="1200" b="1" dirty="0" smtClean="0">
+                    <a:solidFill>
+                      <a:schemeClr val="tx1"/>
+                    </a:solidFill>
+                  </a:rPr>
+                  <a:t>----</a:t>
+                </a:r>
+              </a:p>
+              <a:p>
+                <a:pPr marL="171450" indent="-171450">
+                  <a:buFontTx/>
+                  <a:buChar char="-"/>
+                </a:pPr>
+                <a:r>
+                  <a:rPr lang="en-US" sz="1200" b="1" dirty="0" smtClean="0">
+                    <a:solidFill>
+                      <a:schemeClr val="tx1"/>
+                    </a:solidFill>
+                  </a:rPr>
+                  <a:t>----</a:t>
+                </a:r>
+              </a:p>
+              <a:p>
+                <a:pPr marL="171450" indent="-171450">
+                  <a:buFontTx/>
+                  <a:buChar char="-"/>
+                </a:pPr>
+                <a:r>
+                  <a:rPr lang="en-US" sz="1200" b="1" dirty="0" smtClean="0">
+                    <a:solidFill>
+                      <a:schemeClr val="tx1"/>
+                    </a:solidFill>
+                  </a:rPr>
+                  <a:t>----</a:t>
+                </a:r>
+              </a:p>
+              <a:p>
+                <a:endParaRPr lang="en-US" sz="1200" b="1" dirty="0">
+                  <a:solidFill>
+                    <a:schemeClr val="tx1"/>
+                  </a:solidFill>
+                </a:endParaRPr>
+              </a:p>
+            </p:txBody>
+          </p:sp>
+        </p:grpSp>
+        <p:grpSp>
+          <p:nvGrpSpPr>
+            <p:cNvPr id="11" name="Group 10"/>
+            <p:cNvGrpSpPr/>
+            <p:nvPr/>
+          </p:nvGrpSpPr>
+          <p:grpSpPr>
+            <a:xfrm>
+              <a:off x="7713696" y="1634260"/>
+              <a:ext cx="747607" cy="975812"/>
+              <a:chOff x="7498543" y="1531708"/>
+              <a:chExt cx="747607" cy="975812"/>
+            </a:xfrm>
+            <a:scene3d>
+              <a:camera prst="isometricOffAxis1Right"/>
+              <a:lightRig rig="threePt" dir="t"/>
+            </a:scene3d>
+          </p:grpSpPr>
+          <p:sp>
+            <p:nvSpPr>
+              <p:cNvPr id="15" name="Rounded Rectangle 14"/>
+              <p:cNvSpPr/>
+              <p:nvPr/>
+            </p:nvSpPr>
+            <p:spPr>
+              <a:xfrm>
+                <a:off x="7498543" y="1531708"/>
+                <a:ext cx="747607" cy="975812"/>
+              </a:xfrm>
+              <a:prstGeom prst="roundRect">
+                <a:avLst/>
+              </a:prstGeom>
+              <a:solidFill>
+                <a:schemeClr val="accent6">
+                  <a:lumMod val="50000"/>
+                </a:schemeClr>
+              </a:solidFill>
+              <a:ln>
+                <a:noFill/>
+              </a:ln>
+              <a:sp3d>
+                <a:bevelT w="63500" h="25400" prst="relaxedInset"/>
+              </a:sp3d>
+            </p:spPr>
+            <p:style>
+              <a:lnRef idx="0">
+                <a:schemeClr val="accent6"/>
+              </a:lnRef>
+              <a:fillRef idx="3">
+                <a:schemeClr val="accent6"/>
+              </a:fillRef>
+              <a:effectRef idx="3">
+                <a:schemeClr val="accent6"/>
+              </a:effectRef>
+              <a:fontRef idx="minor">
+                <a:schemeClr val="lt1"/>
+              </a:fontRef>
+            </p:style>
+            <p:txBody>
+              <a:bodyPr rtlCol="0" anchor="ctr"/>
+              <a:lstStyle/>
+              <a:p>
+                <a:pPr algn="ctr"/>
+                <a:endParaRPr lang="en-IN" sz="1200" b="1"/>
+              </a:p>
+            </p:txBody>
+          </p:sp>
+          <p:sp>
+            <p:nvSpPr>
+              <p:cNvPr id="16" name="Rounded Rectangle 15"/>
+              <p:cNvSpPr/>
+              <p:nvPr/>
+            </p:nvSpPr>
+            <p:spPr>
+              <a:xfrm>
+                <a:off x="7567843" y="1594784"/>
+                <a:ext cx="606422" cy="851757"/>
+              </a:xfrm>
+              <a:prstGeom prst="roundRect">
+                <a:avLst/>
+              </a:prstGeom>
+              <a:solidFill>
+                <a:schemeClr val="bg1"/>
+              </a:solidFill>
+              <a:ln>
+                <a:noFill/>
+              </a:ln>
+              <a:sp3d/>
+            </p:spPr>
+            <p:style>
+              <a:lnRef idx="0">
+                <a:schemeClr val="accent6"/>
+              </a:lnRef>
+              <a:fillRef idx="3">
+                <a:schemeClr val="accent6"/>
+              </a:fillRef>
+              <a:effectRef idx="3">
+                <a:schemeClr val="accent6"/>
+              </a:effectRef>
+              <a:fontRef idx="minor">
+                <a:schemeClr val="lt1"/>
+              </a:fontRef>
+            </p:style>
+            <p:txBody>
+              <a:bodyPr rtlCol="0" anchor="ctr"/>
+              <a:lstStyle/>
+              <a:p>
+                <a:pPr marL="171450" indent="-171450">
+                  <a:buFontTx/>
+                  <a:buChar char="-"/>
+                </a:pPr>
+                <a:r>
+                  <a:rPr lang="en-US" sz="1200" b="1" dirty="0" smtClean="0">
+                    <a:solidFill>
+                      <a:schemeClr val="tx1"/>
+                    </a:solidFill>
+                  </a:rPr>
+                  <a:t>----</a:t>
+                </a:r>
+              </a:p>
+              <a:p>
+                <a:pPr marL="171450" indent="-171450">
+                  <a:buFontTx/>
+                  <a:buChar char="-"/>
+                </a:pPr>
+                <a:r>
+                  <a:rPr lang="en-US" sz="1200" b="1" dirty="0" smtClean="0">
+                    <a:solidFill>
+                      <a:schemeClr val="tx1"/>
+                    </a:solidFill>
+                  </a:rPr>
+                  <a:t>----</a:t>
+                </a:r>
+              </a:p>
+              <a:p>
+                <a:pPr marL="171450" indent="-171450">
+                  <a:buFontTx/>
+                  <a:buChar char="-"/>
+                </a:pPr>
+                <a:r>
+                  <a:rPr lang="en-US" sz="1200" b="1" dirty="0" smtClean="0">
+                    <a:solidFill>
+                      <a:schemeClr val="tx1"/>
+                    </a:solidFill>
+                  </a:rPr>
+                  <a:t>----</a:t>
+                </a:r>
+              </a:p>
+              <a:p>
+                <a:endParaRPr lang="en-US" sz="1200" b="1" dirty="0">
+                  <a:solidFill>
+                    <a:schemeClr val="tx1"/>
+                  </a:solidFill>
+                </a:endParaRPr>
+              </a:p>
+            </p:txBody>
+          </p:sp>
+        </p:grpSp>
+        <p:grpSp>
+          <p:nvGrpSpPr>
+            <p:cNvPr id="12" name="Group 11"/>
+            <p:cNvGrpSpPr/>
+            <p:nvPr/>
+          </p:nvGrpSpPr>
+          <p:grpSpPr>
+            <a:xfrm>
+              <a:off x="7928849" y="1736812"/>
+              <a:ext cx="747607" cy="975812"/>
+              <a:chOff x="7498543" y="1531708"/>
+              <a:chExt cx="747607" cy="975812"/>
+            </a:xfrm>
+            <a:scene3d>
+              <a:camera prst="isometricOffAxis1Right"/>
+              <a:lightRig rig="threePt" dir="t"/>
+            </a:scene3d>
+          </p:grpSpPr>
+          <p:sp>
+            <p:nvSpPr>
+              <p:cNvPr id="13" name="Rounded Rectangle 12"/>
+              <p:cNvSpPr/>
+              <p:nvPr/>
+            </p:nvSpPr>
+            <p:spPr>
+              <a:xfrm>
+                <a:off x="7498543" y="1531708"/>
+                <a:ext cx="747607" cy="975812"/>
+              </a:xfrm>
+              <a:prstGeom prst="roundRect">
+                <a:avLst/>
+              </a:prstGeom>
+              <a:solidFill>
+                <a:schemeClr val="accent6">
+                  <a:lumMod val="50000"/>
+                </a:schemeClr>
+              </a:solidFill>
+              <a:ln>
+                <a:noFill/>
+              </a:ln>
+              <a:sp3d>
+                <a:bevelT w="63500" h="25400" prst="relaxedInset"/>
+              </a:sp3d>
+            </p:spPr>
+            <p:style>
+              <a:lnRef idx="0">
+                <a:schemeClr val="accent6"/>
+              </a:lnRef>
+              <a:fillRef idx="3">
+                <a:schemeClr val="accent6"/>
+              </a:fillRef>
+              <a:effectRef idx="3">
+                <a:schemeClr val="accent6"/>
+              </a:effectRef>
+              <a:fontRef idx="minor">
+                <a:schemeClr val="lt1"/>
+              </a:fontRef>
+            </p:style>
+            <p:txBody>
+              <a:bodyPr rtlCol="0" anchor="ctr"/>
+              <a:lstStyle/>
+              <a:p>
+                <a:pPr algn="ctr"/>
+                <a:endParaRPr lang="en-IN" sz="1200" b="1"/>
+              </a:p>
+            </p:txBody>
+          </p:sp>
+          <p:sp>
+            <p:nvSpPr>
+              <p:cNvPr id="14" name="Rounded Rectangle 13"/>
+              <p:cNvSpPr/>
+              <p:nvPr/>
+            </p:nvSpPr>
+            <p:spPr>
+              <a:xfrm>
+                <a:off x="7567843" y="1594784"/>
+                <a:ext cx="606422" cy="851757"/>
+              </a:xfrm>
+              <a:prstGeom prst="roundRect">
+                <a:avLst/>
+              </a:prstGeom>
+              <a:solidFill>
+                <a:schemeClr val="bg1"/>
+              </a:solidFill>
+              <a:ln>
+                <a:noFill/>
+              </a:ln>
+              <a:sp3d/>
+            </p:spPr>
+            <p:style>
+              <a:lnRef idx="0">
+                <a:schemeClr val="accent6"/>
+              </a:lnRef>
+              <a:fillRef idx="3">
+                <a:schemeClr val="accent6"/>
+              </a:fillRef>
+              <a:effectRef idx="3">
+                <a:schemeClr val="accent6"/>
+              </a:effectRef>
+              <a:fontRef idx="minor">
+                <a:schemeClr val="lt1"/>
+              </a:fontRef>
+            </p:style>
+            <p:txBody>
+              <a:bodyPr rtlCol="0" anchor="ctr"/>
+              <a:lstStyle/>
+              <a:p>
+                <a:pPr marL="171450" indent="-171450">
+                  <a:buFontTx/>
+                  <a:buChar char="-"/>
+                </a:pPr>
+                <a:r>
+                  <a:rPr lang="en-US" sz="1200" b="1" dirty="0" smtClean="0">
+                    <a:solidFill>
+                      <a:schemeClr val="tx1"/>
+                    </a:solidFill>
+                  </a:rPr>
+                  <a:t>----</a:t>
+                </a:r>
+              </a:p>
+              <a:p>
+                <a:pPr marL="171450" indent="-171450">
+                  <a:buFontTx/>
+                  <a:buChar char="-"/>
+                </a:pPr>
+                <a:r>
+                  <a:rPr lang="en-US" sz="1200" b="1" dirty="0" smtClean="0">
+                    <a:solidFill>
+                      <a:schemeClr val="tx1"/>
+                    </a:solidFill>
+                  </a:rPr>
+                  <a:t>----</a:t>
+                </a:r>
+              </a:p>
+              <a:p>
+                <a:pPr marL="171450" indent="-171450">
+                  <a:buFontTx/>
+                  <a:buChar char="-"/>
+                </a:pPr>
+                <a:r>
+                  <a:rPr lang="en-US" sz="1200" b="1" dirty="0" smtClean="0">
+                    <a:solidFill>
+                      <a:schemeClr val="tx1"/>
+                    </a:solidFill>
+                  </a:rPr>
+                  <a:t>----</a:t>
+                </a:r>
+              </a:p>
+              <a:p>
+                <a:endParaRPr lang="en-US" sz="1200" b="1" dirty="0">
+                  <a:solidFill>
+                    <a:schemeClr val="tx1"/>
+                  </a:solidFill>
+                </a:endParaRPr>
+              </a:p>
+            </p:txBody>
+          </p:sp>
+        </p:grpSp>
+      </p:grpSp>
+      <p:grpSp>
+        <p:nvGrpSpPr>
+          <p:cNvPr id="36" name="Group 35"/>
+          <p:cNvGrpSpPr/>
+          <p:nvPr/>
+        </p:nvGrpSpPr>
+        <p:grpSpPr>
+          <a:xfrm>
+            <a:off x="4554841" y="783456"/>
+            <a:ext cx="773243" cy="1109702"/>
+            <a:chOff x="4554841" y="783456"/>
+            <a:chExt cx="773243" cy="1109702"/>
+          </a:xfrm>
+          <a:scene3d>
+            <a:camera prst="perspectiveRelaxedModerately"/>
+            <a:lightRig rig="threePt" dir="t"/>
+          </a:scene3d>
+        </p:grpSpPr>
+        <p:sp>
+          <p:nvSpPr>
+            <p:cNvPr id="27" name="Rounded Rectangle 26"/>
+            <p:cNvSpPr/>
+            <p:nvPr/>
+          </p:nvSpPr>
+          <p:spPr>
+            <a:xfrm>
+              <a:off x="4554841" y="917346"/>
+              <a:ext cx="747607" cy="975812"/>
+            </a:xfrm>
+            <a:prstGeom prst="roundRect">
+              <a:avLst/>
+            </a:prstGeom>
+            <a:solidFill>
+              <a:schemeClr val="accent6">
+                <a:lumMod val="50000"/>
+              </a:schemeClr>
+            </a:solidFill>
+            <a:ln>
+              <a:noFill/>
+            </a:ln>
+            <a:sp3d>
+              <a:bevelT w="63500" h="25400" prst="relaxedInset"/>
+            </a:sp3d>
+          </p:spPr>
+          <p:style>
+            <a:lnRef idx="0">
+              <a:schemeClr val="accent6"/>
+            </a:lnRef>
+            <a:fillRef idx="3">
+              <a:schemeClr val="accent6"/>
+            </a:fillRef>
+            <a:effectRef idx="3">
+              <a:schemeClr val="accent6"/>
+            </a:effectRef>
+            <a:fontRef idx="minor">
+              <a:schemeClr val="lt1"/>
+            </a:fontRef>
+          </p:style>
+          <p:txBody>
+            <a:bodyPr rtlCol="0" anchor="ctr"/>
+            <a:lstStyle/>
+            <a:p>
+              <a:pPr algn="ctr"/>
+              <a:endParaRPr lang="en-IN" sz="1200" b="1"/>
+            </a:p>
+          </p:txBody>
+        </p:sp>
+        <p:sp>
+          <p:nvSpPr>
+            <p:cNvPr id="28" name="Rounded Rectangle 27"/>
+            <p:cNvSpPr/>
+            <p:nvPr/>
+          </p:nvSpPr>
+          <p:spPr>
+            <a:xfrm>
+              <a:off x="4608244" y="979374"/>
+              <a:ext cx="640800" cy="851757"/>
+            </a:xfrm>
+            <a:prstGeom prst="roundRect">
+              <a:avLst>
+                <a:gd name="adj" fmla="val 11282"/>
+              </a:avLst>
+            </a:prstGeom>
+            <a:solidFill>
+              <a:schemeClr val="bg1"/>
+            </a:solidFill>
+            <a:ln>
+              <a:noFill/>
+            </a:ln>
+            <a:sp3d/>
+          </p:spPr>
+          <p:style>
+            <a:lnRef idx="0">
+              <a:schemeClr val="accent6"/>
+            </a:lnRef>
+            <a:fillRef idx="3">
+              <a:schemeClr val="accent6"/>
+            </a:fillRef>
+            <a:effectRef idx="3">
+              <a:schemeClr val="accent6"/>
+            </a:effectRef>
+            <a:fontRef idx="minor">
+              <a:schemeClr val="lt1"/>
+            </a:fontRef>
+          </p:style>
+          <p:txBody>
+            <a:bodyPr rtlCol="0" anchor="ctr"/>
+            <a:lstStyle/>
+            <a:p>
+              <a:pPr marL="171450" indent="-171450">
+                <a:buFontTx/>
+                <a:buChar char="-"/>
+              </a:pPr>
+              <a:r>
+                <a:rPr lang="en-US" sz="1200" b="1" dirty="0" smtClean="0">
+                  <a:solidFill>
+                    <a:schemeClr val="tx1"/>
+                  </a:solidFill>
+                </a:rPr>
+                <a:t>----</a:t>
+              </a:r>
+            </a:p>
+            <a:p>
+              <a:pPr marL="171450" indent="-171450">
+                <a:buFontTx/>
+                <a:buChar char="-"/>
+              </a:pPr>
+              <a:r>
+                <a:rPr lang="en-US" sz="1200" b="1" dirty="0" smtClean="0">
+                  <a:solidFill>
+                    <a:schemeClr val="tx1"/>
+                  </a:solidFill>
+                </a:rPr>
+                <a:t>----</a:t>
+              </a:r>
+            </a:p>
+            <a:p>
+              <a:pPr marL="171450" indent="-171450">
+                <a:buFontTx/>
+                <a:buChar char="-"/>
+              </a:pPr>
+              <a:r>
+                <a:rPr lang="en-US" sz="1200" b="1" dirty="0" smtClean="0">
+                  <a:solidFill>
+                    <a:schemeClr val="tx1"/>
+                  </a:solidFill>
+                </a:rPr>
+                <a:t>----</a:t>
+              </a:r>
+            </a:p>
+            <a:p>
+              <a:pPr marL="171450" indent="-171450">
+                <a:buFontTx/>
+                <a:buChar char="-"/>
+              </a:pPr>
+              <a:r>
+                <a:rPr lang="en-US" sz="1200" b="1" dirty="0" smtClean="0">
+                  <a:solidFill>
+                    <a:schemeClr val="tx1"/>
+                  </a:solidFill>
+                </a:rPr>
+                <a:t>----</a:t>
+              </a:r>
+              <a:endParaRPr lang="en-US" sz="1200" b="1" dirty="0">
+                <a:solidFill>
+                  <a:schemeClr val="tx1"/>
+                </a:solidFill>
+              </a:endParaRPr>
+            </a:p>
+          </p:txBody>
+        </p:sp>
+        <p:sp>
+          <p:nvSpPr>
+            <p:cNvPr id="29" name="Oval 28"/>
+            <p:cNvSpPr/>
+            <p:nvPr/>
+          </p:nvSpPr>
+          <p:spPr>
+            <a:xfrm>
+              <a:off x="4788084" y="872716"/>
+              <a:ext cx="540000" cy="540000"/>
+            </a:xfrm>
+            <a:prstGeom prst="ellipse">
+              <a:avLst/>
+            </a:prstGeom>
+            <a:noFill/>
+            <a:ln/>
+            <a:sp3d>
+              <a:bevelT w="63500" h="25400"/>
+            </a:sp3d>
+          </p:spPr>
+          <p:style>
+            <a:lnRef idx="0">
+              <a:schemeClr val="accent6"/>
+            </a:lnRef>
+            <a:fillRef idx="3">
+              <a:schemeClr val="accent6"/>
+            </a:fillRef>
+            <a:effectRef idx="3">
+              <a:schemeClr val="accent6"/>
+            </a:effectRef>
+            <a:fontRef idx="minor">
+              <a:schemeClr val="lt1"/>
+            </a:fontRef>
+          </p:style>
+          <p:txBody>
+            <a:bodyPr rtlCol="0" anchor="ctr">
+              <a:sp3d extrusionH="57150">
+                <a:bevelT w="38100" h="38100"/>
+              </a:sp3d>
+            </a:bodyPr>
+            <a:lstStyle/>
+            <a:p>
+              <a:pPr algn="ctr"/>
+              <a:r>
+                <a:rPr lang="en-US" sz="2000" b="1" dirty="0">
+                  <a:ln>
+                    <a:solidFill>
+                      <a:srgbClr val="009600"/>
+                    </a:solidFill>
+                  </a:ln>
+                  <a:solidFill>
+                    <a:srgbClr val="009600"/>
+                  </a:solidFill>
+                  <a:latin typeface="Cooper Black" panose="0208090404030B020404" pitchFamily="18" charset="0"/>
+                  <a:sym typeface="Wingdings"/>
+                </a:rPr>
+                <a:t></a:t>
+              </a:r>
+              <a:endParaRPr lang="en-IN" sz="2000" b="1" dirty="0">
+                <a:ln>
+                  <a:solidFill>
+                    <a:srgbClr val="009600"/>
+                  </a:solidFill>
+                </a:ln>
+                <a:solidFill>
+                  <a:srgbClr val="009600"/>
+                </a:solidFill>
+                <a:latin typeface="Cooper Black" panose="0208090404030B020404" pitchFamily="18" charset="0"/>
+              </a:endParaRPr>
+            </a:p>
+          </p:txBody>
+        </p:sp>
+        <p:sp>
+          <p:nvSpPr>
+            <p:cNvPr id="30" name="Oval 29"/>
+            <p:cNvSpPr/>
+            <p:nvPr/>
+          </p:nvSpPr>
+          <p:spPr>
+            <a:xfrm>
+              <a:off x="4788024" y="1052796"/>
+              <a:ext cx="540000" cy="540000"/>
+            </a:xfrm>
+            <a:prstGeom prst="ellipse">
+              <a:avLst/>
+            </a:prstGeom>
+            <a:noFill/>
+            <a:ln/>
+            <a:sp3d>
+              <a:bevelT w="63500" h="25400"/>
+            </a:sp3d>
+          </p:spPr>
+          <p:style>
+            <a:lnRef idx="0">
+              <a:schemeClr val="accent6"/>
+            </a:lnRef>
+            <a:fillRef idx="3">
+              <a:schemeClr val="accent6"/>
+            </a:fillRef>
+            <a:effectRef idx="3">
+              <a:schemeClr val="accent6"/>
+            </a:effectRef>
+            <a:fontRef idx="minor">
+              <a:schemeClr val="lt1"/>
+            </a:fontRef>
+          </p:style>
+          <p:txBody>
+            <a:bodyPr rtlCol="0" anchor="ctr">
+              <a:sp3d extrusionH="57150">
+                <a:bevelT w="38100" h="38100"/>
+              </a:sp3d>
+            </a:bodyPr>
+            <a:lstStyle/>
+            <a:p>
+              <a:pPr algn="ctr"/>
+              <a:r>
+                <a:rPr lang="en-US" sz="2000" b="1" dirty="0">
+                  <a:ln>
+                    <a:solidFill>
+                      <a:srgbClr val="009600"/>
+                    </a:solidFill>
+                  </a:ln>
+                  <a:solidFill>
+                    <a:srgbClr val="009600"/>
+                  </a:solidFill>
+                  <a:latin typeface="Cooper Black" panose="0208090404030B020404" pitchFamily="18" charset="0"/>
+                  <a:sym typeface="Wingdings"/>
+                </a:rPr>
+                <a:t></a:t>
+              </a:r>
+              <a:endParaRPr lang="en-IN" sz="2000" b="1" dirty="0">
+                <a:ln>
+                  <a:solidFill>
+                    <a:srgbClr val="009600"/>
+                  </a:solidFill>
+                </a:ln>
+                <a:solidFill>
+                  <a:srgbClr val="009600"/>
+                </a:solidFill>
+                <a:latin typeface="Cooper Black" panose="0208090404030B020404" pitchFamily="18" charset="0"/>
+              </a:endParaRPr>
+            </a:p>
+          </p:txBody>
+        </p:sp>
+        <p:sp>
+          <p:nvSpPr>
+            <p:cNvPr id="31" name="Oval 30"/>
+            <p:cNvSpPr/>
+            <p:nvPr/>
+          </p:nvSpPr>
+          <p:spPr>
+            <a:xfrm>
+              <a:off x="4788024" y="1232816"/>
+              <a:ext cx="540000" cy="540000"/>
+            </a:xfrm>
+            <a:prstGeom prst="ellipse">
+              <a:avLst/>
+            </a:prstGeom>
+            <a:noFill/>
+            <a:ln/>
+            <a:sp3d>
+              <a:bevelT w="63500" h="25400"/>
+            </a:sp3d>
+          </p:spPr>
+          <p:style>
+            <a:lnRef idx="0">
+              <a:schemeClr val="accent6"/>
+            </a:lnRef>
+            <a:fillRef idx="3">
+              <a:schemeClr val="accent6"/>
+            </a:fillRef>
+            <a:effectRef idx="3">
+              <a:schemeClr val="accent6"/>
+            </a:effectRef>
+            <a:fontRef idx="minor">
+              <a:schemeClr val="lt1"/>
+            </a:fontRef>
+          </p:style>
+          <p:txBody>
+            <a:bodyPr rtlCol="0" anchor="ctr">
+              <a:sp3d extrusionH="57150">
+                <a:bevelT w="38100" h="38100"/>
+              </a:sp3d>
+            </a:bodyPr>
+            <a:lstStyle/>
+            <a:p>
+              <a:pPr algn="ctr"/>
+              <a:r>
+                <a:rPr lang="en-US" sz="2000" b="1" dirty="0">
+                  <a:ln>
+                    <a:solidFill>
+                      <a:srgbClr val="009600"/>
+                    </a:solidFill>
+                  </a:ln>
+                  <a:solidFill>
+                    <a:srgbClr val="009600"/>
+                  </a:solidFill>
+                  <a:latin typeface="Cooper Black" panose="0208090404030B020404" pitchFamily="18" charset="0"/>
+                  <a:sym typeface="Wingdings"/>
+                </a:rPr>
+                <a:t></a:t>
+              </a:r>
+              <a:endParaRPr lang="en-IN" sz="2000" b="1" dirty="0">
+                <a:ln>
+                  <a:solidFill>
+                    <a:srgbClr val="009600"/>
+                  </a:solidFill>
+                </a:ln>
+                <a:solidFill>
+                  <a:srgbClr val="009600"/>
+                </a:solidFill>
+                <a:latin typeface="Cooper Black" panose="0208090404030B020404" pitchFamily="18" charset="0"/>
+              </a:endParaRPr>
+            </a:p>
+          </p:txBody>
+        </p:sp>
+        <p:sp>
+          <p:nvSpPr>
+            <p:cNvPr id="33" name="Rectangle 32"/>
+            <p:cNvSpPr/>
+            <p:nvPr/>
+          </p:nvSpPr>
+          <p:spPr>
+            <a:xfrm>
+              <a:off x="4658614" y="891468"/>
+              <a:ext cx="540060" cy="102552"/>
+            </a:xfrm>
+            <a:prstGeom prst="rect">
+              <a:avLst/>
+            </a:prstGeom>
+            <a:solidFill>
+              <a:schemeClr val="bg1">
+                <a:lumMod val="50000"/>
+              </a:schemeClr>
+            </a:solidFill>
+            <a:ln>
+              <a:noFill/>
+            </a:ln>
+            <a:sp3d>
+              <a:bevelT w="63500" h="25400" prst="relaxedInset"/>
+            </a:sp3d>
+          </p:spPr>
+          <p:style>
+            <a:lnRef idx="0">
+              <a:schemeClr val="accent6"/>
+            </a:lnRef>
+            <a:fillRef idx="3">
+              <a:schemeClr val="accent6"/>
+            </a:fillRef>
+            <a:effectRef idx="3">
+              <a:schemeClr val="accent6"/>
+            </a:effectRef>
+            <a:fontRef idx="minor">
+              <a:schemeClr val="lt1"/>
+            </a:fontRef>
+          </p:style>
+          <p:txBody>
+            <a:bodyPr rtlCol="0" anchor="ctr"/>
+            <a:lstStyle/>
+            <a:p>
+              <a:pPr algn="ctr"/>
+              <a:endParaRPr lang="en-IN" sz="1200" b="1"/>
+            </a:p>
+          </p:txBody>
+        </p:sp>
+        <p:sp>
+          <p:nvSpPr>
+            <p:cNvPr id="32" name="Oval 31"/>
+            <p:cNvSpPr/>
+            <p:nvPr/>
+          </p:nvSpPr>
+          <p:spPr>
+            <a:xfrm>
+              <a:off x="4838634" y="783456"/>
+              <a:ext cx="180020" cy="153986"/>
+            </a:xfrm>
+            <a:prstGeom prst="ellipse">
+              <a:avLst/>
+            </a:prstGeom>
+            <a:solidFill>
+              <a:schemeClr val="bg1">
+                <a:lumMod val="50000"/>
+              </a:schemeClr>
+            </a:solidFill>
+            <a:ln>
+              <a:noFill/>
+            </a:ln>
+            <a:sp3d>
+              <a:bevelT w="63500" h="25400" prst="relaxedInset"/>
+            </a:sp3d>
+          </p:spPr>
+          <p:style>
+            <a:lnRef idx="0">
+              <a:schemeClr val="accent6"/>
+            </a:lnRef>
+            <a:fillRef idx="3">
+              <a:schemeClr val="accent6"/>
+            </a:fillRef>
+            <a:effectRef idx="3">
+              <a:schemeClr val="accent6"/>
+            </a:effectRef>
+            <a:fontRef idx="minor">
+              <a:schemeClr val="lt1"/>
+            </a:fontRef>
+          </p:style>
+          <p:txBody>
+            <a:bodyPr rtlCol="0" anchor="ctr"/>
+            <a:lstStyle/>
+            <a:p>
+              <a:pPr algn="ctr"/>
+              <a:endParaRPr lang="en-IN" sz="1200" b="1"/>
+            </a:p>
+          </p:txBody>
+        </p:sp>
+      </p:grpSp>
+      <p:grpSp>
+        <p:nvGrpSpPr>
+          <p:cNvPr id="74" name="Group 73"/>
+          <p:cNvGrpSpPr/>
+          <p:nvPr/>
+        </p:nvGrpSpPr>
+        <p:grpSpPr>
+          <a:xfrm>
+            <a:off x="5802886" y="404664"/>
+            <a:ext cx="1361401" cy="1683562"/>
+            <a:chOff x="5544108" y="322941"/>
+            <a:chExt cx="1620180" cy="2277967"/>
+          </a:xfrm>
+        </p:grpSpPr>
+        <p:sp>
+          <p:nvSpPr>
+            <p:cNvPr id="60" name="Freeform 59"/>
+            <p:cNvSpPr/>
+            <p:nvPr/>
+          </p:nvSpPr>
+          <p:spPr>
+            <a:xfrm>
+              <a:off x="5762361" y="549561"/>
+              <a:ext cx="1183674" cy="1598999"/>
+            </a:xfrm>
+            <a:custGeom>
+              <a:avLst/>
+              <a:gdLst>
+                <a:gd name="connsiteX0" fmla="*/ 589031 w 1183674"/>
+                <a:gd name="connsiteY0" fmla="*/ 201 h 1598999"/>
+                <a:gd name="connsiteX1" fmla="*/ 252442 w 1183674"/>
+                <a:gd name="connsiteY1" fmla="*/ 106787 h 1598999"/>
+                <a:gd name="connsiteX2" fmla="*/ 0 w 1183674"/>
+                <a:gd name="connsiteY2" fmla="*/ 594841 h 1598999"/>
+                <a:gd name="connsiteX3" fmla="*/ 252442 w 1183674"/>
+                <a:gd name="connsiteY3" fmla="*/ 1077286 h 1598999"/>
+                <a:gd name="connsiteX4" fmla="*/ 325369 w 1183674"/>
+                <a:gd name="connsiteY4" fmla="*/ 1441924 h 1598999"/>
+                <a:gd name="connsiteX5" fmla="*/ 325369 w 1183674"/>
+                <a:gd name="connsiteY5" fmla="*/ 1598999 h 1598999"/>
+                <a:gd name="connsiteX6" fmla="*/ 863912 w 1183674"/>
+                <a:gd name="connsiteY6" fmla="*/ 1598999 h 1598999"/>
+                <a:gd name="connsiteX7" fmla="*/ 863912 w 1183674"/>
+                <a:gd name="connsiteY7" fmla="*/ 1441924 h 1598999"/>
+                <a:gd name="connsiteX8" fmla="*/ 936839 w 1183674"/>
+                <a:gd name="connsiteY8" fmla="*/ 1077286 h 1598999"/>
+                <a:gd name="connsiteX9" fmla="*/ 1183671 w 1183674"/>
+                <a:gd name="connsiteY9" fmla="*/ 594841 h 1598999"/>
+                <a:gd name="connsiteX10" fmla="*/ 931229 w 1183674"/>
+                <a:gd name="connsiteY10" fmla="*/ 118007 h 1598999"/>
+                <a:gd name="connsiteX11" fmla="*/ 589031 w 1183674"/>
+                <a:gd name="connsiteY11" fmla="*/ 201 h 1598999"/>
+              </a:gdLst>
+              <a:ahLst/>
+              <a:cxnLst>
+                <a:cxn ang="0">
+                  <a:pos x="connsiteX0" y="connsiteY0"/>
+                </a:cxn>
+                <a:cxn ang="0">
+                  <a:pos x="connsiteX1" y="connsiteY1"/>
+                </a:cxn>
+                <a:cxn ang="0">
+                  <a:pos x="connsiteX2" y="connsiteY2"/>
+                </a:cxn>
+                <a:cxn ang="0">
+                  <a:pos x="connsiteX3" y="connsiteY3"/>
+                </a:cxn>
+                <a:cxn ang="0">
+                  <a:pos x="connsiteX4" y="connsiteY4"/>
+                </a:cxn>
+                <a:cxn ang="0">
+                  <a:pos x="connsiteX5" y="connsiteY5"/>
+                </a:cxn>
+                <a:cxn ang="0">
+                  <a:pos x="connsiteX6" y="connsiteY6"/>
+                </a:cxn>
+                <a:cxn ang="0">
+                  <a:pos x="connsiteX7" y="connsiteY7"/>
+                </a:cxn>
+                <a:cxn ang="0">
+                  <a:pos x="connsiteX8" y="connsiteY8"/>
+                </a:cxn>
+                <a:cxn ang="0">
+                  <a:pos x="connsiteX9" y="connsiteY9"/>
+                </a:cxn>
+                <a:cxn ang="0">
+                  <a:pos x="connsiteX10" y="connsiteY10"/>
+                </a:cxn>
+                <a:cxn ang="0">
+                  <a:pos x="connsiteX11" y="connsiteY11"/>
+                </a:cxn>
+              </a:cxnLst>
+              <a:rect l="l" t="t" r="r" b="b"/>
+              <a:pathLst>
+                <a:path w="1183674" h="1598999">
+                  <a:moveTo>
+                    <a:pt x="589031" y="201"/>
+                  </a:moveTo>
+                  <a:cubicBezTo>
+                    <a:pt x="475900" y="-1669"/>
+                    <a:pt x="350614" y="7680"/>
+                    <a:pt x="252442" y="106787"/>
+                  </a:cubicBezTo>
+                  <a:cubicBezTo>
+                    <a:pt x="154270" y="205894"/>
+                    <a:pt x="0" y="433091"/>
+                    <a:pt x="0" y="594841"/>
+                  </a:cubicBezTo>
+                  <a:cubicBezTo>
+                    <a:pt x="0" y="756591"/>
+                    <a:pt x="198214" y="936106"/>
+                    <a:pt x="252442" y="1077286"/>
+                  </a:cubicBezTo>
+                  <a:cubicBezTo>
+                    <a:pt x="306670" y="1218466"/>
+                    <a:pt x="313215" y="1354972"/>
+                    <a:pt x="325369" y="1441924"/>
+                  </a:cubicBezTo>
+                  <a:cubicBezTo>
+                    <a:pt x="337523" y="1528876"/>
+                    <a:pt x="235612" y="1572820"/>
+                    <a:pt x="325369" y="1598999"/>
+                  </a:cubicBezTo>
+                  <a:cubicBezTo>
+                    <a:pt x="415126" y="1625178"/>
+                    <a:pt x="774155" y="1625178"/>
+                    <a:pt x="863912" y="1598999"/>
+                  </a:cubicBezTo>
+                  <a:cubicBezTo>
+                    <a:pt x="953669" y="1572820"/>
+                    <a:pt x="851758" y="1528876"/>
+                    <a:pt x="863912" y="1441924"/>
+                  </a:cubicBezTo>
+                  <a:cubicBezTo>
+                    <a:pt x="876066" y="1354972"/>
+                    <a:pt x="883546" y="1218467"/>
+                    <a:pt x="936839" y="1077286"/>
+                  </a:cubicBezTo>
+                  <a:cubicBezTo>
+                    <a:pt x="990132" y="936106"/>
+                    <a:pt x="1184606" y="754721"/>
+                    <a:pt x="1183671" y="594841"/>
+                  </a:cubicBezTo>
+                  <a:cubicBezTo>
+                    <a:pt x="1182736" y="434961"/>
+                    <a:pt x="1029401" y="217114"/>
+                    <a:pt x="931229" y="118007"/>
+                  </a:cubicBezTo>
+                  <a:cubicBezTo>
+                    <a:pt x="833057" y="18900"/>
+                    <a:pt x="702162" y="2071"/>
+                    <a:pt x="589031" y="201"/>
+                  </a:cubicBezTo>
+                  <a:close/>
+                </a:path>
+              </a:pathLst>
+            </a:custGeom>
+            <a:gradFill flip="none" rotWithShape="1">
+              <a:gsLst>
+                <a:gs pos="0">
+                  <a:srgbClr val="FFFB61"/>
+                </a:gs>
+                <a:gs pos="45000">
+                  <a:srgbClr val="FFFF00"/>
+                </a:gs>
+                <a:gs pos="100000">
+                  <a:srgbClr val="F2750F"/>
+                </a:gs>
+              </a:gsLst>
+              <a:path path="circle">
+                <a:fillToRect l="50000" t="50000" r="50000" b="50000"/>
+              </a:path>
+              <a:tileRect/>
+            </a:gradFill>
+            <a:ln>
+              <a:noFill/>
+            </a:ln>
+          </p:spPr>
+          <p:style>
+            <a:lnRef idx="0">
+              <a:schemeClr val="accent6"/>
+            </a:lnRef>
+            <a:fillRef idx="3">
+              <a:schemeClr val="accent6"/>
+            </a:fillRef>
+            <a:effectRef idx="3">
+              <a:schemeClr val="accent6"/>
+            </a:effectRef>
+            <a:fontRef idx="minor">
+              <a:schemeClr val="lt1"/>
+            </a:fontRef>
+          </p:style>
+          <p:txBody>
+            <a:bodyPr rtlCol="0" anchor="ctr"/>
+            <a:lstStyle/>
+            <a:p>
+              <a:pPr algn="ctr"/>
+              <a:endParaRPr lang="en-IN" sz="2000" b="1">
+                <a:solidFill>
+                  <a:srgbClr val="FFD13F"/>
+                </a:solidFill>
+              </a:endParaRPr>
+            </a:p>
+          </p:txBody>
+        </p:sp>
+        <p:sp>
+          <p:nvSpPr>
+            <p:cNvPr id="39" name="Oval 38"/>
+            <p:cNvSpPr/>
+            <p:nvPr/>
+          </p:nvSpPr>
+          <p:spPr>
+            <a:xfrm>
+              <a:off x="6192180" y="2276872"/>
+              <a:ext cx="324036" cy="324036"/>
+            </a:xfrm>
+            <a:prstGeom prst="ellipse">
+              <a:avLst/>
+            </a:prstGeom>
+            <a:solidFill>
+              <a:schemeClr val="bg1">
+                <a:lumMod val="65000"/>
+              </a:schemeClr>
+            </a:solidFill>
+            <a:ln/>
+          </p:spPr>
+          <p:style>
+            <a:lnRef idx="0">
+              <a:schemeClr val="accent6"/>
+            </a:lnRef>
+            <a:fillRef idx="3">
+              <a:schemeClr val="accent6"/>
+            </a:fillRef>
+            <a:effectRef idx="3">
+              <a:schemeClr val="accent6"/>
+            </a:effectRef>
+            <a:fontRef idx="minor">
+              <a:schemeClr val="lt1"/>
+            </a:fontRef>
+          </p:style>
+          <p:txBody>
+            <a:bodyPr rtlCol="0" anchor="ctr"/>
+            <a:lstStyle/>
+            <a:p>
+              <a:pPr algn="ctr"/>
+              <a:endParaRPr lang="en-IN" sz="2000" b="1" dirty="0">
+                <a:solidFill>
+                  <a:srgbClr val="FFD13F"/>
+                </a:solidFill>
+              </a:endParaRPr>
+            </a:p>
+          </p:txBody>
+        </p:sp>
+        <p:sp>
+          <p:nvSpPr>
+            <p:cNvPr id="41" name="Rounded Rectangle 40"/>
+            <p:cNvSpPr/>
+            <p:nvPr/>
+          </p:nvSpPr>
+          <p:spPr>
+            <a:xfrm>
+              <a:off x="6030162" y="2024844"/>
+              <a:ext cx="648072" cy="216024"/>
+            </a:xfrm>
+            <a:prstGeom prst="roundRect">
+              <a:avLst>
+                <a:gd name="adj" fmla="val 40483"/>
+              </a:avLst>
+            </a:prstGeom>
+            <a:solidFill>
+              <a:schemeClr val="bg1">
+                <a:lumMod val="65000"/>
+              </a:schemeClr>
+            </a:solidFill>
+            <a:ln/>
+          </p:spPr>
+          <p:style>
+            <a:lnRef idx="0">
+              <a:schemeClr val="accent6"/>
+            </a:lnRef>
+            <a:fillRef idx="3">
+              <a:schemeClr val="accent6"/>
+            </a:fillRef>
+            <a:effectRef idx="3">
+              <a:schemeClr val="accent6"/>
+            </a:effectRef>
+            <a:fontRef idx="minor">
+              <a:schemeClr val="lt1"/>
+            </a:fontRef>
+          </p:style>
+          <p:txBody>
+            <a:bodyPr rtlCol="0" anchor="ctr"/>
+            <a:lstStyle/>
+            <a:p>
+              <a:pPr algn="ctr"/>
+              <a:endParaRPr lang="en-IN" sz="2000" b="1">
+                <a:solidFill>
+                  <a:srgbClr val="FFD13F"/>
+                </a:solidFill>
+              </a:endParaRPr>
+            </a:p>
+          </p:txBody>
+        </p:sp>
+        <p:sp>
+          <p:nvSpPr>
+            <p:cNvPr id="42" name="Rounded Rectangle 41"/>
+            <p:cNvSpPr/>
+            <p:nvPr/>
+          </p:nvSpPr>
+          <p:spPr>
+            <a:xfrm>
+              <a:off x="6030162" y="2240868"/>
+              <a:ext cx="648072" cy="216024"/>
+            </a:xfrm>
+            <a:prstGeom prst="roundRect">
+              <a:avLst>
+                <a:gd name="adj" fmla="val 40483"/>
+              </a:avLst>
+            </a:prstGeom>
+            <a:solidFill>
+              <a:schemeClr val="bg1">
+                <a:lumMod val="65000"/>
+              </a:schemeClr>
+            </a:solidFill>
+            <a:ln/>
+          </p:spPr>
+          <p:style>
+            <a:lnRef idx="0">
+              <a:schemeClr val="accent6"/>
+            </a:lnRef>
+            <a:fillRef idx="3">
+              <a:schemeClr val="accent6"/>
+            </a:fillRef>
+            <a:effectRef idx="3">
+              <a:schemeClr val="accent6"/>
+            </a:effectRef>
+            <a:fontRef idx="minor">
+              <a:schemeClr val="lt1"/>
+            </a:fontRef>
+          </p:style>
+          <p:txBody>
+            <a:bodyPr rtlCol="0" anchor="ctr"/>
+            <a:lstStyle/>
+            <a:p>
+              <a:pPr algn="ctr"/>
+              <a:endParaRPr lang="en-IN" sz="2000" b="1">
+                <a:solidFill>
+                  <a:srgbClr val="FFD13F"/>
+                </a:solidFill>
+              </a:endParaRPr>
+            </a:p>
+          </p:txBody>
+        </p:sp>
+        <p:sp>
+          <p:nvSpPr>
+            <p:cNvPr id="71" name="Rectangle 70"/>
+            <p:cNvSpPr/>
+            <p:nvPr/>
+          </p:nvSpPr>
+          <p:spPr>
+            <a:xfrm>
+              <a:off x="6894258" y="682981"/>
+              <a:ext cx="270030" cy="45719"/>
+            </a:xfrm>
+            <a:prstGeom prst="rect">
+              <a:avLst/>
+            </a:prstGeom>
+            <a:solidFill>
+              <a:srgbClr val="F4EE00"/>
+            </a:solidFill>
+            <a:ln>
+              <a:noFill/>
+            </a:ln>
+            <a:scene3d>
+              <a:camera prst="orthographicFront">
+                <a:rot lat="0" lon="0" rev="1800000"/>
+              </a:camera>
+              <a:lightRig rig="threePt" dir="t">
+                <a:rot lat="0" lon="0" rev="1200000"/>
+              </a:lightRig>
+            </a:scene3d>
+            <a:sp3d>
+              <a:bevelT w="63500" h="25400"/>
+            </a:sp3d>
+          </p:spPr>
+          <p:style>
+            <a:lnRef idx="0">
+              <a:schemeClr val="accent6"/>
+            </a:lnRef>
+            <a:fillRef idx="3">
+              <a:schemeClr val="accent6"/>
+            </a:fillRef>
+            <a:effectRef idx="3">
+              <a:schemeClr val="accent6"/>
+            </a:effectRef>
+            <a:fontRef idx="minor">
+              <a:schemeClr val="lt1"/>
+            </a:fontRef>
+          </p:style>
+          <p:txBody>
+            <a:bodyPr rtlCol="0" anchor="ctr"/>
+            <a:lstStyle/>
+            <a:p>
+              <a:pPr algn="ctr"/>
+              <a:endParaRPr lang="en-IN" sz="2000" b="1">
+                <a:solidFill>
+                  <a:srgbClr val="FFD13F"/>
+                </a:solidFill>
+              </a:endParaRPr>
+            </a:p>
+          </p:txBody>
+        </p:sp>
+        <p:sp>
+          <p:nvSpPr>
+            <p:cNvPr id="75" name="Rectangle 74"/>
+            <p:cNvSpPr/>
+            <p:nvPr/>
+          </p:nvSpPr>
+          <p:spPr>
+            <a:xfrm>
+              <a:off x="6588224" y="322941"/>
+              <a:ext cx="270030" cy="45719"/>
+            </a:xfrm>
+            <a:prstGeom prst="rect">
+              <a:avLst/>
+            </a:prstGeom>
+            <a:solidFill>
+              <a:srgbClr val="F4EE00"/>
+            </a:solidFill>
+            <a:ln>
+              <a:noFill/>
+            </a:ln>
+            <a:scene3d>
+              <a:camera prst="orthographicFront">
+                <a:rot lat="0" lon="0" rev="3600000"/>
+              </a:camera>
+              <a:lightRig rig="threePt" dir="t">
+                <a:rot lat="0" lon="0" rev="1200000"/>
+              </a:lightRig>
+            </a:scene3d>
+            <a:sp3d>
+              <a:bevelT w="63500" h="25400"/>
+            </a:sp3d>
+          </p:spPr>
+          <p:style>
+            <a:lnRef idx="0">
+              <a:schemeClr val="accent6"/>
+            </a:lnRef>
+            <a:fillRef idx="3">
+              <a:schemeClr val="accent6"/>
+            </a:fillRef>
+            <a:effectRef idx="3">
+              <a:schemeClr val="accent6"/>
+            </a:effectRef>
+            <a:fontRef idx="minor">
+              <a:schemeClr val="lt1"/>
+            </a:fontRef>
+          </p:style>
+          <p:txBody>
+            <a:bodyPr rtlCol="0" anchor="ctr"/>
+            <a:lstStyle/>
+            <a:p>
+              <a:pPr algn="ctr"/>
+              <a:endParaRPr lang="en-IN" sz="2000" b="1">
+                <a:solidFill>
+                  <a:srgbClr val="FFD13F"/>
+                </a:solidFill>
+              </a:endParaRPr>
+            </a:p>
+          </p:txBody>
+        </p:sp>
+        <p:sp>
+          <p:nvSpPr>
+            <p:cNvPr id="76" name="Rectangle 75"/>
+            <p:cNvSpPr/>
+            <p:nvPr/>
+          </p:nvSpPr>
+          <p:spPr>
+            <a:xfrm>
+              <a:off x="5850142" y="322941"/>
+              <a:ext cx="270030" cy="45719"/>
+            </a:xfrm>
+            <a:prstGeom prst="rect">
+              <a:avLst/>
+            </a:prstGeom>
+            <a:solidFill>
+              <a:srgbClr val="F4EE00"/>
+            </a:solidFill>
+            <a:ln>
+              <a:noFill/>
+            </a:ln>
+            <a:scene3d>
+              <a:camera prst="orthographicFront">
+                <a:rot lat="0" lon="0" rev="7200000"/>
+              </a:camera>
+              <a:lightRig rig="threePt" dir="t">
+                <a:rot lat="0" lon="0" rev="1200000"/>
+              </a:lightRig>
+            </a:scene3d>
+            <a:sp3d>
+              <a:bevelT w="63500" h="25400"/>
+            </a:sp3d>
+          </p:spPr>
+          <p:style>
+            <a:lnRef idx="0">
+              <a:schemeClr val="accent6"/>
+            </a:lnRef>
+            <a:fillRef idx="3">
+              <a:schemeClr val="accent6"/>
+            </a:fillRef>
+            <a:effectRef idx="3">
+              <a:schemeClr val="accent6"/>
+            </a:effectRef>
+            <a:fontRef idx="minor">
+              <a:schemeClr val="lt1"/>
+            </a:fontRef>
+          </p:style>
+          <p:txBody>
+            <a:bodyPr rtlCol="0" anchor="ctr"/>
+            <a:lstStyle/>
+            <a:p>
+              <a:pPr algn="ctr"/>
+              <a:endParaRPr lang="en-IN" sz="2000" b="1">
+                <a:solidFill>
+                  <a:srgbClr val="FFD13F"/>
+                </a:solidFill>
+              </a:endParaRPr>
+            </a:p>
+          </p:txBody>
+        </p:sp>
+        <p:sp>
+          <p:nvSpPr>
+            <p:cNvPr id="77" name="Rectangle 76"/>
+            <p:cNvSpPr/>
+            <p:nvPr/>
+          </p:nvSpPr>
+          <p:spPr>
+            <a:xfrm>
+              <a:off x="5544108" y="682981"/>
+              <a:ext cx="270030" cy="45719"/>
+            </a:xfrm>
+            <a:prstGeom prst="rect">
+              <a:avLst/>
+            </a:prstGeom>
+            <a:solidFill>
+              <a:srgbClr val="F4EE00"/>
+            </a:solidFill>
+            <a:ln>
+              <a:noFill/>
+            </a:ln>
+            <a:scene3d>
+              <a:camera prst="orthographicFront">
+                <a:rot lat="0" lon="0" rev="9000000"/>
+              </a:camera>
+              <a:lightRig rig="threePt" dir="t">
+                <a:rot lat="0" lon="0" rev="1200000"/>
+              </a:lightRig>
+            </a:scene3d>
+            <a:sp3d>
+              <a:bevelT w="63500" h="25400"/>
+            </a:sp3d>
+          </p:spPr>
+          <p:style>
+            <a:lnRef idx="0">
+              <a:schemeClr val="accent6"/>
+            </a:lnRef>
+            <a:fillRef idx="3">
+              <a:schemeClr val="accent6"/>
+            </a:fillRef>
+            <a:effectRef idx="3">
+              <a:schemeClr val="accent6"/>
+            </a:effectRef>
+            <a:fontRef idx="minor">
+              <a:schemeClr val="lt1"/>
+            </a:fontRef>
+          </p:style>
+          <p:txBody>
+            <a:bodyPr rtlCol="0" anchor="ctr"/>
+            <a:lstStyle/>
+            <a:p>
+              <a:pPr algn="ctr"/>
+              <a:endParaRPr lang="en-IN" sz="2000" b="1">
+                <a:solidFill>
+                  <a:srgbClr val="FFD13F"/>
+                </a:solidFill>
+              </a:endParaRPr>
+            </a:p>
+          </p:txBody>
+        </p:sp>
+      </p:grpSp>
+      <p:grpSp>
+        <p:nvGrpSpPr>
+          <p:cNvPr id="90" name="Group 89"/>
+          <p:cNvGrpSpPr/>
+          <p:nvPr/>
+        </p:nvGrpSpPr>
+        <p:grpSpPr>
+          <a:xfrm>
+            <a:off x="755636" y="1282132"/>
+            <a:ext cx="884831" cy="778716"/>
+            <a:chOff x="755636" y="1282132"/>
+            <a:chExt cx="884831" cy="778716"/>
+          </a:xfrm>
+        </p:grpSpPr>
+        <p:grpSp>
+          <p:nvGrpSpPr>
+            <p:cNvPr id="78" name="Group 77"/>
+            <p:cNvGrpSpPr/>
+            <p:nvPr/>
+          </p:nvGrpSpPr>
+          <p:grpSpPr>
+            <a:xfrm>
+              <a:off x="1100467" y="1282132"/>
+              <a:ext cx="540000" cy="668947"/>
+              <a:chOff x="1100467" y="1282132"/>
+              <a:chExt cx="540000" cy="668947"/>
+            </a:xfrm>
+            <a:scene3d>
+              <a:camera prst="perspectiveLeft"/>
+              <a:lightRig rig="threePt" dir="t"/>
+            </a:scene3d>
+          </p:grpSpPr>
+          <p:sp>
+            <p:nvSpPr>
+              <p:cNvPr id="80" name="Rounded Rectangle 79"/>
+              <p:cNvSpPr/>
+              <p:nvPr/>
+            </p:nvSpPr>
+            <p:spPr>
+              <a:xfrm>
+                <a:off x="1100467" y="1282132"/>
+                <a:ext cx="540000" cy="668947"/>
+              </a:xfrm>
+              <a:prstGeom prst="roundRect">
+                <a:avLst>
+                  <a:gd name="adj" fmla="val 10434"/>
+                </a:avLst>
+              </a:prstGeom>
+              <a:solidFill>
+                <a:schemeClr val="accent6">
+                  <a:lumMod val="75000"/>
+                </a:schemeClr>
+              </a:solidFill>
+              <a:ln>
+                <a:noFill/>
+              </a:ln>
+            </p:spPr>
+            <p:style>
+              <a:lnRef idx="0">
+                <a:schemeClr val="accent6"/>
+              </a:lnRef>
+              <a:fillRef idx="3">
+                <a:schemeClr val="accent6"/>
+              </a:fillRef>
+              <a:effectRef idx="3">
+                <a:schemeClr val="accent6"/>
+              </a:effectRef>
+              <a:fontRef idx="minor">
+                <a:schemeClr val="lt1"/>
+              </a:fontRef>
+            </p:style>
+            <p:txBody>
+              <a:bodyPr rtlCol="0" anchor="ctr"/>
+              <a:lstStyle/>
+              <a:p>
+                <a:pPr algn="ctr"/>
+                <a:endParaRPr lang="en-IN"/>
+              </a:p>
+            </p:txBody>
+          </p:sp>
+          <p:sp>
+            <p:nvSpPr>
+              <p:cNvPr id="81" name="Rounded Rectangle 80"/>
+              <p:cNvSpPr/>
+              <p:nvPr/>
+            </p:nvSpPr>
+            <p:spPr>
+              <a:xfrm>
+                <a:off x="1136467" y="1317805"/>
+                <a:ext cx="468000" cy="597600"/>
+              </a:xfrm>
+              <a:prstGeom prst="roundRect">
+                <a:avLst>
+                  <a:gd name="adj" fmla="val 4441"/>
+                </a:avLst>
+              </a:prstGeom>
+              <a:solidFill>
+                <a:schemeClr val="bg1"/>
+              </a:solidFill>
+              <a:ln>
+                <a:noFill/>
+              </a:ln>
+              <a:sp3d/>
+            </p:spPr>
+            <p:style>
+              <a:lnRef idx="0">
+                <a:schemeClr val="accent6"/>
+              </a:lnRef>
+              <a:fillRef idx="3">
+                <a:schemeClr val="accent6"/>
+              </a:fillRef>
+              <a:effectRef idx="3">
+                <a:schemeClr val="accent6"/>
+              </a:effectRef>
+              <a:fontRef idx="minor">
+                <a:schemeClr val="lt1"/>
+              </a:fontRef>
+            </p:style>
+            <p:txBody>
+              <a:bodyPr rtlCol="0" anchor="ctr"/>
+              <a:lstStyle/>
+              <a:p>
+                <a:pPr algn="ctr"/>
+                <a:r>
+                  <a:rPr lang="en-US" sz="400" b="1" dirty="0" smtClean="0">
+                    <a:solidFill>
+                      <a:schemeClr val="tx1"/>
+                    </a:solidFill>
+                  </a:rPr>
+                  <a:t>----------------------------------------------------------------------------------------------------------------------------------------</a:t>
+                </a:r>
+              </a:p>
+            </p:txBody>
+          </p:sp>
+        </p:grpSp>
+        <p:grpSp>
+          <p:nvGrpSpPr>
+            <p:cNvPr id="84" name="Group 83"/>
+            <p:cNvGrpSpPr/>
+            <p:nvPr/>
+          </p:nvGrpSpPr>
+          <p:grpSpPr>
+            <a:xfrm>
+              <a:off x="928051" y="1337016"/>
+              <a:ext cx="540000" cy="668947"/>
+              <a:chOff x="1100467" y="1282132"/>
+              <a:chExt cx="540000" cy="668947"/>
+            </a:xfrm>
+            <a:scene3d>
+              <a:camera prst="perspectiveLeft"/>
+              <a:lightRig rig="threePt" dir="t"/>
+            </a:scene3d>
+          </p:grpSpPr>
+          <p:sp>
+            <p:nvSpPr>
+              <p:cNvPr id="85" name="Rounded Rectangle 84"/>
+              <p:cNvSpPr/>
+              <p:nvPr/>
+            </p:nvSpPr>
+            <p:spPr>
+              <a:xfrm>
+                <a:off x="1100467" y="1282132"/>
+                <a:ext cx="540000" cy="668947"/>
+              </a:xfrm>
+              <a:prstGeom prst="roundRect">
+                <a:avLst>
+                  <a:gd name="adj" fmla="val 10434"/>
+                </a:avLst>
+              </a:prstGeom>
+              <a:solidFill>
+                <a:schemeClr val="accent6">
+                  <a:lumMod val="75000"/>
+                </a:schemeClr>
+              </a:solidFill>
+              <a:ln>
+                <a:noFill/>
+              </a:ln>
+            </p:spPr>
+            <p:style>
+              <a:lnRef idx="0">
+                <a:schemeClr val="accent6"/>
+              </a:lnRef>
+              <a:fillRef idx="3">
+                <a:schemeClr val="accent6"/>
+              </a:fillRef>
+              <a:effectRef idx="3">
+                <a:schemeClr val="accent6"/>
+              </a:effectRef>
+              <a:fontRef idx="minor">
+                <a:schemeClr val="lt1"/>
+              </a:fontRef>
+            </p:style>
+            <p:txBody>
+              <a:bodyPr rtlCol="0" anchor="ctr"/>
+              <a:lstStyle/>
+              <a:p>
+                <a:pPr algn="ctr"/>
+                <a:endParaRPr lang="en-IN"/>
+              </a:p>
+            </p:txBody>
+          </p:sp>
+          <p:sp>
+            <p:nvSpPr>
+              <p:cNvPr id="86" name="Rounded Rectangle 85"/>
+              <p:cNvSpPr/>
+              <p:nvPr/>
+            </p:nvSpPr>
+            <p:spPr>
+              <a:xfrm>
+                <a:off x="1136467" y="1317805"/>
+                <a:ext cx="468000" cy="597600"/>
+              </a:xfrm>
+              <a:prstGeom prst="roundRect">
+                <a:avLst>
+                  <a:gd name="adj" fmla="val 4441"/>
+                </a:avLst>
+              </a:prstGeom>
+              <a:solidFill>
+                <a:schemeClr val="bg1"/>
+              </a:solidFill>
+              <a:ln>
+                <a:noFill/>
+              </a:ln>
+              <a:sp3d/>
+            </p:spPr>
+            <p:style>
+              <a:lnRef idx="0">
+                <a:schemeClr val="accent6"/>
+              </a:lnRef>
+              <a:fillRef idx="3">
+                <a:schemeClr val="accent6"/>
+              </a:fillRef>
+              <a:effectRef idx="3">
+                <a:schemeClr val="accent6"/>
+              </a:effectRef>
+              <a:fontRef idx="minor">
+                <a:schemeClr val="lt1"/>
+              </a:fontRef>
+            </p:style>
+            <p:txBody>
+              <a:bodyPr rtlCol="0" anchor="ctr"/>
+              <a:lstStyle/>
+              <a:p>
+                <a:pPr algn="ctr"/>
+                <a:r>
+                  <a:rPr lang="en-US" sz="400" b="1" dirty="0" smtClean="0">
+                    <a:solidFill>
+                      <a:schemeClr val="tx1"/>
+                    </a:solidFill>
+                  </a:rPr>
+                  <a:t>----------------------------------------------------------------------------------------------------------------------------------------</a:t>
+                </a:r>
+              </a:p>
+            </p:txBody>
+          </p:sp>
+        </p:grpSp>
+        <p:grpSp>
+          <p:nvGrpSpPr>
+            <p:cNvPr id="87" name="Group 86"/>
+            <p:cNvGrpSpPr/>
+            <p:nvPr/>
+          </p:nvGrpSpPr>
+          <p:grpSpPr>
+            <a:xfrm>
+              <a:off x="755636" y="1391901"/>
+              <a:ext cx="540000" cy="668947"/>
+              <a:chOff x="1100467" y="1282132"/>
+              <a:chExt cx="540000" cy="668947"/>
+            </a:xfrm>
+            <a:scene3d>
+              <a:camera prst="perspectiveLeft"/>
+              <a:lightRig rig="threePt" dir="t"/>
+            </a:scene3d>
+          </p:grpSpPr>
+          <p:sp>
+            <p:nvSpPr>
+              <p:cNvPr id="88" name="Rounded Rectangle 87"/>
+              <p:cNvSpPr/>
+              <p:nvPr/>
+            </p:nvSpPr>
+            <p:spPr>
+              <a:xfrm>
+                <a:off x="1100467" y="1282132"/>
+                <a:ext cx="540000" cy="668947"/>
+              </a:xfrm>
+              <a:prstGeom prst="roundRect">
+                <a:avLst>
+                  <a:gd name="adj" fmla="val 10434"/>
+                </a:avLst>
+              </a:prstGeom>
+              <a:solidFill>
+                <a:schemeClr val="accent6">
+                  <a:lumMod val="75000"/>
+                </a:schemeClr>
+              </a:solidFill>
+              <a:ln>
+                <a:noFill/>
+              </a:ln>
+            </p:spPr>
+            <p:style>
+              <a:lnRef idx="0">
+                <a:schemeClr val="accent6"/>
+              </a:lnRef>
+              <a:fillRef idx="3">
+                <a:schemeClr val="accent6"/>
+              </a:fillRef>
+              <a:effectRef idx="3">
+                <a:schemeClr val="accent6"/>
+              </a:effectRef>
+              <a:fontRef idx="minor">
+                <a:schemeClr val="lt1"/>
+              </a:fontRef>
+            </p:style>
+            <p:txBody>
+              <a:bodyPr rtlCol="0" anchor="ctr"/>
+              <a:lstStyle/>
+              <a:p>
+                <a:pPr algn="ctr"/>
+                <a:endParaRPr lang="en-IN"/>
+              </a:p>
+            </p:txBody>
+          </p:sp>
+          <p:sp>
+            <p:nvSpPr>
+              <p:cNvPr id="89" name="Rounded Rectangle 88"/>
+              <p:cNvSpPr/>
+              <p:nvPr/>
+            </p:nvSpPr>
+            <p:spPr>
+              <a:xfrm>
+                <a:off x="1136467" y="1317805"/>
+                <a:ext cx="468000" cy="597600"/>
+              </a:xfrm>
+              <a:prstGeom prst="roundRect">
+                <a:avLst>
+                  <a:gd name="adj" fmla="val 4441"/>
+                </a:avLst>
+              </a:prstGeom>
+              <a:solidFill>
+                <a:schemeClr val="bg1"/>
+              </a:solidFill>
+              <a:ln>
+                <a:noFill/>
+              </a:ln>
+              <a:sp3d/>
+            </p:spPr>
+            <p:style>
+              <a:lnRef idx="0">
+                <a:schemeClr val="accent6"/>
+              </a:lnRef>
+              <a:fillRef idx="3">
+                <a:schemeClr val="accent6"/>
+              </a:fillRef>
+              <a:effectRef idx="3">
+                <a:schemeClr val="accent6"/>
+              </a:effectRef>
+              <a:fontRef idx="minor">
+                <a:schemeClr val="lt1"/>
+              </a:fontRef>
+            </p:style>
+            <p:txBody>
+              <a:bodyPr rtlCol="0" anchor="ctr"/>
+              <a:lstStyle/>
+              <a:p>
+                <a:pPr algn="ctr"/>
+                <a:r>
+                  <a:rPr lang="en-US" sz="400" b="1" dirty="0" smtClean="0">
+                    <a:solidFill>
+                      <a:schemeClr val="tx1"/>
+                    </a:solidFill>
+                  </a:rPr>
+                  <a:t>----------------------------------------------------------------------------------------------------------------------------------------</a:t>
+                </a:r>
+              </a:p>
+            </p:txBody>
+          </p:sp>
+        </p:grpSp>
+      </p:grpSp>
+      <p:grpSp>
+        <p:nvGrpSpPr>
+          <p:cNvPr id="103" name="Group 102"/>
+          <p:cNvGrpSpPr/>
+          <p:nvPr/>
+        </p:nvGrpSpPr>
+        <p:grpSpPr>
+          <a:xfrm>
+            <a:off x="1727744" y="1985385"/>
+            <a:ext cx="540000" cy="723535"/>
+            <a:chOff x="1727744" y="1985385"/>
+            <a:chExt cx="540000" cy="723535"/>
+          </a:xfrm>
+        </p:grpSpPr>
+        <p:grpSp>
+          <p:nvGrpSpPr>
+            <p:cNvPr id="95" name="Group 94"/>
+            <p:cNvGrpSpPr/>
+            <p:nvPr/>
+          </p:nvGrpSpPr>
+          <p:grpSpPr>
+            <a:xfrm>
+              <a:off x="1727744" y="2039973"/>
+              <a:ext cx="540000" cy="668947"/>
+              <a:chOff x="1100467" y="1282132"/>
+              <a:chExt cx="540000" cy="668947"/>
+            </a:xfrm>
+            <a:scene3d>
+              <a:camera prst="perspectiveLeft"/>
+              <a:lightRig rig="threePt" dir="t"/>
+            </a:scene3d>
+          </p:grpSpPr>
+          <p:sp>
+            <p:nvSpPr>
+              <p:cNvPr id="96" name="Rounded Rectangle 95"/>
+              <p:cNvSpPr/>
+              <p:nvPr/>
+            </p:nvSpPr>
+            <p:spPr>
+              <a:xfrm>
+                <a:off x="1100467" y="1282132"/>
+                <a:ext cx="540000" cy="668947"/>
+              </a:xfrm>
+              <a:prstGeom prst="roundRect">
+                <a:avLst>
+                  <a:gd name="adj" fmla="val 10434"/>
+                </a:avLst>
+              </a:prstGeom>
+              <a:solidFill>
+                <a:schemeClr val="accent6">
+                  <a:lumMod val="75000"/>
+                </a:schemeClr>
+              </a:solidFill>
+              <a:ln>
+                <a:noFill/>
+              </a:ln>
+            </p:spPr>
+            <p:style>
+              <a:lnRef idx="0">
+                <a:schemeClr val="accent6"/>
+              </a:lnRef>
+              <a:fillRef idx="3">
+                <a:schemeClr val="accent6"/>
+              </a:fillRef>
+              <a:effectRef idx="3">
+                <a:schemeClr val="accent6"/>
+              </a:effectRef>
+              <a:fontRef idx="minor">
+                <a:schemeClr val="lt1"/>
+              </a:fontRef>
+            </p:style>
+            <p:txBody>
+              <a:bodyPr rtlCol="0" anchor="ctr"/>
+              <a:lstStyle/>
+              <a:p>
+                <a:pPr algn="ctr"/>
+                <a:endParaRPr lang="en-IN"/>
+              </a:p>
+            </p:txBody>
+          </p:sp>
+          <p:sp>
+            <p:nvSpPr>
+              <p:cNvPr id="97" name="Rounded Rectangle 96"/>
+              <p:cNvSpPr/>
+              <p:nvPr/>
+            </p:nvSpPr>
+            <p:spPr>
+              <a:xfrm>
+                <a:off x="1136467" y="1317805"/>
+                <a:ext cx="468000" cy="597600"/>
+              </a:xfrm>
+              <a:prstGeom prst="roundRect">
+                <a:avLst>
+                  <a:gd name="adj" fmla="val 4441"/>
+                </a:avLst>
+              </a:prstGeom>
+              <a:solidFill>
+                <a:schemeClr val="bg1"/>
+              </a:solidFill>
+              <a:ln>
+                <a:noFill/>
+              </a:ln>
+              <a:sp3d/>
+            </p:spPr>
+            <p:style>
+              <a:lnRef idx="0">
+                <a:schemeClr val="accent6"/>
+              </a:lnRef>
+              <a:fillRef idx="3">
+                <a:schemeClr val="accent6"/>
+              </a:fillRef>
+              <a:effectRef idx="3">
+                <a:schemeClr val="accent6"/>
+              </a:effectRef>
+              <a:fontRef idx="minor">
+                <a:schemeClr val="lt1"/>
+              </a:fontRef>
+            </p:style>
+            <p:txBody>
+              <a:bodyPr rtlCol="0" anchor="ctr"/>
+              <a:lstStyle/>
+              <a:p>
+                <a:pPr algn="ctr"/>
+                <a:r>
+                  <a:rPr lang="en-US" sz="400" b="1" dirty="0" smtClean="0">
+                    <a:solidFill>
+                      <a:schemeClr val="tx1"/>
+                    </a:solidFill>
+                  </a:rPr>
+                  <a:t>----------------------------------------------------------------------------------------------------------------------------------------</a:t>
+                </a:r>
+              </a:p>
+            </p:txBody>
+          </p:sp>
+        </p:grpSp>
+        <p:sp>
+          <p:nvSpPr>
+            <p:cNvPr id="91" name="Rectangle 90"/>
+            <p:cNvSpPr/>
+            <p:nvPr/>
+          </p:nvSpPr>
+          <p:spPr>
+            <a:xfrm>
+              <a:off x="1794368" y="2042598"/>
+              <a:ext cx="406753" cy="64559"/>
+            </a:xfrm>
+            <a:prstGeom prst="rect">
+              <a:avLst/>
+            </a:prstGeom>
+            <a:solidFill>
+              <a:schemeClr val="tx1">
+                <a:lumMod val="50000"/>
+                <a:lumOff val="50000"/>
+              </a:schemeClr>
+            </a:solidFill>
+            <a:ln>
+              <a:noFill/>
+            </a:ln>
+          </p:spPr>
+          <p:style>
+            <a:lnRef idx="0">
+              <a:schemeClr val="accent6"/>
+            </a:lnRef>
+            <a:fillRef idx="3">
+              <a:schemeClr val="accent6"/>
+            </a:fillRef>
+            <a:effectRef idx="3">
+              <a:schemeClr val="accent6"/>
+            </a:effectRef>
+            <a:fontRef idx="minor">
+              <a:schemeClr val="lt1"/>
+            </a:fontRef>
+          </p:style>
+          <p:txBody>
+            <a:bodyPr rtlCol="0" anchor="ctr"/>
+            <a:lstStyle/>
+            <a:p>
+              <a:pPr algn="ctr"/>
+              <a:endParaRPr lang="en-IN"/>
+            </a:p>
+          </p:txBody>
+        </p:sp>
+        <p:sp>
+          <p:nvSpPr>
+            <p:cNvPr id="102" name="Oval 101"/>
+            <p:cNvSpPr/>
+            <p:nvPr/>
+          </p:nvSpPr>
+          <p:spPr>
+            <a:xfrm>
+              <a:off x="1943738" y="1985385"/>
+              <a:ext cx="108012" cy="71967"/>
+            </a:xfrm>
+            <a:prstGeom prst="ellipse">
+              <a:avLst/>
+            </a:prstGeom>
+            <a:solidFill>
+              <a:schemeClr val="tx1">
+                <a:lumMod val="50000"/>
+                <a:lumOff val="50000"/>
+              </a:schemeClr>
+            </a:solidFill>
+            <a:ln>
+              <a:noFill/>
+            </a:ln>
+          </p:spPr>
+          <p:style>
+            <a:lnRef idx="0">
+              <a:schemeClr val="accent6"/>
+            </a:lnRef>
+            <a:fillRef idx="3">
+              <a:schemeClr val="accent6"/>
+            </a:fillRef>
+            <a:effectRef idx="3">
+              <a:schemeClr val="accent6"/>
+            </a:effectRef>
+            <a:fontRef idx="minor">
+              <a:schemeClr val="lt1"/>
+            </a:fontRef>
+          </p:style>
+          <p:txBody>
+            <a:bodyPr rtlCol="0" anchor="ctr"/>
+            <a:lstStyle/>
+            <a:p>
+              <a:pPr algn="ctr"/>
+              <a:endParaRPr lang="en-IN"/>
+            </a:p>
+          </p:txBody>
+        </p:sp>
+        <p:sp>
+          <p:nvSpPr>
+            <p:cNvPr id="104" name="Oval 103"/>
+            <p:cNvSpPr/>
+            <p:nvPr/>
+          </p:nvSpPr>
+          <p:spPr>
+            <a:xfrm>
+              <a:off x="2012817" y="2096852"/>
+              <a:ext cx="215964" cy="180020"/>
+            </a:xfrm>
+            <a:prstGeom prst="ellipse">
+              <a:avLst/>
+            </a:prstGeom>
+            <a:noFill/>
+            <a:ln/>
+            <a:scene3d>
+              <a:camera prst="isometricOffAxis1Right"/>
+              <a:lightRig rig="threePt" dir="t">
+                <a:rot lat="0" lon="0" rev="1200000"/>
+              </a:lightRig>
+            </a:scene3d>
+            <a:sp3d>
+              <a:bevelT w="63500" h="25400"/>
+            </a:sp3d>
+          </p:spPr>
+          <p:style>
+            <a:lnRef idx="0">
+              <a:schemeClr val="accent6"/>
+            </a:lnRef>
+            <a:fillRef idx="3">
+              <a:schemeClr val="accent6"/>
+            </a:fillRef>
+            <a:effectRef idx="3">
+              <a:schemeClr val="accent6"/>
+            </a:effectRef>
+            <a:fontRef idx="minor">
+              <a:schemeClr val="lt1"/>
+            </a:fontRef>
+          </p:style>
+          <p:txBody>
+            <a:bodyPr rtlCol="0" anchor="ctr">
+              <a:sp3d extrusionH="57150">
+                <a:bevelT w="38100" h="38100"/>
+              </a:sp3d>
+            </a:bodyPr>
+            <a:lstStyle/>
+            <a:p>
+              <a:pPr algn="ctr"/>
+              <a:r>
+                <a:rPr lang="en-US" sz="1200" b="1" dirty="0">
+                  <a:ln>
+                    <a:solidFill>
+                      <a:srgbClr val="009600"/>
+                    </a:solidFill>
+                  </a:ln>
+                  <a:solidFill>
+                    <a:srgbClr val="009600"/>
+                  </a:solidFill>
+                  <a:latin typeface="Cooper Black" panose="0208090404030B020404" pitchFamily="18" charset="0"/>
+                  <a:sym typeface="Wingdings"/>
+                </a:rPr>
+                <a:t></a:t>
+              </a:r>
+              <a:endParaRPr lang="en-IN" sz="1200" b="1" dirty="0">
+                <a:ln>
+                  <a:solidFill>
+                    <a:srgbClr val="009600"/>
+                  </a:solidFill>
+                </a:ln>
+                <a:solidFill>
+                  <a:srgbClr val="009600"/>
+                </a:solidFill>
+                <a:latin typeface="Cooper Black" panose="0208090404030B020404" pitchFamily="18" charset="0"/>
+              </a:endParaRPr>
+            </a:p>
+          </p:txBody>
+        </p:sp>
+        <p:sp>
+          <p:nvSpPr>
+            <p:cNvPr id="105" name="Oval 104"/>
+            <p:cNvSpPr/>
+            <p:nvPr/>
+          </p:nvSpPr>
+          <p:spPr>
+            <a:xfrm>
+              <a:off x="2015776" y="2204864"/>
+              <a:ext cx="215964" cy="180020"/>
+            </a:xfrm>
+            <a:prstGeom prst="ellipse">
+              <a:avLst/>
+            </a:prstGeom>
+            <a:noFill/>
+            <a:ln/>
+            <a:scene3d>
+              <a:camera prst="isometricOffAxis1Right"/>
+              <a:lightRig rig="threePt" dir="t">
+                <a:rot lat="0" lon="0" rev="1200000"/>
+              </a:lightRig>
+            </a:scene3d>
+            <a:sp3d>
+              <a:bevelT w="63500" h="25400"/>
+            </a:sp3d>
+          </p:spPr>
+          <p:style>
+            <a:lnRef idx="0">
+              <a:schemeClr val="accent6"/>
+            </a:lnRef>
+            <a:fillRef idx="3">
+              <a:schemeClr val="accent6"/>
+            </a:fillRef>
+            <a:effectRef idx="3">
+              <a:schemeClr val="accent6"/>
+            </a:effectRef>
+            <a:fontRef idx="minor">
+              <a:schemeClr val="lt1"/>
+            </a:fontRef>
+          </p:style>
+          <p:txBody>
+            <a:bodyPr rtlCol="0" anchor="ctr">
+              <a:sp3d extrusionH="57150">
+                <a:bevelT w="38100" h="38100"/>
+              </a:sp3d>
+            </a:bodyPr>
+            <a:lstStyle/>
+            <a:p>
+              <a:pPr algn="ctr"/>
+              <a:r>
+                <a:rPr lang="en-US" sz="1200" b="1" dirty="0">
+                  <a:ln>
+                    <a:solidFill>
+                      <a:srgbClr val="009600"/>
+                    </a:solidFill>
+                  </a:ln>
+                  <a:solidFill>
+                    <a:srgbClr val="009600"/>
+                  </a:solidFill>
+                  <a:latin typeface="Cooper Black" panose="0208090404030B020404" pitchFamily="18" charset="0"/>
+                  <a:sym typeface="Wingdings"/>
+                </a:rPr>
+                <a:t></a:t>
+              </a:r>
+              <a:endParaRPr lang="en-IN" sz="1200" b="1" dirty="0">
+                <a:ln>
+                  <a:solidFill>
+                    <a:srgbClr val="009600"/>
+                  </a:solidFill>
+                </a:ln>
+                <a:solidFill>
+                  <a:srgbClr val="009600"/>
+                </a:solidFill>
+                <a:latin typeface="Cooper Black" panose="0208090404030B020404" pitchFamily="18" charset="0"/>
+              </a:endParaRPr>
+            </a:p>
+          </p:txBody>
+        </p:sp>
+        <p:sp>
+          <p:nvSpPr>
+            <p:cNvPr id="106" name="Oval 105"/>
+            <p:cNvSpPr/>
+            <p:nvPr/>
+          </p:nvSpPr>
+          <p:spPr>
+            <a:xfrm>
+              <a:off x="2015716" y="2312876"/>
+              <a:ext cx="215964" cy="180020"/>
+            </a:xfrm>
+            <a:prstGeom prst="ellipse">
+              <a:avLst/>
+            </a:prstGeom>
+            <a:noFill/>
+            <a:ln/>
+            <a:scene3d>
+              <a:camera prst="isometricOffAxis1Right"/>
+              <a:lightRig rig="threePt" dir="t">
+                <a:rot lat="0" lon="0" rev="1200000"/>
+              </a:lightRig>
+            </a:scene3d>
+            <a:sp3d>
+              <a:bevelT w="63500" h="25400"/>
+            </a:sp3d>
+          </p:spPr>
+          <p:style>
+            <a:lnRef idx="0">
+              <a:schemeClr val="accent6"/>
+            </a:lnRef>
+            <a:fillRef idx="3">
+              <a:schemeClr val="accent6"/>
+            </a:fillRef>
+            <a:effectRef idx="3">
+              <a:schemeClr val="accent6"/>
+            </a:effectRef>
+            <a:fontRef idx="minor">
+              <a:schemeClr val="lt1"/>
+            </a:fontRef>
+          </p:style>
+          <p:txBody>
+            <a:bodyPr rtlCol="0" anchor="ctr">
+              <a:sp3d extrusionH="57150">
+                <a:bevelT w="38100" h="38100"/>
+              </a:sp3d>
+            </a:bodyPr>
+            <a:lstStyle/>
+            <a:p>
+              <a:pPr algn="ctr"/>
+              <a:r>
+                <a:rPr lang="en-US" sz="1200" b="1" dirty="0">
+                  <a:ln>
+                    <a:solidFill>
+                      <a:srgbClr val="009600"/>
+                    </a:solidFill>
+                  </a:ln>
+                  <a:solidFill>
+                    <a:srgbClr val="009600"/>
+                  </a:solidFill>
+                  <a:latin typeface="Cooper Black" panose="0208090404030B020404" pitchFamily="18" charset="0"/>
+                  <a:sym typeface="Wingdings"/>
+                </a:rPr>
+                <a:t></a:t>
+              </a:r>
+              <a:endParaRPr lang="en-IN" sz="1200" b="1" dirty="0">
+                <a:ln>
+                  <a:solidFill>
+                    <a:srgbClr val="009600"/>
+                  </a:solidFill>
+                </a:ln>
+                <a:solidFill>
+                  <a:srgbClr val="009600"/>
+                </a:solidFill>
+                <a:latin typeface="Cooper Black" panose="0208090404030B020404" pitchFamily="18" charset="0"/>
+              </a:endParaRPr>
+            </a:p>
+          </p:txBody>
+        </p:sp>
+      </p:grpSp>
+      <p:sp>
+        <p:nvSpPr>
+          <p:cNvPr id="57" name="Oval 56"/>
+          <p:cNvSpPr/>
+          <p:nvPr/>
+        </p:nvSpPr>
+        <p:spPr>
+          <a:xfrm>
+            <a:off x="4422914" y="3032956"/>
+            <a:ext cx="761154" cy="684076"/>
+          </a:xfrm>
+          <a:prstGeom prst="ellipse">
+            <a:avLst/>
+          </a:prstGeom>
+          <a:noFill/>
+          <a:ln/>
+          <a:scene3d>
+            <a:camera prst="orthographicFront"/>
+            <a:lightRig rig="threePt" dir="t">
+              <a:rot lat="0" lon="0" rev="1200000"/>
+            </a:lightRig>
+          </a:scene3d>
+          <a:sp3d>
+            <a:bevelT w="63500" h="25400"/>
+          </a:sp3d>
+        </p:spPr>
+        <p:style>
+          <a:lnRef idx="0">
+            <a:schemeClr val="accent6"/>
+          </a:lnRef>
+          <a:fillRef idx="3">
+            <a:schemeClr val="accent6"/>
+          </a:fillRef>
+          <a:effectRef idx="3">
+            <a:schemeClr val="accent6"/>
+          </a:effectRef>
+          <a:fontRef idx="minor">
+            <a:schemeClr val="lt1"/>
+          </a:fontRef>
+        </p:style>
+        <p:txBody>
+          <a:bodyPr rtlCol="0" anchor="ctr">
+            <a:sp3d/>
+          </a:bodyPr>
+          <a:lstStyle/>
+          <a:p>
+            <a:pPr algn="ctr"/>
+            <a:r>
+              <a:rPr lang="en-US" sz="6000" b="1" dirty="0">
+                <a:ln>
+                  <a:solidFill>
+                    <a:schemeClr val="bg2"/>
+                  </a:solidFill>
+                </a:ln>
+                <a:solidFill>
+                  <a:schemeClr val="tx1"/>
+                </a:solidFill>
+                <a:latin typeface="Cooper Black" panose="0208090404030B020404" pitchFamily="18" charset="0"/>
+                <a:sym typeface="Webdings"/>
+              </a:rPr>
+              <a:t></a:t>
+            </a:r>
+            <a:endParaRPr lang="en-IN" sz="6000" b="1" dirty="0">
+              <a:ln>
+                <a:solidFill>
+                  <a:schemeClr val="bg2"/>
+                </a:solidFill>
+              </a:ln>
+              <a:solidFill>
+                <a:schemeClr val="tx1"/>
+              </a:solidFill>
+              <a:latin typeface="Cooper Black" panose="0208090404030B020404" pitchFamily="18" charset="0"/>
+            </a:endParaRPr>
+          </a:p>
+        </p:txBody>
+      </p:sp>
+      <p:sp>
+        <p:nvSpPr>
+          <p:cNvPr id="56" name="Oval 55"/>
+          <p:cNvSpPr/>
+          <p:nvPr/>
+        </p:nvSpPr>
+        <p:spPr>
+          <a:xfrm>
+            <a:off x="2879812" y="3861048"/>
+            <a:ext cx="761154" cy="684076"/>
+          </a:xfrm>
+          <a:prstGeom prst="ellipse">
+            <a:avLst/>
+          </a:prstGeom>
+          <a:noFill/>
+          <a:ln/>
+          <a:scene3d>
+            <a:camera prst="isometricOffAxis1Right"/>
+            <a:lightRig rig="threePt" dir="t">
+              <a:rot lat="0" lon="0" rev="1200000"/>
+            </a:lightRig>
+          </a:scene3d>
+          <a:sp3d>
+            <a:bevelT w="63500" h="25400"/>
+          </a:sp3d>
+        </p:spPr>
+        <p:style>
+          <a:lnRef idx="0">
+            <a:schemeClr val="accent6"/>
+          </a:lnRef>
+          <a:fillRef idx="3">
+            <a:schemeClr val="accent6"/>
+          </a:fillRef>
+          <a:effectRef idx="3">
+            <a:schemeClr val="accent6"/>
+          </a:effectRef>
+          <a:fontRef idx="minor">
+            <a:schemeClr val="lt1"/>
+          </a:fontRef>
+        </p:style>
+        <p:txBody>
+          <a:bodyPr rtlCol="0" anchor="ctr">
+            <a:sp3d extrusionH="57150">
+              <a:bevelT w="38100" h="38100"/>
+            </a:sp3d>
+          </a:bodyPr>
+          <a:lstStyle/>
+          <a:p>
+            <a:pPr algn="ctr"/>
+            <a:r>
+              <a:rPr lang="en-US" sz="2000" b="1" dirty="0">
+                <a:ln>
+                  <a:solidFill>
+                    <a:srgbClr val="F4EE00"/>
+                  </a:solidFill>
+                </a:ln>
+                <a:solidFill>
+                  <a:srgbClr val="FFC000"/>
+                </a:solidFill>
+                <a:latin typeface="Cooper Black" panose="0208090404030B020404" pitchFamily="18" charset="0"/>
+              </a:rPr>
+              <a:t>T</a:t>
+            </a:r>
+            <a:endParaRPr lang="en-IN" sz="2000" b="1" dirty="0">
+              <a:ln>
+                <a:solidFill>
+                  <a:srgbClr val="F4EE00"/>
+                </a:solidFill>
+              </a:ln>
+              <a:solidFill>
+                <a:srgbClr val="FFC000"/>
+              </a:solidFill>
+              <a:latin typeface="Cooper Black" panose="0208090404030B020404" pitchFamily="18" charset="0"/>
+            </a:endParaRPr>
+          </a:p>
+        </p:txBody>
+      </p:sp>
+      <p:sp>
+        <p:nvSpPr>
+          <p:cNvPr id="55" name="Oval 54"/>
+          <p:cNvSpPr/>
+          <p:nvPr/>
+        </p:nvSpPr>
+        <p:spPr>
+          <a:xfrm>
+            <a:off x="3107886" y="2564904"/>
+            <a:ext cx="852046" cy="846094"/>
+          </a:xfrm>
+          <a:prstGeom prst="ellipse">
+            <a:avLst/>
+          </a:prstGeom>
+          <a:noFill/>
+          <a:ln/>
+          <a:scene3d>
+            <a:camera prst="isometricOffAxis1Right">
+              <a:rot lat="600000" lon="19200000" rev="1200000"/>
+            </a:camera>
+            <a:lightRig rig="threePt" dir="t">
+              <a:rot lat="0" lon="0" rev="1200000"/>
+            </a:lightRig>
+          </a:scene3d>
+          <a:sp3d>
+            <a:bevelT w="63500" h="25400"/>
+          </a:sp3d>
+        </p:spPr>
+        <p:style>
+          <a:lnRef idx="0">
+            <a:schemeClr val="accent6"/>
+          </a:lnRef>
+          <a:fillRef idx="3">
+            <a:schemeClr val="accent6"/>
+          </a:fillRef>
+          <a:effectRef idx="3">
+            <a:schemeClr val="accent6"/>
+          </a:effectRef>
+          <a:fontRef idx="minor">
+            <a:schemeClr val="lt1"/>
+          </a:fontRef>
+        </p:style>
+        <p:txBody>
+          <a:bodyPr rtlCol="0" anchor="ctr">
+            <a:sp3d extrusionH="57150">
+              <a:bevelT w="38100" h="38100"/>
+            </a:sp3d>
+          </a:bodyPr>
+          <a:lstStyle/>
+          <a:p>
+            <a:pPr algn="ctr"/>
+            <a:r>
+              <a:rPr lang="en-US" sz="6000" b="1" dirty="0" smtClean="0">
+                <a:ln>
+                  <a:solidFill>
+                    <a:srgbClr val="F4EE00"/>
+                  </a:solidFill>
+                </a:ln>
+                <a:solidFill>
+                  <a:srgbClr val="FFC000"/>
+                </a:solidFill>
+                <a:latin typeface="Cooper Black" panose="0208090404030B020404" pitchFamily="18" charset="0"/>
+              </a:rPr>
+              <a:t>Q</a:t>
+            </a:r>
+            <a:endParaRPr lang="en-IN" sz="6000" b="1" dirty="0">
+              <a:ln>
+                <a:solidFill>
+                  <a:srgbClr val="F4EE00"/>
+                </a:solidFill>
+              </a:ln>
+              <a:solidFill>
+                <a:srgbClr val="FFC000"/>
+              </a:solidFill>
+              <a:latin typeface="Cooper Black" panose="0208090404030B020404" pitchFamily="18" charset="0"/>
+            </a:endParaRPr>
+          </a:p>
+        </p:txBody>
+      </p:sp>
     </p:spTree>
     <p:extLst>
       <p:ext uri="{BB962C8B-B14F-4D97-AF65-F5344CB8AC3E}">

--- a/www/static/nittio_res_v39/_icon_sources/icons.pptx
+++ b/www/static/nittio_res_v39/_icon_sources/icons.pptx
@@ -289,7 +289,7 @@
           <a:p>
             <a:fld id="{745A7134-949B-428F-9A82-7D09DE304FD2}" type="datetimeFigureOut">
               <a:rPr lang="en-IN" smtClean="0"/>
-              <a:t>29-10-2015</a:t>
+              <a:t>10-11-2015</a:t>
             </a:fld>
             <a:endParaRPr lang="en-IN"/>
           </a:p>
@@ -459,7 +459,7 @@
           <a:p>
             <a:fld id="{745A7134-949B-428F-9A82-7D09DE304FD2}" type="datetimeFigureOut">
               <a:rPr lang="en-IN" smtClean="0"/>
-              <a:t>29-10-2015</a:t>
+              <a:t>10-11-2015</a:t>
             </a:fld>
             <a:endParaRPr lang="en-IN"/>
           </a:p>
@@ -639,7 +639,7 @@
           <a:p>
             <a:fld id="{745A7134-949B-428F-9A82-7D09DE304FD2}" type="datetimeFigureOut">
               <a:rPr lang="en-IN" smtClean="0"/>
-              <a:t>29-10-2015</a:t>
+              <a:t>10-11-2015</a:t>
             </a:fld>
             <a:endParaRPr lang="en-IN"/>
           </a:p>
@@ -809,7 +809,7 @@
           <a:p>
             <a:fld id="{745A7134-949B-428F-9A82-7D09DE304FD2}" type="datetimeFigureOut">
               <a:rPr lang="en-IN" smtClean="0"/>
-              <a:t>29-10-2015</a:t>
+              <a:t>10-11-2015</a:t>
             </a:fld>
             <a:endParaRPr lang="en-IN"/>
           </a:p>
@@ -1055,7 +1055,7 @@
           <a:p>
             <a:fld id="{745A7134-949B-428F-9A82-7D09DE304FD2}" type="datetimeFigureOut">
               <a:rPr lang="en-IN" smtClean="0"/>
-              <a:t>29-10-2015</a:t>
+              <a:t>10-11-2015</a:t>
             </a:fld>
             <a:endParaRPr lang="en-IN"/>
           </a:p>
@@ -1343,7 +1343,7 @@
           <a:p>
             <a:fld id="{745A7134-949B-428F-9A82-7D09DE304FD2}" type="datetimeFigureOut">
               <a:rPr lang="en-IN" smtClean="0"/>
-              <a:t>29-10-2015</a:t>
+              <a:t>10-11-2015</a:t>
             </a:fld>
             <a:endParaRPr lang="en-IN"/>
           </a:p>
@@ -1765,7 +1765,7 @@
           <a:p>
             <a:fld id="{745A7134-949B-428F-9A82-7D09DE304FD2}" type="datetimeFigureOut">
               <a:rPr lang="en-IN" smtClean="0"/>
-              <a:t>29-10-2015</a:t>
+              <a:t>10-11-2015</a:t>
             </a:fld>
             <a:endParaRPr lang="en-IN"/>
           </a:p>
@@ -1883,7 +1883,7 @@
           <a:p>
             <a:fld id="{745A7134-949B-428F-9A82-7D09DE304FD2}" type="datetimeFigureOut">
               <a:rPr lang="en-IN" smtClean="0"/>
-              <a:t>29-10-2015</a:t>
+              <a:t>10-11-2015</a:t>
             </a:fld>
             <a:endParaRPr lang="en-IN"/>
           </a:p>
@@ -1978,7 +1978,7 @@
           <a:p>
             <a:fld id="{745A7134-949B-428F-9A82-7D09DE304FD2}" type="datetimeFigureOut">
               <a:rPr lang="en-IN" smtClean="0"/>
-              <a:t>29-10-2015</a:t>
+              <a:t>10-11-2015</a:t>
             </a:fld>
             <a:endParaRPr lang="en-IN"/>
           </a:p>
@@ -2255,7 +2255,7 @@
           <a:p>
             <a:fld id="{745A7134-949B-428F-9A82-7D09DE304FD2}" type="datetimeFigureOut">
               <a:rPr lang="en-IN" smtClean="0"/>
-              <a:t>29-10-2015</a:t>
+              <a:t>10-11-2015</a:t>
             </a:fld>
             <a:endParaRPr lang="en-IN"/>
           </a:p>
@@ -2508,7 +2508,7 @@
           <a:p>
             <a:fld id="{745A7134-949B-428F-9A82-7D09DE304FD2}" type="datetimeFigureOut">
               <a:rPr lang="en-IN" smtClean="0"/>
-              <a:t>29-10-2015</a:t>
+              <a:t>10-11-2015</a:t>
             </a:fld>
             <a:endParaRPr lang="en-IN"/>
           </a:p>
@@ -2721,7 +2721,7 @@
           <a:p>
             <a:fld id="{745A7134-949B-428F-9A82-7D09DE304FD2}" type="datetimeFigureOut">
               <a:rPr lang="en-IN" smtClean="0"/>
-              <a:t>29-10-2015</a:t>
+              <a:t>10-11-2015</a:t>
             </a:fld>
             <a:endParaRPr lang="en-IN"/>
           </a:p>
@@ -3678,16 +3678,7 @@
                 </a:solidFill>
                 <a:sym typeface="Wingdings"/>
               </a:rPr>
-              <a:t> Q ? ! &gt; &amp; $ # </a:t>
-            </a:r>
-            <a:r>
-              <a:rPr lang="en-US" dirty="0" smtClean="0">
-                <a:solidFill>
-                  <a:schemeClr val="tx1"/>
-                </a:solidFill>
-                <a:sym typeface="Wingdings"/>
-              </a:rPr>
-              <a:t></a:t>
+              <a:t> Q ? ! &gt; &amp; $ # </a:t>
             </a:r>
             <a:r>
               <a:rPr lang="en-US" dirty="0" smtClean="0">
@@ -12633,6 +12624,275 @@
           </a:p>
         </p:txBody>
       </p:sp>
+      <p:grpSp>
+        <p:nvGrpSpPr>
+          <p:cNvPr id="58" name="Group 57"/>
+          <p:cNvGrpSpPr/>
+          <p:nvPr/>
+        </p:nvGrpSpPr>
+        <p:grpSpPr>
+          <a:xfrm>
+            <a:off x="6166532" y="2394114"/>
+            <a:ext cx="2606845" cy="2585831"/>
+            <a:chOff x="794995" y="1131200"/>
+            <a:chExt cx="2606845" cy="2585831"/>
+          </a:xfrm>
+        </p:grpSpPr>
+        <p:pic>
+          <p:nvPicPr>
+            <p:cNvPr id="59" name="Picture 2"/>
+            <p:cNvPicPr>
+              <a:picLocks noChangeAspect="1" noChangeArrowheads="1"/>
+            </p:cNvPicPr>
+            <p:nvPr/>
+          </p:nvPicPr>
+          <p:blipFill rotWithShape="1">
+            <a:blip r:embed="rId3">
+              <a:extLst>
+                <a:ext uri="{28A0092B-C50C-407E-A947-70E740481C1C}">
+                  <a14:useLocalDpi xmlns:a14="http://schemas.microsoft.com/office/drawing/2010/main" val="0"/>
+                </a:ext>
+              </a:extLst>
+            </a:blip>
+            <a:srcRect l="18545" t="3179" r="25800" b="2992"/>
+            <a:stretch/>
+          </p:blipFill>
+          <p:spPr bwMode="auto">
+            <a:xfrm>
+              <a:off x="850208" y="1131200"/>
+              <a:ext cx="2551632" cy="2585831"/>
+            </a:xfrm>
+            <a:prstGeom prst="rect">
+              <a:avLst/>
+            </a:prstGeom>
+            <a:noFill/>
+            <a:ln>
+              <a:noFill/>
+            </a:ln>
+            <a:effectLst/>
+            <a:extLst>
+              <a:ext uri="{909E8E84-426E-40DD-AFC4-6F175D3DCCD1}">
+                <a14:hiddenFill xmlns:a14="http://schemas.microsoft.com/office/drawing/2010/main">
+                  <a:solidFill>
+                    <a:schemeClr val="accent1"/>
+                  </a:solidFill>
+                </a14:hiddenFill>
+              </a:ext>
+              <a:ext uri="{91240B29-F687-4F45-9708-019B960494DF}">
+                <a14:hiddenLine xmlns:a14="http://schemas.microsoft.com/office/drawing/2010/main" w="9525">
+                  <a:solidFill>
+                    <a:schemeClr val="tx1"/>
+                  </a:solidFill>
+                  <a:miter lim="800000"/>
+                  <a:headEnd/>
+                  <a:tailEnd/>
+                </a14:hiddenLine>
+              </a:ext>
+              <a:ext uri="{AF507438-7753-43E0-B8FC-AC1667EBCBE1}">
+                <a14:hiddenEffects xmlns:a14="http://schemas.microsoft.com/office/drawing/2010/main">
+                  <a:effectLst>
+                    <a:outerShdw dist="35921" dir="2700000" algn="ctr" rotWithShape="0">
+                      <a:schemeClr val="bg2"/>
+                    </a:outerShdw>
+                  </a:effectLst>
+                </a14:hiddenEffects>
+              </a:ext>
+            </a:extLst>
+          </p:spPr>
+        </p:pic>
+        <p:sp>
+          <p:nvSpPr>
+            <p:cNvPr id="61" name="Oval 60"/>
+            <p:cNvSpPr/>
+            <p:nvPr/>
+          </p:nvSpPr>
+          <p:spPr>
+            <a:xfrm>
+              <a:off x="1789988" y="2092677"/>
+              <a:ext cx="672072" cy="662877"/>
+            </a:xfrm>
+            <a:prstGeom prst="ellipse">
+              <a:avLst/>
+            </a:prstGeom>
+            <a:solidFill>
+              <a:schemeClr val="accent5">
+                <a:lumMod val="75000"/>
+              </a:schemeClr>
+            </a:solidFill>
+            <a:ln/>
+          </p:spPr>
+          <p:style>
+            <a:lnRef idx="0">
+              <a:schemeClr val="accent6"/>
+            </a:lnRef>
+            <a:fillRef idx="3">
+              <a:schemeClr val="accent6"/>
+            </a:fillRef>
+            <a:effectRef idx="3">
+              <a:schemeClr val="accent6"/>
+            </a:effectRef>
+            <a:fontRef idx="minor">
+              <a:schemeClr val="lt1"/>
+            </a:fontRef>
+          </p:style>
+          <p:txBody>
+            <a:bodyPr rtlCol="0" anchor="ctr"/>
+            <a:lstStyle/>
+            <a:p>
+              <a:pPr algn="ctr"/>
+              <a:endParaRPr lang="en-IN" sz="2000" b="1" dirty="0">
+                <a:solidFill>
+                  <a:srgbClr val="FFD13F"/>
+                </a:solidFill>
+              </a:endParaRPr>
+            </a:p>
+          </p:txBody>
+        </p:sp>
+        <p:sp>
+          <p:nvSpPr>
+            <p:cNvPr id="62" name="Right Arrow 61"/>
+            <p:cNvSpPr/>
+            <p:nvPr/>
+          </p:nvSpPr>
+          <p:spPr>
+            <a:xfrm rot="19200000">
+              <a:off x="2253733" y="1780649"/>
+              <a:ext cx="1019124" cy="237775"/>
+            </a:xfrm>
+            <a:prstGeom prst="rightArrow">
+              <a:avLst/>
+            </a:prstGeom>
+            <a:solidFill>
+              <a:schemeClr val="accent5">
+                <a:lumMod val="75000"/>
+              </a:schemeClr>
+            </a:solidFill>
+            <a:ln/>
+          </p:spPr>
+          <p:style>
+            <a:lnRef idx="0">
+              <a:schemeClr val="accent6"/>
+            </a:lnRef>
+            <a:fillRef idx="3">
+              <a:schemeClr val="accent6"/>
+            </a:fillRef>
+            <a:effectRef idx="3">
+              <a:schemeClr val="accent6"/>
+            </a:effectRef>
+            <a:fontRef idx="minor">
+              <a:schemeClr val="lt1"/>
+            </a:fontRef>
+          </p:style>
+          <p:txBody>
+            <a:bodyPr rtlCol="0" anchor="ctr"/>
+            <a:lstStyle/>
+            <a:p>
+              <a:pPr algn="ctr"/>
+              <a:endParaRPr lang="en-IN" sz="2000" b="1">
+                <a:solidFill>
+                  <a:srgbClr val="FFD13F"/>
+                </a:solidFill>
+              </a:endParaRPr>
+            </a:p>
+          </p:txBody>
+        </p:sp>
+        <p:sp>
+          <p:nvSpPr>
+            <p:cNvPr id="63" name="Right Arrow 62"/>
+            <p:cNvSpPr/>
+            <p:nvPr/>
+          </p:nvSpPr>
+          <p:spPr>
+            <a:xfrm rot="3780000">
+              <a:off x="1968927" y="3038173"/>
+              <a:ext cx="1019124" cy="237775"/>
+            </a:xfrm>
+            <a:prstGeom prst="rightArrow">
+              <a:avLst/>
+            </a:prstGeom>
+            <a:solidFill>
+              <a:schemeClr val="accent5">
+                <a:lumMod val="75000"/>
+              </a:schemeClr>
+            </a:solidFill>
+            <a:ln/>
+          </p:spPr>
+          <p:style>
+            <a:lnRef idx="0">
+              <a:schemeClr val="accent6"/>
+            </a:lnRef>
+            <a:fillRef idx="3">
+              <a:schemeClr val="accent6"/>
+            </a:fillRef>
+            <a:effectRef idx="3">
+              <a:schemeClr val="accent6"/>
+            </a:effectRef>
+            <a:fontRef idx="minor">
+              <a:schemeClr val="lt1"/>
+            </a:fontRef>
+          </p:style>
+          <p:txBody>
+            <a:bodyPr rtlCol="0" anchor="ctr"/>
+            <a:lstStyle/>
+            <a:p>
+              <a:pPr algn="ctr"/>
+              <a:endParaRPr lang="en-IN" sz="2000" b="1">
+                <a:solidFill>
+                  <a:srgbClr val="FFD13F"/>
+                </a:solidFill>
+              </a:endParaRPr>
+            </a:p>
+          </p:txBody>
+        </p:sp>
+        <p:sp>
+          <p:nvSpPr>
+            <p:cNvPr id="64" name="Right Arrow 63"/>
+            <p:cNvSpPr/>
+            <p:nvPr/>
+          </p:nvSpPr>
+          <p:spPr>
+            <a:xfrm rot="9960000">
+              <a:off x="794995" y="2495418"/>
+              <a:ext cx="1019124" cy="237775"/>
+            </a:xfrm>
+            <a:prstGeom prst="rightArrow">
+              <a:avLst/>
+            </a:prstGeom>
+            <a:solidFill>
+              <a:schemeClr val="accent5">
+                <a:lumMod val="75000"/>
+              </a:schemeClr>
+            </a:solidFill>
+            <a:ln/>
+          </p:spPr>
+          <p:style>
+            <a:lnRef idx="0">
+              <a:schemeClr val="accent6"/>
+            </a:lnRef>
+            <a:fillRef idx="3">
+              <a:schemeClr val="accent6"/>
+            </a:fillRef>
+            <a:effectRef idx="3">
+              <a:schemeClr val="accent6"/>
+            </a:effectRef>
+            <a:fontRef idx="minor">
+              <a:schemeClr val="lt1"/>
+            </a:fontRef>
+          </p:style>
+          <p:txBody>
+            <a:bodyPr rtlCol="0" anchor="ctr"/>
+            <a:lstStyle/>
+            <a:p>
+              <a:pPr algn="ctr"/>
+              <a:endParaRPr lang="en-IN" sz="2000" b="1">
+                <a:solidFill>
+                  <a:srgbClr val="FFD13F"/>
+                </a:solidFill>
+              </a:endParaRPr>
+            </a:p>
+          </p:txBody>
+        </p:sp>
+      </p:grpSp>
     </p:spTree>
     <p:extLst>
       <p:ext uri="{BB962C8B-B14F-4D97-AF65-F5344CB8AC3E}">
